--- a/simulation/fig/fig.pptx
+++ b/simulation/fig/fig.pptx
@@ -5,7 +5,8 @@
     <p:sldMasterId id="2147483660" r:id="rId1"/>
   </p:sldMasterIdLst>
   <p:sldIdLst>
-    <p:sldId id="256" r:id="rId2"/>
+    <p:sldId id="257" r:id="rId2"/>
+    <p:sldId id="256" r:id="rId3"/>
   </p:sldIdLst>
   <p:sldSz cx="9144000" cy="6858000" type="screen4x3"/>
   <p:notesSz cx="6858000" cy="9144000"/>
@@ -486,8 +487,2047 @@
           <a:chExt cx="0" cy="0"/>
         </a:xfrm>
       </p:grpSpPr>
+      <p:cxnSp>
+        <p:nvCxnSpPr>
+          <p:cNvPr id="4" name="直線コネクタ 3">
+            <a:extLst>
+              <a:ext uri="{FF2B5EF4-FFF2-40B4-BE49-F238E27FC236}">
+                <a16:creationId xmlns:a16="http://schemas.microsoft.com/office/drawing/2014/main" id="{182D57F1-8C0C-9840-AB50-10D883C2E666}"/>
+              </a:ext>
+            </a:extLst>
+          </p:cNvPr>
+          <p:cNvCxnSpPr>
+            <a:cxnSpLocks/>
+          </p:cNvCxnSpPr>
+          <p:nvPr/>
+        </p:nvCxnSpPr>
+        <p:spPr>
+          <a:xfrm>
+            <a:off x="683566" y="3933054"/>
+            <a:ext cx="2867992" cy="0"/>
+          </a:xfrm>
+          <a:prstGeom prst="line">
+            <a:avLst/>
+          </a:prstGeom>
+          <a:ln w="12700">
+            <a:solidFill>
+              <a:schemeClr val="tx1"/>
+            </a:solidFill>
+          </a:ln>
+        </p:spPr>
+        <p:style>
+          <a:lnRef idx="1">
+            <a:schemeClr val="accent1"/>
+          </a:lnRef>
+          <a:fillRef idx="0">
+            <a:schemeClr val="accent1"/>
+          </a:fillRef>
+          <a:effectRef idx="0">
+            <a:schemeClr val="accent1"/>
+          </a:effectRef>
+          <a:fontRef idx="minor">
+            <a:schemeClr val="tx1"/>
+          </a:fontRef>
+        </p:style>
+      </p:cxnSp>
+      <p:sp>
+        <p:nvSpPr>
+          <p:cNvPr id="7" name="円/楕円 6">
+            <a:extLst>
+              <a:ext uri="{FF2B5EF4-FFF2-40B4-BE49-F238E27FC236}">
+                <a16:creationId xmlns:a16="http://schemas.microsoft.com/office/drawing/2014/main" id="{0606F701-81DA-3D4C-ACFA-AA9A83A7DFF3}"/>
+              </a:ext>
+            </a:extLst>
+          </p:cNvPr>
+          <p:cNvSpPr/>
+          <p:nvPr/>
+        </p:nvSpPr>
+        <p:spPr>
+          <a:xfrm>
+            <a:off x="755574" y="3501006"/>
+            <a:ext cx="432048" cy="432048"/>
+          </a:xfrm>
+          <a:prstGeom prst="ellipse">
+            <a:avLst/>
+          </a:prstGeom>
+          <a:noFill/>
+          <a:ln>
+            <a:solidFill>
+              <a:schemeClr val="tx1"/>
+            </a:solidFill>
+          </a:ln>
+        </p:spPr>
+        <p:style>
+          <a:lnRef idx="2">
+            <a:schemeClr val="accent1">
+              <a:shade val="50000"/>
+            </a:schemeClr>
+          </a:lnRef>
+          <a:fillRef idx="1">
+            <a:schemeClr val="accent1"/>
+          </a:fillRef>
+          <a:effectRef idx="0">
+            <a:schemeClr val="accent1"/>
+          </a:effectRef>
+          <a:fontRef idx="minor">
+            <a:schemeClr val="lt1"/>
+          </a:fontRef>
+        </p:style>
+        <p:txBody>
+          <a:bodyPr rtlCol="0" anchor="ctr"/>
+          <a:lstStyle/>
+          <a:p>
+            <a:pPr algn="ctr"/>
+            <a:endParaRPr kumimoji="1" lang="ja-JP" altLang="en-US"/>
+          </a:p>
+        </p:txBody>
+      </p:sp>
+      <p:sp>
+        <p:nvSpPr>
+          <p:cNvPr id="8" name="円/楕円 7">
+            <a:extLst>
+              <a:ext uri="{FF2B5EF4-FFF2-40B4-BE49-F238E27FC236}">
+                <a16:creationId xmlns:a16="http://schemas.microsoft.com/office/drawing/2014/main" id="{F95BEDF0-BAE0-8845-A8F7-5F2071A89732}"/>
+              </a:ext>
+            </a:extLst>
+          </p:cNvPr>
+          <p:cNvSpPr/>
+          <p:nvPr/>
+        </p:nvSpPr>
+        <p:spPr>
+          <a:xfrm>
+            <a:off x="2339750" y="1484782"/>
+            <a:ext cx="432048" cy="432048"/>
+          </a:xfrm>
+          <a:prstGeom prst="ellipse">
+            <a:avLst/>
+          </a:prstGeom>
+          <a:noFill/>
+          <a:ln>
+            <a:solidFill>
+              <a:schemeClr val="tx1"/>
+            </a:solidFill>
+          </a:ln>
+        </p:spPr>
+        <p:style>
+          <a:lnRef idx="2">
+            <a:schemeClr val="accent1">
+              <a:shade val="50000"/>
+            </a:schemeClr>
+          </a:lnRef>
+          <a:fillRef idx="1">
+            <a:schemeClr val="accent1"/>
+          </a:fillRef>
+          <a:effectRef idx="0">
+            <a:schemeClr val="accent1"/>
+          </a:effectRef>
+          <a:fontRef idx="minor">
+            <a:schemeClr val="lt1"/>
+          </a:fontRef>
+        </p:style>
+        <p:txBody>
+          <a:bodyPr rtlCol="0" anchor="ctr"/>
+          <a:lstStyle/>
+          <a:p>
+            <a:pPr algn="ctr"/>
+            <a:endParaRPr kumimoji="1" lang="ja-JP" altLang="en-US"/>
+          </a:p>
+        </p:txBody>
+      </p:sp>
+      <p:cxnSp>
+        <p:nvCxnSpPr>
+          <p:cNvPr id="10" name="直線矢印コネクタ 9">
+            <a:extLst>
+              <a:ext uri="{FF2B5EF4-FFF2-40B4-BE49-F238E27FC236}">
+                <a16:creationId xmlns:a16="http://schemas.microsoft.com/office/drawing/2014/main" id="{0B049A98-139E-CF44-927F-5653714DEC75}"/>
+              </a:ext>
+            </a:extLst>
+          </p:cNvPr>
+          <p:cNvCxnSpPr>
+            <a:cxnSpLocks/>
+          </p:cNvCxnSpPr>
+          <p:nvPr/>
+        </p:nvCxnSpPr>
+        <p:spPr>
+          <a:xfrm flipV="1">
+            <a:off x="971598" y="2708918"/>
+            <a:ext cx="792088" cy="1008112"/>
+          </a:xfrm>
+          <a:prstGeom prst="straightConnector1">
+            <a:avLst/>
+          </a:prstGeom>
+          <a:ln w="12700">
+            <a:solidFill>
+              <a:schemeClr val="tx1"/>
+            </a:solidFill>
+            <a:tailEnd type="triangle"/>
+          </a:ln>
+        </p:spPr>
+        <p:style>
+          <a:lnRef idx="1">
+            <a:schemeClr val="accent1"/>
+          </a:lnRef>
+          <a:fillRef idx="0">
+            <a:schemeClr val="accent1"/>
+          </a:fillRef>
+          <a:effectRef idx="0">
+            <a:schemeClr val="accent1"/>
+          </a:effectRef>
+          <a:fontRef idx="minor">
+            <a:schemeClr val="tx1"/>
+          </a:fontRef>
+        </p:style>
+      </p:cxnSp>
+      <p:cxnSp>
+        <p:nvCxnSpPr>
+          <p:cNvPr id="12" name="直線コネクタ 11">
+            <a:extLst>
+              <a:ext uri="{FF2B5EF4-FFF2-40B4-BE49-F238E27FC236}">
+                <a16:creationId xmlns:a16="http://schemas.microsoft.com/office/drawing/2014/main" id="{2DE1F842-0F94-3A44-B222-9749BFFAF74B}"/>
+              </a:ext>
+            </a:extLst>
+          </p:cNvPr>
+          <p:cNvCxnSpPr>
+            <a:cxnSpLocks/>
+          </p:cNvCxnSpPr>
+          <p:nvPr/>
+        </p:nvCxnSpPr>
+        <p:spPr>
+          <a:xfrm>
+            <a:off x="971598" y="3717030"/>
+            <a:ext cx="792088" cy="0"/>
+          </a:xfrm>
+          <a:prstGeom prst="line">
+            <a:avLst/>
+          </a:prstGeom>
+          <a:ln w="12700">
+            <a:solidFill>
+              <a:schemeClr val="tx1"/>
+            </a:solidFill>
+            <a:tailEnd type="triangle"/>
+          </a:ln>
+        </p:spPr>
+        <p:style>
+          <a:lnRef idx="1">
+            <a:schemeClr val="accent1"/>
+          </a:lnRef>
+          <a:fillRef idx="0">
+            <a:schemeClr val="accent1"/>
+          </a:fillRef>
+          <a:effectRef idx="0">
+            <a:schemeClr val="accent1"/>
+          </a:effectRef>
+          <a:fontRef idx="minor">
+            <a:schemeClr val="tx1"/>
+          </a:fontRef>
+        </p:style>
+      </p:cxnSp>
+      <p:cxnSp>
+        <p:nvCxnSpPr>
+          <p:cNvPr id="14" name="直線矢印コネクタ 13">
+            <a:extLst>
+              <a:ext uri="{FF2B5EF4-FFF2-40B4-BE49-F238E27FC236}">
+                <a16:creationId xmlns:a16="http://schemas.microsoft.com/office/drawing/2014/main" id="{E8F8B98A-4B15-6C48-812D-64D09BE233CF}"/>
+              </a:ext>
+            </a:extLst>
+          </p:cNvPr>
+          <p:cNvCxnSpPr>
+            <a:cxnSpLocks/>
+          </p:cNvCxnSpPr>
+          <p:nvPr/>
+        </p:nvCxnSpPr>
+        <p:spPr>
+          <a:xfrm flipV="1">
+            <a:off x="971598" y="2708918"/>
+            <a:ext cx="0" cy="1008112"/>
+          </a:xfrm>
+          <a:prstGeom prst="straightConnector1">
+            <a:avLst/>
+          </a:prstGeom>
+          <a:ln w="12700">
+            <a:solidFill>
+              <a:schemeClr val="tx1"/>
+            </a:solidFill>
+            <a:tailEnd type="triangle"/>
+          </a:ln>
+        </p:spPr>
+        <p:style>
+          <a:lnRef idx="1">
+            <a:schemeClr val="accent1"/>
+          </a:lnRef>
+          <a:fillRef idx="0">
+            <a:schemeClr val="accent1"/>
+          </a:fillRef>
+          <a:effectRef idx="0">
+            <a:schemeClr val="accent1"/>
+          </a:effectRef>
+          <a:fontRef idx="minor">
+            <a:schemeClr val="tx1"/>
+          </a:fontRef>
+        </p:style>
+      </p:cxnSp>
+      <p:cxnSp>
+        <p:nvCxnSpPr>
+          <p:cNvPr id="15" name="直線矢印コネクタ 14">
+            <a:extLst>
+              <a:ext uri="{FF2B5EF4-FFF2-40B4-BE49-F238E27FC236}">
+                <a16:creationId xmlns:a16="http://schemas.microsoft.com/office/drawing/2014/main" id="{AF5285DF-55D3-944C-9A94-851442156411}"/>
+              </a:ext>
+            </a:extLst>
+          </p:cNvPr>
+          <p:cNvCxnSpPr>
+            <a:cxnSpLocks/>
+          </p:cNvCxnSpPr>
+          <p:nvPr/>
+        </p:nvCxnSpPr>
+        <p:spPr>
+          <a:xfrm flipV="1">
+            <a:off x="2555774" y="980726"/>
+            <a:ext cx="648072" cy="720080"/>
+          </a:xfrm>
+          <a:prstGeom prst="straightConnector1">
+            <a:avLst/>
+          </a:prstGeom>
+          <a:ln w="12700">
+            <a:solidFill>
+              <a:schemeClr val="tx1"/>
+            </a:solidFill>
+            <a:tailEnd type="triangle"/>
+          </a:ln>
+        </p:spPr>
+        <p:style>
+          <a:lnRef idx="1">
+            <a:schemeClr val="accent1"/>
+          </a:lnRef>
+          <a:fillRef idx="0">
+            <a:schemeClr val="accent1"/>
+          </a:fillRef>
+          <a:effectRef idx="0">
+            <a:schemeClr val="accent1"/>
+          </a:effectRef>
+          <a:fontRef idx="minor">
+            <a:schemeClr val="tx1"/>
+          </a:fontRef>
+        </p:style>
+      </p:cxnSp>
+      <p:cxnSp>
+        <p:nvCxnSpPr>
+          <p:cNvPr id="17" name="直線コネクタ 16">
+            <a:extLst>
+              <a:ext uri="{FF2B5EF4-FFF2-40B4-BE49-F238E27FC236}">
+                <a16:creationId xmlns:a16="http://schemas.microsoft.com/office/drawing/2014/main" id="{6050D466-8991-BB44-AA91-4572419C219C}"/>
+              </a:ext>
+            </a:extLst>
+          </p:cNvPr>
+          <p:cNvCxnSpPr>
+            <a:cxnSpLocks/>
+          </p:cNvCxnSpPr>
+          <p:nvPr/>
+        </p:nvCxnSpPr>
+        <p:spPr>
+          <a:xfrm>
+            <a:off x="2555774" y="1700806"/>
+            <a:ext cx="648072" cy="0"/>
+          </a:xfrm>
+          <a:prstGeom prst="line">
+            <a:avLst/>
+          </a:prstGeom>
+          <a:ln w="12700">
+            <a:solidFill>
+              <a:schemeClr val="tx1"/>
+            </a:solidFill>
+            <a:tailEnd type="triangle"/>
+          </a:ln>
+        </p:spPr>
+        <p:style>
+          <a:lnRef idx="1">
+            <a:schemeClr val="accent1"/>
+          </a:lnRef>
+          <a:fillRef idx="0">
+            <a:schemeClr val="accent1"/>
+          </a:fillRef>
+          <a:effectRef idx="0">
+            <a:schemeClr val="accent1"/>
+          </a:effectRef>
+          <a:fontRef idx="minor">
+            <a:schemeClr val="tx1"/>
+          </a:fontRef>
+        </p:style>
+      </p:cxnSp>
+      <p:cxnSp>
+        <p:nvCxnSpPr>
+          <p:cNvPr id="32" name="直線矢印コネクタ 31">
+            <a:extLst>
+              <a:ext uri="{FF2B5EF4-FFF2-40B4-BE49-F238E27FC236}">
+                <a16:creationId xmlns:a16="http://schemas.microsoft.com/office/drawing/2014/main" id="{DB8A7256-3061-F449-A091-DABF8591C56D}"/>
+              </a:ext>
+            </a:extLst>
+          </p:cNvPr>
+          <p:cNvCxnSpPr/>
+          <p:nvPr/>
+        </p:nvCxnSpPr>
+        <p:spPr>
+          <a:xfrm flipV="1">
+            <a:off x="2555774" y="980726"/>
+            <a:ext cx="0" cy="720080"/>
+          </a:xfrm>
+          <a:prstGeom prst="straightConnector1">
+            <a:avLst/>
+          </a:prstGeom>
+          <a:ln w="12700">
+            <a:solidFill>
+              <a:schemeClr val="tx1"/>
+            </a:solidFill>
+            <a:tailEnd type="triangle"/>
+          </a:ln>
+        </p:spPr>
+        <p:style>
+          <a:lnRef idx="1">
+            <a:schemeClr val="accent1"/>
+          </a:lnRef>
+          <a:fillRef idx="0">
+            <a:schemeClr val="accent1"/>
+          </a:fillRef>
+          <a:effectRef idx="0">
+            <a:schemeClr val="accent1"/>
+          </a:effectRef>
+          <a:fontRef idx="minor">
+            <a:schemeClr val="tx1"/>
+          </a:fontRef>
+        </p:style>
+      </p:cxnSp>
       <mc:AlternateContent xmlns:mc="http://schemas.openxmlformats.org/markup-compatibility/2006">
         <mc:Choice xmlns:a14="http://schemas.microsoft.com/office/drawing/2010/main" Requires="a14">
+          <p:sp>
+            <p:nvSpPr>
+              <p:cNvPr id="36" name="テキスト ボックス 35">
+                <a:extLst>
+                  <a:ext uri="{FF2B5EF4-FFF2-40B4-BE49-F238E27FC236}">
+                    <a16:creationId xmlns:a16="http://schemas.microsoft.com/office/drawing/2014/main" id="{BE630784-F94F-DE48-BA23-9417A5F394F3}"/>
+                  </a:ext>
+                </a:extLst>
+              </p:cNvPr>
+              <p:cNvSpPr txBox="1"/>
+              <p:nvPr/>
+            </p:nvSpPr>
+            <p:spPr>
+              <a:xfrm>
+                <a:off x="1259630" y="3356990"/>
+                <a:ext cx="189474" cy="276999"/>
+              </a:xfrm>
+              <a:prstGeom prst="rect">
+                <a:avLst/>
+              </a:prstGeom>
+              <a:noFill/>
+            </p:spPr>
+            <p:txBody>
+              <a:bodyPr wrap="none" lIns="0" tIns="0" rIns="0" bIns="0" rtlCol="0">
+                <a:spAutoFit/>
+              </a:bodyPr>
+              <a:lstStyle/>
+              <a:p>
+                <a14:m>
+                  <m:oMathPara xmlns:m="http://schemas.openxmlformats.org/officeDocument/2006/math">
+                    <m:oMathParaPr>
+                      <m:jc m:val="centerGroup"/>
+                    </m:oMathParaPr>
+                    <m:oMath xmlns:m="http://schemas.openxmlformats.org/officeDocument/2006/math">
+                      <m:r>
+                        <a:rPr kumimoji="1" lang="ja-JP" altLang="en-US" i="1">
+                          <a:latin typeface="Cambria Math" panose="02040503050406030204" pitchFamily="18" charset="0"/>
+                        </a:rPr>
+                        <m:t>𝜃</m:t>
+                      </m:r>
+                    </m:oMath>
+                  </m:oMathPara>
+                </a14:m>
+                <a:endParaRPr kumimoji="1" lang="ja-JP" altLang="en-US"/>
+              </a:p>
+            </p:txBody>
+          </p:sp>
+        </mc:Choice>
+        <mc:Fallback>
+          <p:sp>
+            <p:nvSpPr>
+              <p:cNvPr id="36" name="テキスト ボックス 35">
+                <a:extLst>
+                  <a:ext uri="{FF2B5EF4-FFF2-40B4-BE49-F238E27FC236}">
+                    <a16:creationId xmlns:a16="http://schemas.microsoft.com/office/drawing/2014/main" id="{BE630784-F94F-DE48-BA23-9417A5F394F3}"/>
+                  </a:ext>
+                </a:extLst>
+              </p:cNvPr>
+              <p:cNvSpPr txBox="1">
+                <a:spLocks noRot="1" noChangeAspect="1" noMove="1" noResize="1" noEditPoints="1" noAdjustHandles="1" noChangeArrowheads="1" noChangeShapeType="1" noTextEdit="1"/>
+              </p:cNvSpPr>
+              <p:nvPr/>
+            </p:nvSpPr>
+            <p:spPr>
+              <a:xfrm>
+                <a:off x="1259630" y="3356990"/>
+                <a:ext cx="189474" cy="276999"/>
+              </a:xfrm>
+              <a:prstGeom prst="rect">
+                <a:avLst/>
+              </a:prstGeom>
+              <a:blipFill>
+                <a:blip r:embed="rId2"/>
+                <a:stretch>
+                  <a:fillRect l="-18750" r="-18750" b="-4545"/>
+                </a:stretch>
+              </a:blipFill>
+            </p:spPr>
+            <p:txBody>
+              <a:bodyPr/>
+              <a:lstStyle/>
+              <a:p>
+                <a:r>
+                  <a:rPr lang="ja-JP" altLang="en-US">
+                    <a:noFill/>
+                  </a:rPr>
+                  <a:t> </a:t>
+                </a:r>
+              </a:p>
+            </p:txBody>
+          </p:sp>
+        </mc:Fallback>
+      </mc:AlternateContent>
+      <mc:AlternateContent xmlns:mc="http://schemas.openxmlformats.org/markup-compatibility/2006">
+        <mc:Choice xmlns:a14="http://schemas.microsoft.com/office/drawing/2010/main" Requires="a14">
+          <p:sp>
+            <p:nvSpPr>
+              <p:cNvPr id="37" name="テキスト ボックス 36">
+                <a:extLst>
+                  <a:ext uri="{FF2B5EF4-FFF2-40B4-BE49-F238E27FC236}">
+                    <a16:creationId xmlns:a16="http://schemas.microsoft.com/office/drawing/2014/main" id="{A469AA08-570C-0A40-9DDC-DBD1E1F895B2}"/>
+                  </a:ext>
+                </a:extLst>
+              </p:cNvPr>
+              <p:cNvSpPr txBox="1"/>
+              <p:nvPr/>
+            </p:nvSpPr>
+            <p:spPr>
+              <a:xfrm>
+                <a:off x="2843806" y="1423807"/>
+                <a:ext cx="214931" cy="276999"/>
+              </a:xfrm>
+              <a:prstGeom prst="rect">
+                <a:avLst/>
+              </a:prstGeom>
+              <a:noFill/>
+            </p:spPr>
+            <p:txBody>
+              <a:bodyPr wrap="none" lIns="0" tIns="0" rIns="0" bIns="0" rtlCol="0">
+                <a:spAutoFit/>
+              </a:bodyPr>
+              <a:lstStyle/>
+              <a:p>
+                <a14:m>
+                  <m:oMathPara xmlns:m="http://schemas.openxmlformats.org/officeDocument/2006/math">
+                    <m:oMathParaPr>
+                      <m:jc m:val="centerGroup"/>
+                    </m:oMathParaPr>
+                    <m:oMath xmlns:m="http://schemas.openxmlformats.org/officeDocument/2006/math">
+                      <m:r>
+                        <a:rPr kumimoji="1" lang="ja-JP" altLang="en-US" i="1">
+                          <a:latin typeface="Cambria Math" panose="02040503050406030204" pitchFamily="18" charset="0"/>
+                        </a:rPr>
+                        <m:t>𝜙</m:t>
+                      </m:r>
+                    </m:oMath>
+                  </m:oMathPara>
+                </a14:m>
+                <a:endParaRPr kumimoji="1" lang="ja-JP" altLang="en-US"/>
+              </a:p>
+            </p:txBody>
+          </p:sp>
+        </mc:Choice>
+        <mc:Fallback>
+          <p:sp>
+            <p:nvSpPr>
+              <p:cNvPr id="37" name="テキスト ボックス 36">
+                <a:extLst>
+                  <a:ext uri="{FF2B5EF4-FFF2-40B4-BE49-F238E27FC236}">
+                    <a16:creationId xmlns:a16="http://schemas.microsoft.com/office/drawing/2014/main" id="{A469AA08-570C-0A40-9DDC-DBD1E1F895B2}"/>
+                  </a:ext>
+                </a:extLst>
+              </p:cNvPr>
+              <p:cNvSpPr txBox="1">
+                <a:spLocks noRot="1" noChangeAspect="1" noMove="1" noResize="1" noEditPoints="1" noAdjustHandles="1" noChangeArrowheads="1" noChangeShapeType="1" noTextEdit="1"/>
+              </p:cNvSpPr>
+              <p:nvPr/>
+            </p:nvSpPr>
+            <p:spPr>
+              <a:xfrm>
+                <a:off x="2843806" y="1423807"/>
+                <a:ext cx="214931" cy="276999"/>
+              </a:xfrm>
+              <a:prstGeom prst="rect">
+                <a:avLst/>
+              </a:prstGeom>
+              <a:blipFill>
+                <a:blip r:embed="rId3"/>
+                <a:stretch>
+                  <a:fillRect l="-33333" r="-27778" b="-30435"/>
+                </a:stretch>
+              </a:blipFill>
+            </p:spPr>
+            <p:txBody>
+              <a:bodyPr/>
+              <a:lstStyle/>
+              <a:p>
+                <a:r>
+                  <a:rPr lang="ja-JP" altLang="en-US">
+                    <a:noFill/>
+                  </a:rPr>
+                  <a:t> </a:t>
+                </a:r>
+              </a:p>
+            </p:txBody>
+          </p:sp>
+        </mc:Fallback>
+      </mc:AlternateContent>
+      <p:sp>
+        <p:nvSpPr>
+          <p:cNvPr id="38" name="テキスト ボックス 37">
+            <a:extLst>
+              <a:ext uri="{FF2B5EF4-FFF2-40B4-BE49-F238E27FC236}">
+                <a16:creationId xmlns:a16="http://schemas.microsoft.com/office/drawing/2014/main" id="{EED98BF3-7C3B-0A4F-A9CF-D695324E42AF}"/>
+              </a:ext>
+            </a:extLst>
+          </p:cNvPr>
+          <p:cNvSpPr txBox="1"/>
+          <p:nvPr/>
+        </p:nvSpPr>
+        <p:spPr>
+          <a:xfrm>
+            <a:off x="251520" y="260648"/>
+            <a:ext cx="4481388" cy="646331"/>
+          </a:xfrm>
+          <a:prstGeom prst="rect">
+            <a:avLst/>
+          </a:prstGeom>
+          <a:noFill/>
+        </p:spPr>
+        <p:txBody>
+          <a:bodyPr wrap="square" rtlCol="0">
+            <a:spAutoFit/>
+          </a:bodyPr>
+          <a:lstStyle/>
+          <a:p>
+            <a:r>
+              <a:rPr lang="ja-JP" altLang="en-US"/>
+              <a:t>最初に角度</a:t>
+            </a:r>
+            <a:r>
+              <a:rPr lang="en-US" altLang="ja-JP"/>
+              <a:t>θ</a:t>
+            </a:r>
+            <a:r>
+              <a:rPr lang="ja-JP" altLang="en-US"/>
+              <a:t>で打ち上げて、しばらくして仰角が</a:t>
+            </a:r>
+            <a:r>
+              <a:rPr lang="en-US" altLang="ja-JP"/>
+              <a:t>φ</a:t>
+            </a:r>
+            <a:r>
+              <a:rPr lang="ja-JP" altLang="en-US"/>
+              <a:t>になった</a:t>
+            </a:r>
+            <a:endParaRPr kumimoji="1" lang="ja-JP" altLang="en-US"/>
+          </a:p>
+        </p:txBody>
+      </p:sp>
+      <p:sp>
+        <p:nvSpPr>
+          <p:cNvPr id="39" name="右矢印 38">
+            <a:extLst>
+              <a:ext uri="{FF2B5EF4-FFF2-40B4-BE49-F238E27FC236}">
+                <a16:creationId xmlns:a16="http://schemas.microsoft.com/office/drawing/2014/main" id="{E5C53C74-E1E7-2F4E-BB4C-AA9E85C69A5E}"/>
+              </a:ext>
+            </a:extLst>
+          </p:cNvPr>
+          <p:cNvSpPr/>
+          <p:nvPr/>
+        </p:nvSpPr>
+        <p:spPr>
+          <a:xfrm rot="18897441">
+            <a:off x="1662544" y="2067830"/>
+            <a:ext cx="576064" cy="360040"/>
+          </a:xfrm>
+          <a:prstGeom prst="rightArrow">
+            <a:avLst/>
+          </a:prstGeom>
+          <a:solidFill>
+            <a:srgbClr val="FF0000"/>
+          </a:solidFill>
+          <a:ln>
+            <a:solidFill>
+              <a:schemeClr val="tx1"/>
+            </a:solidFill>
+          </a:ln>
+        </p:spPr>
+        <p:style>
+          <a:lnRef idx="2">
+            <a:schemeClr val="accent1">
+              <a:shade val="50000"/>
+            </a:schemeClr>
+          </a:lnRef>
+          <a:fillRef idx="1">
+            <a:schemeClr val="accent1"/>
+          </a:fillRef>
+          <a:effectRef idx="0">
+            <a:schemeClr val="accent1"/>
+          </a:effectRef>
+          <a:fontRef idx="minor">
+            <a:schemeClr val="lt1"/>
+          </a:fontRef>
+        </p:style>
+        <p:txBody>
+          <a:bodyPr rtlCol="0" anchor="ctr"/>
+          <a:lstStyle/>
+          <a:p>
+            <a:pPr algn="ctr"/>
+            <a:endParaRPr kumimoji="1" lang="ja-JP" altLang="en-US"/>
+          </a:p>
+        </p:txBody>
+      </p:sp>
+      <p:sp>
+        <p:nvSpPr>
+          <p:cNvPr id="50" name="円/楕円 49">
+            <a:extLst>
+              <a:ext uri="{FF2B5EF4-FFF2-40B4-BE49-F238E27FC236}">
+                <a16:creationId xmlns:a16="http://schemas.microsoft.com/office/drawing/2014/main" id="{82BC6C41-DF3E-0E42-9071-7A7300E93780}"/>
+              </a:ext>
+            </a:extLst>
+          </p:cNvPr>
+          <p:cNvSpPr/>
+          <p:nvPr/>
+        </p:nvSpPr>
+        <p:spPr>
+          <a:xfrm>
+            <a:off x="5796136" y="2708920"/>
+            <a:ext cx="432048" cy="432048"/>
+          </a:xfrm>
+          <a:prstGeom prst="ellipse">
+            <a:avLst/>
+          </a:prstGeom>
+          <a:noFill/>
+          <a:ln>
+            <a:solidFill>
+              <a:schemeClr val="tx1"/>
+            </a:solidFill>
+          </a:ln>
+        </p:spPr>
+        <p:style>
+          <a:lnRef idx="2">
+            <a:schemeClr val="accent1">
+              <a:shade val="50000"/>
+            </a:schemeClr>
+          </a:lnRef>
+          <a:fillRef idx="1">
+            <a:schemeClr val="accent1"/>
+          </a:fillRef>
+          <a:effectRef idx="0">
+            <a:schemeClr val="accent1"/>
+          </a:effectRef>
+          <a:fontRef idx="minor">
+            <a:schemeClr val="lt1"/>
+          </a:fontRef>
+        </p:style>
+        <p:txBody>
+          <a:bodyPr rtlCol="0" anchor="ctr"/>
+          <a:lstStyle/>
+          <a:p>
+            <a:pPr algn="ctr"/>
+            <a:endParaRPr kumimoji="1" lang="ja-JP" altLang="en-US"/>
+          </a:p>
+        </p:txBody>
+      </p:sp>
+      <p:cxnSp>
+        <p:nvCxnSpPr>
+          <p:cNvPr id="51" name="直線コネクタ 50">
+            <a:extLst>
+              <a:ext uri="{FF2B5EF4-FFF2-40B4-BE49-F238E27FC236}">
+                <a16:creationId xmlns:a16="http://schemas.microsoft.com/office/drawing/2014/main" id="{5B810F1D-16B1-5B49-ADCF-AC774382D480}"/>
+              </a:ext>
+            </a:extLst>
+          </p:cNvPr>
+          <p:cNvCxnSpPr>
+            <a:cxnSpLocks/>
+          </p:cNvCxnSpPr>
+          <p:nvPr/>
+        </p:nvCxnSpPr>
+        <p:spPr>
+          <a:xfrm>
+            <a:off x="6012160" y="2924944"/>
+            <a:ext cx="1728192" cy="0"/>
+          </a:xfrm>
+          <a:prstGeom prst="line">
+            <a:avLst/>
+          </a:prstGeom>
+          <a:ln w="25400">
+            <a:solidFill>
+              <a:schemeClr val="tx1"/>
+            </a:solidFill>
+            <a:tailEnd type="triangle"/>
+          </a:ln>
+        </p:spPr>
+        <p:style>
+          <a:lnRef idx="1">
+            <a:schemeClr val="accent1"/>
+          </a:lnRef>
+          <a:fillRef idx="0">
+            <a:schemeClr val="accent1"/>
+          </a:fillRef>
+          <a:effectRef idx="0">
+            <a:schemeClr val="accent1"/>
+          </a:effectRef>
+          <a:fontRef idx="minor">
+            <a:schemeClr val="tx1"/>
+          </a:fontRef>
+        </p:style>
+      </p:cxnSp>
+      <p:cxnSp>
+        <p:nvCxnSpPr>
+          <p:cNvPr id="53" name="直線矢印コネクタ 52">
+            <a:extLst>
+              <a:ext uri="{FF2B5EF4-FFF2-40B4-BE49-F238E27FC236}">
+                <a16:creationId xmlns:a16="http://schemas.microsoft.com/office/drawing/2014/main" id="{A504DFD1-E8A5-3B4C-92BD-450D3D65810F}"/>
+              </a:ext>
+            </a:extLst>
+          </p:cNvPr>
+          <p:cNvCxnSpPr>
+            <a:cxnSpLocks/>
+          </p:cNvCxnSpPr>
+          <p:nvPr/>
+        </p:nvCxnSpPr>
+        <p:spPr>
+          <a:xfrm flipV="1">
+            <a:off x="6012160" y="980728"/>
+            <a:ext cx="0" cy="1944216"/>
+          </a:xfrm>
+          <a:prstGeom prst="straightConnector1">
+            <a:avLst/>
+          </a:prstGeom>
+          <a:ln w="25400">
+            <a:solidFill>
+              <a:schemeClr val="tx1"/>
+            </a:solidFill>
+            <a:tailEnd type="triangle"/>
+          </a:ln>
+        </p:spPr>
+        <p:style>
+          <a:lnRef idx="1">
+            <a:schemeClr val="accent1"/>
+          </a:lnRef>
+          <a:fillRef idx="0">
+            <a:schemeClr val="accent1"/>
+          </a:fillRef>
+          <a:effectRef idx="0">
+            <a:schemeClr val="accent1"/>
+          </a:effectRef>
+          <a:fontRef idx="minor">
+            <a:schemeClr val="tx1"/>
+          </a:fontRef>
+        </p:style>
+      </p:cxnSp>
+      <p:cxnSp>
+        <p:nvCxnSpPr>
+          <p:cNvPr id="55" name="直線矢印コネクタ 54">
+            <a:extLst>
+              <a:ext uri="{FF2B5EF4-FFF2-40B4-BE49-F238E27FC236}">
+                <a16:creationId xmlns:a16="http://schemas.microsoft.com/office/drawing/2014/main" id="{95F553E2-C523-5D41-965E-07C9A90BB00C}"/>
+              </a:ext>
+            </a:extLst>
+          </p:cNvPr>
+          <p:cNvCxnSpPr>
+            <a:cxnSpLocks/>
+          </p:cNvCxnSpPr>
+          <p:nvPr/>
+        </p:nvCxnSpPr>
+        <p:spPr>
+          <a:xfrm flipV="1">
+            <a:off x="6012160" y="980728"/>
+            <a:ext cx="1728192" cy="1944216"/>
+          </a:xfrm>
+          <a:prstGeom prst="straightConnector1">
+            <a:avLst/>
+          </a:prstGeom>
+          <a:ln w="25400">
+            <a:solidFill>
+              <a:schemeClr val="tx1"/>
+            </a:solidFill>
+            <a:tailEnd type="triangle"/>
+          </a:ln>
+        </p:spPr>
+        <p:style>
+          <a:lnRef idx="1">
+            <a:schemeClr val="accent1"/>
+          </a:lnRef>
+          <a:fillRef idx="0">
+            <a:schemeClr val="accent1"/>
+          </a:fillRef>
+          <a:effectRef idx="0">
+            <a:schemeClr val="accent1"/>
+          </a:effectRef>
+          <a:fontRef idx="minor">
+            <a:schemeClr val="tx1"/>
+          </a:fontRef>
+        </p:style>
+      </p:cxnSp>
+      <p:cxnSp>
+        <p:nvCxnSpPr>
+          <p:cNvPr id="57" name="直線矢印コネクタ 56">
+            <a:extLst>
+              <a:ext uri="{FF2B5EF4-FFF2-40B4-BE49-F238E27FC236}">
+                <a16:creationId xmlns:a16="http://schemas.microsoft.com/office/drawing/2014/main" id="{3CCC29CE-EB92-7549-888A-7FD057E6BB38}"/>
+              </a:ext>
+            </a:extLst>
+          </p:cNvPr>
+          <p:cNvCxnSpPr>
+            <a:cxnSpLocks/>
+          </p:cNvCxnSpPr>
+          <p:nvPr/>
+        </p:nvCxnSpPr>
+        <p:spPr>
+          <a:xfrm>
+            <a:off x="6012160" y="2924944"/>
+            <a:ext cx="0" cy="1008112"/>
+          </a:xfrm>
+          <a:prstGeom prst="straightConnector1">
+            <a:avLst/>
+          </a:prstGeom>
+          <a:ln w="25400">
+            <a:solidFill>
+              <a:srgbClr val="FF0000"/>
+            </a:solidFill>
+            <a:tailEnd type="triangle"/>
+          </a:ln>
+        </p:spPr>
+        <p:style>
+          <a:lnRef idx="1">
+            <a:schemeClr val="accent1"/>
+          </a:lnRef>
+          <a:fillRef idx="0">
+            <a:schemeClr val="accent1"/>
+          </a:fillRef>
+          <a:effectRef idx="0">
+            <a:schemeClr val="accent1"/>
+          </a:effectRef>
+          <a:fontRef idx="minor">
+            <a:schemeClr val="tx1"/>
+          </a:fontRef>
+        </p:style>
+      </p:cxnSp>
+      <p:cxnSp>
+        <p:nvCxnSpPr>
+          <p:cNvPr id="62" name="直線コネクタ 61">
+            <a:extLst>
+              <a:ext uri="{FF2B5EF4-FFF2-40B4-BE49-F238E27FC236}">
+                <a16:creationId xmlns:a16="http://schemas.microsoft.com/office/drawing/2014/main" id="{22F5E42A-B852-D14D-A317-61B6FA394C12}"/>
+              </a:ext>
+            </a:extLst>
+          </p:cNvPr>
+          <p:cNvCxnSpPr>
+            <a:cxnSpLocks/>
+          </p:cNvCxnSpPr>
+          <p:nvPr/>
+        </p:nvCxnSpPr>
+        <p:spPr>
+          <a:xfrm flipH="1">
+            <a:off x="5148064" y="2924944"/>
+            <a:ext cx="872480" cy="0"/>
+          </a:xfrm>
+          <a:prstGeom prst="line">
+            <a:avLst/>
+          </a:prstGeom>
+          <a:ln w="25400">
+            <a:solidFill>
+              <a:srgbClr val="FF0000"/>
+            </a:solidFill>
+            <a:tailEnd type="triangle"/>
+          </a:ln>
+        </p:spPr>
+        <p:style>
+          <a:lnRef idx="1">
+            <a:schemeClr val="accent1"/>
+          </a:lnRef>
+          <a:fillRef idx="0">
+            <a:schemeClr val="accent1"/>
+          </a:fillRef>
+          <a:effectRef idx="0">
+            <a:schemeClr val="accent1"/>
+          </a:effectRef>
+          <a:fontRef idx="minor">
+            <a:schemeClr val="tx1"/>
+          </a:fontRef>
+        </p:style>
+      </p:cxnSp>
+      <p:cxnSp>
+        <p:nvCxnSpPr>
+          <p:cNvPr id="65" name="直線矢印コネクタ 64">
+            <a:extLst>
+              <a:ext uri="{FF2B5EF4-FFF2-40B4-BE49-F238E27FC236}">
+                <a16:creationId xmlns:a16="http://schemas.microsoft.com/office/drawing/2014/main" id="{B6607865-9CEC-D449-BB9C-F6A4EE7E5620}"/>
+              </a:ext>
+            </a:extLst>
+          </p:cNvPr>
+          <p:cNvCxnSpPr>
+            <a:cxnSpLocks/>
+          </p:cNvCxnSpPr>
+          <p:nvPr/>
+        </p:nvCxnSpPr>
+        <p:spPr>
+          <a:xfrm flipH="1">
+            <a:off x="5148064" y="2924944"/>
+            <a:ext cx="864096" cy="936104"/>
+          </a:xfrm>
+          <a:prstGeom prst="straightConnector1">
+            <a:avLst/>
+          </a:prstGeom>
+          <a:ln w="25400">
+            <a:solidFill>
+              <a:srgbClr val="FF0000"/>
+            </a:solidFill>
+            <a:tailEnd type="triangle"/>
+          </a:ln>
+        </p:spPr>
+        <p:style>
+          <a:lnRef idx="1">
+            <a:schemeClr val="accent1"/>
+          </a:lnRef>
+          <a:fillRef idx="0">
+            <a:schemeClr val="accent1"/>
+          </a:fillRef>
+          <a:effectRef idx="0">
+            <a:schemeClr val="accent1"/>
+          </a:effectRef>
+          <a:fontRef idx="minor">
+            <a:schemeClr val="tx1"/>
+          </a:fontRef>
+        </p:style>
+      </p:cxnSp>
+      <p:sp>
+        <p:nvSpPr>
+          <p:cNvPr id="68" name="テキスト ボックス 67">
+            <a:extLst>
+              <a:ext uri="{FF2B5EF4-FFF2-40B4-BE49-F238E27FC236}">
+                <a16:creationId xmlns:a16="http://schemas.microsoft.com/office/drawing/2014/main" id="{5276242F-BE32-114B-9F08-53A1B66BCD62}"/>
+              </a:ext>
+            </a:extLst>
+          </p:cNvPr>
+          <p:cNvSpPr txBox="1"/>
+          <p:nvPr/>
+        </p:nvSpPr>
+        <p:spPr>
+          <a:xfrm>
+            <a:off x="7092280" y="1700808"/>
+            <a:ext cx="646331" cy="369332"/>
+          </a:xfrm>
+          <a:prstGeom prst="rect">
+            <a:avLst/>
+          </a:prstGeom>
+          <a:noFill/>
+        </p:spPr>
+        <p:txBody>
+          <a:bodyPr wrap="none" rtlCol="0">
+            <a:spAutoFit/>
+          </a:bodyPr>
+          <a:lstStyle/>
+          <a:p>
+            <a:r>
+              <a:rPr kumimoji="1" lang="ja-JP" altLang="en-US"/>
+              <a:t>速度</a:t>
+            </a:r>
+          </a:p>
+        </p:txBody>
+      </p:sp>
+      <mc:AlternateContent xmlns:mc="http://schemas.openxmlformats.org/markup-compatibility/2006">
+        <mc:Choice xmlns:a14="http://schemas.microsoft.com/office/drawing/2010/main" Requires="a14">
+          <p:sp>
+            <p:nvSpPr>
+              <p:cNvPr id="69" name="テキスト ボックス 68">
+                <a:extLst>
+                  <a:ext uri="{FF2B5EF4-FFF2-40B4-BE49-F238E27FC236}">
+                    <a16:creationId xmlns:a16="http://schemas.microsoft.com/office/drawing/2014/main" id="{3027857C-B6A1-9246-8AC4-7F80A21B9DD0}"/>
+                  </a:ext>
+                </a:extLst>
+              </p:cNvPr>
+              <p:cNvSpPr txBox="1"/>
+              <p:nvPr/>
+            </p:nvSpPr>
+            <p:spPr>
+              <a:xfrm>
+                <a:off x="7668344" y="1711841"/>
+                <a:ext cx="204671" cy="307777"/>
+              </a:xfrm>
+              <a:prstGeom prst="rect">
+                <a:avLst/>
+              </a:prstGeom>
+              <a:noFill/>
+            </p:spPr>
+            <p:txBody>
+              <a:bodyPr wrap="none" lIns="0" tIns="0" rIns="0" bIns="0" rtlCol="0">
+                <a:spAutoFit/>
+              </a:bodyPr>
+              <a:lstStyle/>
+              <a:p>
+                <a14:m>
+                  <m:oMathPara xmlns:m="http://schemas.openxmlformats.org/officeDocument/2006/math">
+                    <m:oMathParaPr>
+                      <m:jc m:val="centerGroup"/>
+                    </m:oMathParaPr>
+                    <m:oMath xmlns:m="http://schemas.openxmlformats.org/officeDocument/2006/math">
+                      <m:r>
+                        <a:rPr kumimoji="1" lang="en-US" altLang="ja-JP" sz="2000" b="0" i="1">
+                          <a:latin typeface="Cambria Math" panose="02040503050406030204" pitchFamily="18" charset="0"/>
+                        </a:rPr>
+                        <m:t>𝑣</m:t>
+                      </m:r>
+                    </m:oMath>
+                  </m:oMathPara>
+                </a14:m>
+                <a:endParaRPr kumimoji="1" lang="ja-JP" altLang="en-US" sz="2000"/>
+              </a:p>
+            </p:txBody>
+          </p:sp>
+        </mc:Choice>
+        <mc:Fallback>
+          <p:sp>
+            <p:nvSpPr>
+              <p:cNvPr id="69" name="テキスト ボックス 68">
+                <a:extLst>
+                  <a:ext uri="{FF2B5EF4-FFF2-40B4-BE49-F238E27FC236}">
+                    <a16:creationId xmlns:a16="http://schemas.microsoft.com/office/drawing/2014/main" id="{3027857C-B6A1-9246-8AC4-7F80A21B9DD0}"/>
+                  </a:ext>
+                </a:extLst>
+              </p:cNvPr>
+              <p:cNvSpPr txBox="1">
+                <a:spLocks noRot="1" noChangeAspect="1" noMove="1" noResize="1" noEditPoints="1" noAdjustHandles="1" noChangeArrowheads="1" noChangeShapeType="1" noTextEdit="1"/>
+              </p:cNvSpPr>
+              <p:nvPr/>
+            </p:nvSpPr>
+            <p:spPr>
+              <a:xfrm>
+                <a:off x="7668344" y="1711841"/>
+                <a:ext cx="204671" cy="307777"/>
+              </a:xfrm>
+              <a:prstGeom prst="rect">
+                <a:avLst/>
+              </a:prstGeom>
+              <a:blipFill>
+                <a:blip r:embed="rId4"/>
+                <a:stretch>
+                  <a:fillRect l="-17647" r="-11765"/>
+                </a:stretch>
+              </a:blipFill>
+            </p:spPr>
+            <p:txBody>
+              <a:bodyPr/>
+              <a:lstStyle/>
+              <a:p>
+                <a:r>
+                  <a:rPr lang="ja-JP" altLang="en-US">
+                    <a:noFill/>
+                  </a:rPr>
+                  <a:t> </a:t>
+                </a:r>
+              </a:p>
+            </p:txBody>
+          </p:sp>
+        </mc:Fallback>
+      </mc:AlternateContent>
+      <mc:AlternateContent xmlns:mc="http://schemas.openxmlformats.org/markup-compatibility/2006">
+        <mc:Choice xmlns:a14="http://schemas.microsoft.com/office/drawing/2010/main" Requires="a14">
+          <p:sp>
+            <p:nvSpPr>
+              <p:cNvPr id="70" name="テキスト ボックス 69">
+                <a:extLst>
+                  <a:ext uri="{FF2B5EF4-FFF2-40B4-BE49-F238E27FC236}">
+                    <a16:creationId xmlns:a16="http://schemas.microsoft.com/office/drawing/2014/main" id="{1E10CDA5-B6CA-CD4D-BB05-7C00F05E9277}"/>
+                  </a:ext>
+                </a:extLst>
+              </p:cNvPr>
+              <p:cNvSpPr txBox="1"/>
+              <p:nvPr/>
+            </p:nvSpPr>
+            <p:spPr>
+              <a:xfrm>
+                <a:off x="6300192" y="2564904"/>
+                <a:ext cx="237950" cy="307777"/>
+              </a:xfrm>
+              <a:prstGeom prst="rect">
+                <a:avLst/>
+              </a:prstGeom>
+              <a:noFill/>
+            </p:spPr>
+            <p:txBody>
+              <a:bodyPr wrap="none" lIns="0" tIns="0" rIns="0" bIns="0" rtlCol="0">
+                <a:spAutoFit/>
+              </a:bodyPr>
+              <a:lstStyle/>
+              <a:p>
+                <a14:m>
+                  <m:oMathPara xmlns:m="http://schemas.openxmlformats.org/officeDocument/2006/math">
+                    <m:oMathParaPr>
+                      <m:jc m:val="centerGroup"/>
+                    </m:oMathParaPr>
+                    <m:oMath xmlns:m="http://schemas.openxmlformats.org/officeDocument/2006/math">
+                      <m:r>
+                        <a:rPr kumimoji="1" lang="ja-JP" altLang="en-US" sz="2000" i="1">
+                          <a:latin typeface="Cambria Math" panose="02040503050406030204" pitchFamily="18" charset="0"/>
+                        </a:rPr>
+                        <m:t>𝜙</m:t>
+                      </m:r>
+                    </m:oMath>
+                  </m:oMathPara>
+                </a14:m>
+                <a:endParaRPr kumimoji="1" lang="ja-JP" altLang="en-US" sz="2000"/>
+              </a:p>
+            </p:txBody>
+          </p:sp>
+        </mc:Choice>
+        <mc:Fallback>
+          <p:sp>
+            <p:nvSpPr>
+              <p:cNvPr id="70" name="テキスト ボックス 69">
+                <a:extLst>
+                  <a:ext uri="{FF2B5EF4-FFF2-40B4-BE49-F238E27FC236}">
+                    <a16:creationId xmlns:a16="http://schemas.microsoft.com/office/drawing/2014/main" id="{1E10CDA5-B6CA-CD4D-BB05-7C00F05E9277}"/>
+                  </a:ext>
+                </a:extLst>
+              </p:cNvPr>
+              <p:cNvSpPr txBox="1">
+                <a:spLocks noRot="1" noChangeAspect="1" noMove="1" noResize="1" noEditPoints="1" noAdjustHandles="1" noChangeArrowheads="1" noChangeShapeType="1" noTextEdit="1"/>
+              </p:cNvSpPr>
+              <p:nvPr/>
+            </p:nvSpPr>
+            <p:spPr>
+              <a:xfrm>
+                <a:off x="6300192" y="2564904"/>
+                <a:ext cx="237950" cy="307777"/>
+              </a:xfrm>
+              <a:prstGeom prst="rect">
+                <a:avLst/>
+              </a:prstGeom>
+              <a:blipFill>
+                <a:blip r:embed="rId5"/>
+                <a:stretch>
+                  <a:fillRect l="-30000" r="-30000" b="-32000"/>
+                </a:stretch>
+              </a:blipFill>
+            </p:spPr>
+            <p:txBody>
+              <a:bodyPr/>
+              <a:lstStyle/>
+              <a:p>
+                <a:r>
+                  <a:rPr lang="ja-JP" altLang="en-US">
+                    <a:noFill/>
+                  </a:rPr>
+                  <a:t> </a:t>
+                </a:r>
+              </a:p>
+            </p:txBody>
+          </p:sp>
+        </mc:Fallback>
+      </mc:AlternateContent>
+      <p:sp>
+        <p:nvSpPr>
+          <p:cNvPr id="71" name="テキスト ボックス 70">
+            <a:extLst>
+              <a:ext uri="{FF2B5EF4-FFF2-40B4-BE49-F238E27FC236}">
+                <a16:creationId xmlns:a16="http://schemas.microsoft.com/office/drawing/2014/main" id="{A2E46597-6571-D44E-97E4-C885E4B4D403}"/>
+              </a:ext>
+            </a:extLst>
+          </p:cNvPr>
+          <p:cNvSpPr txBox="1"/>
+          <p:nvPr/>
+        </p:nvSpPr>
+        <p:spPr>
+          <a:xfrm>
+            <a:off x="5292080" y="332656"/>
+            <a:ext cx="2730524" cy="369332"/>
+          </a:xfrm>
+          <a:prstGeom prst="rect">
+            <a:avLst/>
+          </a:prstGeom>
+          <a:noFill/>
+        </p:spPr>
+        <p:txBody>
+          <a:bodyPr wrap="square" rtlCol="0">
+            <a:spAutoFit/>
+          </a:bodyPr>
+          <a:lstStyle/>
+          <a:p>
+            <a:r>
+              <a:rPr lang="ja-JP" altLang="en-US"/>
+              <a:t>その時の物体にかかる力</a:t>
+            </a:r>
+            <a:endParaRPr kumimoji="1" lang="ja-JP" altLang="en-US"/>
+          </a:p>
+        </p:txBody>
+      </p:sp>
+      <mc:AlternateContent xmlns:mc="http://schemas.openxmlformats.org/markup-compatibility/2006">
+        <mc:Choice xmlns:a14="http://schemas.microsoft.com/office/drawing/2010/main" Requires="a14">
+          <p:sp>
+            <p:nvSpPr>
+              <p:cNvPr id="73" name="テキスト ボックス 72">
+                <a:extLst>
+                  <a:ext uri="{FF2B5EF4-FFF2-40B4-BE49-F238E27FC236}">
+                    <a16:creationId xmlns:a16="http://schemas.microsoft.com/office/drawing/2014/main" id="{EF7ED12E-7D6C-BD40-910F-28CE69CA7075}"/>
+                  </a:ext>
+                </a:extLst>
+              </p:cNvPr>
+              <p:cNvSpPr txBox="1"/>
+              <p:nvPr/>
+            </p:nvSpPr>
+            <p:spPr>
+              <a:xfrm>
+                <a:off x="6660232" y="2996952"/>
+                <a:ext cx="745845" cy="276999"/>
+              </a:xfrm>
+              <a:prstGeom prst="rect">
+                <a:avLst/>
+              </a:prstGeom>
+              <a:noFill/>
+            </p:spPr>
+            <p:txBody>
+              <a:bodyPr wrap="none" lIns="0" tIns="0" rIns="0" bIns="0" rtlCol="0">
+                <a:spAutoFit/>
+              </a:bodyPr>
+              <a:lstStyle/>
+              <a:p>
+                <a14:m>
+                  <m:oMathPara xmlns:m="http://schemas.openxmlformats.org/officeDocument/2006/math">
+                    <m:oMathParaPr>
+                      <m:jc m:val="centerGroup"/>
+                    </m:oMathParaPr>
+                    <m:oMath xmlns:m="http://schemas.openxmlformats.org/officeDocument/2006/math">
+                      <m:r>
+                        <a:rPr lang="en-US" altLang="ja-JP" i="1">
+                          <a:latin typeface="Cambria Math" panose="02040503050406030204" pitchFamily="18" charset="0"/>
+                          <a:ea typeface="Cambria Math" panose="02040503050406030204" pitchFamily="18" charset="0"/>
+                        </a:rPr>
+                        <m:t>𝑣</m:t>
+                      </m:r>
+                      <m:func>
+                        <m:funcPr>
+                          <m:ctrlPr>
+                            <a:rPr kumimoji="1" lang="en" altLang="ja-JP" i="1">
+                              <a:latin typeface="Cambria Math" panose="02040503050406030204" pitchFamily="18" charset="0"/>
+                            </a:rPr>
+                          </m:ctrlPr>
+                        </m:funcPr>
+                        <m:fName>
+                          <m:r>
+                            <m:rPr>
+                              <m:sty m:val="p"/>
+                            </m:rPr>
+                            <a:rPr kumimoji="1" lang="en" altLang="ja-JP" i="0">
+                              <a:latin typeface="Cambria Math" panose="02040503050406030204" pitchFamily="18" charset="0"/>
+                            </a:rPr>
+                            <m:t>cos</m:t>
+                          </m:r>
+                        </m:fName>
+                        <m:e>
+                          <m:r>
+                            <a:rPr kumimoji="1" lang="en" altLang="ja-JP" i="1">
+                              <a:latin typeface="Cambria Math" panose="02040503050406030204" pitchFamily="18" charset="0"/>
+                              <a:ea typeface="Cambria Math" panose="02040503050406030204" pitchFamily="18" charset="0"/>
+                            </a:rPr>
+                            <m:t>𝜙</m:t>
+                          </m:r>
+                        </m:e>
+                      </m:func>
+                    </m:oMath>
+                  </m:oMathPara>
+                </a14:m>
+                <a:endParaRPr kumimoji="1" lang="ja-JP" altLang="en-US"/>
+              </a:p>
+            </p:txBody>
+          </p:sp>
+        </mc:Choice>
+        <mc:Fallback>
+          <p:sp>
+            <p:nvSpPr>
+              <p:cNvPr id="73" name="テキスト ボックス 72">
+                <a:extLst>
+                  <a:ext uri="{FF2B5EF4-FFF2-40B4-BE49-F238E27FC236}">
+                    <a16:creationId xmlns:a16="http://schemas.microsoft.com/office/drawing/2014/main" id="{EF7ED12E-7D6C-BD40-910F-28CE69CA7075}"/>
+                  </a:ext>
+                </a:extLst>
+              </p:cNvPr>
+              <p:cNvSpPr txBox="1">
+                <a:spLocks noRot="1" noChangeAspect="1" noMove="1" noResize="1" noEditPoints="1" noAdjustHandles="1" noChangeArrowheads="1" noChangeShapeType="1" noTextEdit="1"/>
+              </p:cNvSpPr>
+              <p:nvPr/>
+            </p:nvSpPr>
+            <p:spPr>
+              <a:xfrm>
+                <a:off x="6660232" y="2996952"/>
+                <a:ext cx="745845" cy="276999"/>
+              </a:xfrm>
+              <a:prstGeom prst="rect">
+                <a:avLst/>
+              </a:prstGeom>
+              <a:blipFill>
+                <a:blip r:embed="rId6"/>
+                <a:stretch>
+                  <a:fillRect l="-3333" r="-8333" b="-30435"/>
+                </a:stretch>
+              </a:blipFill>
+            </p:spPr>
+            <p:txBody>
+              <a:bodyPr/>
+              <a:lstStyle/>
+              <a:p>
+                <a:r>
+                  <a:rPr lang="ja-JP" altLang="en-US">
+                    <a:noFill/>
+                  </a:rPr>
+                  <a:t> </a:t>
+                </a:r>
+              </a:p>
+            </p:txBody>
+          </p:sp>
+        </mc:Fallback>
+      </mc:AlternateContent>
+      <mc:AlternateContent xmlns:mc="http://schemas.openxmlformats.org/markup-compatibility/2006">
+        <mc:Choice xmlns:a14="http://schemas.microsoft.com/office/drawing/2010/main" Requires="a14">
+          <p:sp>
+            <p:nvSpPr>
+              <p:cNvPr id="75" name="テキスト ボックス 74">
+                <a:extLst>
+                  <a:ext uri="{FF2B5EF4-FFF2-40B4-BE49-F238E27FC236}">
+                    <a16:creationId xmlns:a16="http://schemas.microsoft.com/office/drawing/2014/main" id="{2C2DE620-E815-2F4A-A9B7-BECFDB4F40D1}"/>
+                  </a:ext>
+                </a:extLst>
+              </p:cNvPr>
+              <p:cNvSpPr txBox="1"/>
+              <p:nvPr/>
+            </p:nvSpPr>
+            <p:spPr>
+              <a:xfrm>
+                <a:off x="4644008" y="2564904"/>
+                <a:ext cx="1040798" cy="276999"/>
+              </a:xfrm>
+              <a:prstGeom prst="rect">
+                <a:avLst/>
+              </a:prstGeom>
+              <a:noFill/>
+            </p:spPr>
+            <p:txBody>
+              <a:bodyPr wrap="none" lIns="0" tIns="0" rIns="0" bIns="0" rtlCol="0">
+                <a:spAutoFit/>
+              </a:bodyPr>
+              <a:lstStyle/>
+              <a:p>
+                <a14:m>
+                  <m:oMathPara xmlns:m="http://schemas.openxmlformats.org/officeDocument/2006/math">
+                    <m:oMathParaPr>
+                      <m:jc m:val="centerGroup"/>
+                    </m:oMathParaPr>
+                    <m:oMath xmlns:m="http://schemas.openxmlformats.org/officeDocument/2006/math">
+                      <m:r>
+                        <a:rPr lang="en-US" altLang="ja-JP" b="0" i="1">
+                          <a:solidFill>
+                            <a:srgbClr val="FF0000"/>
+                          </a:solidFill>
+                          <a:latin typeface="Cambria Math" panose="02040503050406030204" pitchFamily="18" charset="0"/>
+                          <a:ea typeface="Cambria Math" panose="02040503050406030204" pitchFamily="18" charset="0"/>
+                        </a:rPr>
+                        <m:t>−</m:t>
+                      </m:r>
+                      <m:r>
+                        <a:rPr lang="en" altLang="ja-JP" i="1">
+                          <a:solidFill>
+                            <a:srgbClr val="FF0000"/>
+                          </a:solidFill>
+                          <a:latin typeface="Cambria Math" panose="02040503050406030204" pitchFamily="18" charset="0"/>
+                          <a:ea typeface="Cambria Math" panose="02040503050406030204" pitchFamily="18" charset="0"/>
+                        </a:rPr>
+                        <m:t>𝛾</m:t>
+                      </m:r>
+                      <m:r>
+                        <a:rPr lang="en-US" altLang="ja-JP" i="1">
+                          <a:solidFill>
+                            <a:srgbClr val="FF0000"/>
+                          </a:solidFill>
+                          <a:latin typeface="Cambria Math" panose="02040503050406030204" pitchFamily="18" charset="0"/>
+                          <a:ea typeface="Cambria Math" panose="02040503050406030204" pitchFamily="18" charset="0"/>
+                        </a:rPr>
+                        <m:t>𝑣</m:t>
+                      </m:r>
+                      <m:func>
+                        <m:funcPr>
+                          <m:ctrlPr>
+                            <a:rPr kumimoji="1" lang="en" altLang="ja-JP" i="1">
+                              <a:solidFill>
+                                <a:srgbClr val="FF0000"/>
+                              </a:solidFill>
+                              <a:latin typeface="Cambria Math" panose="02040503050406030204" pitchFamily="18" charset="0"/>
+                            </a:rPr>
+                          </m:ctrlPr>
+                        </m:funcPr>
+                        <m:fName>
+                          <m:r>
+                            <m:rPr>
+                              <m:sty m:val="p"/>
+                            </m:rPr>
+                            <a:rPr kumimoji="1" lang="en" altLang="ja-JP" i="0">
+                              <a:solidFill>
+                                <a:srgbClr val="FF0000"/>
+                              </a:solidFill>
+                              <a:latin typeface="Cambria Math" panose="02040503050406030204" pitchFamily="18" charset="0"/>
+                            </a:rPr>
+                            <m:t>cos</m:t>
+                          </m:r>
+                        </m:fName>
+                        <m:e>
+                          <m:r>
+                            <a:rPr kumimoji="1" lang="en" altLang="ja-JP" i="1">
+                              <a:solidFill>
+                                <a:srgbClr val="FF0000"/>
+                              </a:solidFill>
+                              <a:latin typeface="Cambria Math" panose="02040503050406030204" pitchFamily="18" charset="0"/>
+                              <a:ea typeface="Cambria Math" panose="02040503050406030204" pitchFamily="18" charset="0"/>
+                            </a:rPr>
+                            <m:t>𝜙</m:t>
+                          </m:r>
+                        </m:e>
+                      </m:func>
+                    </m:oMath>
+                  </m:oMathPara>
+                </a14:m>
+                <a:endParaRPr kumimoji="1" lang="ja-JP" altLang="en-US">
+                  <a:solidFill>
+                    <a:srgbClr val="FF0000"/>
+                  </a:solidFill>
+                </a:endParaRPr>
+              </a:p>
+            </p:txBody>
+          </p:sp>
+        </mc:Choice>
+        <mc:Fallback>
+          <p:sp>
+            <p:nvSpPr>
+              <p:cNvPr id="75" name="テキスト ボックス 74">
+                <a:extLst>
+                  <a:ext uri="{FF2B5EF4-FFF2-40B4-BE49-F238E27FC236}">
+                    <a16:creationId xmlns:a16="http://schemas.microsoft.com/office/drawing/2014/main" id="{2C2DE620-E815-2F4A-A9B7-BECFDB4F40D1}"/>
+                  </a:ext>
+                </a:extLst>
+              </p:cNvPr>
+              <p:cNvSpPr txBox="1">
+                <a:spLocks noRot="1" noChangeAspect="1" noMove="1" noResize="1" noEditPoints="1" noAdjustHandles="1" noChangeArrowheads="1" noChangeShapeType="1" noTextEdit="1"/>
+              </p:cNvSpPr>
+              <p:nvPr/>
+            </p:nvSpPr>
+            <p:spPr>
+              <a:xfrm>
+                <a:off x="4644008" y="2564904"/>
+                <a:ext cx="1040798" cy="276999"/>
+              </a:xfrm>
+              <a:prstGeom prst="rect">
+                <a:avLst/>
+              </a:prstGeom>
+              <a:blipFill>
+                <a:blip r:embed="rId7"/>
+                <a:stretch>
+                  <a:fillRect l="-1205" r="-6024" b="-30435"/>
+                </a:stretch>
+              </a:blipFill>
+            </p:spPr>
+            <p:txBody>
+              <a:bodyPr/>
+              <a:lstStyle/>
+              <a:p>
+                <a:r>
+                  <a:rPr lang="ja-JP" altLang="en-US">
+                    <a:noFill/>
+                  </a:rPr>
+                  <a:t> </a:t>
+                </a:r>
+              </a:p>
+            </p:txBody>
+          </p:sp>
+        </mc:Fallback>
+      </mc:AlternateContent>
+      <mc:AlternateContent xmlns:mc="http://schemas.openxmlformats.org/markup-compatibility/2006">
+        <mc:Choice xmlns:a14="http://schemas.microsoft.com/office/drawing/2010/main" Requires="a14">
+          <p:sp>
+            <p:nvSpPr>
+              <p:cNvPr id="76" name="テキスト ボックス 75">
+                <a:extLst>
+                  <a:ext uri="{FF2B5EF4-FFF2-40B4-BE49-F238E27FC236}">
+                    <a16:creationId xmlns:a16="http://schemas.microsoft.com/office/drawing/2014/main" id="{7A34C9DF-CD58-3540-83C5-EAAD1701E427}"/>
+                  </a:ext>
+                </a:extLst>
+              </p:cNvPr>
+              <p:cNvSpPr txBox="1"/>
+              <p:nvPr/>
+            </p:nvSpPr>
+            <p:spPr>
+              <a:xfrm>
+                <a:off x="5292080" y="1484784"/>
+                <a:ext cx="715389" cy="276999"/>
+              </a:xfrm>
+              <a:prstGeom prst="rect">
+                <a:avLst/>
+              </a:prstGeom>
+              <a:noFill/>
+            </p:spPr>
+            <p:txBody>
+              <a:bodyPr wrap="none" lIns="0" tIns="0" rIns="0" bIns="0" rtlCol="0">
+                <a:spAutoFit/>
+              </a:bodyPr>
+              <a:lstStyle/>
+              <a:p>
+                <a14:m>
+                  <m:oMathPara xmlns:m="http://schemas.openxmlformats.org/officeDocument/2006/math">
+                    <m:oMathParaPr>
+                      <m:jc m:val="centerGroup"/>
+                    </m:oMathParaPr>
+                    <m:oMath xmlns:m="http://schemas.openxmlformats.org/officeDocument/2006/math">
+                      <m:r>
+                        <a:rPr lang="en-US" altLang="ja-JP" i="1">
+                          <a:latin typeface="Cambria Math" panose="02040503050406030204" pitchFamily="18" charset="0"/>
+                          <a:ea typeface="Cambria Math" panose="02040503050406030204" pitchFamily="18" charset="0"/>
+                        </a:rPr>
+                        <m:t>𝑣</m:t>
+                      </m:r>
+                      <m:func>
+                        <m:funcPr>
+                          <m:ctrlPr>
+                            <a:rPr kumimoji="1" lang="en" altLang="ja-JP" i="1">
+                              <a:latin typeface="Cambria Math" panose="02040503050406030204" pitchFamily="18" charset="0"/>
+                            </a:rPr>
+                          </m:ctrlPr>
+                        </m:funcPr>
+                        <m:fName>
+                          <m:r>
+                            <m:rPr>
+                              <m:sty m:val="p"/>
+                            </m:rPr>
+                            <a:rPr kumimoji="1" lang="en-US" altLang="ja-JP" b="0" i="0">
+                              <a:latin typeface="Cambria Math" panose="02040503050406030204" pitchFamily="18" charset="0"/>
+                            </a:rPr>
+                            <m:t>sin</m:t>
+                          </m:r>
+                        </m:fName>
+                        <m:e>
+                          <m:r>
+                            <a:rPr kumimoji="1" lang="en" altLang="ja-JP" i="1">
+                              <a:latin typeface="Cambria Math" panose="02040503050406030204" pitchFamily="18" charset="0"/>
+                              <a:ea typeface="Cambria Math" panose="02040503050406030204" pitchFamily="18" charset="0"/>
+                            </a:rPr>
+                            <m:t>𝜙</m:t>
+                          </m:r>
+                        </m:e>
+                      </m:func>
+                    </m:oMath>
+                  </m:oMathPara>
+                </a14:m>
+                <a:endParaRPr kumimoji="1" lang="ja-JP" altLang="en-US"/>
+              </a:p>
+            </p:txBody>
+          </p:sp>
+        </mc:Choice>
+        <mc:Fallback>
+          <p:sp>
+            <p:nvSpPr>
+              <p:cNvPr id="76" name="テキスト ボックス 75">
+                <a:extLst>
+                  <a:ext uri="{FF2B5EF4-FFF2-40B4-BE49-F238E27FC236}">
+                    <a16:creationId xmlns:a16="http://schemas.microsoft.com/office/drawing/2014/main" id="{7A34C9DF-CD58-3540-83C5-EAAD1701E427}"/>
+                  </a:ext>
+                </a:extLst>
+              </p:cNvPr>
+              <p:cNvSpPr txBox="1">
+                <a:spLocks noRot="1" noChangeAspect="1" noMove="1" noResize="1" noEditPoints="1" noAdjustHandles="1" noChangeArrowheads="1" noChangeShapeType="1" noTextEdit="1"/>
+              </p:cNvSpPr>
+              <p:nvPr/>
+            </p:nvSpPr>
+            <p:spPr>
+              <a:xfrm>
+                <a:off x="5292080" y="1484784"/>
+                <a:ext cx="715389" cy="276999"/>
+              </a:xfrm>
+              <a:prstGeom prst="rect">
+                <a:avLst/>
+              </a:prstGeom>
+              <a:blipFill>
+                <a:blip r:embed="rId8"/>
+                <a:stretch>
+                  <a:fillRect l="-3509" r="-8772" b="-26087"/>
+                </a:stretch>
+              </a:blipFill>
+            </p:spPr>
+            <p:txBody>
+              <a:bodyPr/>
+              <a:lstStyle/>
+              <a:p>
+                <a:r>
+                  <a:rPr lang="ja-JP" altLang="en-US">
+                    <a:noFill/>
+                  </a:rPr>
+                  <a:t> </a:t>
+                </a:r>
+              </a:p>
+            </p:txBody>
+          </p:sp>
+        </mc:Fallback>
+      </mc:AlternateContent>
+      <mc:AlternateContent xmlns:mc="http://schemas.openxmlformats.org/markup-compatibility/2006">
+        <mc:Choice xmlns:a14="http://schemas.microsoft.com/office/drawing/2010/main" Requires="a14">
+          <p:sp>
+            <p:nvSpPr>
+              <p:cNvPr id="77" name="テキスト ボックス 76">
+                <a:extLst>
+                  <a:ext uri="{FF2B5EF4-FFF2-40B4-BE49-F238E27FC236}">
+                    <a16:creationId xmlns:a16="http://schemas.microsoft.com/office/drawing/2014/main" id="{F247710C-BC35-AA43-B25E-EDB02817B474}"/>
+                  </a:ext>
+                </a:extLst>
+              </p:cNvPr>
+              <p:cNvSpPr txBox="1"/>
+              <p:nvPr/>
+            </p:nvSpPr>
+            <p:spPr>
+              <a:xfrm>
+                <a:off x="6084168" y="3429000"/>
+                <a:ext cx="1010341" cy="276999"/>
+              </a:xfrm>
+              <a:prstGeom prst="rect">
+                <a:avLst/>
+              </a:prstGeom>
+              <a:noFill/>
+            </p:spPr>
+            <p:txBody>
+              <a:bodyPr wrap="none" lIns="0" tIns="0" rIns="0" bIns="0" rtlCol="0">
+                <a:spAutoFit/>
+              </a:bodyPr>
+              <a:lstStyle/>
+              <a:p>
+                <a14:m>
+                  <m:oMathPara xmlns:m="http://schemas.openxmlformats.org/officeDocument/2006/math">
+                    <m:oMathParaPr>
+                      <m:jc m:val="centerGroup"/>
+                    </m:oMathParaPr>
+                    <m:oMath xmlns:m="http://schemas.openxmlformats.org/officeDocument/2006/math">
+                      <m:r>
+                        <a:rPr lang="en-US" altLang="ja-JP" b="0" i="1">
+                          <a:solidFill>
+                            <a:srgbClr val="FF0000"/>
+                          </a:solidFill>
+                          <a:latin typeface="Cambria Math" panose="02040503050406030204" pitchFamily="18" charset="0"/>
+                          <a:ea typeface="Cambria Math" panose="02040503050406030204" pitchFamily="18" charset="0"/>
+                        </a:rPr>
+                        <m:t>−</m:t>
+                      </m:r>
+                      <m:r>
+                        <a:rPr lang="en" altLang="ja-JP" i="1">
+                          <a:solidFill>
+                            <a:srgbClr val="FF0000"/>
+                          </a:solidFill>
+                          <a:latin typeface="Cambria Math" panose="02040503050406030204" pitchFamily="18" charset="0"/>
+                          <a:ea typeface="Cambria Math" panose="02040503050406030204" pitchFamily="18" charset="0"/>
+                        </a:rPr>
+                        <m:t>𝛾</m:t>
+                      </m:r>
+                      <m:r>
+                        <a:rPr lang="en-US" altLang="ja-JP" i="1">
+                          <a:solidFill>
+                            <a:srgbClr val="FF0000"/>
+                          </a:solidFill>
+                          <a:latin typeface="Cambria Math" panose="02040503050406030204" pitchFamily="18" charset="0"/>
+                          <a:ea typeface="Cambria Math" panose="02040503050406030204" pitchFamily="18" charset="0"/>
+                        </a:rPr>
+                        <m:t>𝑣</m:t>
+                      </m:r>
+                      <m:func>
+                        <m:funcPr>
+                          <m:ctrlPr>
+                            <a:rPr kumimoji="1" lang="en" altLang="ja-JP" i="1">
+                              <a:solidFill>
+                                <a:srgbClr val="FF0000"/>
+                              </a:solidFill>
+                              <a:latin typeface="Cambria Math" panose="02040503050406030204" pitchFamily="18" charset="0"/>
+                            </a:rPr>
+                          </m:ctrlPr>
+                        </m:funcPr>
+                        <m:fName>
+                          <m:r>
+                            <m:rPr>
+                              <m:sty m:val="p"/>
+                            </m:rPr>
+                            <a:rPr kumimoji="1" lang="en-US" altLang="ja-JP" b="0" i="0">
+                              <a:solidFill>
+                                <a:srgbClr val="FF0000"/>
+                              </a:solidFill>
+                              <a:latin typeface="Cambria Math" panose="02040503050406030204" pitchFamily="18" charset="0"/>
+                            </a:rPr>
+                            <m:t>sin</m:t>
+                          </m:r>
+                        </m:fName>
+                        <m:e>
+                          <m:r>
+                            <a:rPr kumimoji="1" lang="en" altLang="ja-JP" i="1">
+                              <a:solidFill>
+                                <a:srgbClr val="FF0000"/>
+                              </a:solidFill>
+                              <a:latin typeface="Cambria Math" panose="02040503050406030204" pitchFamily="18" charset="0"/>
+                              <a:ea typeface="Cambria Math" panose="02040503050406030204" pitchFamily="18" charset="0"/>
+                            </a:rPr>
+                            <m:t>𝜙</m:t>
+                          </m:r>
+                        </m:e>
+                      </m:func>
+                    </m:oMath>
+                  </m:oMathPara>
+                </a14:m>
+                <a:endParaRPr kumimoji="1" lang="ja-JP" altLang="en-US">
+                  <a:solidFill>
+                    <a:srgbClr val="FF0000"/>
+                  </a:solidFill>
+                </a:endParaRPr>
+              </a:p>
+            </p:txBody>
+          </p:sp>
+        </mc:Choice>
+        <mc:Fallback>
+          <p:sp>
+            <p:nvSpPr>
+              <p:cNvPr id="77" name="テキスト ボックス 76">
+                <a:extLst>
+                  <a:ext uri="{FF2B5EF4-FFF2-40B4-BE49-F238E27FC236}">
+                    <a16:creationId xmlns:a16="http://schemas.microsoft.com/office/drawing/2014/main" id="{F247710C-BC35-AA43-B25E-EDB02817B474}"/>
+                  </a:ext>
+                </a:extLst>
+              </p:cNvPr>
+              <p:cNvSpPr txBox="1">
+                <a:spLocks noRot="1" noChangeAspect="1" noMove="1" noResize="1" noEditPoints="1" noAdjustHandles="1" noChangeArrowheads="1" noChangeShapeType="1" noTextEdit="1"/>
+              </p:cNvSpPr>
+              <p:nvPr/>
+            </p:nvSpPr>
+            <p:spPr>
+              <a:xfrm>
+                <a:off x="6084168" y="3429000"/>
+                <a:ext cx="1010341" cy="276999"/>
+              </a:xfrm>
+              <a:prstGeom prst="rect">
+                <a:avLst/>
+              </a:prstGeom>
+              <a:blipFill>
+                <a:blip r:embed="rId9"/>
+                <a:stretch>
+                  <a:fillRect r="-6173" b="-30435"/>
+                </a:stretch>
+              </a:blipFill>
+            </p:spPr>
+            <p:txBody>
+              <a:bodyPr/>
+              <a:lstStyle/>
+              <a:p>
+                <a:r>
+                  <a:rPr lang="ja-JP" altLang="en-US">
+                    <a:noFill/>
+                  </a:rPr>
+                  <a:t> </a:t>
+                </a:r>
+              </a:p>
+            </p:txBody>
+          </p:sp>
+        </mc:Fallback>
+      </mc:AlternateContent>
+      <p:cxnSp>
+        <p:nvCxnSpPr>
+          <p:cNvPr id="78" name="直線矢印コネクタ 77">
+            <a:extLst>
+              <a:ext uri="{FF2B5EF4-FFF2-40B4-BE49-F238E27FC236}">
+                <a16:creationId xmlns:a16="http://schemas.microsoft.com/office/drawing/2014/main" id="{291E58AF-15FC-8047-850A-4D1662697E28}"/>
+              </a:ext>
+            </a:extLst>
+          </p:cNvPr>
+          <p:cNvCxnSpPr>
+            <a:cxnSpLocks/>
+          </p:cNvCxnSpPr>
+          <p:nvPr/>
+        </p:nvCxnSpPr>
+        <p:spPr>
+          <a:xfrm>
+            <a:off x="6012160" y="3933056"/>
+            <a:ext cx="0" cy="576064"/>
+          </a:xfrm>
+          <a:prstGeom prst="straightConnector1">
+            <a:avLst/>
+          </a:prstGeom>
+          <a:ln w="25400">
+            <a:solidFill>
+              <a:srgbClr val="0070C0"/>
+            </a:solidFill>
+            <a:tailEnd type="triangle"/>
+          </a:ln>
+        </p:spPr>
+        <p:style>
+          <a:lnRef idx="1">
+            <a:schemeClr val="accent1"/>
+          </a:lnRef>
+          <a:fillRef idx="0">
+            <a:schemeClr val="accent1"/>
+          </a:fillRef>
+          <a:effectRef idx="0">
+            <a:schemeClr val="accent1"/>
+          </a:effectRef>
+          <a:fontRef idx="minor">
+            <a:schemeClr val="tx1"/>
+          </a:fontRef>
+        </p:style>
+      </p:cxnSp>
+      <mc:AlternateContent xmlns:mc="http://schemas.openxmlformats.org/markup-compatibility/2006">
+        <mc:Choice xmlns:a14="http://schemas.microsoft.com/office/drawing/2010/main" Requires="a14">
+          <p:sp>
+            <p:nvSpPr>
+              <p:cNvPr id="80" name="テキスト ボックス 79">
+                <a:extLst>
+                  <a:ext uri="{FF2B5EF4-FFF2-40B4-BE49-F238E27FC236}">
+                    <a16:creationId xmlns:a16="http://schemas.microsoft.com/office/drawing/2014/main" id="{38FFD091-C8FC-9141-8246-6DF4B0716CC6}"/>
+                  </a:ext>
+                </a:extLst>
+              </p:cNvPr>
+              <p:cNvSpPr txBox="1"/>
+              <p:nvPr/>
+            </p:nvSpPr>
+            <p:spPr>
+              <a:xfrm>
+                <a:off x="7092280" y="3429000"/>
+                <a:ext cx="371064" cy="276999"/>
+              </a:xfrm>
+              <a:prstGeom prst="rect">
+                <a:avLst/>
+              </a:prstGeom>
+              <a:noFill/>
+            </p:spPr>
+            <p:txBody>
+              <a:bodyPr wrap="none" lIns="0" tIns="0" rIns="0" bIns="0" rtlCol="0">
+                <a:spAutoFit/>
+              </a:bodyPr>
+              <a:lstStyle/>
+              <a:p>
+                <a14:m>
+                  <m:oMathPara xmlns:m="http://schemas.openxmlformats.org/officeDocument/2006/math">
+                    <m:oMathParaPr>
+                      <m:jc m:val="centerGroup"/>
+                    </m:oMathParaPr>
+                    <m:oMath xmlns:m="http://schemas.openxmlformats.org/officeDocument/2006/math">
+                      <m:r>
+                        <a:rPr kumimoji="1" lang="en-US" altLang="ja-JP" i="1">
+                          <a:solidFill>
+                            <a:srgbClr val="0070C0"/>
+                          </a:solidFill>
+                          <a:latin typeface="Cambria Math" panose="02040503050406030204" pitchFamily="18" charset="0"/>
+                        </a:rPr>
+                        <m:t>+</m:t>
+                      </m:r>
+                      <m:r>
+                        <a:rPr kumimoji="1" lang="en-US" altLang="ja-JP" b="0" i="1">
+                          <a:solidFill>
+                            <a:srgbClr val="0070C0"/>
+                          </a:solidFill>
+                          <a:latin typeface="Cambria Math" panose="02040503050406030204" pitchFamily="18" charset="0"/>
+                        </a:rPr>
+                        <m:t>𝑔</m:t>
+                      </m:r>
+                    </m:oMath>
+                  </m:oMathPara>
+                </a14:m>
+                <a:endParaRPr kumimoji="1" lang="ja-JP" altLang="en-US">
+                  <a:solidFill>
+                    <a:srgbClr val="0070C0"/>
+                  </a:solidFill>
+                </a:endParaRPr>
+              </a:p>
+            </p:txBody>
+          </p:sp>
+        </mc:Choice>
+        <mc:Fallback>
+          <p:sp>
+            <p:nvSpPr>
+              <p:cNvPr id="80" name="テキスト ボックス 79">
+                <a:extLst>
+                  <a:ext uri="{FF2B5EF4-FFF2-40B4-BE49-F238E27FC236}">
+                    <a16:creationId xmlns:a16="http://schemas.microsoft.com/office/drawing/2014/main" id="{38FFD091-C8FC-9141-8246-6DF4B0716CC6}"/>
+                  </a:ext>
+                </a:extLst>
+              </p:cNvPr>
+              <p:cNvSpPr txBox="1">
+                <a:spLocks noRot="1" noChangeAspect="1" noMove="1" noResize="1" noEditPoints="1" noAdjustHandles="1" noChangeArrowheads="1" noChangeShapeType="1" noTextEdit="1"/>
+              </p:cNvSpPr>
+              <p:nvPr/>
+            </p:nvSpPr>
+            <p:spPr>
+              <a:xfrm>
+                <a:off x="7092280" y="3429000"/>
+                <a:ext cx="371064" cy="276999"/>
+              </a:xfrm>
+              <a:prstGeom prst="rect">
+                <a:avLst/>
+              </a:prstGeom>
+              <a:blipFill>
+                <a:blip r:embed="rId10"/>
+                <a:stretch>
+                  <a:fillRect l="-9677" r="-9677" b="-21739"/>
+                </a:stretch>
+              </a:blipFill>
+            </p:spPr>
+            <p:txBody>
+              <a:bodyPr/>
+              <a:lstStyle/>
+              <a:p>
+                <a:r>
+                  <a:rPr lang="ja-JP" altLang="en-US">
+                    <a:noFill/>
+                  </a:rPr>
+                  <a:t> </a:t>
+                </a:r>
+              </a:p>
+            </p:txBody>
+          </p:sp>
+        </mc:Fallback>
+      </mc:AlternateContent>
+    </p:spTree>
+    <p:extLst>
+      <p:ext uri="{BB962C8B-B14F-4D97-AF65-F5344CB8AC3E}">
+        <p14:creationId xmlns:p14="http://schemas.microsoft.com/office/powerpoint/2010/main" val="973676229"/>
+      </p:ext>
+    </p:extLst>
+  </p:cSld>
+  <p:clrMapOvr>
+    <a:masterClrMapping/>
+  </p:clrMapOvr>
+</p:sld>
+</file>
+
+<file path=ppt/slides/slide2.xml><?xml version="1.0" encoding="utf-8"?>
+<p:sld xmlns:a="http://schemas.openxmlformats.org/drawingml/2006/main" xmlns:r="http://schemas.openxmlformats.org/officeDocument/2006/relationships" xmlns:p="http://schemas.openxmlformats.org/presentationml/2006/main">
+  <p:cSld>
+    <p:spTree>
+      <p:nvGrpSpPr>
+        <p:cNvPr id="1" name=""/>
+        <p:cNvGrpSpPr/>
+        <p:nvPr/>
+      </p:nvGrpSpPr>
+      <p:grpSpPr>
+        <a:xfrm>
+          <a:off x="0" y="0"/>
+          <a:ext cx="0" cy="0"/>
+          <a:chOff x="0" y="0"/>
+          <a:chExt cx="0" cy="0"/>
+        </a:xfrm>
+      </p:grpSpPr>
+      <mc:AlternateContent xmlns:mc="http://schemas.openxmlformats.org/markup-compatibility/2006" xmlns:a14="http://schemas.microsoft.com/office/drawing/2010/main">
+        <mc:Choice Requires="a14">
           <p:sp>
             <p:nvSpPr>
               <p:cNvPr id="5" name="テキスト ボックス 4"/>
@@ -510,6 +2550,7 @@
               </a:bodyPr>
               <a:lstStyle/>
               <a:p>
+                <a:pPr/>
                 <a14:m>
                   <m:oMathPara xmlns:m="http://schemas.openxmlformats.org/officeDocument/2006/math">
                     <m:oMathParaPr>
@@ -683,7 +2724,7 @@
             </p:txBody>
           </p:sp>
         </mc:Choice>
-        <mc:Fallback>
+        <mc:Fallback xmlns="">
           <p:sp>
             <p:nvSpPr>
               <p:cNvPr id="5" name="テキスト ボックス 4"/>
@@ -837,14 +2878,13 @@
           <a:lstStyle/>
           <a:p>
             <a:r>
-              <a:rPr kumimoji="1" lang="en-US" altLang="ja-JP" dirty="0" smtClean="0"/>
+              <a:rPr kumimoji="1" lang="en-US" altLang="ja-JP" dirty="0"/>
               <a:t>U</a:t>
             </a:r>
             <a:r>
-              <a:rPr kumimoji="1" lang="ja-JP" altLang="en-US" dirty="0" smtClean="0"/>
+              <a:rPr kumimoji="1" lang="ja-JP" altLang="en-US" dirty="0"/>
               <a:t>の時間微分が</a:t>
             </a:r>
-            <a:endParaRPr kumimoji="1" lang="ja-JP" altLang="en-US" dirty="0"/>
           </a:p>
         </p:txBody>
       </p:sp>
@@ -910,7 +2950,7 @@
           <a:lstStyle/>
           <a:p>
             <a:r>
-              <a:rPr lang="ja-JP" altLang="en-US" dirty="0" smtClean="0"/>
+              <a:rPr lang="ja-JP" altLang="en-US" dirty="0"/>
               <a:t>こんな式で与えられている</a:t>
             </a:r>
             <a:endParaRPr kumimoji="1" lang="ja-JP" altLang="en-US" dirty="0"/>
@@ -1025,19 +3065,15 @@
           <a:lstStyle/>
           <a:p>
             <a:r>
-              <a:rPr lang="ja-JP" altLang="en-US" dirty="0" smtClean="0"/>
-              <a:t>を評価できたら</a:t>
-            </a:r>
-            <a:r>
               <a:rPr lang="ja-JP" altLang="en-US" dirty="0"/>
-              <a:t>次のステップの値が</a:t>
+              <a:t>を評価できたら次のステップの値が</a:t>
             </a:r>
             <a:endParaRPr kumimoji="1" lang="ja-JP" altLang="en-US" dirty="0"/>
           </a:p>
         </p:txBody>
       </p:sp>
-      <mc:AlternateContent xmlns:mc="http://schemas.openxmlformats.org/markup-compatibility/2006">
-        <mc:Choice xmlns:a14="http://schemas.microsoft.com/office/drawing/2010/main" Requires="a14">
+      <mc:AlternateContent xmlns:mc="http://schemas.openxmlformats.org/markup-compatibility/2006" xmlns:a14="http://schemas.microsoft.com/office/drawing/2010/main">
+        <mc:Choice Requires="a14">
           <p:sp>
             <p:nvSpPr>
               <p:cNvPr id="21" name="テキスト ボックス 20"/>
@@ -1060,6 +3096,7 @@
               </a:bodyPr>
               <a:lstStyle/>
               <a:p>
+                <a:pPr/>
                 <a14:m>
                   <m:oMathPara xmlns:m="http://schemas.openxmlformats.org/officeDocument/2006/math">
                     <m:oMathParaPr>
@@ -1150,7 +3187,7 @@
             </p:txBody>
           </p:sp>
         </mc:Choice>
-        <mc:Fallback>
+        <mc:Fallback xmlns="">
           <p:sp>
             <p:nvSpPr>
               <p:cNvPr id="21" name="テキスト ボックス 20"/>
@@ -1258,11 +3295,11 @@
           <a:lstStyle/>
           <a:p>
             <a:r>
-              <a:rPr kumimoji="1" lang="ja-JP" altLang="en-US" dirty="0" smtClean="0"/>
+              <a:rPr kumimoji="1" lang="ja-JP" altLang="en-US" dirty="0"/>
               <a:t>で</a:t>
             </a:r>
             <a:r>
-              <a:rPr lang="ja-JP" altLang="en-US" dirty="0" smtClean="0"/>
+              <a:rPr lang="ja-JP" altLang="en-US" dirty="0"/>
               <a:t>計算できる</a:t>
             </a:r>
             <a:endParaRPr kumimoji="1" lang="ja-JP" altLang="en-US" dirty="0"/>
@@ -1338,12 +3375,8 @@
           <a:lstStyle/>
           <a:p>
             <a:r>
-              <a:rPr lang="ja-JP" altLang="en-US" dirty="0" smtClean="0"/>
-              <a:t>しか</a:t>
-            </a:r>
-            <a:r>
               <a:rPr lang="ja-JP" altLang="en-US" dirty="0"/>
-              <a:t>し</a:t>
+              <a:t>しかし</a:t>
             </a:r>
             <a:endParaRPr kumimoji="1" lang="ja-JP" altLang="en-US" dirty="0"/>
           </a:p>
@@ -1372,7 +3405,7 @@
           <a:lstStyle/>
           <a:p>
             <a:r>
-              <a:rPr lang="ja-JP" altLang="en-US" dirty="0" smtClean="0"/>
+              <a:rPr lang="ja-JP" altLang="en-US" dirty="0"/>
               <a:t>を計算するには</a:t>
             </a:r>
             <a:endParaRPr kumimoji="1" lang="ja-JP" altLang="en-US" dirty="0"/>
@@ -1402,7 +3435,7 @@
           <a:lstStyle/>
           <a:p>
             <a:r>
-              <a:rPr lang="ja-JP" altLang="en-US" dirty="0" smtClean="0"/>
+              <a:rPr lang="ja-JP" altLang="en-US" dirty="0"/>
               <a:t>を計算しなければならない</a:t>
             </a:r>
             <a:endParaRPr kumimoji="1" lang="ja-JP" altLang="en-US" dirty="0"/>
@@ -1469,8 +3502,8 @@
             <a:chExt cx="720080" cy="453797"/>
           </a:xfrm>
         </p:grpSpPr>
-        <mc:AlternateContent xmlns:mc="http://schemas.openxmlformats.org/markup-compatibility/2006">
-          <mc:Choice xmlns:a14="http://schemas.microsoft.com/office/drawing/2010/main" Requires="a14">
+        <mc:AlternateContent xmlns:mc="http://schemas.openxmlformats.org/markup-compatibility/2006" xmlns:a14="http://schemas.microsoft.com/office/drawing/2010/main">
+          <mc:Choice Requires="a14">
             <p:sp>
               <p:nvSpPr>
                 <p:cNvPr id="27" name="テキスト ボックス 26"/>
@@ -1493,6 +3526,7 @@
                 </a:bodyPr>
                 <a:lstStyle/>
                 <a:p>
+                  <a:pPr/>
                   <a14:m>
                     <m:oMathPara xmlns:m="http://schemas.openxmlformats.org/officeDocument/2006/math">
                       <m:oMathParaPr>
@@ -1521,7 +3555,7 @@
               </p:txBody>
             </p:sp>
           </mc:Choice>
-          <mc:Fallback>
+          <mc:Fallback xmlns="">
             <p:sp>
               <p:nvSpPr>
                 <p:cNvPr id="27" name="テキスト ボックス 26"/>
@@ -1630,11 +3664,11 @@
           <a:lstStyle/>
           <a:p>
             <a:r>
-              <a:rPr kumimoji="1" lang="ja-JP" altLang="en-US" dirty="0" smtClean="0"/>
+              <a:rPr kumimoji="1" lang="ja-JP" altLang="en-US" dirty="0"/>
               <a:t>は中央差分</a:t>
             </a:r>
             <a:r>
-              <a:rPr lang="ja-JP" altLang="en-US" dirty="0" smtClean="0"/>
+              <a:rPr lang="ja-JP" altLang="en-US" dirty="0"/>
               <a:t>で近似する</a:t>
             </a:r>
             <a:endParaRPr kumimoji="1" lang="ja-JP" altLang="en-US" dirty="0"/>
@@ -1655,8 +3689,8 @@
             <a:chExt cx="720080" cy="453797"/>
           </a:xfrm>
         </p:grpSpPr>
-        <mc:AlternateContent xmlns:mc="http://schemas.openxmlformats.org/markup-compatibility/2006">
-          <mc:Choice xmlns:a14="http://schemas.microsoft.com/office/drawing/2010/main" Requires="a14">
+        <mc:AlternateContent xmlns:mc="http://schemas.openxmlformats.org/markup-compatibility/2006" xmlns:a14="http://schemas.microsoft.com/office/drawing/2010/main">
+          <mc:Choice Requires="a14">
             <p:sp>
               <p:nvSpPr>
                 <p:cNvPr id="35" name="テキスト ボックス 34"/>
@@ -1679,6 +3713,7 @@
                 </a:bodyPr>
                 <a:lstStyle/>
                 <a:p>
+                  <a:pPr/>
                   <a14:m>
                     <m:oMathPara xmlns:m="http://schemas.openxmlformats.org/officeDocument/2006/math">
                       <m:oMathParaPr>
@@ -1707,7 +3742,7 @@
               </p:txBody>
             </p:sp>
           </mc:Choice>
-          <mc:Fallback>
+          <mc:Fallback xmlns="">
             <p:sp>
               <p:nvSpPr>
                 <p:cNvPr id="35" name="テキスト ボックス 34"/>
@@ -1882,7 +3917,7 @@
           <a:p>
             <a:pPr algn="ctr"/>
             <a:r>
-              <a:rPr kumimoji="1" lang="en-US" altLang="ja-JP" sz="3200" dirty="0" smtClean="0">
+              <a:rPr kumimoji="1" lang="en-US" altLang="ja-JP" sz="3200" dirty="0">
                 <a:solidFill>
                   <a:schemeClr val="tx1"/>
                 </a:solidFill>
@@ -1940,7 +3975,7 @@
           <a:p>
             <a:pPr algn="ctr"/>
             <a:r>
-              <a:rPr lang="en-US" altLang="ja-JP" sz="3200" dirty="0" smtClean="0">
+              <a:rPr lang="en-US" altLang="ja-JP" sz="3200" dirty="0">
                 <a:solidFill>
                   <a:schemeClr val="tx1"/>
                 </a:solidFill>
@@ -2048,7 +4083,7 @@
           <a:p>
             <a:pPr algn="ctr"/>
             <a:r>
-              <a:rPr kumimoji="1" lang="en-US" altLang="ja-JP" sz="3200" dirty="0" smtClean="0">
+              <a:rPr kumimoji="1" lang="en-US" altLang="ja-JP" sz="3200" dirty="0">
                 <a:solidFill>
                   <a:schemeClr val="tx1"/>
                 </a:solidFill>
@@ -2214,7 +4249,7 @@
           <a:p>
             <a:pPr algn="ctr"/>
             <a:r>
-              <a:rPr kumimoji="1" lang="en-US" altLang="ja-JP" sz="3200" dirty="0" smtClean="0">
+              <a:rPr kumimoji="1" lang="en-US" altLang="ja-JP" sz="3200" dirty="0">
                 <a:solidFill>
                   <a:schemeClr val="tx1"/>
                 </a:solidFill>
@@ -2229,8 +4264,8 @@
           </a:p>
         </p:txBody>
       </p:sp>
-      <mc:AlternateContent xmlns:mc="http://schemas.openxmlformats.org/markup-compatibility/2006">
-        <mc:Choice xmlns:a14="http://schemas.microsoft.com/office/drawing/2010/main" Requires="a14">
+      <mc:AlternateContent xmlns:mc="http://schemas.openxmlformats.org/markup-compatibility/2006" xmlns:a14="http://schemas.microsoft.com/office/drawing/2010/main">
+        <mc:Choice Requires="a14">
           <p:sp>
             <p:nvSpPr>
               <p:cNvPr id="49" name="テキスト ボックス 48"/>
@@ -2253,6 +4288,7 @@
               </a:bodyPr>
               <a:lstStyle/>
               <a:p>
+                <a:pPr/>
                 <a14:m>
                   <m:oMathPara xmlns:m="http://schemas.openxmlformats.org/officeDocument/2006/math">
                     <m:oMathParaPr>
@@ -2273,7 +4309,7 @@
             </p:txBody>
           </p:sp>
         </mc:Choice>
-        <mc:Fallback>
+        <mc:Fallback xmlns="">
           <p:sp>
             <p:nvSpPr>
               <p:cNvPr id="49" name="テキスト ボックス 48"/>
@@ -2381,10 +4417,9 @@
           <a:lstStyle/>
           <a:p>
             <a:r>
-              <a:rPr kumimoji="1" lang="ja-JP" altLang="en-US" dirty="0" smtClean="0"/>
+              <a:rPr kumimoji="1" lang="ja-JP" altLang="en-US" dirty="0"/>
               <a:t>これで</a:t>
             </a:r>
-            <a:endParaRPr kumimoji="1" lang="ja-JP" altLang="en-US" dirty="0"/>
           </a:p>
         </p:txBody>
       </p:sp>
@@ -2411,7 +4446,7 @@
           <a:lstStyle/>
           <a:p>
             <a:r>
-              <a:rPr lang="ja-JP" altLang="en-US" dirty="0" smtClean="0"/>
+              <a:rPr lang="ja-JP" altLang="en-US" dirty="0"/>
               <a:t>が計算できるので、次のステップの値も計算できる</a:t>
             </a:r>
             <a:endParaRPr kumimoji="1" lang="ja-JP" altLang="en-US" dirty="0"/>

--- a/simulation/fig/fig.pptx
+++ b/simulation/fig/fig.pptx
@@ -6,7 +6,9 @@
   </p:sldMasterIdLst>
   <p:sldIdLst>
     <p:sldId id="257" r:id="rId2"/>
-    <p:sldId id="256" r:id="rId3"/>
+    <p:sldId id="258" r:id="rId3"/>
+    <p:sldId id="259" r:id="rId4"/>
+    <p:sldId id="256" r:id="rId5"/>
   </p:sldIdLst>
   <p:sldSz cx="9144000" cy="6858000" type="screen4x3"/>
   <p:notesSz cx="6858000" cy="9144000"/>
@@ -896,8 +898,8 @@
           </a:fontRef>
         </p:style>
       </p:cxnSp>
-      <mc:AlternateContent xmlns:mc="http://schemas.openxmlformats.org/markup-compatibility/2006">
-        <mc:Choice xmlns:a14="http://schemas.microsoft.com/office/drawing/2010/main" Requires="a14">
+      <mc:AlternateContent xmlns:mc="http://schemas.openxmlformats.org/markup-compatibility/2006" xmlns:a14="http://schemas.microsoft.com/office/drawing/2010/main">
+        <mc:Choice Requires="a14">
           <p:sp>
             <p:nvSpPr>
               <p:cNvPr id="36" name="テキスト ボックス 35">
@@ -926,6 +928,7 @@
               </a:bodyPr>
               <a:lstStyle/>
               <a:p>
+                <a:pPr/>
                 <a14:m>
                   <m:oMathPara xmlns:m="http://schemas.openxmlformats.org/officeDocument/2006/math">
                     <m:oMathParaPr>
@@ -946,7 +949,7 @@
             </p:txBody>
           </p:sp>
         </mc:Choice>
-        <mc:Fallback>
+        <mc:Fallback xmlns="">
           <p:sp>
             <p:nvSpPr>
               <p:cNvPr id="36" name="テキスト ボックス 35">
@@ -991,8 +994,8 @@
           </p:sp>
         </mc:Fallback>
       </mc:AlternateContent>
-      <mc:AlternateContent xmlns:mc="http://schemas.openxmlformats.org/markup-compatibility/2006">
-        <mc:Choice xmlns:a14="http://schemas.microsoft.com/office/drawing/2010/main" Requires="a14">
+      <mc:AlternateContent xmlns:mc="http://schemas.openxmlformats.org/markup-compatibility/2006" xmlns:a14="http://schemas.microsoft.com/office/drawing/2010/main">
+        <mc:Choice Requires="a14">
           <p:sp>
             <p:nvSpPr>
               <p:cNvPr id="37" name="テキスト ボックス 36">
@@ -1021,6 +1024,7 @@
               </a:bodyPr>
               <a:lstStyle/>
               <a:p>
+                <a:pPr/>
                 <a14:m>
                   <m:oMathPara xmlns:m="http://schemas.openxmlformats.org/officeDocument/2006/math">
                     <m:oMathParaPr>
@@ -1041,7 +1045,7 @@
             </p:txBody>
           </p:sp>
         </mc:Choice>
-        <mc:Fallback>
+        <mc:Fallback xmlns="">
           <p:sp>
             <p:nvSpPr>
               <p:cNvPr id="37" name="テキスト ボックス 36">
@@ -1543,8 +1547,8 @@
           </a:p>
         </p:txBody>
       </p:sp>
-      <mc:AlternateContent xmlns:mc="http://schemas.openxmlformats.org/markup-compatibility/2006">
-        <mc:Choice xmlns:a14="http://schemas.microsoft.com/office/drawing/2010/main" Requires="a14">
+      <mc:AlternateContent xmlns:mc="http://schemas.openxmlformats.org/markup-compatibility/2006" xmlns:a14="http://schemas.microsoft.com/office/drawing/2010/main">
+        <mc:Choice Requires="a14">
           <p:sp>
             <p:nvSpPr>
               <p:cNvPr id="69" name="テキスト ボックス 68">
@@ -1573,6 +1577,7 @@
               </a:bodyPr>
               <a:lstStyle/>
               <a:p>
+                <a:pPr/>
                 <a14:m>
                   <m:oMathPara xmlns:m="http://schemas.openxmlformats.org/officeDocument/2006/math">
                     <m:oMathParaPr>
@@ -1593,7 +1598,7 @@
             </p:txBody>
           </p:sp>
         </mc:Choice>
-        <mc:Fallback>
+        <mc:Fallback xmlns="">
           <p:sp>
             <p:nvSpPr>
               <p:cNvPr id="69" name="テキスト ボックス 68">
@@ -1638,8 +1643,8 @@
           </p:sp>
         </mc:Fallback>
       </mc:AlternateContent>
-      <mc:AlternateContent xmlns:mc="http://schemas.openxmlformats.org/markup-compatibility/2006">
-        <mc:Choice xmlns:a14="http://schemas.microsoft.com/office/drawing/2010/main" Requires="a14">
+      <mc:AlternateContent xmlns:mc="http://schemas.openxmlformats.org/markup-compatibility/2006" xmlns:a14="http://schemas.microsoft.com/office/drawing/2010/main">
+        <mc:Choice Requires="a14">
           <p:sp>
             <p:nvSpPr>
               <p:cNvPr id="70" name="テキスト ボックス 69">
@@ -1668,6 +1673,7 @@
               </a:bodyPr>
               <a:lstStyle/>
               <a:p>
+                <a:pPr/>
                 <a14:m>
                   <m:oMathPara xmlns:m="http://schemas.openxmlformats.org/officeDocument/2006/math">
                     <m:oMathParaPr>
@@ -1688,7 +1694,7 @@
             </p:txBody>
           </p:sp>
         </mc:Choice>
-        <mc:Fallback>
+        <mc:Fallback xmlns="">
           <p:sp>
             <p:nvSpPr>
               <p:cNvPr id="70" name="テキスト ボックス 69">
@@ -1769,8 +1775,8 @@
           </a:p>
         </p:txBody>
       </p:sp>
-      <mc:AlternateContent xmlns:mc="http://schemas.openxmlformats.org/markup-compatibility/2006">
-        <mc:Choice xmlns:a14="http://schemas.microsoft.com/office/drawing/2010/main" Requires="a14">
+      <mc:AlternateContent xmlns:mc="http://schemas.openxmlformats.org/markup-compatibility/2006" xmlns:a14="http://schemas.microsoft.com/office/drawing/2010/main">
+        <mc:Choice Requires="a14">
           <p:sp>
             <p:nvSpPr>
               <p:cNvPr id="73" name="テキスト ボックス 72">
@@ -1799,6 +1805,7 @@
               </a:bodyPr>
               <a:lstStyle/>
               <a:p>
+                <a:pPr/>
                 <a14:m>
                   <m:oMathPara xmlns:m="http://schemas.openxmlformats.org/officeDocument/2006/math">
                     <m:oMathParaPr>
@@ -1849,7 +1856,7 @@
             </p:txBody>
           </p:sp>
         </mc:Choice>
-        <mc:Fallback>
+        <mc:Fallback xmlns="">
           <p:sp>
             <p:nvSpPr>
               <p:cNvPr id="73" name="テキスト ボックス 72">
@@ -1894,8 +1901,8 @@
           </p:sp>
         </mc:Fallback>
       </mc:AlternateContent>
-      <mc:AlternateContent xmlns:mc="http://schemas.openxmlformats.org/markup-compatibility/2006">
-        <mc:Choice xmlns:a14="http://schemas.microsoft.com/office/drawing/2010/main" Requires="a14">
+      <mc:AlternateContent xmlns:mc="http://schemas.openxmlformats.org/markup-compatibility/2006" xmlns:a14="http://schemas.microsoft.com/office/drawing/2010/main">
+        <mc:Choice Requires="a14">
           <p:sp>
             <p:nvSpPr>
               <p:cNvPr id="75" name="テキスト ボックス 74">
@@ -1924,6 +1931,7 @@
               </a:bodyPr>
               <a:lstStyle/>
               <a:p>
+                <a:pPr/>
                 <a14:m>
                   <m:oMathPara xmlns:m="http://schemas.openxmlformats.org/officeDocument/2006/math">
                     <m:oMathParaPr>
@@ -2010,7 +2018,7 @@
             </p:txBody>
           </p:sp>
         </mc:Choice>
-        <mc:Fallback>
+        <mc:Fallback xmlns="">
           <p:sp>
             <p:nvSpPr>
               <p:cNvPr id="75" name="テキスト ボックス 74">
@@ -2055,8 +2063,8 @@
           </p:sp>
         </mc:Fallback>
       </mc:AlternateContent>
-      <mc:AlternateContent xmlns:mc="http://schemas.openxmlformats.org/markup-compatibility/2006">
-        <mc:Choice xmlns:a14="http://schemas.microsoft.com/office/drawing/2010/main" Requires="a14">
+      <mc:AlternateContent xmlns:mc="http://schemas.openxmlformats.org/markup-compatibility/2006" xmlns:a14="http://schemas.microsoft.com/office/drawing/2010/main">
+        <mc:Choice Requires="a14">
           <p:sp>
             <p:nvSpPr>
               <p:cNvPr id="76" name="テキスト ボックス 75">
@@ -2085,6 +2093,7 @@
               </a:bodyPr>
               <a:lstStyle/>
               <a:p>
+                <a:pPr/>
                 <a14:m>
                   <m:oMathPara xmlns:m="http://schemas.openxmlformats.org/officeDocument/2006/math">
                     <m:oMathParaPr>
@@ -2135,7 +2144,7 @@
             </p:txBody>
           </p:sp>
         </mc:Choice>
-        <mc:Fallback>
+        <mc:Fallback xmlns="">
           <p:sp>
             <p:nvSpPr>
               <p:cNvPr id="76" name="テキスト ボックス 75">
@@ -2180,8 +2189,8 @@
           </p:sp>
         </mc:Fallback>
       </mc:AlternateContent>
-      <mc:AlternateContent xmlns:mc="http://schemas.openxmlformats.org/markup-compatibility/2006">
-        <mc:Choice xmlns:a14="http://schemas.microsoft.com/office/drawing/2010/main" Requires="a14">
+      <mc:AlternateContent xmlns:mc="http://schemas.openxmlformats.org/markup-compatibility/2006" xmlns:a14="http://schemas.microsoft.com/office/drawing/2010/main">
+        <mc:Choice Requires="a14">
           <p:sp>
             <p:nvSpPr>
               <p:cNvPr id="77" name="テキスト ボックス 76">
@@ -2210,6 +2219,7 @@
               </a:bodyPr>
               <a:lstStyle/>
               <a:p>
+                <a:pPr/>
                 <a14:m>
                   <m:oMathPara xmlns:m="http://schemas.openxmlformats.org/officeDocument/2006/math">
                     <m:oMathParaPr>
@@ -2296,7 +2306,7 @@
             </p:txBody>
           </p:sp>
         </mc:Choice>
-        <mc:Fallback>
+        <mc:Fallback xmlns="">
           <p:sp>
             <p:nvSpPr>
               <p:cNvPr id="77" name="テキスト ボックス 76">
@@ -2385,8 +2395,8 @@
           </a:fontRef>
         </p:style>
       </p:cxnSp>
-      <mc:AlternateContent xmlns:mc="http://schemas.openxmlformats.org/markup-compatibility/2006">
-        <mc:Choice xmlns:a14="http://schemas.microsoft.com/office/drawing/2010/main" Requires="a14">
+      <mc:AlternateContent xmlns:mc="http://schemas.openxmlformats.org/markup-compatibility/2006" xmlns:a14="http://schemas.microsoft.com/office/drawing/2010/main">
+        <mc:Choice Requires="a14">
           <p:sp>
             <p:nvSpPr>
               <p:cNvPr id="80" name="テキスト ボックス 79">
@@ -2415,6 +2425,7 @@
               </a:bodyPr>
               <a:lstStyle/>
               <a:p>
+                <a:pPr/>
                 <a14:m>
                   <m:oMathPara xmlns:m="http://schemas.openxmlformats.org/officeDocument/2006/math">
                     <m:oMathParaPr>
@@ -2451,7 +2462,7 @@
             </p:txBody>
           </p:sp>
         </mc:Choice>
-        <mc:Fallback>
+        <mc:Fallback xmlns="">
           <p:sp>
             <p:nvSpPr>
               <p:cNvPr id="80" name="テキスト ボックス 79">
@@ -2510,6 +2521,6975 @@
 </file>
 
 <file path=ppt/slides/slide2.xml><?xml version="1.0" encoding="utf-8"?>
+<p:sld xmlns:a="http://schemas.openxmlformats.org/drawingml/2006/main" xmlns:r="http://schemas.openxmlformats.org/officeDocument/2006/relationships" xmlns:p="http://schemas.openxmlformats.org/presentationml/2006/main">
+  <p:cSld>
+    <p:spTree>
+      <p:nvGrpSpPr>
+        <p:cNvPr id="1" name=""/>
+        <p:cNvGrpSpPr/>
+        <p:nvPr/>
+      </p:nvGrpSpPr>
+      <p:grpSpPr>
+        <a:xfrm>
+          <a:off x="0" y="0"/>
+          <a:ext cx="0" cy="0"/>
+          <a:chOff x="0" y="0"/>
+          <a:chExt cx="0" cy="0"/>
+        </a:xfrm>
+      </p:grpSpPr>
+      <p:cxnSp>
+        <p:nvCxnSpPr>
+          <p:cNvPr id="2" name="直線コネクタ 1">
+            <a:extLst>
+              <a:ext uri="{FF2B5EF4-FFF2-40B4-BE49-F238E27FC236}">
+                <a16:creationId xmlns:a16="http://schemas.microsoft.com/office/drawing/2014/main" id="{FBE4F5CE-6FC2-8E48-AE1B-9E3D4E035469}"/>
+              </a:ext>
+            </a:extLst>
+          </p:cNvPr>
+          <p:cNvCxnSpPr>
+            <a:cxnSpLocks/>
+          </p:cNvCxnSpPr>
+          <p:nvPr/>
+        </p:nvCxnSpPr>
+        <p:spPr>
+          <a:xfrm flipV="1">
+            <a:off x="2987824" y="1196752"/>
+            <a:ext cx="0" cy="2376264"/>
+          </a:xfrm>
+          <a:prstGeom prst="line">
+            <a:avLst/>
+          </a:prstGeom>
+          <a:ln>
+            <a:solidFill>
+              <a:schemeClr val="tx1"/>
+            </a:solidFill>
+            <a:prstDash val="sysDash"/>
+          </a:ln>
+        </p:spPr>
+        <p:style>
+          <a:lnRef idx="1">
+            <a:schemeClr val="accent1"/>
+          </a:lnRef>
+          <a:fillRef idx="0">
+            <a:schemeClr val="accent1"/>
+          </a:fillRef>
+          <a:effectRef idx="0">
+            <a:schemeClr val="accent1"/>
+          </a:effectRef>
+          <a:fontRef idx="minor">
+            <a:schemeClr val="tx1"/>
+          </a:fontRef>
+        </p:style>
+      </p:cxnSp>
+      <p:cxnSp>
+        <p:nvCxnSpPr>
+          <p:cNvPr id="3" name="直線矢印コネクタ 2">
+            <a:extLst>
+              <a:ext uri="{FF2B5EF4-FFF2-40B4-BE49-F238E27FC236}">
+                <a16:creationId xmlns:a16="http://schemas.microsoft.com/office/drawing/2014/main" id="{3ED82C7D-D809-214C-9DFA-FC6DA6668A66}"/>
+              </a:ext>
+            </a:extLst>
+          </p:cNvPr>
+          <p:cNvCxnSpPr/>
+          <p:nvPr/>
+        </p:nvCxnSpPr>
+        <p:spPr>
+          <a:xfrm flipV="1">
+            <a:off x="1043608" y="1196752"/>
+            <a:ext cx="0" cy="2592288"/>
+          </a:xfrm>
+          <a:prstGeom prst="straightConnector1">
+            <a:avLst/>
+          </a:prstGeom>
+          <a:ln>
+            <a:solidFill>
+              <a:schemeClr val="tx1"/>
+            </a:solidFill>
+            <a:tailEnd type="triangle"/>
+          </a:ln>
+        </p:spPr>
+        <p:style>
+          <a:lnRef idx="1">
+            <a:schemeClr val="accent1"/>
+          </a:lnRef>
+          <a:fillRef idx="0">
+            <a:schemeClr val="accent1"/>
+          </a:fillRef>
+          <a:effectRef idx="0">
+            <a:schemeClr val="accent1"/>
+          </a:effectRef>
+          <a:fontRef idx="minor">
+            <a:schemeClr val="tx1"/>
+          </a:fontRef>
+        </p:style>
+      </p:cxnSp>
+      <p:cxnSp>
+        <p:nvCxnSpPr>
+          <p:cNvPr id="4" name="直線矢印コネクタ 3">
+            <a:extLst>
+              <a:ext uri="{FF2B5EF4-FFF2-40B4-BE49-F238E27FC236}">
+                <a16:creationId xmlns:a16="http://schemas.microsoft.com/office/drawing/2014/main" id="{BCCC519D-9050-B44D-B25D-FB2D3527F501}"/>
+              </a:ext>
+            </a:extLst>
+          </p:cNvPr>
+          <p:cNvCxnSpPr>
+            <a:cxnSpLocks/>
+          </p:cNvCxnSpPr>
+          <p:nvPr/>
+        </p:nvCxnSpPr>
+        <p:spPr>
+          <a:xfrm>
+            <a:off x="683568" y="3573016"/>
+            <a:ext cx="3096344" cy="0"/>
+          </a:xfrm>
+          <a:prstGeom prst="straightConnector1">
+            <a:avLst/>
+          </a:prstGeom>
+          <a:ln>
+            <a:solidFill>
+              <a:schemeClr val="tx1"/>
+            </a:solidFill>
+            <a:tailEnd type="triangle"/>
+          </a:ln>
+        </p:spPr>
+        <p:style>
+          <a:lnRef idx="1">
+            <a:schemeClr val="accent1"/>
+          </a:lnRef>
+          <a:fillRef idx="0">
+            <a:schemeClr val="accent1"/>
+          </a:fillRef>
+          <a:effectRef idx="0">
+            <a:schemeClr val="accent1"/>
+          </a:effectRef>
+          <a:fontRef idx="minor">
+            <a:schemeClr val="tx1"/>
+          </a:fontRef>
+        </p:style>
+      </p:cxnSp>
+      <p:sp>
+        <p:nvSpPr>
+          <p:cNvPr id="5" name="フリーフォーム 4">
+            <a:extLst>
+              <a:ext uri="{FF2B5EF4-FFF2-40B4-BE49-F238E27FC236}">
+                <a16:creationId xmlns:a16="http://schemas.microsoft.com/office/drawing/2014/main" id="{E9CFC3B9-8B51-EF42-A425-1ADFD8DFFC3E}"/>
+              </a:ext>
+            </a:extLst>
+          </p:cNvPr>
+          <p:cNvSpPr/>
+          <p:nvPr/>
+        </p:nvSpPr>
+        <p:spPr>
+          <a:xfrm>
+            <a:off x="802936" y="1268761"/>
+            <a:ext cx="2904967" cy="2113632"/>
+          </a:xfrm>
+          <a:custGeom>
+            <a:avLst/>
+            <a:gdLst>
+              <a:gd name="connsiteX0" fmla="*/ 0 w 2263806"/>
+              <a:gd name="connsiteY0" fmla="*/ 1793289 h 1793289"/>
+              <a:gd name="connsiteX1" fmla="*/ 1429305 w 2263806"/>
+              <a:gd name="connsiteY1" fmla="*/ 1296140 h 1793289"/>
+              <a:gd name="connsiteX2" fmla="*/ 2263806 w 2263806"/>
+              <a:gd name="connsiteY2" fmla="*/ 0 h 1793289"/>
+            </a:gdLst>
+            <a:ahLst/>
+            <a:cxnLst>
+              <a:cxn ang="0">
+                <a:pos x="connsiteX0" y="connsiteY0"/>
+              </a:cxn>
+              <a:cxn ang="0">
+                <a:pos x="connsiteX1" y="connsiteY1"/>
+              </a:cxn>
+              <a:cxn ang="0">
+                <a:pos x="connsiteX2" y="connsiteY2"/>
+              </a:cxn>
+            </a:cxnLst>
+            <a:rect l="l" t="t" r="r" b="b"/>
+            <a:pathLst>
+              <a:path w="2263806" h="1793289">
+                <a:moveTo>
+                  <a:pt x="0" y="1793289"/>
+                </a:moveTo>
+                <a:cubicBezTo>
+                  <a:pt x="526002" y="1694155"/>
+                  <a:pt x="1052004" y="1595021"/>
+                  <a:pt x="1429305" y="1296140"/>
+                </a:cubicBezTo>
+                <a:cubicBezTo>
+                  <a:pt x="1806606" y="997259"/>
+                  <a:pt x="2035206" y="498629"/>
+                  <a:pt x="2263806" y="0"/>
+                </a:cubicBezTo>
+              </a:path>
+            </a:pathLst>
+          </a:custGeom>
+          <a:noFill/>
+          <a:ln>
+            <a:solidFill>
+              <a:schemeClr val="tx1"/>
+            </a:solidFill>
+          </a:ln>
+        </p:spPr>
+        <p:style>
+          <a:lnRef idx="2">
+            <a:schemeClr val="accent1">
+              <a:shade val="50000"/>
+            </a:schemeClr>
+          </a:lnRef>
+          <a:fillRef idx="1">
+            <a:schemeClr val="accent1"/>
+          </a:fillRef>
+          <a:effectRef idx="0">
+            <a:schemeClr val="accent1"/>
+          </a:effectRef>
+          <a:fontRef idx="minor">
+            <a:schemeClr val="lt1"/>
+          </a:fontRef>
+        </p:style>
+        <p:txBody>
+          <a:bodyPr rtlCol="0" anchor="ctr"/>
+          <a:lstStyle/>
+          <a:p>
+            <a:pPr algn="ctr"/>
+            <a:endParaRPr kumimoji="1" lang="ja-JP" altLang="en-US"/>
+          </a:p>
+        </p:txBody>
+      </p:sp>
+      <p:sp>
+        <p:nvSpPr>
+          <p:cNvPr id="6" name="テキスト ボックス 5">
+            <a:extLst>
+              <a:ext uri="{FF2B5EF4-FFF2-40B4-BE49-F238E27FC236}">
+                <a16:creationId xmlns:a16="http://schemas.microsoft.com/office/drawing/2014/main" id="{2C360D29-8A32-9C4E-ADE0-13010DC0A901}"/>
+              </a:ext>
+            </a:extLst>
+          </p:cNvPr>
+          <p:cNvSpPr txBox="1"/>
+          <p:nvPr/>
+        </p:nvSpPr>
+        <p:spPr>
+          <a:xfrm>
+            <a:off x="755576" y="3501008"/>
+            <a:ext cx="375424" cy="369332"/>
+          </a:xfrm>
+          <a:prstGeom prst="rect">
+            <a:avLst/>
+          </a:prstGeom>
+          <a:noFill/>
+        </p:spPr>
+        <p:txBody>
+          <a:bodyPr wrap="none" rtlCol="0">
+            <a:spAutoFit/>
+          </a:bodyPr>
+          <a:lstStyle/>
+          <a:p>
+            <a:r>
+              <a:rPr kumimoji="1" lang="en-US" altLang="ja-JP"/>
+              <a:t>O</a:t>
+            </a:r>
+            <a:endParaRPr kumimoji="1" lang="ja-JP" altLang="en-US"/>
+          </a:p>
+        </p:txBody>
+      </p:sp>
+      <p:sp>
+        <p:nvSpPr>
+          <p:cNvPr id="7" name="テキスト ボックス 6">
+            <a:extLst>
+              <a:ext uri="{FF2B5EF4-FFF2-40B4-BE49-F238E27FC236}">
+                <a16:creationId xmlns:a16="http://schemas.microsoft.com/office/drawing/2014/main" id="{C6BD1BC8-42A9-064D-8CE7-082C755D7DF1}"/>
+              </a:ext>
+            </a:extLst>
+          </p:cNvPr>
+          <p:cNvSpPr txBox="1"/>
+          <p:nvPr/>
+        </p:nvSpPr>
+        <p:spPr>
+          <a:xfrm>
+            <a:off x="3779912" y="3501008"/>
+            <a:ext cx="663964" cy="369332"/>
+          </a:xfrm>
+          <a:prstGeom prst="rect">
+            <a:avLst/>
+          </a:prstGeom>
+          <a:noFill/>
+        </p:spPr>
+        <p:txBody>
+          <a:bodyPr wrap="none" rtlCol="0">
+            <a:spAutoFit/>
+          </a:bodyPr>
+          <a:lstStyle/>
+          <a:p>
+            <a:r>
+              <a:rPr kumimoji="1" lang="en-US" altLang="ja-JP"/>
+              <a:t>Time</a:t>
+            </a:r>
+            <a:endParaRPr kumimoji="1" lang="ja-JP" altLang="en-US"/>
+          </a:p>
+        </p:txBody>
+      </p:sp>
+      <p:cxnSp>
+        <p:nvCxnSpPr>
+          <p:cNvPr id="8" name="直線コネクタ 7">
+            <a:extLst>
+              <a:ext uri="{FF2B5EF4-FFF2-40B4-BE49-F238E27FC236}">
+                <a16:creationId xmlns:a16="http://schemas.microsoft.com/office/drawing/2014/main" id="{AF8D8364-1FBD-3449-AAFD-0D8BF3D86213}"/>
+              </a:ext>
+            </a:extLst>
+          </p:cNvPr>
+          <p:cNvCxnSpPr>
+            <a:cxnSpLocks/>
+          </p:cNvCxnSpPr>
+          <p:nvPr/>
+        </p:nvCxnSpPr>
+        <p:spPr>
+          <a:xfrm flipV="1">
+            <a:off x="2267744" y="1196752"/>
+            <a:ext cx="0" cy="2376264"/>
+          </a:xfrm>
+          <a:prstGeom prst="line">
+            <a:avLst/>
+          </a:prstGeom>
+          <a:ln>
+            <a:solidFill>
+              <a:schemeClr val="tx1"/>
+            </a:solidFill>
+            <a:prstDash val="sysDash"/>
+          </a:ln>
+        </p:spPr>
+        <p:style>
+          <a:lnRef idx="1">
+            <a:schemeClr val="accent1"/>
+          </a:lnRef>
+          <a:fillRef idx="0">
+            <a:schemeClr val="accent1"/>
+          </a:fillRef>
+          <a:effectRef idx="0">
+            <a:schemeClr val="accent1"/>
+          </a:effectRef>
+          <a:fontRef idx="minor">
+            <a:schemeClr val="tx1"/>
+          </a:fontRef>
+        </p:style>
+      </p:cxnSp>
+      <p:sp>
+        <p:nvSpPr>
+          <p:cNvPr id="9" name="テキスト ボックス 8">
+            <a:extLst>
+              <a:ext uri="{FF2B5EF4-FFF2-40B4-BE49-F238E27FC236}">
+                <a16:creationId xmlns:a16="http://schemas.microsoft.com/office/drawing/2014/main" id="{9659AAD6-BA4C-1443-B8EF-F3A852EAC51D}"/>
+              </a:ext>
+            </a:extLst>
+          </p:cNvPr>
+          <p:cNvSpPr txBox="1"/>
+          <p:nvPr/>
+        </p:nvSpPr>
+        <p:spPr>
+          <a:xfrm>
+            <a:off x="2123728" y="3573016"/>
+            <a:ext cx="261610" cy="369332"/>
+          </a:xfrm>
+          <a:prstGeom prst="rect">
+            <a:avLst/>
+          </a:prstGeom>
+          <a:noFill/>
+        </p:spPr>
+        <p:txBody>
+          <a:bodyPr wrap="none" rtlCol="0">
+            <a:spAutoFit/>
+          </a:bodyPr>
+          <a:lstStyle/>
+          <a:p>
+            <a:r>
+              <a:rPr kumimoji="1" lang="en-US" altLang="ja-JP"/>
+              <a:t>t</a:t>
+            </a:r>
+            <a:endParaRPr kumimoji="1" lang="ja-JP" altLang="en-US"/>
+          </a:p>
+        </p:txBody>
+      </p:sp>
+      <mc:AlternateContent xmlns:mc="http://schemas.openxmlformats.org/markup-compatibility/2006">
+        <mc:Choice xmlns:a14="http://schemas.microsoft.com/office/drawing/2010/main" Requires="a14">
+          <p:sp>
+            <p:nvSpPr>
+              <p:cNvPr id="10" name="テキスト ボックス 9">
+                <a:extLst>
+                  <a:ext uri="{FF2B5EF4-FFF2-40B4-BE49-F238E27FC236}">
+                    <a16:creationId xmlns:a16="http://schemas.microsoft.com/office/drawing/2014/main" id="{3961E829-76EA-BC4B-AFD9-656761A219BB}"/>
+                  </a:ext>
+                </a:extLst>
+              </p:cNvPr>
+              <p:cNvSpPr txBox="1"/>
+              <p:nvPr/>
+            </p:nvSpPr>
+            <p:spPr>
+              <a:xfrm>
+                <a:off x="827584" y="836712"/>
+                <a:ext cx="486865" cy="276999"/>
+              </a:xfrm>
+              <a:prstGeom prst="rect">
+                <a:avLst/>
+              </a:prstGeom>
+              <a:noFill/>
+            </p:spPr>
+            <p:txBody>
+              <a:bodyPr wrap="none" lIns="0" tIns="0" rIns="0" bIns="0" rtlCol="0">
+                <a:spAutoFit/>
+              </a:bodyPr>
+              <a:lstStyle/>
+              <a:p>
+                <a:pPr/>
+                <a14:m>
+                  <m:oMathPara xmlns:m="http://schemas.openxmlformats.org/officeDocument/2006/math">
+                    <m:oMathParaPr>
+                      <m:jc m:val="centerGroup"/>
+                    </m:oMathParaPr>
+                    <m:oMath xmlns:m="http://schemas.openxmlformats.org/officeDocument/2006/math">
+                      <m:r>
+                        <a:rPr kumimoji="1" lang="en-US" altLang="ja-JP" b="0" i="1">
+                          <a:latin typeface="Cambria Math" panose="02040503050406030204" pitchFamily="18" charset="0"/>
+                        </a:rPr>
+                        <m:t>𝑓</m:t>
+                      </m:r>
+                      <m:r>
+                        <a:rPr kumimoji="1" lang="en-US" altLang="ja-JP" b="0" i="1">
+                          <a:latin typeface="Cambria Math" panose="02040503050406030204" pitchFamily="18" charset="0"/>
+                        </a:rPr>
+                        <m:t>(</m:t>
+                      </m:r>
+                      <m:r>
+                        <a:rPr kumimoji="1" lang="en-US" altLang="ja-JP" b="0" i="1">
+                          <a:latin typeface="Cambria Math" panose="02040503050406030204" pitchFamily="18" charset="0"/>
+                        </a:rPr>
+                        <m:t>𝑡</m:t>
+                      </m:r>
+                      <m:r>
+                        <a:rPr kumimoji="1" lang="en-US" altLang="ja-JP" b="0" i="1">
+                          <a:latin typeface="Cambria Math" panose="02040503050406030204" pitchFamily="18" charset="0"/>
+                        </a:rPr>
+                        <m:t>)</m:t>
+                      </m:r>
+                    </m:oMath>
+                  </m:oMathPara>
+                </a14:m>
+                <a:endParaRPr kumimoji="1" lang="ja-JP" altLang="en-US"/>
+              </a:p>
+            </p:txBody>
+          </p:sp>
+        </mc:Choice>
+        <mc:Fallback>
+          <p:sp>
+            <p:nvSpPr>
+              <p:cNvPr id="10" name="テキスト ボックス 9">
+                <a:extLst>
+                  <a:ext uri="{FF2B5EF4-FFF2-40B4-BE49-F238E27FC236}">
+                    <a16:creationId xmlns:a16="http://schemas.microsoft.com/office/drawing/2014/main" id="{3961E829-76EA-BC4B-AFD9-656761A219BB}"/>
+                  </a:ext>
+                </a:extLst>
+              </p:cNvPr>
+              <p:cNvSpPr txBox="1">
+                <a:spLocks noRot="1" noChangeAspect="1" noMove="1" noResize="1" noEditPoints="1" noAdjustHandles="1" noChangeArrowheads="1" noChangeShapeType="1" noTextEdit="1"/>
+              </p:cNvSpPr>
+              <p:nvPr/>
+            </p:nvSpPr>
+            <p:spPr>
+              <a:xfrm>
+                <a:off x="827584" y="836712"/>
+                <a:ext cx="486865" cy="276999"/>
+              </a:xfrm>
+              <a:prstGeom prst="rect">
+                <a:avLst/>
+              </a:prstGeom>
+              <a:blipFill>
+                <a:blip r:embed="rId2"/>
+                <a:stretch>
+                  <a:fillRect l="-12821" r="-15385" b="-30435"/>
+                </a:stretch>
+              </a:blipFill>
+            </p:spPr>
+            <p:txBody>
+              <a:bodyPr/>
+              <a:lstStyle/>
+              <a:p>
+                <a:r>
+                  <a:rPr lang="ja-JP" altLang="en-US">
+                    <a:noFill/>
+                  </a:rPr>
+                  <a:t> </a:t>
+                </a:r>
+              </a:p>
+            </p:txBody>
+          </p:sp>
+        </mc:Fallback>
+      </mc:AlternateContent>
+      <mc:AlternateContent xmlns:mc="http://schemas.openxmlformats.org/markup-compatibility/2006">
+        <mc:Choice xmlns:a14="http://schemas.microsoft.com/office/drawing/2010/main" Requires="a14">
+          <p:sp>
+            <p:nvSpPr>
+              <p:cNvPr id="11" name="テキスト ボックス 10">
+                <a:extLst>
+                  <a:ext uri="{FF2B5EF4-FFF2-40B4-BE49-F238E27FC236}">
+                    <a16:creationId xmlns:a16="http://schemas.microsoft.com/office/drawing/2014/main" id="{271FFE8E-8AC8-3C45-A09E-9C6BC5B75AD7}"/>
+                  </a:ext>
+                </a:extLst>
+              </p:cNvPr>
+              <p:cNvSpPr txBox="1"/>
+              <p:nvPr/>
+            </p:nvSpPr>
+            <p:spPr>
+              <a:xfrm>
+                <a:off x="4860032" y="1340768"/>
+                <a:ext cx="2337435" cy="641907"/>
+              </a:xfrm>
+              <a:prstGeom prst="rect">
+                <a:avLst/>
+              </a:prstGeom>
+              <a:noFill/>
+            </p:spPr>
+            <p:txBody>
+              <a:bodyPr wrap="none" lIns="0" tIns="0" rIns="0" bIns="0" rtlCol="0">
+                <a:spAutoFit/>
+              </a:bodyPr>
+              <a:lstStyle/>
+              <a:p>
+                <a14:m>
+                  <m:oMath xmlns:m="http://schemas.openxmlformats.org/officeDocument/2006/math">
+                    <m:f>
+                      <m:fPr>
+                        <m:ctrlPr>
+                          <a:rPr kumimoji="1" lang="en-US" altLang="ja-JP" sz="2800" b="0" i="1">
+                            <a:latin typeface="Cambria Math" panose="02040503050406030204" pitchFamily="18" charset="0"/>
+                          </a:rPr>
+                        </m:ctrlPr>
+                      </m:fPr>
+                      <m:num>
+                        <m:r>
+                          <a:rPr kumimoji="1" lang="en-US" altLang="ja-JP" sz="2800" b="0" i="1">
+                            <a:latin typeface="Cambria Math" panose="02040503050406030204" pitchFamily="18" charset="0"/>
+                          </a:rPr>
+                          <m:t>𝑑𝑓</m:t>
+                        </m:r>
+                      </m:num>
+                      <m:den>
+                        <m:r>
+                          <a:rPr kumimoji="1" lang="en-US" altLang="ja-JP" sz="2800" b="0" i="1">
+                            <a:latin typeface="Cambria Math" panose="02040503050406030204" pitchFamily="18" charset="0"/>
+                          </a:rPr>
+                          <m:t>𝑑𝑡</m:t>
+                        </m:r>
+                      </m:den>
+                    </m:f>
+                  </m:oMath>
+                </a14:m>
+                <a:r>
+                  <a:rPr lang="en-US" altLang="ja-JP" sz="2800">
+                    <a:ea typeface="Cambria Math" panose="02040503050406030204" pitchFamily="18" charset="0"/>
+                  </a:rPr>
+                  <a:t> </a:t>
+                </a:r>
+                <a14:m>
+                  <m:oMath xmlns:m="http://schemas.openxmlformats.org/officeDocument/2006/math">
+                    <m:r>
+                      <a:rPr lang="en-US" altLang="ja-JP" sz="2800" i="1">
+                        <a:latin typeface="Cambria Math" panose="02040503050406030204" pitchFamily="18" charset="0"/>
+                        <a:ea typeface="Cambria Math" panose="02040503050406030204" pitchFamily="18" charset="0"/>
+                      </a:rPr>
+                      <m:t>≈</m:t>
+                    </m:r>
+                    <m:f>
+                      <m:fPr>
+                        <m:ctrlPr>
+                          <a:rPr lang="en-US" altLang="ja-JP" sz="2800" i="1">
+                            <a:latin typeface="Cambria Math" panose="02040503050406030204" pitchFamily="18" charset="0"/>
+                            <a:ea typeface="Cambria Math" panose="02040503050406030204" pitchFamily="18" charset="0"/>
+                          </a:rPr>
+                        </m:ctrlPr>
+                      </m:fPr>
+                      <m:num>
+                        <m:r>
+                          <a:rPr lang="en-US" altLang="ja-JP" sz="2800" b="0" i="1">
+                            <a:latin typeface="Cambria Math" panose="02040503050406030204" pitchFamily="18" charset="0"/>
+                            <a:ea typeface="Cambria Math" panose="02040503050406030204" pitchFamily="18" charset="0"/>
+                          </a:rPr>
+                          <m:t>𝑓</m:t>
+                        </m:r>
+                        <m:d>
+                          <m:dPr>
+                            <m:ctrlPr>
+                              <a:rPr lang="en-US" altLang="ja-JP" sz="2800" b="0" i="1">
+                                <a:latin typeface="Cambria Math" panose="02040503050406030204" pitchFamily="18" charset="0"/>
+                                <a:ea typeface="Cambria Math" panose="02040503050406030204" pitchFamily="18" charset="0"/>
+                              </a:rPr>
+                            </m:ctrlPr>
+                          </m:dPr>
+                          <m:e>
+                            <m:r>
+                              <a:rPr lang="en-US" altLang="ja-JP" sz="2800" b="0" i="1">
+                                <a:latin typeface="Cambria Math" panose="02040503050406030204" pitchFamily="18" charset="0"/>
+                                <a:ea typeface="Cambria Math" panose="02040503050406030204" pitchFamily="18" charset="0"/>
+                              </a:rPr>
+                              <m:t>𝑡</m:t>
+                            </m:r>
+                            <m:r>
+                              <a:rPr lang="en-US" altLang="ja-JP" sz="2800" b="0" i="1">
+                                <a:latin typeface="Cambria Math" panose="02040503050406030204" pitchFamily="18" charset="0"/>
+                                <a:ea typeface="Cambria Math" panose="02040503050406030204" pitchFamily="18" charset="0"/>
+                              </a:rPr>
+                              <m:t>+</m:t>
+                            </m:r>
+                            <m:r>
+                              <a:rPr lang="en-US" altLang="ja-JP" sz="2800" b="0" i="1">
+                                <a:latin typeface="Cambria Math" panose="02040503050406030204" pitchFamily="18" charset="0"/>
+                                <a:ea typeface="Cambria Math" panose="02040503050406030204" pitchFamily="18" charset="0"/>
+                              </a:rPr>
+                              <m:t>h</m:t>
+                            </m:r>
+                          </m:e>
+                        </m:d>
+                        <m:r>
+                          <a:rPr lang="en-US" altLang="ja-JP" sz="2800" b="0" i="1">
+                            <a:latin typeface="Cambria Math" panose="02040503050406030204" pitchFamily="18" charset="0"/>
+                            <a:ea typeface="Cambria Math" panose="02040503050406030204" pitchFamily="18" charset="0"/>
+                          </a:rPr>
+                          <m:t>−</m:t>
+                        </m:r>
+                        <m:r>
+                          <a:rPr lang="en-US" altLang="ja-JP" sz="2800" b="0" i="1">
+                            <a:latin typeface="Cambria Math" panose="02040503050406030204" pitchFamily="18" charset="0"/>
+                            <a:ea typeface="Cambria Math" panose="02040503050406030204" pitchFamily="18" charset="0"/>
+                          </a:rPr>
+                          <m:t>𝑓</m:t>
+                        </m:r>
+                        <m:r>
+                          <a:rPr lang="en-US" altLang="ja-JP" sz="2800" b="0" i="1">
+                            <a:latin typeface="Cambria Math" panose="02040503050406030204" pitchFamily="18" charset="0"/>
+                            <a:ea typeface="Cambria Math" panose="02040503050406030204" pitchFamily="18" charset="0"/>
+                          </a:rPr>
+                          <m:t>(</m:t>
+                        </m:r>
+                        <m:r>
+                          <a:rPr lang="en-US" altLang="ja-JP" sz="2800" b="0" i="1">
+                            <a:latin typeface="Cambria Math" panose="02040503050406030204" pitchFamily="18" charset="0"/>
+                            <a:ea typeface="Cambria Math" panose="02040503050406030204" pitchFamily="18" charset="0"/>
+                          </a:rPr>
+                          <m:t>𝑡</m:t>
+                        </m:r>
+                        <m:r>
+                          <a:rPr lang="en-US" altLang="ja-JP" sz="2800" b="0" i="1">
+                            <a:latin typeface="Cambria Math" panose="02040503050406030204" pitchFamily="18" charset="0"/>
+                            <a:ea typeface="Cambria Math" panose="02040503050406030204" pitchFamily="18" charset="0"/>
+                          </a:rPr>
+                          <m:t>)</m:t>
+                        </m:r>
+                      </m:num>
+                      <m:den>
+                        <m:r>
+                          <a:rPr lang="en-US" altLang="ja-JP" sz="2800" b="0" i="1">
+                            <a:latin typeface="Cambria Math" panose="02040503050406030204" pitchFamily="18" charset="0"/>
+                            <a:ea typeface="Cambria Math" panose="02040503050406030204" pitchFamily="18" charset="0"/>
+                          </a:rPr>
+                          <m:t>𝑑𝑡</m:t>
+                        </m:r>
+                      </m:den>
+                    </m:f>
+                  </m:oMath>
+                </a14:m>
+                <a:endParaRPr kumimoji="1" lang="ja-JP" altLang="en-US" sz="2800"/>
+              </a:p>
+            </p:txBody>
+          </p:sp>
+        </mc:Choice>
+        <mc:Fallback>
+          <p:sp>
+            <p:nvSpPr>
+              <p:cNvPr id="11" name="テキスト ボックス 10">
+                <a:extLst>
+                  <a:ext uri="{FF2B5EF4-FFF2-40B4-BE49-F238E27FC236}">
+                    <a16:creationId xmlns:a16="http://schemas.microsoft.com/office/drawing/2014/main" id="{271FFE8E-8AC8-3C45-A09E-9C6BC5B75AD7}"/>
+                  </a:ext>
+                </a:extLst>
+              </p:cNvPr>
+              <p:cNvSpPr txBox="1">
+                <a:spLocks noRot="1" noChangeAspect="1" noMove="1" noResize="1" noEditPoints="1" noAdjustHandles="1" noChangeArrowheads="1" noChangeShapeType="1" noTextEdit="1"/>
+              </p:cNvSpPr>
+              <p:nvPr/>
+            </p:nvSpPr>
+            <p:spPr>
+              <a:xfrm>
+                <a:off x="4860032" y="1340768"/>
+                <a:ext cx="2337435" cy="641907"/>
+              </a:xfrm>
+              <a:prstGeom prst="rect">
+                <a:avLst/>
+              </a:prstGeom>
+              <a:blipFill>
+                <a:blip r:embed="rId3"/>
+                <a:stretch>
+                  <a:fillRect l="-4865" r="-3784" b="-11765"/>
+                </a:stretch>
+              </a:blipFill>
+            </p:spPr>
+            <p:txBody>
+              <a:bodyPr/>
+              <a:lstStyle/>
+              <a:p>
+                <a:r>
+                  <a:rPr lang="ja-JP" altLang="en-US">
+                    <a:noFill/>
+                  </a:rPr>
+                  <a:t> </a:t>
+                </a:r>
+              </a:p>
+            </p:txBody>
+          </p:sp>
+        </mc:Fallback>
+      </mc:AlternateContent>
+      <p:cxnSp>
+        <p:nvCxnSpPr>
+          <p:cNvPr id="12" name="直線コネクタ 11">
+            <a:extLst>
+              <a:ext uri="{FF2B5EF4-FFF2-40B4-BE49-F238E27FC236}">
+                <a16:creationId xmlns:a16="http://schemas.microsoft.com/office/drawing/2014/main" id="{9E8BD9DC-0202-0749-9D7D-96DC3EE5B2A9}"/>
+              </a:ext>
+            </a:extLst>
+          </p:cNvPr>
+          <p:cNvCxnSpPr>
+            <a:cxnSpLocks/>
+          </p:cNvCxnSpPr>
+          <p:nvPr/>
+        </p:nvCxnSpPr>
+        <p:spPr>
+          <a:xfrm flipV="1">
+            <a:off x="1432223" y="2320305"/>
+            <a:ext cx="2376264" cy="1080121"/>
+          </a:xfrm>
+          <a:prstGeom prst="line">
+            <a:avLst/>
+          </a:prstGeom>
+          <a:ln w="28575">
+            <a:solidFill>
+              <a:srgbClr val="011893"/>
+            </a:solidFill>
+          </a:ln>
+        </p:spPr>
+        <p:style>
+          <a:lnRef idx="1">
+            <a:schemeClr val="accent1"/>
+          </a:lnRef>
+          <a:fillRef idx="0">
+            <a:schemeClr val="accent1"/>
+          </a:fillRef>
+          <a:effectRef idx="0">
+            <a:schemeClr val="accent1"/>
+          </a:effectRef>
+          <a:fontRef idx="minor">
+            <a:schemeClr val="tx1"/>
+          </a:fontRef>
+        </p:style>
+      </p:cxnSp>
+      <p:sp>
+        <p:nvSpPr>
+          <p:cNvPr id="13" name="円/楕円 12">
+            <a:extLst>
+              <a:ext uri="{FF2B5EF4-FFF2-40B4-BE49-F238E27FC236}">
+                <a16:creationId xmlns:a16="http://schemas.microsoft.com/office/drawing/2014/main" id="{4C9EE6C7-1405-314B-8D2C-B3EFB3777BCE}"/>
+              </a:ext>
+            </a:extLst>
+          </p:cNvPr>
+          <p:cNvSpPr/>
+          <p:nvPr/>
+        </p:nvSpPr>
+        <p:spPr>
+          <a:xfrm>
+            <a:off x="2224311" y="2984252"/>
+            <a:ext cx="72008" cy="72008"/>
+          </a:xfrm>
+          <a:prstGeom prst="ellipse">
+            <a:avLst/>
+          </a:prstGeom>
+          <a:solidFill>
+            <a:srgbClr val="FF0000"/>
+          </a:solidFill>
+          <a:ln>
+            <a:solidFill>
+              <a:schemeClr val="tx1"/>
+            </a:solidFill>
+          </a:ln>
+        </p:spPr>
+        <p:style>
+          <a:lnRef idx="2">
+            <a:schemeClr val="accent1">
+              <a:shade val="50000"/>
+            </a:schemeClr>
+          </a:lnRef>
+          <a:fillRef idx="1">
+            <a:schemeClr val="accent1"/>
+          </a:fillRef>
+          <a:effectRef idx="0">
+            <a:schemeClr val="accent1"/>
+          </a:effectRef>
+          <a:fontRef idx="minor">
+            <a:schemeClr val="lt1"/>
+          </a:fontRef>
+        </p:style>
+        <p:txBody>
+          <a:bodyPr rtlCol="0" anchor="ctr"/>
+          <a:lstStyle/>
+          <a:p>
+            <a:pPr algn="ctr"/>
+            <a:endParaRPr kumimoji="1" lang="ja-JP" altLang="en-US"/>
+          </a:p>
+        </p:txBody>
+      </p:sp>
+      <p:sp>
+        <p:nvSpPr>
+          <p:cNvPr id="14" name="円/楕円 13">
+            <a:extLst>
+              <a:ext uri="{FF2B5EF4-FFF2-40B4-BE49-F238E27FC236}">
+                <a16:creationId xmlns:a16="http://schemas.microsoft.com/office/drawing/2014/main" id="{DDDD7EB9-774D-064D-A669-B8F26206FCAD}"/>
+              </a:ext>
+            </a:extLst>
+          </p:cNvPr>
+          <p:cNvSpPr/>
+          <p:nvPr/>
+        </p:nvSpPr>
+        <p:spPr>
+          <a:xfrm>
+            <a:off x="2951386" y="2662436"/>
+            <a:ext cx="72008" cy="72008"/>
+          </a:xfrm>
+          <a:prstGeom prst="ellipse">
+            <a:avLst/>
+          </a:prstGeom>
+          <a:solidFill>
+            <a:srgbClr val="FF0000"/>
+          </a:solidFill>
+          <a:ln>
+            <a:solidFill>
+              <a:schemeClr val="tx1"/>
+            </a:solidFill>
+          </a:ln>
+        </p:spPr>
+        <p:style>
+          <a:lnRef idx="2">
+            <a:schemeClr val="accent1">
+              <a:shade val="50000"/>
+            </a:schemeClr>
+          </a:lnRef>
+          <a:fillRef idx="1">
+            <a:schemeClr val="accent1"/>
+          </a:fillRef>
+          <a:effectRef idx="0">
+            <a:schemeClr val="accent1"/>
+          </a:effectRef>
+          <a:fontRef idx="minor">
+            <a:schemeClr val="lt1"/>
+          </a:fontRef>
+        </p:style>
+        <p:txBody>
+          <a:bodyPr rtlCol="0" anchor="ctr"/>
+          <a:lstStyle/>
+          <a:p>
+            <a:pPr algn="ctr"/>
+            <a:endParaRPr kumimoji="1" lang="ja-JP" altLang="en-US"/>
+          </a:p>
+        </p:txBody>
+      </p:sp>
+      <p:sp>
+        <p:nvSpPr>
+          <p:cNvPr id="15" name="テキスト ボックス 14">
+            <a:extLst>
+              <a:ext uri="{FF2B5EF4-FFF2-40B4-BE49-F238E27FC236}">
+                <a16:creationId xmlns:a16="http://schemas.microsoft.com/office/drawing/2014/main" id="{325779E3-EEBF-024F-8A4A-ABECECA8B637}"/>
+              </a:ext>
+            </a:extLst>
+          </p:cNvPr>
+          <p:cNvSpPr txBox="1"/>
+          <p:nvPr/>
+        </p:nvSpPr>
+        <p:spPr>
+          <a:xfrm>
+            <a:off x="2752378" y="3566666"/>
+            <a:ext cx="498855" cy="369332"/>
+          </a:xfrm>
+          <a:prstGeom prst="rect">
+            <a:avLst/>
+          </a:prstGeom>
+          <a:noFill/>
+        </p:spPr>
+        <p:txBody>
+          <a:bodyPr wrap="none" rtlCol="0">
+            <a:spAutoFit/>
+          </a:bodyPr>
+          <a:lstStyle/>
+          <a:p>
+            <a:r>
+              <a:rPr kumimoji="1" lang="en-US" altLang="ja-JP"/>
+              <a:t>t+h</a:t>
+            </a:r>
+            <a:endParaRPr kumimoji="1" lang="ja-JP" altLang="en-US"/>
+          </a:p>
+        </p:txBody>
+      </p:sp>
+      <mc:AlternateContent xmlns:mc="http://schemas.openxmlformats.org/markup-compatibility/2006">
+        <mc:Choice xmlns:a14="http://schemas.microsoft.com/office/drawing/2010/main" Requires="a14">
+          <p:sp>
+            <p:nvSpPr>
+              <p:cNvPr id="17" name="テキスト ボックス 16">
+                <a:extLst>
+                  <a:ext uri="{FF2B5EF4-FFF2-40B4-BE49-F238E27FC236}">
+                    <a16:creationId xmlns:a16="http://schemas.microsoft.com/office/drawing/2014/main" id="{7B0641EE-961A-A742-B526-A2360972DDCA}"/>
+                  </a:ext>
+                </a:extLst>
+              </p:cNvPr>
+              <p:cNvSpPr txBox="1"/>
+              <p:nvPr/>
+            </p:nvSpPr>
+            <p:spPr>
+              <a:xfrm>
+                <a:off x="4644008" y="2924944"/>
+                <a:ext cx="3382273" cy="369332"/>
+              </a:xfrm>
+              <a:prstGeom prst="rect">
+                <a:avLst/>
+              </a:prstGeom>
+              <a:noFill/>
+            </p:spPr>
+            <p:txBody>
+              <a:bodyPr wrap="none" lIns="0" tIns="0" rIns="0" bIns="0" rtlCol="0">
+                <a:spAutoFit/>
+              </a:bodyPr>
+              <a:lstStyle/>
+              <a:p>
+                <a14:m>
+                  <m:oMathPara xmlns:m="http://schemas.openxmlformats.org/officeDocument/2006/math">
+                    <m:oMathParaPr>
+                      <m:jc m:val="centerGroup"/>
+                    </m:oMathParaPr>
+                    <m:oMath xmlns:m="http://schemas.openxmlformats.org/officeDocument/2006/math">
+                      <m:r>
+                        <a:rPr lang="en-US" altLang="ja-JP" sz="2400" b="0" i="1">
+                          <a:latin typeface="Cambria Math" panose="02040503050406030204" pitchFamily="18" charset="0"/>
+                          <a:ea typeface="Cambria Math" panose="02040503050406030204" pitchFamily="18" charset="0"/>
+                        </a:rPr>
+                        <m:t>𝑓</m:t>
+                      </m:r>
+                      <m:d>
+                        <m:dPr>
+                          <m:ctrlPr>
+                            <a:rPr lang="en-US" altLang="ja-JP" sz="2400" b="0" i="1">
+                              <a:latin typeface="Cambria Math" panose="02040503050406030204" pitchFamily="18" charset="0"/>
+                              <a:ea typeface="Cambria Math" panose="02040503050406030204" pitchFamily="18" charset="0"/>
+                            </a:rPr>
+                          </m:ctrlPr>
+                        </m:dPr>
+                        <m:e>
+                          <m:r>
+                            <a:rPr lang="en-US" altLang="ja-JP" sz="2400" b="0" i="1">
+                              <a:latin typeface="Cambria Math" panose="02040503050406030204" pitchFamily="18" charset="0"/>
+                              <a:ea typeface="Cambria Math" panose="02040503050406030204" pitchFamily="18" charset="0"/>
+                            </a:rPr>
+                            <m:t>𝑡</m:t>
+                          </m:r>
+                          <m:r>
+                            <a:rPr lang="en-US" altLang="ja-JP" sz="2400" b="0" i="1">
+                              <a:latin typeface="Cambria Math" panose="02040503050406030204" pitchFamily="18" charset="0"/>
+                              <a:ea typeface="Cambria Math" panose="02040503050406030204" pitchFamily="18" charset="0"/>
+                            </a:rPr>
+                            <m:t>+</m:t>
+                          </m:r>
+                          <m:r>
+                            <a:rPr lang="en-US" altLang="ja-JP" sz="2400" b="0" i="1">
+                              <a:latin typeface="Cambria Math" panose="02040503050406030204" pitchFamily="18" charset="0"/>
+                              <a:ea typeface="Cambria Math" panose="02040503050406030204" pitchFamily="18" charset="0"/>
+                            </a:rPr>
+                            <m:t>h</m:t>
+                          </m:r>
+                        </m:e>
+                      </m:d>
+                      <m:r>
+                        <a:rPr lang="en-US" altLang="ja-JP" sz="2400" b="0" i="1">
+                          <a:latin typeface="Cambria Math" panose="02040503050406030204" pitchFamily="18" charset="0"/>
+                          <a:ea typeface="Cambria Math" panose="02040503050406030204" pitchFamily="18" charset="0"/>
+                        </a:rPr>
+                        <m:t>=</m:t>
+                      </m:r>
+                      <m:r>
+                        <a:rPr lang="en-US" altLang="ja-JP" sz="2400" b="0" i="1">
+                          <a:latin typeface="Cambria Math" panose="02040503050406030204" pitchFamily="18" charset="0"/>
+                          <a:ea typeface="Cambria Math" panose="02040503050406030204" pitchFamily="18" charset="0"/>
+                        </a:rPr>
+                        <m:t>𝑓</m:t>
+                      </m:r>
+                      <m:d>
+                        <m:dPr>
+                          <m:ctrlPr>
+                            <a:rPr lang="en-US" altLang="ja-JP" sz="2400" b="0" i="1">
+                              <a:latin typeface="Cambria Math" panose="02040503050406030204" pitchFamily="18" charset="0"/>
+                              <a:ea typeface="Cambria Math" panose="02040503050406030204" pitchFamily="18" charset="0"/>
+                            </a:rPr>
+                          </m:ctrlPr>
+                        </m:dPr>
+                        <m:e>
+                          <m:r>
+                            <a:rPr lang="en-US" altLang="ja-JP" sz="2400" b="0" i="1">
+                              <a:latin typeface="Cambria Math" panose="02040503050406030204" pitchFamily="18" charset="0"/>
+                              <a:ea typeface="Cambria Math" panose="02040503050406030204" pitchFamily="18" charset="0"/>
+                            </a:rPr>
+                            <m:t>𝑡</m:t>
+                          </m:r>
+                        </m:e>
+                      </m:d>
+                      <m:r>
+                        <a:rPr lang="en-US" altLang="ja-JP" sz="2400" b="0" i="1">
+                          <a:latin typeface="Cambria Math" panose="02040503050406030204" pitchFamily="18" charset="0"/>
+                          <a:ea typeface="Cambria Math" panose="02040503050406030204" pitchFamily="18" charset="0"/>
+                        </a:rPr>
+                        <m:t>+</m:t>
+                      </m:r>
+                      <m:r>
+                        <a:rPr lang="en-US" altLang="ja-JP" sz="2400" b="0" i="1">
+                          <a:latin typeface="Cambria Math" panose="02040503050406030204" pitchFamily="18" charset="0"/>
+                          <a:ea typeface="Cambria Math" panose="02040503050406030204" pitchFamily="18" charset="0"/>
+                        </a:rPr>
+                        <m:t>h</m:t>
+                      </m:r>
+                      <m:r>
+                        <a:rPr lang="en-US" altLang="ja-JP" sz="2400" b="0" i="1">
+                          <a:latin typeface="Cambria Math" panose="02040503050406030204" pitchFamily="18" charset="0"/>
+                          <a:ea typeface="Cambria Math" panose="02040503050406030204" pitchFamily="18" charset="0"/>
+                        </a:rPr>
+                        <m:t> </m:t>
+                      </m:r>
+                      <m:r>
+                        <a:rPr lang="en-US" altLang="ja-JP" sz="2400" b="0" i="1">
+                          <a:latin typeface="Cambria Math" panose="02040503050406030204" pitchFamily="18" charset="0"/>
+                          <a:ea typeface="Cambria Math" panose="02040503050406030204" pitchFamily="18" charset="0"/>
+                        </a:rPr>
+                        <m:t>𝑓</m:t>
+                      </m:r>
+                      <m:r>
+                        <a:rPr lang="en-US" altLang="ja-JP" sz="2400" b="0" i="1">
+                          <a:latin typeface="Cambria Math" panose="02040503050406030204" pitchFamily="18" charset="0"/>
+                          <a:ea typeface="Cambria Math" panose="02040503050406030204" pitchFamily="18" charset="0"/>
+                        </a:rPr>
+                        <m:t>′(</m:t>
+                      </m:r>
+                      <m:r>
+                        <a:rPr lang="en-US" altLang="ja-JP" sz="2400" b="0" i="1">
+                          <a:latin typeface="Cambria Math" panose="02040503050406030204" pitchFamily="18" charset="0"/>
+                          <a:ea typeface="Cambria Math" panose="02040503050406030204" pitchFamily="18" charset="0"/>
+                        </a:rPr>
+                        <m:t>𝑡</m:t>
+                      </m:r>
+                      <m:r>
+                        <a:rPr lang="en-US" altLang="ja-JP" sz="2400" b="0" i="1">
+                          <a:latin typeface="Cambria Math" panose="02040503050406030204" pitchFamily="18" charset="0"/>
+                          <a:ea typeface="Cambria Math" panose="02040503050406030204" pitchFamily="18" charset="0"/>
+                        </a:rPr>
+                        <m:t>)</m:t>
+                      </m:r>
+                    </m:oMath>
+                  </m:oMathPara>
+                </a14:m>
+                <a:endParaRPr kumimoji="1" lang="ja-JP" altLang="en-US" sz="2400"/>
+              </a:p>
+            </p:txBody>
+          </p:sp>
+        </mc:Choice>
+        <mc:Fallback>
+          <p:sp>
+            <p:nvSpPr>
+              <p:cNvPr id="17" name="テキスト ボックス 16">
+                <a:extLst>
+                  <a:ext uri="{FF2B5EF4-FFF2-40B4-BE49-F238E27FC236}">
+                    <a16:creationId xmlns:a16="http://schemas.microsoft.com/office/drawing/2014/main" id="{7B0641EE-961A-A742-B526-A2360972DDCA}"/>
+                  </a:ext>
+                </a:extLst>
+              </p:cNvPr>
+              <p:cNvSpPr txBox="1">
+                <a:spLocks noRot="1" noChangeAspect="1" noMove="1" noResize="1" noEditPoints="1" noAdjustHandles="1" noChangeArrowheads="1" noChangeShapeType="1" noTextEdit="1"/>
+              </p:cNvSpPr>
+              <p:nvPr/>
+            </p:nvSpPr>
+            <p:spPr>
+              <a:xfrm>
+                <a:off x="4644008" y="2924944"/>
+                <a:ext cx="3382273" cy="369332"/>
+              </a:xfrm>
+              <a:prstGeom prst="rect">
+                <a:avLst/>
+              </a:prstGeom>
+              <a:blipFill>
+                <a:blip r:embed="rId4"/>
+                <a:stretch>
+                  <a:fillRect l="-2622" t="-3333" r="-2622" b="-36667"/>
+                </a:stretch>
+              </a:blipFill>
+            </p:spPr>
+            <p:txBody>
+              <a:bodyPr/>
+              <a:lstStyle/>
+              <a:p>
+                <a:r>
+                  <a:rPr lang="ja-JP" altLang="en-US">
+                    <a:noFill/>
+                  </a:rPr>
+                  <a:t> </a:t>
+                </a:r>
+              </a:p>
+            </p:txBody>
+          </p:sp>
+        </mc:Fallback>
+      </mc:AlternateContent>
+      <p:sp>
+        <p:nvSpPr>
+          <p:cNvPr id="18" name="下矢印 17">
+            <a:extLst>
+              <a:ext uri="{FF2B5EF4-FFF2-40B4-BE49-F238E27FC236}">
+                <a16:creationId xmlns:a16="http://schemas.microsoft.com/office/drawing/2014/main" id="{773F3B84-5FAA-B842-A32A-FF31884F875D}"/>
+              </a:ext>
+            </a:extLst>
+          </p:cNvPr>
+          <p:cNvSpPr/>
+          <p:nvPr/>
+        </p:nvSpPr>
+        <p:spPr>
+          <a:xfrm>
+            <a:off x="5868144" y="2204864"/>
+            <a:ext cx="432048" cy="432048"/>
+          </a:xfrm>
+          <a:prstGeom prst="downArrow">
+            <a:avLst/>
+          </a:prstGeom>
+          <a:solidFill>
+            <a:srgbClr val="FF0000"/>
+          </a:solidFill>
+          <a:ln>
+            <a:solidFill>
+              <a:schemeClr val="tx1"/>
+            </a:solidFill>
+          </a:ln>
+        </p:spPr>
+        <p:style>
+          <a:lnRef idx="2">
+            <a:schemeClr val="accent1">
+              <a:shade val="50000"/>
+            </a:schemeClr>
+          </a:lnRef>
+          <a:fillRef idx="1">
+            <a:schemeClr val="accent1"/>
+          </a:fillRef>
+          <a:effectRef idx="0">
+            <a:schemeClr val="accent1"/>
+          </a:effectRef>
+          <a:fontRef idx="minor">
+            <a:schemeClr val="lt1"/>
+          </a:fontRef>
+        </p:style>
+        <p:txBody>
+          <a:bodyPr rtlCol="0" anchor="ctr"/>
+          <a:lstStyle/>
+          <a:p>
+            <a:pPr algn="ctr"/>
+            <a:endParaRPr kumimoji="1" lang="ja-JP" altLang="en-US"/>
+          </a:p>
+        </p:txBody>
+      </p:sp>
+      <p:sp>
+        <p:nvSpPr>
+          <p:cNvPr id="22" name="円/楕円 21">
+            <a:extLst>
+              <a:ext uri="{FF2B5EF4-FFF2-40B4-BE49-F238E27FC236}">
+                <a16:creationId xmlns:a16="http://schemas.microsoft.com/office/drawing/2014/main" id="{DFFD4CA7-9759-5D4B-8115-13CD20B0E0EE}"/>
+              </a:ext>
+            </a:extLst>
+          </p:cNvPr>
+          <p:cNvSpPr/>
+          <p:nvPr/>
+        </p:nvSpPr>
+        <p:spPr>
+          <a:xfrm>
+            <a:off x="2951386" y="2430661"/>
+            <a:ext cx="72008" cy="72008"/>
+          </a:xfrm>
+          <a:prstGeom prst="ellipse">
+            <a:avLst/>
+          </a:prstGeom>
+          <a:solidFill>
+            <a:srgbClr val="FF0000"/>
+          </a:solidFill>
+          <a:ln>
+            <a:solidFill>
+              <a:schemeClr val="tx1"/>
+            </a:solidFill>
+          </a:ln>
+        </p:spPr>
+        <p:style>
+          <a:lnRef idx="2">
+            <a:schemeClr val="accent1">
+              <a:shade val="50000"/>
+            </a:schemeClr>
+          </a:lnRef>
+          <a:fillRef idx="1">
+            <a:schemeClr val="accent1"/>
+          </a:fillRef>
+          <a:effectRef idx="0">
+            <a:schemeClr val="accent1"/>
+          </a:effectRef>
+          <a:fontRef idx="minor">
+            <a:schemeClr val="lt1"/>
+          </a:fontRef>
+        </p:style>
+        <p:txBody>
+          <a:bodyPr rtlCol="0" anchor="ctr"/>
+          <a:lstStyle/>
+          <a:p>
+            <a:pPr algn="ctr"/>
+            <a:endParaRPr kumimoji="1" lang="ja-JP" altLang="en-US"/>
+          </a:p>
+        </p:txBody>
+      </p:sp>
+      <p:sp>
+        <p:nvSpPr>
+          <p:cNvPr id="25" name="テキスト ボックス 24">
+            <a:extLst>
+              <a:ext uri="{FF2B5EF4-FFF2-40B4-BE49-F238E27FC236}">
+                <a16:creationId xmlns:a16="http://schemas.microsoft.com/office/drawing/2014/main" id="{807C3146-20CB-5A41-BEFA-2E36F976EF4D}"/>
+              </a:ext>
+            </a:extLst>
+          </p:cNvPr>
+          <p:cNvSpPr txBox="1"/>
+          <p:nvPr/>
+        </p:nvSpPr>
+        <p:spPr>
+          <a:xfrm>
+            <a:off x="955963" y="290945"/>
+            <a:ext cx="3352200" cy="369332"/>
+          </a:xfrm>
+          <a:prstGeom prst="rect">
+            <a:avLst/>
+          </a:prstGeom>
+          <a:noFill/>
+        </p:spPr>
+        <p:txBody>
+          <a:bodyPr wrap="none" rtlCol="0">
+            <a:spAutoFit/>
+          </a:bodyPr>
+          <a:lstStyle/>
+          <a:p>
+            <a:r>
+              <a:rPr lang="ja-JP" altLang="en-US"/>
+              <a:t>この場所の値</a:t>
+            </a:r>
+            <a:r>
+              <a:rPr lang="en-US" altLang="ja-JP"/>
+              <a:t>f(t)</a:t>
+            </a:r>
+            <a:r>
+              <a:rPr lang="ja-JP" altLang="en-US"/>
+              <a:t>と傾き</a:t>
+            </a:r>
+            <a:r>
+              <a:rPr lang="en-US" altLang="ja-JP"/>
+              <a:t>f'(t)</a:t>
+            </a:r>
+            <a:r>
+              <a:rPr lang="ja-JP" altLang="en-US"/>
+              <a:t>から</a:t>
+            </a:r>
+            <a:endParaRPr kumimoji="1" lang="ja-JP" altLang="en-US"/>
+          </a:p>
+        </p:txBody>
+      </p:sp>
+      <p:sp>
+        <p:nvSpPr>
+          <p:cNvPr id="26" name="テキスト ボックス 25">
+            <a:extLst>
+              <a:ext uri="{FF2B5EF4-FFF2-40B4-BE49-F238E27FC236}">
+                <a16:creationId xmlns:a16="http://schemas.microsoft.com/office/drawing/2014/main" id="{148855E9-BC62-D648-A2F4-0B13C95E1E72}"/>
+              </a:ext>
+            </a:extLst>
+          </p:cNvPr>
+          <p:cNvSpPr txBox="1"/>
+          <p:nvPr/>
+        </p:nvSpPr>
+        <p:spPr>
+          <a:xfrm>
+            <a:off x="2133599" y="4405747"/>
+            <a:ext cx="2787943" cy="369332"/>
+          </a:xfrm>
+          <a:prstGeom prst="rect">
+            <a:avLst/>
+          </a:prstGeom>
+          <a:noFill/>
+        </p:spPr>
+        <p:txBody>
+          <a:bodyPr wrap="none" rtlCol="0">
+            <a:spAutoFit/>
+          </a:bodyPr>
+          <a:lstStyle/>
+          <a:p>
+            <a:r>
+              <a:rPr kumimoji="1" lang="ja-JP" altLang="en-US"/>
+              <a:t>次の時刻の値</a:t>
+            </a:r>
+            <a:r>
+              <a:rPr kumimoji="1" lang="en-US" altLang="ja-JP"/>
+              <a:t>f(t+h)</a:t>
+            </a:r>
+            <a:r>
+              <a:rPr kumimoji="1" lang="ja-JP" altLang="en-US"/>
+              <a:t>を得る</a:t>
+            </a:r>
+          </a:p>
+        </p:txBody>
+      </p:sp>
+      <p:sp>
+        <p:nvSpPr>
+          <p:cNvPr id="27" name="テキスト ボックス 26">
+            <a:extLst>
+              <a:ext uri="{FF2B5EF4-FFF2-40B4-BE49-F238E27FC236}">
+                <a16:creationId xmlns:a16="http://schemas.microsoft.com/office/drawing/2014/main" id="{C267E3E6-0CBF-044B-9706-8F6D1A27DCAE}"/>
+              </a:ext>
+            </a:extLst>
+          </p:cNvPr>
+          <p:cNvSpPr txBox="1"/>
+          <p:nvPr/>
+        </p:nvSpPr>
+        <p:spPr>
+          <a:xfrm>
+            <a:off x="3616035" y="1884220"/>
+            <a:ext cx="646331" cy="369332"/>
+          </a:xfrm>
+          <a:prstGeom prst="rect">
+            <a:avLst/>
+          </a:prstGeom>
+          <a:noFill/>
+        </p:spPr>
+        <p:txBody>
+          <a:bodyPr wrap="none" rtlCol="0">
+            <a:spAutoFit/>
+          </a:bodyPr>
+          <a:lstStyle/>
+          <a:p>
+            <a:r>
+              <a:rPr lang="ja-JP" altLang="en-US"/>
+              <a:t>誤差</a:t>
+            </a:r>
+            <a:endParaRPr kumimoji="1" lang="ja-JP" altLang="en-US"/>
+          </a:p>
+        </p:txBody>
+      </p:sp>
+      <p:cxnSp>
+        <p:nvCxnSpPr>
+          <p:cNvPr id="29" name="直線矢印コネクタ 28">
+            <a:extLst>
+              <a:ext uri="{FF2B5EF4-FFF2-40B4-BE49-F238E27FC236}">
+                <a16:creationId xmlns:a16="http://schemas.microsoft.com/office/drawing/2014/main" id="{287C8AFE-AB61-9C4F-8965-25BAAA3E95EF}"/>
+              </a:ext>
+            </a:extLst>
+          </p:cNvPr>
+          <p:cNvCxnSpPr>
+            <a:stCxn id="27" idx="1"/>
+          </p:cNvCxnSpPr>
+          <p:nvPr/>
+        </p:nvCxnSpPr>
+        <p:spPr>
+          <a:xfrm flipH="1">
+            <a:off x="3048000" y="2068886"/>
+            <a:ext cx="568035" cy="494205"/>
+          </a:xfrm>
+          <a:prstGeom prst="straightConnector1">
+            <a:avLst/>
+          </a:prstGeom>
+          <a:ln w="12700">
+            <a:solidFill>
+              <a:schemeClr val="tx1"/>
+            </a:solidFill>
+            <a:tailEnd type="triangle"/>
+          </a:ln>
+        </p:spPr>
+        <p:style>
+          <a:lnRef idx="1">
+            <a:schemeClr val="accent1"/>
+          </a:lnRef>
+          <a:fillRef idx="0">
+            <a:schemeClr val="accent1"/>
+          </a:fillRef>
+          <a:effectRef idx="0">
+            <a:schemeClr val="accent1"/>
+          </a:effectRef>
+          <a:fontRef idx="minor">
+            <a:schemeClr val="tx1"/>
+          </a:fontRef>
+        </p:style>
+      </p:cxnSp>
+      <p:cxnSp>
+        <p:nvCxnSpPr>
+          <p:cNvPr id="31" name="直線矢印コネクタ 30">
+            <a:extLst>
+              <a:ext uri="{FF2B5EF4-FFF2-40B4-BE49-F238E27FC236}">
+                <a16:creationId xmlns:a16="http://schemas.microsoft.com/office/drawing/2014/main" id="{308F79E3-A377-8042-956D-739ED4B152C2}"/>
+              </a:ext>
+            </a:extLst>
+          </p:cNvPr>
+          <p:cNvCxnSpPr/>
+          <p:nvPr/>
+        </p:nvCxnSpPr>
+        <p:spPr>
+          <a:xfrm>
+            <a:off x="2272146" y="706582"/>
+            <a:ext cx="0" cy="387927"/>
+          </a:xfrm>
+          <a:prstGeom prst="straightConnector1">
+            <a:avLst/>
+          </a:prstGeom>
+          <a:ln w="12700">
+            <a:solidFill>
+              <a:schemeClr val="tx1"/>
+            </a:solidFill>
+            <a:tailEnd type="triangle"/>
+          </a:ln>
+        </p:spPr>
+        <p:style>
+          <a:lnRef idx="1">
+            <a:schemeClr val="accent1"/>
+          </a:lnRef>
+          <a:fillRef idx="0">
+            <a:schemeClr val="accent1"/>
+          </a:fillRef>
+          <a:effectRef idx="0">
+            <a:schemeClr val="accent1"/>
+          </a:effectRef>
+          <a:fontRef idx="minor">
+            <a:schemeClr val="tx1"/>
+          </a:fontRef>
+        </p:style>
+      </p:cxnSp>
+      <p:cxnSp>
+        <p:nvCxnSpPr>
+          <p:cNvPr id="32" name="直線矢印コネクタ 31">
+            <a:extLst>
+              <a:ext uri="{FF2B5EF4-FFF2-40B4-BE49-F238E27FC236}">
+                <a16:creationId xmlns:a16="http://schemas.microsoft.com/office/drawing/2014/main" id="{451D7031-283A-4444-8EA1-D7CDFC622379}"/>
+              </a:ext>
+            </a:extLst>
+          </p:cNvPr>
+          <p:cNvCxnSpPr>
+            <a:cxnSpLocks/>
+          </p:cNvCxnSpPr>
+          <p:nvPr/>
+        </p:nvCxnSpPr>
+        <p:spPr>
+          <a:xfrm flipV="1">
+            <a:off x="2992583" y="3879273"/>
+            <a:ext cx="0" cy="457200"/>
+          </a:xfrm>
+          <a:prstGeom prst="straightConnector1">
+            <a:avLst/>
+          </a:prstGeom>
+          <a:ln w="12700">
+            <a:solidFill>
+              <a:schemeClr val="tx1"/>
+            </a:solidFill>
+            <a:tailEnd type="triangle"/>
+          </a:ln>
+        </p:spPr>
+        <p:style>
+          <a:lnRef idx="1">
+            <a:schemeClr val="accent1"/>
+          </a:lnRef>
+          <a:fillRef idx="0">
+            <a:schemeClr val="accent1"/>
+          </a:fillRef>
+          <a:effectRef idx="0">
+            <a:schemeClr val="accent1"/>
+          </a:effectRef>
+          <a:fontRef idx="minor">
+            <a:schemeClr val="tx1"/>
+          </a:fontRef>
+        </p:style>
+      </p:cxnSp>
+    </p:spTree>
+    <p:extLst>
+      <p:ext uri="{BB962C8B-B14F-4D97-AF65-F5344CB8AC3E}">
+        <p14:creationId xmlns:p14="http://schemas.microsoft.com/office/powerpoint/2010/main" val="1560820182"/>
+      </p:ext>
+    </p:extLst>
+  </p:cSld>
+  <p:clrMapOvr>
+    <a:masterClrMapping/>
+  </p:clrMapOvr>
+</p:sld>
+</file>
+
+<file path=ppt/slides/slide3.xml><?xml version="1.0" encoding="utf-8"?>
+<p:sld xmlns:a="http://schemas.openxmlformats.org/drawingml/2006/main" xmlns:r="http://schemas.openxmlformats.org/officeDocument/2006/relationships" xmlns:p="http://schemas.openxmlformats.org/presentationml/2006/main">
+  <p:cSld>
+    <p:spTree>
+      <p:nvGrpSpPr>
+        <p:cNvPr id="1" name=""/>
+        <p:cNvGrpSpPr/>
+        <p:nvPr/>
+      </p:nvGrpSpPr>
+      <p:grpSpPr>
+        <a:xfrm>
+          <a:off x="0" y="0"/>
+          <a:ext cx="0" cy="0"/>
+          <a:chOff x="0" y="0"/>
+          <a:chExt cx="0" cy="0"/>
+        </a:xfrm>
+      </p:grpSpPr>
+      <p:sp>
+        <p:nvSpPr>
+          <p:cNvPr id="2" name="正方形/長方形 1">
+            <a:extLst>
+              <a:ext uri="{FF2B5EF4-FFF2-40B4-BE49-F238E27FC236}">
+                <a16:creationId xmlns:a16="http://schemas.microsoft.com/office/drawing/2014/main" id="{89522303-59A8-5F4F-AB8F-1884148B89A6}"/>
+              </a:ext>
+            </a:extLst>
+          </p:cNvPr>
+          <p:cNvSpPr/>
+          <p:nvPr/>
+        </p:nvSpPr>
+        <p:spPr>
+          <a:xfrm>
+            <a:off x="1331640" y="4653136"/>
+            <a:ext cx="1152128" cy="1152128"/>
+          </a:xfrm>
+          <a:prstGeom prst="rect">
+            <a:avLst/>
+          </a:prstGeom>
+          <a:solidFill>
+            <a:schemeClr val="accent1">
+              <a:lumMod val="60000"/>
+              <a:lumOff val="40000"/>
+            </a:schemeClr>
+          </a:solidFill>
+          <a:ln>
+            <a:solidFill>
+              <a:schemeClr val="tx1"/>
+            </a:solidFill>
+          </a:ln>
+        </p:spPr>
+        <p:style>
+          <a:lnRef idx="2">
+            <a:schemeClr val="accent1">
+              <a:shade val="50000"/>
+            </a:schemeClr>
+          </a:lnRef>
+          <a:fillRef idx="1">
+            <a:schemeClr val="accent1"/>
+          </a:fillRef>
+          <a:effectRef idx="0">
+            <a:schemeClr val="accent1"/>
+          </a:effectRef>
+          <a:fontRef idx="minor">
+            <a:schemeClr val="lt1"/>
+          </a:fontRef>
+        </p:style>
+        <p:txBody>
+          <a:bodyPr rtlCol="0" anchor="ctr"/>
+          <a:lstStyle/>
+          <a:p>
+            <a:pPr algn="ctr"/>
+            <a:endParaRPr kumimoji="1" lang="ja-JP" altLang="en-US"/>
+          </a:p>
+        </p:txBody>
+      </p:sp>
+      <p:sp>
+        <p:nvSpPr>
+          <p:cNvPr id="3" name="正方形/長方形 2">
+            <a:extLst>
+              <a:ext uri="{FF2B5EF4-FFF2-40B4-BE49-F238E27FC236}">
+                <a16:creationId xmlns:a16="http://schemas.microsoft.com/office/drawing/2014/main" id="{9510322A-8D0E-7248-984E-C5308111D007}"/>
+              </a:ext>
+            </a:extLst>
+          </p:cNvPr>
+          <p:cNvSpPr/>
+          <p:nvPr/>
+        </p:nvSpPr>
+        <p:spPr>
+          <a:xfrm>
+            <a:off x="5364088" y="1412776"/>
+            <a:ext cx="2304256" cy="2304256"/>
+          </a:xfrm>
+          <a:prstGeom prst="rect">
+            <a:avLst/>
+          </a:prstGeom>
+          <a:gradFill flip="none" rotWithShape="1">
+            <a:gsLst>
+              <a:gs pos="0">
+                <a:schemeClr val="accent1">
+                  <a:lumMod val="75000"/>
+                </a:schemeClr>
+              </a:gs>
+              <a:gs pos="50000">
+                <a:schemeClr val="accent1">
+                  <a:tint val="44500"/>
+                  <a:satMod val="160000"/>
+                </a:schemeClr>
+              </a:gs>
+              <a:gs pos="100000">
+                <a:schemeClr val="accent1">
+                  <a:tint val="23500"/>
+                  <a:satMod val="160000"/>
+                </a:schemeClr>
+              </a:gs>
+            </a:gsLst>
+            <a:lin ang="2700000" scaled="1"/>
+            <a:tileRect/>
+          </a:gradFill>
+        </p:spPr>
+        <p:style>
+          <a:lnRef idx="2">
+            <a:schemeClr val="accent1">
+              <a:shade val="50000"/>
+            </a:schemeClr>
+          </a:lnRef>
+          <a:fillRef idx="1">
+            <a:schemeClr val="accent1"/>
+          </a:fillRef>
+          <a:effectRef idx="0">
+            <a:schemeClr val="accent1"/>
+          </a:effectRef>
+          <a:fontRef idx="minor">
+            <a:schemeClr val="lt1"/>
+          </a:fontRef>
+        </p:style>
+        <p:txBody>
+          <a:bodyPr rtlCol="0" anchor="ctr"/>
+          <a:lstStyle/>
+          <a:p>
+            <a:pPr algn="ctr"/>
+            <a:endParaRPr kumimoji="1" lang="ja-JP" altLang="en-US"/>
+          </a:p>
+        </p:txBody>
+      </p:sp>
+      <p:cxnSp>
+        <p:nvCxnSpPr>
+          <p:cNvPr id="5" name="直線コネクタ 4">
+            <a:extLst>
+              <a:ext uri="{FF2B5EF4-FFF2-40B4-BE49-F238E27FC236}">
+                <a16:creationId xmlns:a16="http://schemas.microsoft.com/office/drawing/2014/main" id="{E5C1D443-955C-5D4F-BAFD-C941A3E509BB}"/>
+              </a:ext>
+            </a:extLst>
+          </p:cNvPr>
+          <p:cNvCxnSpPr>
+            <a:cxnSpLocks/>
+          </p:cNvCxnSpPr>
+          <p:nvPr/>
+        </p:nvCxnSpPr>
+        <p:spPr>
+          <a:xfrm>
+            <a:off x="1331640" y="1412776"/>
+            <a:ext cx="0" cy="2304256"/>
+          </a:xfrm>
+          <a:prstGeom prst="line">
+            <a:avLst/>
+          </a:prstGeom>
+          <a:ln>
+            <a:solidFill>
+              <a:schemeClr val="tx1"/>
+            </a:solidFill>
+          </a:ln>
+        </p:spPr>
+        <p:style>
+          <a:lnRef idx="1">
+            <a:schemeClr val="accent1"/>
+          </a:lnRef>
+          <a:fillRef idx="0">
+            <a:schemeClr val="accent1"/>
+          </a:fillRef>
+          <a:effectRef idx="0">
+            <a:schemeClr val="accent1"/>
+          </a:effectRef>
+          <a:fontRef idx="minor">
+            <a:schemeClr val="tx1"/>
+          </a:fontRef>
+        </p:style>
+      </p:cxnSp>
+      <p:cxnSp>
+        <p:nvCxnSpPr>
+          <p:cNvPr id="6" name="直線コネクタ 5">
+            <a:extLst>
+              <a:ext uri="{FF2B5EF4-FFF2-40B4-BE49-F238E27FC236}">
+                <a16:creationId xmlns:a16="http://schemas.microsoft.com/office/drawing/2014/main" id="{EBC095E6-2D42-3046-943A-5CC1088291AA}"/>
+              </a:ext>
+            </a:extLst>
+          </p:cNvPr>
+          <p:cNvCxnSpPr>
+            <a:cxnSpLocks/>
+          </p:cNvCxnSpPr>
+          <p:nvPr/>
+        </p:nvCxnSpPr>
+        <p:spPr>
+          <a:xfrm>
+            <a:off x="3635896" y="1412776"/>
+            <a:ext cx="0" cy="2304256"/>
+          </a:xfrm>
+          <a:prstGeom prst="line">
+            <a:avLst/>
+          </a:prstGeom>
+          <a:ln>
+            <a:solidFill>
+              <a:schemeClr val="tx1"/>
+            </a:solidFill>
+          </a:ln>
+        </p:spPr>
+        <p:style>
+          <a:lnRef idx="1">
+            <a:schemeClr val="accent1"/>
+          </a:lnRef>
+          <a:fillRef idx="0">
+            <a:schemeClr val="accent1"/>
+          </a:fillRef>
+          <a:effectRef idx="0">
+            <a:schemeClr val="accent1"/>
+          </a:effectRef>
+          <a:fontRef idx="minor">
+            <a:schemeClr val="tx1"/>
+          </a:fontRef>
+        </p:style>
+      </p:cxnSp>
+      <p:cxnSp>
+        <p:nvCxnSpPr>
+          <p:cNvPr id="7" name="直線コネクタ 6">
+            <a:extLst>
+              <a:ext uri="{FF2B5EF4-FFF2-40B4-BE49-F238E27FC236}">
+                <a16:creationId xmlns:a16="http://schemas.microsoft.com/office/drawing/2014/main" id="{D935957C-3523-F249-A756-65EC07A7DDE3}"/>
+              </a:ext>
+            </a:extLst>
+          </p:cNvPr>
+          <p:cNvCxnSpPr>
+            <a:cxnSpLocks/>
+          </p:cNvCxnSpPr>
+          <p:nvPr/>
+        </p:nvCxnSpPr>
+        <p:spPr>
+          <a:xfrm>
+            <a:off x="1619672" y="1412776"/>
+            <a:ext cx="0" cy="2304256"/>
+          </a:xfrm>
+          <a:prstGeom prst="line">
+            <a:avLst/>
+          </a:prstGeom>
+          <a:ln>
+            <a:solidFill>
+              <a:schemeClr val="tx1"/>
+            </a:solidFill>
+          </a:ln>
+        </p:spPr>
+        <p:style>
+          <a:lnRef idx="1">
+            <a:schemeClr val="accent1"/>
+          </a:lnRef>
+          <a:fillRef idx="0">
+            <a:schemeClr val="accent1"/>
+          </a:fillRef>
+          <a:effectRef idx="0">
+            <a:schemeClr val="accent1"/>
+          </a:effectRef>
+          <a:fontRef idx="minor">
+            <a:schemeClr val="tx1"/>
+          </a:fontRef>
+        </p:style>
+      </p:cxnSp>
+      <p:cxnSp>
+        <p:nvCxnSpPr>
+          <p:cNvPr id="8" name="直線コネクタ 7">
+            <a:extLst>
+              <a:ext uri="{FF2B5EF4-FFF2-40B4-BE49-F238E27FC236}">
+                <a16:creationId xmlns:a16="http://schemas.microsoft.com/office/drawing/2014/main" id="{1FD4FDDC-6858-7A42-94B3-65E2FF6BD8BF}"/>
+              </a:ext>
+            </a:extLst>
+          </p:cNvPr>
+          <p:cNvCxnSpPr>
+            <a:cxnSpLocks/>
+          </p:cNvCxnSpPr>
+          <p:nvPr/>
+        </p:nvCxnSpPr>
+        <p:spPr>
+          <a:xfrm>
+            <a:off x="1907704" y="1412776"/>
+            <a:ext cx="0" cy="2304256"/>
+          </a:xfrm>
+          <a:prstGeom prst="line">
+            <a:avLst/>
+          </a:prstGeom>
+          <a:ln>
+            <a:solidFill>
+              <a:schemeClr val="tx1"/>
+            </a:solidFill>
+          </a:ln>
+        </p:spPr>
+        <p:style>
+          <a:lnRef idx="1">
+            <a:schemeClr val="accent1"/>
+          </a:lnRef>
+          <a:fillRef idx="0">
+            <a:schemeClr val="accent1"/>
+          </a:fillRef>
+          <a:effectRef idx="0">
+            <a:schemeClr val="accent1"/>
+          </a:effectRef>
+          <a:fontRef idx="minor">
+            <a:schemeClr val="tx1"/>
+          </a:fontRef>
+        </p:style>
+      </p:cxnSp>
+      <p:cxnSp>
+        <p:nvCxnSpPr>
+          <p:cNvPr id="9" name="直線コネクタ 8">
+            <a:extLst>
+              <a:ext uri="{FF2B5EF4-FFF2-40B4-BE49-F238E27FC236}">
+                <a16:creationId xmlns:a16="http://schemas.microsoft.com/office/drawing/2014/main" id="{3B82FFB9-03DF-CD43-9998-28E582B2F36F}"/>
+              </a:ext>
+            </a:extLst>
+          </p:cNvPr>
+          <p:cNvCxnSpPr>
+            <a:cxnSpLocks/>
+          </p:cNvCxnSpPr>
+          <p:nvPr/>
+        </p:nvCxnSpPr>
+        <p:spPr>
+          <a:xfrm>
+            <a:off x="2195736" y="1412776"/>
+            <a:ext cx="0" cy="2304256"/>
+          </a:xfrm>
+          <a:prstGeom prst="line">
+            <a:avLst/>
+          </a:prstGeom>
+          <a:ln>
+            <a:solidFill>
+              <a:schemeClr val="tx1"/>
+            </a:solidFill>
+          </a:ln>
+        </p:spPr>
+        <p:style>
+          <a:lnRef idx="1">
+            <a:schemeClr val="accent1"/>
+          </a:lnRef>
+          <a:fillRef idx="0">
+            <a:schemeClr val="accent1"/>
+          </a:fillRef>
+          <a:effectRef idx="0">
+            <a:schemeClr val="accent1"/>
+          </a:effectRef>
+          <a:fontRef idx="minor">
+            <a:schemeClr val="tx1"/>
+          </a:fontRef>
+        </p:style>
+      </p:cxnSp>
+      <p:cxnSp>
+        <p:nvCxnSpPr>
+          <p:cNvPr id="10" name="直線コネクタ 9">
+            <a:extLst>
+              <a:ext uri="{FF2B5EF4-FFF2-40B4-BE49-F238E27FC236}">
+                <a16:creationId xmlns:a16="http://schemas.microsoft.com/office/drawing/2014/main" id="{054A2150-F6E2-2F4D-9B37-A69F224911DD}"/>
+              </a:ext>
+            </a:extLst>
+          </p:cNvPr>
+          <p:cNvCxnSpPr>
+            <a:cxnSpLocks/>
+          </p:cNvCxnSpPr>
+          <p:nvPr/>
+        </p:nvCxnSpPr>
+        <p:spPr>
+          <a:xfrm>
+            <a:off x="2483768" y="1412776"/>
+            <a:ext cx="0" cy="2304256"/>
+          </a:xfrm>
+          <a:prstGeom prst="line">
+            <a:avLst/>
+          </a:prstGeom>
+          <a:ln>
+            <a:solidFill>
+              <a:schemeClr val="tx1"/>
+            </a:solidFill>
+          </a:ln>
+        </p:spPr>
+        <p:style>
+          <a:lnRef idx="1">
+            <a:schemeClr val="accent1"/>
+          </a:lnRef>
+          <a:fillRef idx="0">
+            <a:schemeClr val="accent1"/>
+          </a:fillRef>
+          <a:effectRef idx="0">
+            <a:schemeClr val="accent1"/>
+          </a:effectRef>
+          <a:fontRef idx="minor">
+            <a:schemeClr val="tx1"/>
+          </a:fontRef>
+        </p:style>
+      </p:cxnSp>
+      <p:cxnSp>
+        <p:nvCxnSpPr>
+          <p:cNvPr id="11" name="直線コネクタ 10">
+            <a:extLst>
+              <a:ext uri="{FF2B5EF4-FFF2-40B4-BE49-F238E27FC236}">
+                <a16:creationId xmlns:a16="http://schemas.microsoft.com/office/drawing/2014/main" id="{F4E08748-F891-D543-8309-CA3053306B36}"/>
+              </a:ext>
+            </a:extLst>
+          </p:cNvPr>
+          <p:cNvCxnSpPr>
+            <a:cxnSpLocks/>
+          </p:cNvCxnSpPr>
+          <p:nvPr/>
+        </p:nvCxnSpPr>
+        <p:spPr>
+          <a:xfrm>
+            <a:off x="2771800" y="1412776"/>
+            <a:ext cx="0" cy="2304256"/>
+          </a:xfrm>
+          <a:prstGeom prst="line">
+            <a:avLst/>
+          </a:prstGeom>
+          <a:ln>
+            <a:solidFill>
+              <a:schemeClr val="tx1"/>
+            </a:solidFill>
+          </a:ln>
+        </p:spPr>
+        <p:style>
+          <a:lnRef idx="1">
+            <a:schemeClr val="accent1"/>
+          </a:lnRef>
+          <a:fillRef idx="0">
+            <a:schemeClr val="accent1"/>
+          </a:fillRef>
+          <a:effectRef idx="0">
+            <a:schemeClr val="accent1"/>
+          </a:effectRef>
+          <a:fontRef idx="minor">
+            <a:schemeClr val="tx1"/>
+          </a:fontRef>
+        </p:style>
+      </p:cxnSp>
+      <p:cxnSp>
+        <p:nvCxnSpPr>
+          <p:cNvPr id="12" name="直線コネクタ 11">
+            <a:extLst>
+              <a:ext uri="{FF2B5EF4-FFF2-40B4-BE49-F238E27FC236}">
+                <a16:creationId xmlns:a16="http://schemas.microsoft.com/office/drawing/2014/main" id="{89441178-958B-6D44-B482-231DB7FC944B}"/>
+              </a:ext>
+            </a:extLst>
+          </p:cNvPr>
+          <p:cNvCxnSpPr>
+            <a:cxnSpLocks/>
+          </p:cNvCxnSpPr>
+          <p:nvPr/>
+        </p:nvCxnSpPr>
+        <p:spPr>
+          <a:xfrm>
+            <a:off x="3059832" y="1412776"/>
+            <a:ext cx="0" cy="2304256"/>
+          </a:xfrm>
+          <a:prstGeom prst="line">
+            <a:avLst/>
+          </a:prstGeom>
+          <a:ln>
+            <a:solidFill>
+              <a:schemeClr val="tx1"/>
+            </a:solidFill>
+          </a:ln>
+        </p:spPr>
+        <p:style>
+          <a:lnRef idx="1">
+            <a:schemeClr val="accent1"/>
+          </a:lnRef>
+          <a:fillRef idx="0">
+            <a:schemeClr val="accent1"/>
+          </a:fillRef>
+          <a:effectRef idx="0">
+            <a:schemeClr val="accent1"/>
+          </a:effectRef>
+          <a:fontRef idx="minor">
+            <a:schemeClr val="tx1"/>
+          </a:fontRef>
+        </p:style>
+      </p:cxnSp>
+      <p:cxnSp>
+        <p:nvCxnSpPr>
+          <p:cNvPr id="13" name="直線コネクタ 12">
+            <a:extLst>
+              <a:ext uri="{FF2B5EF4-FFF2-40B4-BE49-F238E27FC236}">
+                <a16:creationId xmlns:a16="http://schemas.microsoft.com/office/drawing/2014/main" id="{D06E121A-4D2D-0142-99ED-75A25A1E1F46}"/>
+              </a:ext>
+            </a:extLst>
+          </p:cNvPr>
+          <p:cNvCxnSpPr>
+            <a:cxnSpLocks/>
+          </p:cNvCxnSpPr>
+          <p:nvPr/>
+        </p:nvCxnSpPr>
+        <p:spPr>
+          <a:xfrm>
+            <a:off x="3347864" y="1412776"/>
+            <a:ext cx="0" cy="2304256"/>
+          </a:xfrm>
+          <a:prstGeom prst="line">
+            <a:avLst/>
+          </a:prstGeom>
+          <a:ln>
+            <a:solidFill>
+              <a:schemeClr val="tx1"/>
+            </a:solidFill>
+          </a:ln>
+        </p:spPr>
+        <p:style>
+          <a:lnRef idx="1">
+            <a:schemeClr val="accent1"/>
+          </a:lnRef>
+          <a:fillRef idx="0">
+            <a:schemeClr val="accent1"/>
+          </a:fillRef>
+          <a:effectRef idx="0">
+            <a:schemeClr val="accent1"/>
+          </a:effectRef>
+          <a:fontRef idx="minor">
+            <a:schemeClr val="tx1"/>
+          </a:fontRef>
+        </p:style>
+      </p:cxnSp>
+      <p:cxnSp>
+        <p:nvCxnSpPr>
+          <p:cNvPr id="14" name="直線コネクタ 13">
+            <a:extLst>
+              <a:ext uri="{FF2B5EF4-FFF2-40B4-BE49-F238E27FC236}">
+                <a16:creationId xmlns:a16="http://schemas.microsoft.com/office/drawing/2014/main" id="{622151EC-60DA-C44F-9864-7A4126D29E65}"/>
+              </a:ext>
+            </a:extLst>
+          </p:cNvPr>
+          <p:cNvCxnSpPr/>
+          <p:nvPr/>
+        </p:nvCxnSpPr>
+        <p:spPr>
+          <a:xfrm>
+            <a:off x="1331640" y="1412776"/>
+            <a:ext cx="2304256" cy="0"/>
+          </a:xfrm>
+          <a:prstGeom prst="line">
+            <a:avLst/>
+          </a:prstGeom>
+          <a:ln>
+            <a:solidFill>
+              <a:schemeClr val="tx1"/>
+            </a:solidFill>
+          </a:ln>
+        </p:spPr>
+        <p:style>
+          <a:lnRef idx="1">
+            <a:schemeClr val="accent1"/>
+          </a:lnRef>
+          <a:fillRef idx="0">
+            <a:schemeClr val="accent1"/>
+          </a:fillRef>
+          <a:effectRef idx="0">
+            <a:schemeClr val="accent1"/>
+          </a:effectRef>
+          <a:fontRef idx="minor">
+            <a:schemeClr val="tx1"/>
+          </a:fontRef>
+        </p:style>
+      </p:cxnSp>
+      <p:cxnSp>
+        <p:nvCxnSpPr>
+          <p:cNvPr id="15" name="直線コネクタ 14">
+            <a:extLst>
+              <a:ext uri="{FF2B5EF4-FFF2-40B4-BE49-F238E27FC236}">
+                <a16:creationId xmlns:a16="http://schemas.microsoft.com/office/drawing/2014/main" id="{8A68FD84-B675-C443-95F3-62284DB6AC98}"/>
+              </a:ext>
+            </a:extLst>
+          </p:cNvPr>
+          <p:cNvCxnSpPr/>
+          <p:nvPr/>
+        </p:nvCxnSpPr>
+        <p:spPr>
+          <a:xfrm>
+            <a:off x="1331640" y="1700808"/>
+            <a:ext cx="2304256" cy="0"/>
+          </a:xfrm>
+          <a:prstGeom prst="line">
+            <a:avLst/>
+          </a:prstGeom>
+          <a:ln>
+            <a:solidFill>
+              <a:schemeClr val="tx1"/>
+            </a:solidFill>
+          </a:ln>
+        </p:spPr>
+        <p:style>
+          <a:lnRef idx="1">
+            <a:schemeClr val="accent1"/>
+          </a:lnRef>
+          <a:fillRef idx="0">
+            <a:schemeClr val="accent1"/>
+          </a:fillRef>
+          <a:effectRef idx="0">
+            <a:schemeClr val="accent1"/>
+          </a:effectRef>
+          <a:fontRef idx="minor">
+            <a:schemeClr val="tx1"/>
+          </a:fontRef>
+        </p:style>
+      </p:cxnSp>
+      <p:cxnSp>
+        <p:nvCxnSpPr>
+          <p:cNvPr id="16" name="直線コネクタ 15">
+            <a:extLst>
+              <a:ext uri="{FF2B5EF4-FFF2-40B4-BE49-F238E27FC236}">
+                <a16:creationId xmlns:a16="http://schemas.microsoft.com/office/drawing/2014/main" id="{1E25CEED-CE6D-3241-8108-4001D2AB0DEF}"/>
+              </a:ext>
+            </a:extLst>
+          </p:cNvPr>
+          <p:cNvCxnSpPr/>
+          <p:nvPr/>
+        </p:nvCxnSpPr>
+        <p:spPr>
+          <a:xfrm>
+            <a:off x="1331640" y="1988840"/>
+            <a:ext cx="2304256" cy="0"/>
+          </a:xfrm>
+          <a:prstGeom prst="line">
+            <a:avLst/>
+          </a:prstGeom>
+          <a:ln>
+            <a:solidFill>
+              <a:schemeClr val="tx1"/>
+            </a:solidFill>
+          </a:ln>
+        </p:spPr>
+        <p:style>
+          <a:lnRef idx="1">
+            <a:schemeClr val="accent1"/>
+          </a:lnRef>
+          <a:fillRef idx="0">
+            <a:schemeClr val="accent1"/>
+          </a:fillRef>
+          <a:effectRef idx="0">
+            <a:schemeClr val="accent1"/>
+          </a:effectRef>
+          <a:fontRef idx="minor">
+            <a:schemeClr val="tx1"/>
+          </a:fontRef>
+        </p:style>
+      </p:cxnSp>
+      <p:cxnSp>
+        <p:nvCxnSpPr>
+          <p:cNvPr id="17" name="直線コネクタ 16">
+            <a:extLst>
+              <a:ext uri="{FF2B5EF4-FFF2-40B4-BE49-F238E27FC236}">
+                <a16:creationId xmlns:a16="http://schemas.microsoft.com/office/drawing/2014/main" id="{3FD40D63-B774-FE4F-8A4C-AC3ED5702AA2}"/>
+              </a:ext>
+            </a:extLst>
+          </p:cNvPr>
+          <p:cNvCxnSpPr/>
+          <p:nvPr/>
+        </p:nvCxnSpPr>
+        <p:spPr>
+          <a:xfrm>
+            <a:off x="1331640" y="2276872"/>
+            <a:ext cx="2304256" cy="0"/>
+          </a:xfrm>
+          <a:prstGeom prst="line">
+            <a:avLst/>
+          </a:prstGeom>
+          <a:ln>
+            <a:solidFill>
+              <a:schemeClr val="tx1"/>
+            </a:solidFill>
+          </a:ln>
+        </p:spPr>
+        <p:style>
+          <a:lnRef idx="1">
+            <a:schemeClr val="accent1"/>
+          </a:lnRef>
+          <a:fillRef idx="0">
+            <a:schemeClr val="accent1"/>
+          </a:fillRef>
+          <a:effectRef idx="0">
+            <a:schemeClr val="accent1"/>
+          </a:effectRef>
+          <a:fontRef idx="minor">
+            <a:schemeClr val="tx1"/>
+          </a:fontRef>
+        </p:style>
+      </p:cxnSp>
+      <p:cxnSp>
+        <p:nvCxnSpPr>
+          <p:cNvPr id="18" name="直線コネクタ 17">
+            <a:extLst>
+              <a:ext uri="{FF2B5EF4-FFF2-40B4-BE49-F238E27FC236}">
+                <a16:creationId xmlns:a16="http://schemas.microsoft.com/office/drawing/2014/main" id="{6182E30A-D144-CF49-AC08-1A751D213D97}"/>
+              </a:ext>
+            </a:extLst>
+          </p:cNvPr>
+          <p:cNvCxnSpPr/>
+          <p:nvPr/>
+        </p:nvCxnSpPr>
+        <p:spPr>
+          <a:xfrm>
+            <a:off x="1331640" y="2564904"/>
+            <a:ext cx="2304256" cy="0"/>
+          </a:xfrm>
+          <a:prstGeom prst="line">
+            <a:avLst/>
+          </a:prstGeom>
+          <a:ln>
+            <a:solidFill>
+              <a:schemeClr val="tx1"/>
+            </a:solidFill>
+          </a:ln>
+        </p:spPr>
+        <p:style>
+          <a:lnRef idx="1">
+            <a:schemeClr val="accent1"/>
+          </a:lnRef>
+          <a:fillRef idx="0">
+            <a:schemeClr val="accent1"/>
+          </a:fillRef>
+          <a:effectRef idx="0">
+            <a:schemeClr val="accent1"/>
+          </a:effectRef>
+          <a:fontRef idx="minor">
+            <a:schemeClr val="tx1"/>
+          </a:fontRef>
+        </p:style>
+      </p:cxnSp>
+      <p:cxnSp>
+        <p:nvCxnSpPr>
+          <p:cNvPr id="19" name="直線コネクタ 18">
+            <a:extLst>
+              <a:ext uri="{FF2B5EF4-FFF2-40B4-BE49-F238E27FC236}">
+                <a16:creationId xmlns:a16="http://schemas.microsoft.com/office/drawing/2014/main" id="{BF09BEC5-7340-FF45-B55B-E107EB8E57CE}"/>
+              </a:ext>
+            </a:extLst>
+          </p:cNvPr>
+          <p:cNvCxnSpPr/>
+          <p:nvPr/>
+        </p:nvCxnSpPr>
+        <p:spPr>
+          <a:xfrm>
+            <a:off x="1331640" y="2852936"/>
+            <a:ext cx="2304256" cy="0"/>
+          </a:xfrm>
+          <a:prstGeom prst="line">
+            <a:avLst/>
+          </a:prstGeom>
+          <a:ln>
+            <a:solidFill>
+              <a:schemeClr val="tx1"/>
+            </a:solidFill>
+          </a:ln>
+        </p:spPr>
+        <p:style>
+          <a:lnRef idx="1">
+            <a:schemeClr val="accent1"/>
+          </a:lnRef>
+          <a:fillRef idx="0">
+            <a:schemeClr val="accent1"/>
+          </a:fillRef>
+          <a:effectRef idx="0">
+            <a:schemeClr val="accent1"/>
+          </a:effectRef>
+          <a:fontRef idx="minor">
+            <a:schemeClr val="tx1"/>
+          </a:fontRef>
+        </p:style>
+      </p:cxnSp>
+      <p:cxnSp>
+        <p:nvCxnSpPr>
+          <p:cNvPr id="20" name="直線コネクタ 19">
+            <a:extLst>
+              <a:ext uri="{FF2B5EF4-FFF2-40B4-BE49-F238E27FC236}">
+                <a16:creationId xmlns:a16="http://schemas.microsoft.com/office/drawing/2014/main" id="{9B383566-EDB7-3446-9DA6-55E2664C27D0}"/>
+              </a:ext>
+            </a:extLst>
+          </p:cNvPr>
+          <p:cNvCxnSpPr/>
+          <p:nvPr/>
+        </p:nvCxnSpPr>
+        <p:spPr>
+          <a:xfrm>
+            <a:off x="1331640" y="3140968"/>
+            <a:ext cx="2304256" cy="0"/>
+          </a:xfrm>
+          <a:prstGeom prst="line">
+            <a:avLst/>
+          </a:prstGeom>
+          <a:ln>
+            <a:solidFill>
+              <a:schemeClr val="tx1"/>
+            </a:solidFill>
+          </a:ln>
+        </p:spPr>
+        <p:style>
+          <a:lnRef idx="1">
+            <a:schemeClr val="accent1"/>
+          </a:lnRef>
+          <a:fillRef idx="0">
+            <a:schemeClr val="accent1"/>
+          </a:fillRef>
+          <a:effectRef idx="0">
+            <a:schemeClr val="accent1"/>
+          </a:effectRef>
+          <a:fontRef idx="minor">
+            <a:schemeClr val="tx1"/>
+          </a:fontRef>
+        </p:style>
+      </p:cxnSp>
+      <p:cxnSp>
+        <p:nvCxnSpPr>
+          <p:cNvPr id="21" name="直線コネクタ 20">
+            <a:extLst>
+              <a:ext uri="{FF2B5EF4-FFF2-40B4-BE49-F238E27FC236}">
+                <a16:creationId xmlns:a16="http://schemas.microsoft.com/office/drawing/2014/main" id="{75ED0C64-A435-BA4B-8D60-28D0180A80F4}"/>
+              </a:ext>
+            </a:extLst>
+          </p:cNvPr>
+          <p:cNvCxnSpPr/>
+          <p:nvPr/>
+        </p:nvCxnSpPr>
+        <p:spPr>
+          <a:xfrm>
+            <a:off x="1331640" y="3429000"/>
+            <a:ext cx="2304256" cy="0"/>
+          </a:xfrm>
+          <a:prstGeom prst="line">
+            <a:avLst/>
+          </a:prstGeom>
+          <a:ln>
+            <a:solidFill>
+              <a:schemeClr val="tx1"/>
+            </a:solidFill>
+          </a:ln>
+        </p:spPr>
+        <p:style>
+          <a:lnRef idx="1">
+            <a:schemeClr val="accent1"/>
+          </a:lnRef>
+          <a:fillRef idx="0">
+            <a:schemeClr val="accent1"/>
+          </a:fillRef>
+          <a:effectRef idx="0">
+            <a:schemeClr val="accent1"/>
+          </a:effectRef>
+          <a:fontRef idx="minor">
+            <a:schemeClr val="tx1"/>
+          </a:fontRef>
+        </p:style>
+      </p:cxnSp>
+      <p:cxnSp>
+        <p:nvCxnSpPr>
+          <p:cNvPr id="22" name="直線コネクタ 21">
+            <a:extLst>
+              <a:ext uri="{FF2B5EF4-FFF2-40B4-BE49-F238E27FC236}">
+                <a16:creationId xmlns:a16="http://schemas.microsoft.com/office/drawing/2014/main" id="{EF094C44-6744-CD4C-A89D-120ED45DC41D}"/>
+              </a:ext>
+            </a:extLst>
+          </p:cNvPr>
+          <p:cNvCxnSpPr/>
+          <p:nvPr/>
+        </p:nvCxnSpPr>
+        <p:spPr>
+          <a:xfrm>
+            <a:off x="1331640" y="3717032"/>
+            <a:ext cx="2304256" cy="0"/>
+          </a:xfrm>
+          <a:prstGeom prst="line">
+            <a:avLst/>
+          </a:prstGeom>
+          <a:ln>
+            <a:solidFill>
+              <a:schemeClr val="tx1"/>
+            </a:solidFill>
+          </a:ln>
+        </p:spPr>
+        <p:style>
+          <a:lnRef idx="1">
+            <a:schemeClr val="accent1"/>
+          </a:lnRef>
+          <a:fillRef idx="0">
+            <a:schemeClr val="accent1"/>
+          </a:fillRef>
+          <a:effectRef idx="0">
+            <a:schemeClr val="accent1"/>
+          </a:effectRef>
+          <a:fontRef idx="minor">
+            <a:schemeClr val="tx1"/>
+          </a:fontRef>
+        </p:style>
+      </p:cxnSp>
+      <p:sp>
+        <p:nvSpPr>
+          <p:cNvPr id="23" name="右矢印 22">
+            <a:extLst>
+              <a:ext uri="{FF2B5EF4-FFF2-40B4-BE49-F238E27FC236}">
+                <a16:creationId xmlns:a16="http://schemas.microsoft.com/office/drawing/2014/main" id="{D83A2020-440A-E14B-B3BB-DBE833606F16}"/>
+              </a:ext>
+            </a:extLst>
+          </p:cNvPr>
+          <p:cNvSpPr/>
+          <p:nvPr/>
+        </p:nvSpPr>
+        <p:spPr>
+          <a:xfrm rot="10800000">
+            <a:off x="4211960" y="2348880"/>
+            <a:ext cx="504056" cy="360040"/>
+          </a:xfrm>
+          <a:prstGeom prst="rightArrow">
+            <a:avLst/>
+          </a:prstGeom>
+          <a:solidFill>
+            <a:srgbClr val="FF0000"/>
+          </a:solidFill>
+          <a:ln>
+            <a:solidFill>
+              <a:schemeClr val="tx1"/>
+            </a:solidFill>
+          </a:ln>
+        </p:spPr>
+        <p:style>
+          <a:lnRef idx="2">
+            <a:schemeClr val="accent1">
+              <a:shade val="50000"/>
+            </a:schemeClr>
+          </a:lnRef>
+          <a:fillRef idx="1">
+            <a:schemeClr val="accent1"/>
+          </a:fillRef>
+          <a:effectRef idx="0">
+            <a:schemeClr val="accent1"/>
+          </a:effectRef>
+          <a:fontRef idx="minor">
+            <a:schemeClr val="lt1"/>
+          </a:fontRef>
+        </p:style>
+        <p:txBody>
+          <a:bodyPr rtlCol="0" anchor="ctr"/>
+          <a:lstStyle/>
+          <a:p>
+            <a:pPr algn="ctr"/>
+            <a:endParaRPr kumimoji="1" lang="ja-JP" altLang="en-US"/>
+          </a:p>
+        </p:txBody>
+      </p:sp>
+      <p:sp>
+        <p:nvSpPr>
+          <p:cNvPr id="24" name="テキスト ボックス 23">
+            <a:extLst>
+              <a:ext uri="{FF2B5EF4-FFF2-40B4-BE49-F238E27FC236}">
+                <a16:creationId xmlns:a16="http://schemas.microsoft.com/office/drawing/2014/main" id="{AEE4B833-0C77-6F45-BFE8-99AD6096EB32}"/>
+              </a:ext>
+            </a:extLst>
+          </p:cNvPr>
+          <p:cNvSpPr txBox="1"/>
+          <p:nvPr/>
+        </p:nvSpPr>
+        <p:spPr>
+          <a:xfrm>
+            <a:off x="5724128" y="980728"/>
+            <a:ext cx="1569660" cy="369332"/>
+          </a:xfrm>
+          <a:prstGeom prst="rect">
+            <a:avLst/>
+          </a:prstGeom>
+          <a:noFill/>
+        </p:spPr>
+        <p:txBody>
+          <a:bodyPr wrap="none" rtlCol="0">
+            <a:spAutoFit/>
+          </a:bodyPr>
+          <a:lstStyle/>
+          <a:p>
+            <a:r>
+              <a:rPr kumimoji="1" lang="ja-JP" altLang="en-US"/>
+              <a:t>連続的な世界</a:t>
+            </a:r>
+          </a:p>
+        </p:txBody>
+      </p:sp>
+      <p:sp>
+        <p:nvSpPr>
+          <p:cNvPr id="25" name="テキスト ボックス 24">
+            <a:extLst>
+              <a:ext uri="{FF2B5EF4-FFF2-40B4-BE49-F238E27FC236}">
+                <a16:creationId xmlns:a16="http://schemas.microsoft.com/office/drawing/2014/main" id="{A1370E9C-2303-5549-8BBE-AF013CDE8DA0}"/>
+              </a:ext>
+            </a:extLst>
+          </p:cNvPr>
+          <p:cNvSpPr txBox="1"/>
+          <p:nvPr/>
+        </p:nvSpPr>
+        <p:spPr>
+          <a:xfrm>
+            <a:off x="1706196" y="980728"/>
+            <a:ext cx="1569660" cy="369332"/>
+          </a:xfrm>
+          <a:prstGeom prst="rect">
+            <a:avLst/>
+          </a:prstGeom>
+          <a:noFill/>
+        </p:spPr>
+        <p:txBody>
+          <a:bodyPr wrap="none" rtlCol="0">
+            <a:spAutoFit/>
+          </a:bodyPr>
+          <a:lstStyle/>
+          <a:p>
+            <a:r>
+              <a:rPr kumimoji="1" lang="ja-JP" altLang="en-US"/>
+              <a:t>離散的な世界</a:t>
+            </a:r>
+          </a:p>
+        </p:txBody>
+      </p:sp>
+      <p:sp>
+        <p:nvSpPr>
+          <p:cNvPr id="26" name="正方形/長方形 25">
+            <a:extLst>
+              <a:ext uri="{FF2B5EF4-FFF2-40B4-BE49-F238E27FC236}">
+                <a16:creationId xmlns:a16="http://schemas.microsoft.com/office/drawing/2014/main" id="{41B886EA-ACC9-834F-B4A2-C6E03FE51AA6}"/>
+              </a:ext>
+            </a:extLst>
+          </p:cNvPr>
+          <p:cNvSpPr/>
+          <p:nvPr/>
+        </p:nvSpPr>
+        <p:spPr>
+          <a:xfrm>
+            <a:off x="1331640" y="3429000"/>
+            <a:ext cx="288032" cy="288032"/>
+          </a:xfrm>
+          <a:prstGeom prst="rect">
+            <a:avLst/>
+          </a:prstGeom>
+          <a:solidFill>
+            <a:schemeClr val="accent1">
+              <a:lumMod val="60000"/>
+              <a:lumOff val="40000"/>
+            </a:schemeClr>
+          </a:solidFill>
+          <a:ln>
+            <a:solidFill>
+              <a:schemeClr val="tx1"/>
+            </a:solidFill>
+          </a:ln>
+        </p:spPr>
+        <p:style>
+          <a:lnRef idx="2">
+            <a:schemeClr val="accent1">
+              <a:shade val="50000"/>
+            </a:schemeClr>
+          </a:lnRef>
+          <a:fillRef idx="1">
+            <a:schemeClr val="accent1"/>
+          </a:fillRef>
+          <a:effectRef idx="0">
+            <a:schemeClr val="accent1"/>
+          </a:effectRef>
+          <a:fontRef idx="minor">
+            <a:schemeClr val="lt1"/>
+          </a:fontRef>
+        </p:style>
+        <p:txBody>
+          <a:bodyPr rtlCol="0" anchor="ctr"/>
+          <a:lstStyle/>
+          <a:p>
+            <a:pPr algn="ctr"/>
+            <a:endParaRPr kumimoji="1" lang="ja-JP" altLang="en-US"/>
+          </a:p>
+        </p:txBody>
+      </p:sp>
+      <p:sp>
+        <p:nvSpPr>
+          <p:cNvPr id="27" name="円/楕円 26">
+            <a:extLst>
+              <a:ext uri="{FF2B5EF4-FFF2-40B4-BE49-F238E27FC236}">
+                <a16:creationId xmlns:a16="http://schemas.microsoft.com/office/drawing/2014/main" id="{F9D586E3-D42B-BF40-ADC9-8664460A1466}"/>
+              </a:ext>
+            </a:extLst>
+          </p:cNvPr>
+          <p:cNvSpPr/>
+          <p:nvPr/>
+        </p:nvSpPr>
+        <p:spPr>
+          <a:xfrm>
+            <a:off x="1835696" y="5157192"/>
+            <a:ext cx="144016" cy="144016"/>
+          </a:xfrm>
+          <a:prstGeom prst="ellipse">
+            <a:avLst/>
+          </a:prstGeom>
+          <a:solidFill>
+            <a:srgbClr val="FF0000"/>
+          </a:solidFill>
+          <a:ln>
+            <a:solidFill>
+              <a:schemeClr val="tx1"/>
+            </a:solidFill>
+          </a:ln>
+        </p:spPr>
+        <p:style>
+          <a:lnRef idx="2">
+            <a:schemeClr val="accent1">
+              <a:shade val="50000"/>
+            </a:schemeClr>
+          </a:lnRef>
+          <a:fillRef idx="1">
+            <a:schemeClr val="accent1"/>
+          </a:fillRef>
+          <a:effectRef idx="0">
+            <a:schemeClr val="accent1"/>
+          </a:effectRef>
+          <a:fontRef idx="minor">
+            <a:schemeClr val="lt1"/>
+          </a:fontRef>
+        </p:style>
+        <p:txBody>
+          <a:bodyPr rtlCol="0" anchor="ctr"/>
+          <a:lstStyle/>
+          <a:p>
+            <a:pPr algn="ctr"/>
+            <a:endParaRPr kumimoji="1" lang="ja-JP" altLang="en-US"/>
+          </a:p>
+        </p:txBody>
+      </p:sp>
+      <p:cxnSp>
+        <p:nvCxnSpPr>
+          <p:cNvPr id="28" name="直線コネクタ 27">
+            <a:extLst>
+              <a:ext uri="{FF2B5EF4-FFF2-40B4-BE49-F238E27FC236}">
+                <a16:creationId xmlns:a16="http://schemas.microsoft.com/office/drawing/2014/main" id="{D908DE0F-9C61-B348-BEC6-5617A33EE910}"/>
+              </a:ext>
+            </a:extLst>
+          </p:cNvPr>
+          <p:cNvCxnSpPr>
+            <a:cxnSpLocks/>
+          </p:cNvCxnSpPr>
+          <p:nvPr/>
+        </p:nvCxnSpPr>
+        <p:spPr>
+          <a:xfrm>
+            <a:off x="1330960" y="3718560"/>
+            <a:ext cx="0" cy="939165"/>
+          </a:xfrm>
+          <a:prstGeom prst="line">
+            <a:avLst/>
+          </a:prstGeom>
+          <a:ln>
+            <a:solidFill>
+              <a:schemeClr val="tx1"/>
+            </a:solidFill>
+          </a:ln>
+        </p:spPr>
+        <p:style>
+          <a:lnRef idx="1">
+            <a:schemeClr val="accent1"/>
+          </a:lnRef>
+          <a:fillRef idx="0">
+            <a:schemeClr val="accent1"/>
+          </a:fillRef>
+          <a:effectRef idx="0">
+            <a:schemeClr val="accent1"/>
+          </a:effectRef>
+          <a:fontRef idx="minor">
+            <a:schemeClr val="tx1"/>
+          </a:fontRef>
+        </p:style>
+      </p:cxnSp>
+      <p:cxnSp>
+        <p:nvCxnSpPr>
+          <p:cNvPr id="29" name="直線コネクタ 28">
+            <a:extLst>
+              <a:ext uri="{FF2B5EF4-FFF2-40B4-BE49-F238E27FC236}">
+                <a16:creationId xmlns:a16="http://schemas.microsoft.com/office/drawing/2014/main" id="{C05D0A3F-B010-3542-A8A2-0DF0B870470B}"/>
+              </a:ext>
+            </a:extLst>
+          </p:cNvPr>
+          <p:cNvCxnSpPr>
+            <a:cxnSpLocks/>
+          </p:cNvCxnSpPr>
+          <p:nvPr/>
+        </p:nvCxnSpPr>
+        <p:spPr>
+          <a:xfrm>
+            <a:off x="1619250" y="3714750"/>
+            <a:ext cx="869950" cy="936625"/>
+          </a:xfrm>
+          <a:prstGeom prst="line">
+            <a:avLst/>
+          </a:prstGeom>
+          <a:ln>
+            <a:solidFill>
+              <a:schemeClr val="tx1"/>
+            </a:solidFill>
+          </a:ln>
+        </p:spPr>
+        <p:style>
+          <a:lnRef idx="1">
+            <a:schemeClr val="accent1"/>
+          </a:lnRef>
+          <a:fillRef idx="0">
+            <a:schemeClr val="accent1"/>
+          </a:fillRef>
+          <a:effectRef idx="0">
+            <a:schemeClr val="accent1"/>
+          </a:effectRef>
+          <a:fontRef idx="minor">
+            <a:schemeClr val="tx1"/>
+          </a:fontRef>
+        </p:style>
+      </p:cxnSp>
+      <p:sp>
+        <p:nvSpPr>
+          <p:cNvPr id="30" name="テキスト ボックス 29">
+            <a:extLst>
+              <a:ext uri="{FF2B5EF4-FFF2-40B4-BE49-F238E27FC236}">
+                <a16:creationId xmlns:a16="http://schemas.microsoft.com/office/drawing/2014/main" id="{F9DE8B5A-0ED7-EA45-96E0-E91BB7F0BD20}"/>
+              </a:ext>
+            </a:extLst>
+          </p:cNvPr>
+          <p:cNvSpPr txBox="1"/>
+          <p:nvPr/>
+        </p:nvSpPr>
+        <p:spPr>
+          <a:xfrm>
+            <a:off x="3271520" y="4826000"/>
+            <a:ext cx="2723823" cy="369332"/>
+          </a:xfrm>
+          <a:prstGeom prst="rect">
+            <a:avLst/>
+          </a:prstGeom>
+          <a:noFill/>
+        </p:spPr>
+        <p:txBody>
+          <a:bodyPr wrap="none" rtlCol="0">
+            <a:spAutoFit/>
+          </a:bodyPr>
+          <a:lstStyle/>
+          <a:p>
+            <a:r>
+              <a:rPr kumimoji="1" lang="ja-JP" altLang="en-US"/>
+              <a:t>この領域全体の物理量を</a:t>
+            </a:r>
+          </a:p>
+        </p:txBody>
+      </p:sp>
+      <p:sp>
+        <p:nvSpPr>
+          <p:cNvPr id="31" name="テキスト ボックス 30">
+            <a:extLst>
+              <a:ext uri="{FF2B5EF4-FFF2-40B4-BE49-F238E27FC236}">
+                <a16:creationId xmlns:a16="http://schemas.microsoft.com/office/drawing/2014/main" id="{7887FA70-B20E-6C48-8495-26BB9DE292C7}"/>
+              </a:ext>
+            </a:extLst>
+          </p:cNvPr>
+          <p:cNvSpPr txBox="1"/>
+          <p:nvPr/>
+        </p:nvSpPr>
+        <p:spPr>
+          <a:xfrm>
+            <a:off x="3281680" y="5323840"/>
+            <a:ext cx="2954655" cy="369332"/>
+          </a:xfrm>
+          <a:prstGeom prst="rect">
+            <a:avLst/>
+          </a:prstGeom>
+          <a:noFill/>
+        </p:spPr>
+        <p:txBody>
+          <a:bodyPr wrap="none" rtlCol="0">
+            <a:spAutoFit/>
+          </a:bodyPr>
+          <a:lstStyle/>
+          <a:p>
+            <a:r>
+              <a:rPr kumimoji="1" lang="ja-JP" altLang="en-US"/>
+              <a:t>この点での値で代表させる</a:t>
+            </a:r>
+          </a:p>
+        </p:txBody>
+      </p:sp>
+      <p:cxnSp>
+        <p:nvCxnSpPr>
+          <p:cNvPr id="32" name="直線矢印コネクタ 31">
+            <a:extLst>
+              <a:ext uri="{FF2B5EF4-FFF2-40B4-BE49-F238E27FC236}">
+                <a16:creationId xmlns:a16="http://schemas.microsoft.com/office/drawing/2014/main" id="{AE7B3399-3F1D-104D-924B-E4FACE9B9859}"/>
+              </a:ext>
+            </a:extLst>
+          </p:cNvPr>
+          <p:cNvCxnSpPr>
+            <a:cxnSpLocks/>
+          </p:cNvCxnSpPr>
+          <p:nvPr/>
+        </p:nvCxnSpPr>
+        <p:spPr>
+          <a:xfrm flipH="1">
+            <a:off x="2306320" y="4998720"/>
+            <a:ext cx="1026160" cy="0"/>
+          </a:xfrm>
+          <a:prstGeom prst="straightConnector1">
+            <a:avLst/>
+          </a:prstGeom>
+          <a:ln>
+            <a:solidFill>
+              <a:schemeClr val="tx1"/>
+            </a:solidFill>
+            <a:tailEnd type="triangle"/>
+          </a:ln>
+        </p:spPr>
+        <p:style>
+          <a:lnRef idx="1">
+            <a:schemeClr val="accent1"/>
+          </a:lnRef>
+          <a:fillRef idx="0">
+            <a:schemeClr val="accent1"/>
+          </a:fillRef>
+          <a:effectRef idx="0">
+            <a:schemeClr val="accent1"/>
+          </a:effectRef>
+          <a:fontRef idx="minor">
+            <a:schemeClr val="tx1"/>
+          </a:fontRef>
+        </p:style>
+      </p:cxnSp>
+      <p:cxnSp>
+        <p:nvCxnSpPr>
+          <p:cNvPr id="33" name="直線矢印コネクタ 32">
+            <a:extLst>
+              <a:ext uri="{FF2B5EF4-FFF2-40B4-BE49-F238E27FC236}">
+                <a16:creationId xmlns:a16="http://schemas.microsoft.com/office/drawing/2014/main" id="{150C3D20-33B0-4B49-880E-5410CFA8938B}"/>
+              </a:ext>
+            </a:extLst>
+          </p:cNvPr>
+          <p:cNvCxnSpPr>
+            <a:cxnSpLocks/>
+            <a:endCxn id="27" idx="6"/>
+          </p:cNvCxnSpPr>
+          <p:nvPr/>
+        </p:nvCxnSpPr>
+        <p:spPr>
+          <a:xfrm flipH="1" flipV="1">
+            <a:off x="1979712" y="5229200"/>
+            <a:ext cx="1352770" cy="267362"/>
+          </a:xfrm>
+          <a:prstGeom prst="straightConnector1">
+            <a:avLst/>
+          </a:prstGeom>
+          <a:ln>
+            <a:solidFill>
+              <a:schemeClr val="tx1"/>
+            </a:solidFill>
+            <a:tailEnd type="triangle"/>
+          </a:ln>
+        </p:spPr>
+        <p:style>
+          <a:lnRef idx="1">
+            <a:schemeClr val="accent1"/>
+          </a:lnRef>
+          <a:fillRef idx="0">
+            <a:schemeClr val="accent1"/>
+          </a:fillRef>
+          <a:effectRef idx="0">
+            <a:schemeClr val="accent1"/>
+          </a:effectRef>
+          <a:fontRef idx="minor">
+            <a:schemeClr val="tx1"/>
+          </a:fontRef>
+        </p:style>
+      </p:cxnSp>
+      <p:sp>
+        <p:nvSpPr>
+          <p:cNvPr id="34" name="正方形/長方形 33">
+            <a:extLst>
+              <a:ext uri="{FF2B5EF4-FFF2-40B4-BE49-F238E27FC236}">
+                <a16:creationId xmlns:a16="http://schemas.microsoft.com/office/drawing/2014/main" id="{FE3E8D0B-24CB-0341-ADF7-5E5F9B3D279D}"/>
+              </a:ext>
+            </a:extLst>
+          </p:cNvPr>
+          <p:cNvSpPr/>
+          <p:nvPr/>
+        </p:nvSpPr>
+        <p:spPr>
+          <a:xfrm>
+            <a:off x="3347864" y="3429000"/>
+            <a:ext cx="288032" cy="288032"/>
+          </a:xfrm>
+          <a:prstGeom prst="rect">
+            <a:avLst/>
+          </a:prstGeom>
+          <a:solidFill>
+            <a:schemeClr val="accent1">
+              <a:lumMod val="20000"/>
+              <a:lumOff val="80000"/>
+            </a:schemeClr>
+          </a:solidFill>
+          <a:ln>
+            <a:solidFill>
+              <a:schemeClr val="tx1"/>
+            </a:solidFill>
+          </a:ln>
+        </p:spPr>
+        <p:style>
+          <a:lnRef idx="2">
+            <a:schemeClr val="accent1">
+              <a:shade val="50000"/>
+            </a:schemeClr>
+          </a:lnRef>
+          <a:fillRef idx="1">
+            <a:schemeClr val="accent1"/>
+          </a:fillRef>
+          <a:effectRef idx="0">
+            <a:schemeClr val="accent1"/>
+          </a:effectRef>
+          <a:fontRef idx="minor">
+            <a:schemeClr val="lt1"/>
+          </a:fontRef>
+        </p:style>
+        <p:txBody>
+          <a:bodyPr rtlCol="0" anchor="ctr"/>
+          <a:lstStyle/>
+          <a:p>
+            <a:pPr algn="ctr"/>
+            <a:endParaRPr kumimoji="1" lang="ja-JP" altLang="en-US"/>
+          </a:p>
+        </p:txBody>
+      </p:sp>
+      <p:sp>
+        <p:nvSpPr>
+          <p:cNvPr id="35" name="正方形/長方形 34">
+            <a:extLst>
+              <a:ext uri="{FF2B5EF4-FFF2-40B4-BE49-F238E27FC236}">
+                <a16:creationId xmlns:a16="http://schemas.microsoft.com/office/drawing/2014/main" id="{6508E665-7370-D942-A9A9-B2F7BBCA3B90}"/>
+              </a:ext>
+            </a:extLst>
+          </p:cNvPr>
+          <p:cNvSpPr/>
+          <p:nvPr/>
+        </p:nvSpPr>
+        <p:spPr>
+          <a:xfrm>
+            <a:off x="3059832" y="3429000"/>
+            <a:ext cx="288032" cy="288032"/>
+          </a:xfrm>
+          <a:prstGeom prst="rect">
+            <a:avLst/>
+          </a:prstGeom>
+          <a:solidFill>
+            <a:schemeClr val="accent1">
+              <a:lumMod val="20000"/>
+              <a:lumOff val="80000"/>
+            </a:schemeClr>
+          </a:solidFill>
+          <a:ln>
+            <a:solidFill>
+              <a:schemeClr val="tx1"/>
+            </a:solidFill>
+          </a:ln>
+        </p:spPr>
+        <p:style>
+          <a:lnRef idx="2">
+            <a:schemeClr val="accent1">
+              <a:shade val="50000"/>
+            </a:schemeClr>
+          </a:lnRef>
+          <a:fillRef idx="1">
+            <a:schemeClr val="accent1"/>
+          </a:fillRef>
+          <a:effectRef idx="0">
+            <a:schemeClr val="accent1"/>
+          </a:effectRef>
+          <a:fontRef idx="minor">
+            <a:schemeClr val="lt1"/>
+          </a:fontRef>
+        </p:style>
+        <p:txBody>
+          <a:bodyPr rtlCol="0" anchor="ctr"/>
+          <a:lstStyle/>
+          <a:p>
+            <a:pPr algn="ctr"/>
+            <a:endParaRPr kumimoji="1" lang="ja-JP" altLang="en-US"/>
+          </a:p>
+        </p:txBody>
+      </p:sp>
+      <p:sp>
+        <p:nvSpPr>
+          <p:cNvPr id="36" name="正方形/長方形 35">
+            <a:extLst>
+              <a:ext uri="{FF2B5EF4-FFF2-40B4-BE49-F238E27FC236}">
+                <a16:creationId xmlns:a16="http://schemas.microsoft.com/office/drawing/2014/main" id="{B11B0629-0EB2-AC47-A750-5DEB1E093004}"/>
+              </a:ext>
+            </a:extLst>
+          </p:cNvPr>
+          <p:cNvSpPr/>
+          <p:nvPr/>
+        </p:nvSpPr>
+        <p:spPr>
+          <a:xfrm>
+            <a:off x="2771800" y="3429000"/>
+            <a:ext cx="288032" cy="288032"/>
+          </a:xfrm>
+          <a:prstGeom prst="rect">
+            <a:avLst/>
+          </a:prstGeom>
+          <a:solidFill>
+            <a:schemeClr val="accent1">
+              <a:lumMod val="20000"/>
+              <a:lumOff val="80000"/>
+            </a:schemeClr>
+          </a:solidFill>
+          <a:ln>
+            <a:solidFill>
+              <a:schemeClr val="tx1"/>
+            </a:solidFill>
+          </a:ln>
+        </p:spPr>
+        <p:style>
+          <a:lnRef idx="2">
+            <a:schemeClr val="accent1">
+              <a:shade val="50000"/>
+            </a:schemeClr>
+          </a:lnRef>
+          <a:fillRef idx="1">
+            <a:schemeClr val="accent1"/>
+          </a:fillRef>
+          <a:effectRef idx="0">
+            <a:schemeClr val="accent1"/>
+          </a:effectRef>
+          <a:fontRef idx="minor">
+            <a:schemeClr val="lt1"/>
+          </a:fontRef>
+        </p:style>
+        <p:txBody>
+          <a:bodyPr rtlCol="0" anchor="ctr"/>
+          <a:lstStyle/>
+          <a:p>
+            <a:pPr algn="ctr"/>
+            <a:endParaRPr kumimoji="1" lang="ja-JP" altLang="en-US"/>
+          </a:p>
+        </p:txBody>
+      </p:sp>
+      <p:sp>
+        <p:nvSpPr>
+          <p:cNvPr id="37" name="正方形/長方形 36">
+            <a:extLst>
+              <a:ext uri="{FF2B5EF4-FFF2-40B4-BE49-F238E27FC236}">
+                <a16:creationId xmlns:a16="http://schemas.microsoft.com/office/drawing/2014/main" id="{CE954E5B-C0EE-9B4B-82BF-F2DE9D83C6CD}"/>
+              </a:ext>
+            </a:extLst>
+          </p:cNvPr>
+          <p:cNvSpPr/>
+          <p:nvPr/>
+        </p:nvSpPr>
+        <p:spPr>
+          <a:xfrm>
+            <a:off x="2483768" y="3429000"/>
+            <a:ext cx="288032" cy="288032"/>
+          </a:xfrm>
+          <a:prstGeom prst="rect">
+            <a:avLst/>
+          </a:prstGeom>
+          <a:solidFill>
+            <a:schemeClr val="accent1">
+              <a:lumMod val="20000"/>
+              <a:lumOff val="80000"/>
+            </a:schemeClr>
+          </a:solidFill>
+          <a:ln>
+            <a:solidFill>
+              <a:schemeClr val="tx1"/>
+            </a:solidFill>
+          </a:ln>
+        </p:spPr>
+        <p:style>
+          <a:lnRef idx="2">
+            <a:schemeClr val="accent1">
+              <a:shade val="50000"/>
+            </a:schemeClr>
+          </a:lnRef>
+          <a:fillRef idx="1">
+            <a:schemeClr val="accent1"/>
+          </a:fillRef>
+          <a:effectRef idx="0">
+            <a:schemeClr val="accent1"/>
+          </a:effectRef>
+          <a:fontRef idx="minor">
+            <a:schemeClr val="lt1"/>
+          </a:fontRef>
+        </p:style>
+        <p:txBody>
+          <a:bodyPr rtlCol="0" anchor="ctr"/>
+          <a:lstStyle/>
+          <a:p>
+            <a:pPr algn="ctr"/>
+            <a:endParaRPr kumimoji="1" lang="ja-JP" altLang="en-US"/>
+          </a:p>
+        </p:txBody>
+      </p:sp>
+      <p:sp>
+        <p:nvSpPr>
+          <p:cNvPr id="38" name="正方形/長方形 37">
+            <a:extLst>
+              <a:ext uri="{FF2B5EF4-FFF2-40B4-BE49-F238E27FC236}">
+                <a16:creationId xmlns:a16="http://schemas.microsoft.com/office/drawing/2014/main" id="{F1140712-14CB-7D4A-8A93-774B77D6E6C2}"/>
+              </a:ext>
+            </a:extLst>
+          </p:cNvPr>
+          <p:cNvSpPr/>
+          <p:nvPr/>
+        </p:nvSpPr>
+        <p:spPr>
+          <a:xfrm>
+            <a:off x="2195736" y="3429000"/>
+            <a:ext cx="288032" cy="288032"/>
+          </a:xfrm>
+          <a:prstGeom prst="rect">
+            <a:avLst/>
+          </a:prstGeom>
+          <a:solidFill>
+            <a:schemeClr val="accent1">
+              <a:lumMod val="40000"/>
+              <a:lumOff val="60000"/>
+            </a:schemeClr>
+          </a:solidFill>
+          <a:ln>
+            <a:solidFill>
+              <a:schemeClr val="tx1"/>
+            </a:solidFill>
+          </a:ln>
+        </p:spPr>
+        <p:style>
+          <a:lnRef idx="2">
+            <a:schemeClr val="accent1">
+              <a:shade val="50000"/>
+            </a:schemeClr>
+          </a:lnRef>
+          <a:fillRef idx="1">
+            <a:schemeClr val="accent1"/>
+          </a:fillRef>
+          <a:effectRef idx="0">
+            <a:schemeClr val="accent1"/>
+          </a:effectRef>
+          <a:fontRef idx="minor">
+            <a:schemeClr val="lt1"/>
+          </a:fontRef>
+        </p:style>
+        <p:txBody>
+          <a:bodyPr rtlCol="0" anchor="ctr"/>
+          <a:lstStyle/>
+          <a:p>
+            <a:pPr algn="ctr"/>
+            <a:endParaRPr kumimoji="1" lang="ja-JP" altLang="en-US"/>
+          </a:p>
+        </p:txBody>
+      </p:sp>
+      <p:sp>
+        <p:nvSpPr>
+          <p:cNvPr id="39" name="正方形/長方形 38">
+            <a:extLst>
+              <a:ext uri="{FF2B5EF4-FFF2-40B4-BE49-F238E27FC236}">
+                <a16:creationId xmlns:a16="http://schemas.microsoft.com/office/drawing/2014/main" id="{1376839E-728D-054B-8AEA-07ADE12C060E}"/>
+              </a:ext>
+            </a:extLst>
+          </p:cNvPr>
+          <p:cNvSpPr/>
+          <p:nvPr/>
+        </p:nvSpPr>
+        <p:spPr>
+          <a:xfrm>
+            <a:off x="1907704" y="3429000"/>
+            <a:ext cx="288032" cy="288032"/>
+          </a:xfrm>
+          <a:prstGeom prst="rect">
+            <a:avLst/>
+          </a:prstGeom>
+          <a:solidFill>
+            <a:schemeClr val="accent1">
+              <a:lumMod val="40000"/>
+              <a:lumOff val="60000"/>
+            </a:schemeClr>
+          </a:solidFill>
+          <a:ln>
+            <a:solidFill>
+              <a:schemeClr val="tx1"/>
+            </a:solidFill>
+          </a:ln>
+        </p:spPr>
+        <p:style>
+          <a:lnRef idx="2">
+            <a:schemeClr val="accent1">
+              <a:shade val="50000"/>
+            </a:schemeClr>
+          </a:lnRef>
+          <a:fillRef idx="1">
+            <a:schemeClr val="accent1"/>
+          </a:fillRef>
+          <a:effectRef idx="0">
+            <a:schemeClr val="accent1"/>
+          </a:effectRef>
+          <a:fontRef idx="minor">
+            <a:schemeClr val="lt1"/>
+          </a:fontRef>
+        </p:style>
+        <p:txBody>
+          <a:bodyPr rtlCol="0" anchor="ctr"/>
+          <a:lstStyle/>
+          <a:p>
+            <a:pPr algn="ctr"/>
+            <a:endParaRPr kumimoji="1" lang="ja-JP" altLang="en-US"/>
+          </a:p>
+        </p:txBody>
+      </p:sp>
+      <p:sp>
+        <p:nvSpPr>
+          <p:cNvPr id="40" name="正方形/長方形 39">
+            <a:extLst>
+              <a:ext uri="{FF2B5EF4-FFF2-40B4-BE49-F238E27FC236}">
+                <a16:creationId xmlns:a16="http://schemas.microsoft.com/office/drawing/2014/main" id="{1A8169D9-A0C5-A442-87C8-7E405B30344E}"/>
+              </a:ext>
+            </a:extLst>
+          </p:cNvPr>
+          <p:cNvSpPr/>
+          <p:nvPr/>
+        </p:nvSpPr>
+        <p:spPr>
+          <a:xfrm>
+            <a:off x="1619672" y="3429000"/>
+            <a:ext cx="288032" cy="288032"/>
+          </a:xfrm>
+          <a:prstGeom prst="rect">
+            <a:avLst/>
+          </a:prstGeom>
+          <a:solidFill>
+            <a:schemeClr val="accent1">
+              <a:lumMod val="40000"/>
+              <a:lumOff val="60000"/>
+            </a:schemeClr>
+          </a:solidFill>
+          <a:ln>
+            <a:solidFill>
+              <a:schemeClr val="tx1"/>
+            </a:solidFill>
+          </a:ln>
+        </p:spPr>
+        <p:style>
+          <a:lnRef idx="2">
+            <a:schemeClr val="accent1">
+              <a:shade val="50000"/>
+            </a:schemeClr>
+          </a:lnRef>
+          <a:fillRef idx="1">
+            <a:schemeClr val="accent1"/>
+          </a:fillRef>
+          <a:effectRef idx="0">
+            <a:schemeClr val="accent1"/>
+          </a:effectRef>
+          <a:fontRef idx="minor">
+            <a:schemeClr val="lt1"/>
+          </a:fontRef>
+        </p:style>
+        <p:txBody>
+          <a:bodyPr rtlCol="0" anchor="ctr"/>
+          <a:lstStyle/>
+          <a:p>
+            <a:pPr algn="ctr"/>
+            <a:endParaRPr kumimoji="1" lang="ja-JP" altLang="en-US"/>
+          </a:p>
+        </p:txBody>
+      </p:sp>
+      <p:sp>
+        <p:nvSpPr>
+          <p:cNvPr id="41" name="正方形/長方形 40">
+            <a:extLst>
+              <a:ext uri="{FF2B5EF4-FFF2-40B4-BE49-F238E27FC236}">
+                <a16:creationId xmlns:a16="http://schemas.microsoft.com/office/drawing/2014/main" id="{9F23060C-1BBE-CC44-8C0D-006E5FEFCBE3}"/>
+              </a:ext>
+            </a:extLst>
+          </p:cNvPr>
+          <p:cNvSpPr/>
+          <p:nvPr/>
+        </p:nvSpPr>
+        <p:spPr>
+          <a:xfrm>
+            <a:off x="1331640" y="3140968"/>
+            <a:ext cx="288032" cy="288032"/>
+          </a:xfrm>
+          <a:prstGeom prst="rect">
+            <a:avLst/>
+          </a:prstGeom>
+          <a:solidFill>
+            <a:schemeClr val="accent1">
+              <a:lumMod val="60000"/>
+              <a:lumOff val="40000"/>
+            </a:schemeClr>
+          </a:solidFill>
+          <a:ln>
+            <a:solidFill>
+              <a:schemeClr val="tx1"/>
+            </a:solidFill>
+          </a:ln>
+        </p:spPr>
+        <p:style>
+          <a:lnRef idx="2">
+            <a:schemeClr val="accent1">
+              <a:shade val="50000"/>
+            </a:schemeClr>
+          </a:lnRef>
+          <a:fillRef idx="1">
+            <a:schemeClr val="accent1"/>
+          </a:fillRef>
+          <a:effectRef idx="0">
+            <a:schemeClr val="accent1"/>
+          </a:effectRef>
+          <a:fontRef idx="minor">
+            <a:schemeClr val="lt1"/>
+          </a:fontRef>
+        </p:style>
+        <p:txBody>
+          <a:bodyPr rtlCol="0" anchor="ctr"/>
+          <a:lstStyle/>
+          <a:p>
+            <a:pPr algn="ctr"/>
+            <a:endParaRPr kumimoji="1" lang="ja-JP" altLang="en-US"/>
+          </a:p>
+        </p:txBody>
+      </p:sp>
+      <p:sp>
+        <p:nvSpPr>
+          <p:cNvPr id="42" name="正方形/長方形 41">
+            <a:extLst>
+              <a:ext uri="{FF2B5EF4-FFF2-40B4-BE49-F238E27FC236}">
+                <a16:creationId xmlns:a16="http://schemas.microsoft.com/office/drawing/2014/main" id="{3379F2F6-6D06-9F4A-8968-9A27BBD0F926}"/>
+              </a:ext>
+            </a:extLst>
+          </p:cNvPr>
+          <p:cNvSpPr/>
+          <p:nvPr/>
+        </p:nvSpPr>
+        <p:spPr>
+          <a:xfrm>
+            <a:off x="3347864" y="3140968"/>
+            <a:ext cx="288032" cy="288032"/>
+          </a:xfrm>
+          <a:prstGeom prst="rect">
+            <a:avLst/>
+          </a:prstGeom>
+          <a:solidFill>
+            <a:schemeClr val="accent1">
+              <a:lumMod val="20000"/>
+              <a:lumOff val="80000"/>
+            </a:schemeClr>
+          </a:solidFill>
+          <a:ln>
+            <a:solidFill>
+              <a:schemeClr val="tx1"/>
+            </a:solidFill>
+          </a:ln>
+        </p:spPr>
+        <p:style>
+          <a:lnRef idx="2">
+            <a:schemeClr val="accent1">
+              <a:shade val="50000"/>
+            </a:schemeClr>
+          </a:lnRef>
+          <a:fillRef idx="1">
+            <a:schemeClr val="accent1"/>
+          </a:fillRef>
+          <a:effectRef idx="0">
+            <a:schemeClr val="accent1"/>
+          </a:effectRef>
+          <a:fontRef idx="minor">
+            <a:schemeClr val="lt1"/>
+          </a:fontRef>
+        </p:style>
+        <p:txBody>
+          <a:bodyPr rtlCol="0" anchor="ctr"/>
+          <a:lstStyle/>
+          <a:p>
+            <a:pPr algn="ctr"/>
+            <a:endParaRPr kumimoji="1" lang="ja-JP" altLang="en-US"/>
+          </a:p>
+        </p:txBody>
+      </p:sp>
+      <p:sp>
+        <p:nvSpPr>
+          <p:cNvPr id="43" name="正方形/長方形 42">
+            <a:extLst>
+              <a:ext uri="{FF2B5EF4-FFF2-40B4-BE49-F238E27FC236}">
+                <a16:creationId xmlns:a16="http://schemas.microsoft.com/office/drawing/2014/main" id="{266FACDD-B0FF-B04A-BAC0-86A34F44A970}"/>
+              </a:ext>
+            </a:extLst>
+          </p:cNvPr>
+          <p:cNvSpPr/>
+          <p:nvPr/>
+        </p:nvSpPr>
+        <p:spPr>
+          <a:xfrm>
+            <a:off x="3059832" y="3140968"/>
+            <a:ext cx="288032" cy="288032"/>
+          </a:xfrm>
+          <a:prstGeom prst="rect">
+            <a:avLst/>
+          </a:prstGeom>
+          <a:solidFill>
+            <a:schemeClr val="accent1">
+              <a:lumMod val="20000"/>
+              <a:lumOff val="80000"/>
+            </a:schemeClr>
+          </a:solidFill>
+          <a:ln>
+            <a:solidFill>
+              <a:schemeClr val="tx1"/>
+            </a:solidFill>
+          </a:ln>
+        </p:spPr>
+        <p:style>
+          <a:lnRef idx="2">
+            <a:schemeClr val="accent1">
+              <a:shade val="50000"/>
+            </a:schemeClr>
+          </a:lnRef>
+          <a:fillRef idx="1">
+            <a:schemeClr val="accent1"/>
+          </a:fillRef>
+          <a:effectRef idx="0">
+            <a:schemeClr val="accent1"/>
+          </a:effectRef>
+          <a:fontRef idx="minor">
+            <a:schemeClr val="lt1"/>
+          </a:fontRef>
+        </p:style>
+        <p:txBody>
+          <a:bodyPr rtlCol="0" anchor="ctr"/>
+          <a:lstStyle/>
+          <a:p>
+            <a:pPr algn="ctr"/>
+            <a:endParaRPr kumimoji="1" lang="ja-JP" altLang="en-US"/>
+          </a:p>
+        </p:txBody>
+      </p:sp>
+      <p:sp>
+        <p:nvSpPr>
+          <p:cNvPr id="44" name="正方形/長方形 43">
+            <a:extLst>
+              <a:ext uri="{FF2B5EF4-FFF2-40B4-BE49-F238E27FC236}">
+                <a16:creationId xmlns:a16="http://schemas.microsoft.com/office/drawing/2014/main" id="{10480FDE-9E0C-1642-9205-C50EACC545CC}"/>
+              </a:ext>
+            </a:extLst>
+          </p:cNvPr>
+          <p:cNvSpPr/>
+          <p:nvPr/>
+        </p:nvSpPr>
+        <p:spPr>
+          <a:xfrm>
+            <a:off x="2771800" y="3140968"/>
+            <a:ext cx="288032" cy="288032"/>
+          </a:xfrm>
+          <a:prstGeom prst="rect">
+            <a:avLst/>
+          </a:prstGeom>
+          <a:solidFill>
+            <a:schemeClr val="accent1">
+              <a:lumMod val="20000"/>
+              <a:lumOff val="80000"/>
+            </a:schemeClr>
+          </a:solidFill>
+          <a:ln>
+            <a:solidFill>
+              <a:schemeClr val="tx1"/>
+            </a:solidFill>
+          </a:ln>
+        </p:spPr>
+        <p:style>
+          <a:lnRef idx="2">
+            <a:schemeClr val="accent1">
+              <a:shade val="50000"/>
+            </a:schemeClr>
+          </a:lnRef>
+          <a:fillRef idx="1">
+            <a:schemeClr val="accent1"/>
+          </a:fillRef>
+          <a:effectRef idx="0">
+            <a:schemeClr val="accent1"/>
+          </a:effectRef>
+          <a:fontRef idx="minor">
+            <a:schemeClr val="lt1"/>
+          </a:fontRef>
+        </p:style>
+        <p:txBody>
+          <a:bodyPr rtlCol="0" anchor="ctr"/>
+          <a:lstStyle/>
+          <a:p>
+            <a:pPr algn="ctr"/>
+            <a:endParaRPr kumimoji="1" lang="ja-JP" altLang="en-US"/>
+          </a:p>
+        </p:txBody>
+      </p:sp>
+      <p:sp>
+        <p:nvSpPr>
+          <p:cNvPr id="45" name="正方形/長方形 44">
+            <a:extLst>
+              <a:ext uri="{FF2B5EF4-FFF2-40B4-BE49-F238E27FC236}">
+                <a16:creationId xmlns:a16="http://schemas.microsoft.com/office/drawing/2014/main" id="{C0F88C0F-3221-E642-A931-B736A9F5D187}"/>
+              </a:ext>
+            </a:extLst>
+          </p:cNvPr>
+          <p:cNvSpPr/>
+          <p:nvPr/>
+        </p:nvSpPr>
+        <p:spPr>
+          <a:xfrm>
+            <a:off x="2483768" y="3140968"/>
+            <a:ext cx="288032" cy="288032"/>
+          </a:xfrm>
+          <a:prstGeom prst="rect">
+            <a:avLst/>
+          </a:prstGeom>
+          <a:solidFill>
+            <a:schemeClr val="accent1">
+              <a:lumMod val="40000"/>
+              <a:lumOff val="60000"/>
+            </a:schemeClr>
+          </a:solidFill>
+          <a:ln>
+            <a:solidFill>
+              <a:schemeClr val="tx1"/>
+            </a:solidFill>
+          </a:ln>
+        </p:spPr>
+        <p:style>
+          <a:lnRef idx="2">
+            <a:schemeClr val="accent1">
+              <a:shade val="50000"/>
+            </a:schemeClr>
+          </a:lnRef>
+          <a:fillRef idx="1">
+            <a:schemeClr val="accent1"/>
+          </a:fillRef>
+          <a:effectRef idx="0">
+            <a:schemeClr val="accent1"/>
+          </a:effectRef>
+          <a:fontRef idx="minor">
+            <a:schemeClr val="lt1"/>
+          </a:fontRef>
+        </p:style>
+        <p:txBody>
+          <a:bodyPr rtlCol="0" anchor="ctr"/>
+          <a:lstStyle/>
+          <a:p>
+            <a:pPr algn="ctr"/>
+            <a:endParaRPr kumimoji="1" lang="ja-JP" altLang="en-US"/>
+          </a:p>
+        </p:txBody>
+      </p:sp>
+      <p:sp>
+        <p:nvSpPr>
+          <p:cNvPr id="46" name="正方形/長方形 45">
+            <a:extLst>
+              <a:ext uri="{FF2B5EF4-FFF2-40B4-BE49-F238E27FC236}">
+                <a16:creationId xmlns:a16="http://schemas.microsoft.com/office/drawing/2014/main" id="{A3CA7DF2-C355-C745-BAC4-0220E3E9ACC9}"/>
+              </a:ext>
+            </a:extLst>
+          </p:cNvPr>
+          <p:cNvSpPr/>
+          <p:nvPr/>
+        </p:nvSpPr>
+        <p:spPr>
+          <a:xfrm>
+            <a:off x="2195736" y="3140968"/>
+            <a:ext cx="288032" cy="288032"/>
+          </a:xfrm>
+          <a:prstGeom prst="rect">
+            <a:avLst/>
+          </a:prstGeom>
+          <a:solidFill>
+            <a:schemeClr val="accent1">
+              <a:lumMod val="40000"/>
+              <a:lumOff val="60000"/>
+            </a:schemeClr>
+          </a:solidFill>
+          <a:ln>
+            <a:solidFill>
+              <a:schemeClr val="tx1"/>
+            </a:solidFill>
+          </a:ln>
+        </p:spPr>
+        <p:style>
+          <a:lnRef idx="2">
+            <a:schemeClr val="accent1">
+              <a:shade val="50000"/>
+            </a:schemeClr>
+          </a:lnRef>
+          <a:fillRef idx="1">
+            <a:schemeClr val="accent1"/>
+          </a:fillRef>
+          <a:effectRef idx="0">
+            <a:schemeClr val="accent1"/>
+          </a:effectRef>
+          <a:fontRef idx="minor">
+            <a:schemeClr val="lt1"/>
+          </a:fontRef>
+        </p:style>
+        <p:txBody>
+          <a:bodyPr rtlCol="0" anchor="ctr"/>
+          <a:lstStyle/>
+          <a:p>
+            <a:pPr algn="ctr"/>
+            <a:endParaRPr kumimoji="1" lang="ja-JP" altLang="en-US"/>
+          </a:p>
+        </p:txBody>
+      </p:sp>
+      <p:sp>
+        <p:nvSpPr>
+          <p:cNvPr id="47" name="正方形/長方形 46">
+            <a:extLst>
+              <a:ext uri="{FF2B5EF4-FFF2-40B4-BE49-F238E27FC236}">
+                <a16:creationId xmlns:a16="http://schemas.microsoft.com/office/drawing/2014/main" id="{17B0DAF3-AA30-6446-9C7D-DEDFEF0D039E}"/>
+              </a:ext>
+            </a:extLst>
+          </p:cNvPr>
+          <p:cNvSpPr/>
+          <p:nvPr/>
+        </p:nvSpPr>
+        <p:spPr>
+          <a:xfrm>
+            <a:off x="1907704" y="3140968"/>
+            <a:ext cx="288032" cy="288032"/>
+          </a:xfrm>
+          <a:prstGeom prst="rect">
+            <a:avLst/>
+          </a:prstGeom>
+          <a:solidFill>
+            <a:schemeClr val="accent1">
+              <a:lumMod val="40000"/>
+              <a:lumOff val="60000"/>
+            </a:schemeClr>
+          </a:solidFill>
+          <a:ln>
+            <a:solidFill>
+              <a:schemeClr val="tx1"/>
+            </a:solidFill>
+          </a:ln>
+        </p:spPr>
+        <p:style>
+          <a:lnRef idx="2">
+            <a:schemeClr val="accent1">
+              <a:shade val="50000"/>
+            </a:schemeClr>
+          </a:lnRef>
+          <a:fillRef idx="1">
+            <a:schemeClr val="accent1"/>
+          </a:fillRef>
+          <a:effectRef idx="0">
+            <a:schemeClr val="accent1"/>
+          </a:effectRef>
+          <a:fontRef idx="minor">
+            <a:schemeClr val="lt1"/>
+          </a:fontRef>
+        </p:style>
+        <p:txBody>
+          <a:bodyPr rtlCol="0" anchor="ctr"/>
+          <a:lstStyle/>
+          <a:p>
+            <a:pPr algn="ctr"/>
+            <a:endParaRPr kumimoji="1" lang="ja-JP" altLang="en-US"/>
+          </a:p>
+        </p:txBody>
+      </p:sp>
+      <p:sp>
+        <p:nvSpPr>
+          <p:cNvPr id="48" name="正方形/長方形 47">
+            <a:extLst>
+              <a:ext uri="{FF2B5EF4-FFF2-40B4-BE49-F238E27FC236}">
+                <a16:creationId xmlns:a16="http://schemas.microsoft.com/office/drawing/2014/main" id="{E4F7A0C8-8316-1B40-A0C7-DB692FB24C98}"/>
+              </a:ext>
+            </a:extLst>
+          </p:cNvPr>
+          <p:cNvSpPr/>
+          <p:nvPr/>
+        </p:nvSpPr>
+        <p:spPr>
+          <a:xfrm>
+            <a:off x="1619672" y="3140968"/>
+            <a:ext cx="288032" cy="288032"/>
+          </a:xfrm>
+          <a:prstGeom prst="rect">
+            <a:avLst/>
+          </a:prstGeom>
+          <a:solidFill>
+            <a:schemeClr val="accent1">
+              <a:lumMod val="60000"/>
+              <a:lumOff val="40000"/>
+            </a:schemeClr>
+          </a:solidFill>
+          <a:ln>
+            <a:solidFill>
+              <a:schemeClr val="tx1"/>
+            </a:solidFill>
+          </a:ln>
+        </p:spPr>
+        <p:style>
+          <a:lnRef idx="2">
+            <a:schemeClr val="accent1">
+              <a:shade val="50000"/>
+            </a:schemeClr>
+          </a:lnRef>
+          <a:fillRef idx="1">
+            <a:schemeClr val="accent1"/>
+          </a:fillRef>
+          <a:effectRef idx="0">
+            <a:schemeClr val="accent1"/>
+          </a:effectRef>
+          <a:fontRef idx="minor">
+            <a:schemeClr val="lt1"/>
+          </a:fontRef>
+        </p:style>
+        <p:txBody>
+          <a:bodyPr rtlCol="0" anchor="ctr"/>
+          <a:lstStyle/>
+          <a:p>
+            <a:pPr algn="ctr"/>
+            <a:endParaRPr kumimoji="1" lang="ja-JP" altLang="en-US"/>
+          </a:p>
+        </p:txBody>
+      </p:sp>
+      <p:cxnSp>
+        <p:nvCxnSpPr>
+          <p:cNvPr id="49" name="直線コネクタ 48">
+            <a:extLst>
+              <a:ext uri="{FF2B5EF4-FFF2-40B4-BE49-F238E27FC236}">
+                <a16:creationId xmlns:a16="http://schemas.microsoft.com/office/drawing/2014/main" id="{1355EF86-E0F6-7D49-AD2C-C46C2E6C4EC8}"/>
+              </a:ext>
+            </a:extLst>
+          </p:cNvPr>
+          <p:cNvCxnSpPr/>
+          <p:nvPr/>
+        </p:nvCxnSpPr>
+        <p:spPr>
+          <a:xfrm>
+            <a:off x="1331640" y="2564904"/>
+            <a:ext cx="2304256" cy="0"/>
+          </a:xfrm>
+          <a:prstGeom prst="line">
+            <a:avLst/>
+          </a:prstGeom>
+          <a:ln>
+            <a:solidFill>
+              <a:schemeClr val="tx1"/>
+            </a:solidFill>
+          </a:ln>
+        </p:spPr>
+        <p:style>
+          <a:lnRef idx="1">
+            <a:schemeClr val="accent1"/>
+          </a:lnRef>
+          <a:fillRef idx="0">
+            <a:schemeClr val="accent1"/>
+          </a:fillRef>
+          <a:effectRef idx="0">
+            <a:schemeClr val="accent1"/>
+          </a:effectRef>
+          <a:fontRef idx="minor">
+            <a:schemeClr val="tx1"/>
+          </a:fontRef>
+        </p:style>
+      </p:cxnSp>
+      <p:cxnSp>
+        <p:nvCxnSpPr>
+          <p:cNvPr id="50" name="直線コネクタ 49">
+            <a:extLst>
+              <a:ext uri="{FF2B5EF4-FFF2-40B4-BE49-F238E27FC236}">
+                <a16:creationId xmlns:a16="http://schemas.microsoft.com/office/drawing/2014/main" id="{0B495F98-2E74-F04B-B36A-E5DB2FB3839E}"/>
+              </a:ext>
+            </a:extLst>
+          </p:cNvPr>
+          <p:cNvCxnSpPr/>
+          <p:nvPr/>
+        </p:nvCxnSpPr>
+        <p:spPr>
+          <a:xfrm>
+            <a:off x="1331640" y="2852936"/>
+            <a:ext cx="2304256" cy="0"/>
+          </a:xfrm>
+          <a:prstGeom prst="line">
+            <a:avLst/>
+          </a:prstGeom>
+          <a:ln>
+            <a:solidFill>
+              <a:schemeClr val="tx1"/>
+            </a:solidFill>
+          </a:ln>
+        </p:spPr>
+        <p:style>
+          <a:lnRef idx="1">
+            <a:schemeClr val="accent1"/>
+          </a:lnRef>
+          <a:fillRef idx="0">
+            <a:schemeClr val="accent1"/>
+          </a:fillRef>
+          <a:effectRef idx="0">
+            <a:schemeClr val="accent1"/>
+          </a:effectRef>
+          <a:fontRef idx="minor">
+            <a:schemeClr val="tx1"/>
+          </a:fontRef>
+        </p:style>
+      </p:cxnSp>
+      <p:cxnSp>
+        <p:nvCxnSpPr>
+          <p:cNvPr id="51" name="直線コネクタ 50">
+            <a:extLst>
+              <a:ext uri="{FF2B5EF4-FFF2-40B4-BE49-F238E27FC236}">
+                <a16:creationId xmlns:a16="http://schemas.microsoft.com/office/drawing/2014/main" id="{E8BE2803-D5B7-7A4C-8393-40555A2355D9}"/>
+              </a:ext>
+            </a:extLst>
+          </p:cNvPr>
+          <p:cNvCxnSpPr/>
+          <p:nvPr/>
+        </p:nvCxnSpPr>
+        <p:spPr>
+          <a:xfrm>
+            <a:off x="1331640" y="3140968"/>
+            <a:ext cx="2304256" cy="0"/>
+          </a:xfrm>
+          <a:prstGeom prst="line">
+            <a:avLst/>
+          </a:prstGeom>
+          <a:ln>
+            <a:solidFill>
+              <a:schemeClr val="tx1"/>
+            </a:solidFill>
+          </a:ln>
+        </p:spPr>
+        <p:style>
+          <a:lnRef idx="1">
+            <a:schemeClr val="accent1"/>
+          </a:lnRef>
+          <a:fillRef idx="0">
+            <a:schemeClr val="accent1"/>
+          </a:fillRef>
+          <a:effectRef idx="0">
+            <a:schemeClr val="accent1"/>
+          </a:effectRef>
+          <a:fontRef idx="minor">
+            <a:schemeClr val="tx1"/>
+          </a:fontRef>
+        </p:style>
+      </p:cxnSp>
+      <p:sp>
+        <p:nvSpPr>
+          <p:cNvPr id="52" name="正方形/長方形 51">
+            <a:extLst>
+              <a:ext uri="{FF2B5EF4-FFF2-40B4-BE49-F238E27FC236}">
+                <a16:creationId xmlns:a16="http://schemas.microsoft.com/office/drawing/2014/main" id="{95517BE5-C1E1-D647-9C57-FD16F105FAFA}"/>
+              </a:ext>
+            </a:extLst>
+          </p:cNvPr>
+          <p:cNvSpPr/>
+          <p:nvPr/>
+        </p:nvSpPr>
+        <p:spPr>
+          <a:xfrm>
+            <a:off x="1331640" y="2852936"/>
+            <a:ext cx="288032" cy="288032"/>
+          </a:xfrm>
+          <a:prstGeom prst="rect">
+            <a:avLst/>
+          </a:prstGeom>
+          <a:solidFill>
+            <a:schemeClr val="accent1">
+              <a:lumMod val="60000"/>
+              <a:lumOff val="40000"/>
+            </a:schemeClr>
+          </a:solidFill>
+          <a:ln>
+            <a:solidFill>
+              <a:schemeClr val="tx1"/>
+            </a:solidFill>
+          </a:ln>
+        </p:spPr>
+        <p:style>
+          <a:lnRef idx="2">
+            <a:schemeClr val="accent1">
+              <a:shade val="50000"/>
+            </a:schemeClr>
+          </a:lnRef>
+          <a:fillRef idx="1">
+            <a:schemeClr val="accent1"/>
+          </a:fillRef>
+          <a:effectRef idx="0">
+            <a:schemeClr val="accent1"/>
+          </a:effectRef>
+          <a:fontRef idx="minor">
+            <a:schemeClr val="lt1"/>
+          </a:fontRef>
+        </p:style>
+        <p:txBody>
+          <a:bodyPr rtlCol="0" anchor="ctr"/>
+          <a:lstStyle/>
+          <a:p>
+            <a:pPr algn="ctr"/>
+            <a:endParaRPr kumimoji="1" lang="ja-JP" altLang="en-US"/>
+          </a:p>
+        </p:txBody>
+      </p:sp>
+      <p:sp>
+        <p:nvSpPr>
+          <p:cNvPr id="53" name="正方形/長方形 52">
+            <a:extLst>
+              <a:ext uri="{FF2B5EF4-FFF2-40B4-BE49-F238E27FC236}">
+                <a16:creationId xmlns:a16="http://schemas.microsoft.com/office/drawing/2014/main" id="{004899CE-1DB6-B94F-BDF5-96AABAF48E43}"/>
+              </a:ext>
+            </a:extLst>
+          </p:cNvPr>
+          <p:cNvSpPr/>
+          <p:nvPr/>
+        </p:nvSpPr>
+        <p:spPr>
+          <a:xfrm>
+            <a:off x="3347864" y="2852936"/>
+            <a:ext cx="288032" cy="288032"/>
+          </a:xfrm>
+          <a:prstGeom prst="rect">
+            <a:avLst/>
+          </a:prstGeom>
+          <a:solidFill>
+            <a:schemeClr val="accent1">
+              <a:lumMod val="20000"/>
+              <a:lumOff val="80000"/>
+            </a:schemeClr>
+          </a:solidFill>
+          <a:ln>
+            <a:solidFill>
+              <a:schemeClr val="tx1"/>
+            </a:solidFill>
+          </a:ln>
+        </p:spPr>
+        <p:style>
+          <a:lnRef idx="2">
+            <a:schemeClr val="accent1">
+              <a:shade val="50000"/>
+            </a:schemeClr>
+          </a:lnRef>
+          <a:fillRef idx="1">
+            <a:schemeClr val="accent1"/>
+          </a:fillRef>
+          <a:effectRef idx="0">
+            <a:schemeClr val="accent1"/>
+          </a:effectRef>
+          <a:fontRef idx="minor">
+            <a:schemeClr val="lt1"/>
+          </a:fontRef>
+        </p:style>
+        <p:txBody>
+          <a:bodyPr rtlCol="0" anchor="ctr"/>
+          <a:lstStyle/>
+          <a:p>
+            <a:pPr algn="ctr"/>
+            <a:endParaRPr kumimoji="1" lang="ja-JP" altLang="en-US"/>
+          </a:p>
+        </p:txBody>
+      </p:sp>
+      <p:sp>
+        <p:nvSpPr>
+          <p:cNvPr id="54" name="正方形/長方形 53">
+            <a:extLst>
+              <a:ext uri="{FF2B5EF4-FFF2-40B4-BE49-F238E27FC236}">
+                <a16:creationId xmlns:a16="http://schemas.microsoft.com/office/drawing/2014/main" id="{CAB90F81-DA25-1D42-B8D3-D5CB41DB9729}"/>
+              </a:ext>
+            </a:extLst>
+          </p:cNvPr>
+          <p:cNvSpPr/>
+          <p:nvPr/>
+        </p:nvSpPr>
+        <p:spPr>
+          <a:xfrm>
+            <a:off x="3059832" y="2852936"/>
+            <a:ext cx="288032" cy="288032"/>
+          </a:xfrm>
+          <a:prstGeom prst="rect">
+            <a:avLst/>
+          </a:prstGeom>
+          <a:solidFill>
+            <a:schemeClr val="accent1">
+              <a:lumMod val="20000"/>
+              <a:lumOff val="80000"/>
+            </a:schemeClr>
+          </a:solidFill>
+          <a:ln>
+            <a:solidFill>
+              <a:schemeClr val="tx1"/>
+            </a:solidFill>
+          </a:ln>
+        </p:spPr>
+        <p:style>
+          <a:lnRef idx="2">
+            <a:schemeClr val="accent1">
+              <a:shade val="50000"/>
+            </a:schemeClr>
+          </a:lnRef>
+          <a:fillRef idx="1">
+            <a:schemeClr val="accent1"/>
+          </a:fillRef>
+          <a:effectRef idx="0">
+            <a:schemeClr val="accent1"/>
+          </a:effectRef>
+          <a:fontRef idx="minor">
+            <a:schemeClr val="lt1"/>
+          </a:fontRef>
+        </p:style>
+        <p:txBody>
+          <a:bodyPr rtlCol="0" anchor="ctr"/>
+          <a:lstStyle/>
+          <a:p>
+            <a:pPr algn="ctr"/>
+            <a:endParaRPr kumimoji="1" lang="ja-JP" altLang="en-US"/>
+          </a:p>
+        </p:txBody>
+      </p:sp>
+      <p:sp>
+        <p:nvSpPr>
+          <p:cNvPr id="55" name="正方形/長方形 54">
+            <a:extLst>
+              <a:ext uri="{FF2B5EF4-FFF2-40B4-BE49-F238E27FC236}">
+                <a16:creationId xmlns:a16="http://schemas.microsoft.com/office/drawing/2014/main" id="{5AD76215-BBB3-7B43-89BE-379FFFA3D88B}"/>
+              </a:ext>
+            </a:extLst>
+          </p:cNvPr>
+          <p:cNvSpPr/>
+          <p:nvPr/>
+        </p:nvSpPr>
+        <p:spPr>
+          <a:xfrm>
+            <a:off x="2771800" y="2852936"/>
+            <a:ext cx="288032" cy="288032"/>
+          </a:xfrm>
+          <a:prstGeom prst="rect">
+            <a:avLst/>
+          </a:prstGeom>
+          <a:solidFill>
+            <a:schemeClr val="accent1">
+              <a:lumMod val="40000"/>
+              <a:lumOff val="60000"/>
+            </a:schemeClr>
+          </a:solidFill>
+          <a:ln>
+            <a:solidFill>
+              <a:schemeClr val="tx1"/>
+            </a:solidFill>
+          </a:ln>
+        </p:spPr>
+        <p:style>
+          <a:lnRef idx="2">
+            <a:schemeClr val="accent1">
+              <a:shade val="50000"/>
+            </a:schemeClr>
+          </a:lnRef>
+          <a:fillRef idx="1">
+            <a:schemeClr val="accent1"/>
+          </a:fillRef>
+          <a:effectRef idx="0">
+            <a:schemeClr val="accent1"/>
+          </a:effectRef>
+          <a:fontRef idx="minor">
+            <a:schemeClr val="lt1"/>
+          </a:fontRef>
+        </p:style>
+        <p:txBody>
+          <a:bodyPr rtlCol="0" anchor="ctr"/>
+          <a:lstStyle/>
+          <a:p>
+            <a:pPr algn="ctr"/>
+            <a:endParaRPr kumimoji="1" lang="ja-JP" altLang="en-US"/>
+          </a:p>
+        </p:txBody>
+      </p:sp>
+      <p:sp>
+        <p:nvSpPr>
+          <p:cNvPr id="56" name="正方形/長方形 55">
+            <a:extLst>
+              <a:ext uri="{FF2B5EF4-FFF2-40B4-BE49-F238E27FC236}">
+                <a16:creationId xmlns:a16="http://schemas.microsoft.com/office/drawing/2014/main" id="{DD7257FF-74A2-3B45-95B0-ADA3D34398AC}"/>
+              </a:ext>
+            </a:extLst>
+          </p:cNvPr>
+          <p:cNvSpPr/>
+          <p:nvPr/>
+        </p:nvSpPr>
+        <p:spPr>
+          <a:xfrm>
+            <a:off x="2483768" y="2852936"/>
+            <a:ext cx="288032" cy="288032"/>
+          </a:xfrm>
+          <a:prstGeom prst="rect">
+            <a:avLst/>
+          </a:prstGeom>
+          <a:solidFill>
+            <a:schemeClr val="accent1">
+              <a:lumMod val="40000"/>
+              <a:lumOff val="60000"/>
+            </a:schemeClr>
+          </a:solidFill>
+          <a:ln>
+            <a:solidFill>
+              <a:schemeClr val="tx1"/>
+            </a:solidFill>
+          </a:ln>
+        </p:spPr>
+        <p:style>
+          <a:lnRef idx="2">
+            <a:schemeClr val="accent1">
+              <a:shade val="50000"/>
+            </a:schemeClr>
+          </a:lnRef>
+          <a:fillRef idx="1">
+            <a:schemeClr val="accent1"/>
+          </a:fillRef>
+          <a:effectRef idx="0">
+            <a:schemeClr val="accent1"/>
+          </a:effectRef>
+          <a:fontRef idx="minor">
+            <a:schemeClr val="lt1"/>
+          </a:fontRef>
+        </p:style>
+        <p:txBody>
+          <a:bodyPr rtlCol="0" anchor="ctr"/>
+          <a:lstStyle/>
+          <a:p>
+            <a:pPr algn="ctr"/>
+            <a:endParaRPr kumimoji="1" lang="ja-JP" altLang="en-US"/>
+          </a:p>
+        </p:txBody>
+      </p:sp>
+      <p:sp>
+        <p:nvSpPr>
+          <p:cNvPr id="57" name="正方形/長方形 56">
+            <a:extLst>
+              <a:ext uri="{FF2B5EF4-FFF2-40B4-BE49-F238E27FC236}">
+                <a16:creationId xmlns:a16="http://schemas.microsoft.com/office/drawing/2014/main" id="{2313C4F1-7F30-274D-98B9-7E0542A5D571}"/>
+              </a:ext>
+            </a:extLst>
+          </p:cNvPr>
+          <p:cNvSpPr/>
+          <p:nvPr/>
+        </p:nvSpPr>
+        <p:spPr>
+          <a:xfrm>
+            <a:off x="2195736" y="2852936"/>
+            <a:ext cx="288032" cy="288032"/>
+          </a:xfrm>
+          <a:prstGeom prst="rect">
+            <a:avLst/>
+          </a:prstGeom>
+          <a:solidFill>
+            <a:schemeClr val="accent1">
+              <a:lumMod val="40000"/>
+              <a:lumOff val="60000"/>
+            </a:schemeClr>
+          </a:solidFill>
+          <a:ln>
+            <a:solidFill>
+              <a:schemeClr val="tx1"/>
+            </a:solidFill>
+          </a:ln>
+        </p:spPr>
+        <p:style>
+          <a:lnRef idx="2">
+            <a:schemeClr val="accent1">
+              <a:shade val="50000"/>
+            </a:schemeClr>
+          </a:lnRef>
+          <a:fillRef idx="1">
+            <a:schemeClr val="accent1"/>
+          </a:fillRef>
+          <a:effectRef idx="0">
+            <a:schemeClr val="accent1"/>
+          </a:effectRef>
+          <a:fontRef idx="minor">
+            <a:schemeClr val="lt1"/>
+          </a:fontRef>
+        </p:style>
+        <p:txBody>
+          <a:bodyPr rtlCol="0" anchor="ctr"/>
+          <a:lstStyle/>
+          <a:p>
+            <a:pPr algn="ctr"/>
+            <a:endParaRPr kumimoji="1" lang="ja-JP" altLang="en-US"/>
+          </a:p>
+        </p:txBody>
+      </p:sp>
+      <p:sp>
+        <p:nvSpPr>
+          <p:cNvPr id="58" name="正方形/長方形 57">
+            <a:extLst>
+              <a:ext uri="{FF2B5EF4-FFF2-40B4-BE49-F238E27FC236}">
+                <a16:creationId xmlns:a16="http://schemas.microsoft.com/office/drawing/2014/main" id="{28268825-4653-9D45-A070-F07F42AB53ED}"/>
+              </a:ext>
+            </a:extLst>
+          </p:cNvPr>
+          <p:cNvSpPr/>
+          <p:nvPr/>
+        </p:nvSpPr>
+        <p:spPr>
+          <a:xfrm>
+            <a:off x="1907704" y="2852936"/>
+            <a:ext cx="288032" cy="288032"/>
+          </a:xfrm>
+          <a:prstGeom prst="rect">
+            <a:avLst/>
+          </a:prstGeom>
+          <a:solidFill>
+            <a:schemeClr val="accent1">
+              <a:lumMod val="60000"/>
+              <a:lumOff val="40000"/>
+            </a:schemeClr>
+          </a:solidFill>
+          <a:ln>
+            <a:solidFill>
+              <a:schemeClr val="tx1"/>
+            </a:solidFill>
+          </a:ln>
+        </p:spPr>
+        <p:style>
+          <a:lnRef idx="2">
+            <a:schemeClr val="accent1">
+              <a:shade val="50000"/>
+            </a:schemeClr>
+          </a:lnRef>
+          <a:fillRef idx="1">
+            <a:schemeClr val="accent1"/>
+          </a:fillRef>
+          <a:effectRef idx="0">
+            <a:schemeClr val="accent1"/>
+          </a:effectRef>
+          <a:fontRef idx="minor">
+            <a:schemeClr val="lt1"/>
+          </a:fontRef>
+        </p:style>
+        <p:txBody>
+          <a:bodyPr rtlCol="0" anchor="ctr"/>
+          <a:lstStyle/>
+          <a:p>
+            <a:pPr algn="ctr"/>
+            <a:endParaRPr kumimoji="1" lang="ja-JP" altLang="en-US"/>
+          </a:p>
+        </p:txBody>
+      </p:sp>
+      <p:sp>
+        <p:nvSpPr>
+          <p:cNvPr id="59" name="正方形/長方形 58">
+            <a:extLst>
+              <a:ext uri="{FF2B5EF4-FFF2-40B4-BE49-F238E27FC236}">
+                <a16:creationId xmlns:a16="http://schemas.microsoft.com/office/drawing/2014/main" id="{378CBD4D-0310-8F4D-93F6-AFEE9D50F904}"/>
+              </a:ext>
+            </a:extLst>
+          </p:cNvPr>
+          <p:cNvSpPr/>
+          <p:nvPr/>
+        </p:nvSpPr>
+        <p:spPr>
+          <a:xfrm>
+            <a:off x="1619672" y="2852936"/>
+            <a:ext cx="288032" cy="288032"/>
+          </a:xfrm>
+          <a:prstGeom prst="rect">
+            <a:avLst/>
+          </a:prstGeom>
+          <a:solidFill>
+            <a:schemeClr val="accent1">
+              <a:lumMod val="60000"/>
+              <a:lumOff val="40000"/>
+            </a:schemeClr>
+          </a:solidFill>
+          <a:ln>
+            <a:solidFill>
+              <a:schemeClr val="tx1"/>
+            </a:solidFill>
+          </a:ln>
+        </p:spPr>
+        <p:style>
+          <a:lnRef idx="2">
+            <a:schemeClr val="accent1">
+              <a:shade val="50000"/>
+            </a:schemeClr>
+          </a:lnRef>
+          <a:fillRef idx="1">
+            <a:schemeClr val="accent1"/>
+          </a:fillRef>
+          <a:effectRef idx="0">
+            <a:schemeClr val="accent1"/>
+          </a:effectRef>
+          <a:fontRef idx="minor">
+            <a:schemeClr val="lt1"/>
+          </a:fontRef>
+        </p:style>
+        <p:txBody>
+          <a:bodyPr rtlCol="0" anchor="ctr"/>
+          <a:lstStyle/>
+          <a:p>
+            <a:pPr algn="ctr"/>
+            <a:endParaRPr kumimoji="1" lang="ja-JP" altLang="en-US"/>
+          </a:p>
+        </p:txBody>
+      </p:sp>
+      <p:sp>
+        <p:nvSpPr>
+          <p:cNvPr id="60" name="正方形/長方形 59">
+            <a:extLst>
+              <a:ext uri="{FF2B5EF4-FFF2-40B4-BE49-F238E27FC236}">
+                <a16:creationId xmlns:a16="http://schemas.microsoft.com/office/drawing/2014/main" id="{42195A53-9FC1-C94A-90B0-23BECA126B5F}"/>
+              </a:ext>
+            </a:extLst>
+          </p:cNvPr>
+          <p:cNvSpPr/>
+          <p:nvPr/>
+        </p:nvSpPr>
+        <p:spPr>
+          <a:xfrm>
+            <a:off x="1331640" y="2564904"/>
+            <a:ext cx="288032" cy="288032"/>
+          </a:xfrm>
+          <a:prstGeom prst="rect">
+            <a:avLst/>
+          </a:prstGeom>
+          <a:solidFill>
+            <a:schemeClr val="accent1">
+              <a:lumMod val="60000"/>
+              <a:lumOff val="40000"/>
+            </a:schemeClr>
+          </a:solidFill>
+          <a:ln>
+            <a:solidFill>
+              <a:schemeClr val="tx1"/>
+            </a:solidFill>
+          </a:ln>
+        </p:spPr>
+        <p:style>
+          <a:lnRef idx="2">
+            <a:schemeClr val="accent1">
+              <a:shade val="50000"/>
+            </a:schemeClr>
+          </a:lnRef>
+          <a:fillRef idx="1">
+            <a:schemeClr val="accent1"/>
+          </a:fillRef>
+          <a:effectRef idx="0">
+            <a:schemeClr val="accent1"/>
+          </a:effectRef>
+          <a:fontRef idx="minor">
+            <a:schemeClr val="lt1"/>
+          </a:fontRef>
+        </p:style>
+        <p:txBody>
+          <a:bodyPr rtlCol="0" anchor="ctr"/>
+          <a:lstStyle/>
+          <a:p>
+            <a:pPr algn="ctr"/>
+            <a:endParaRPr kumimoji="1" lang="ja-JP" altLang="en-US"/>
+          </a:p>
+        </p:txBody>
+      </p:sp>
+      <p:sp>
+        <p:nvSpPr>
+          <p:cNvPr id="61" name="正方形/長方形 60">
+            <a:extLst>
+              <a:ext uri="{FF2B5EF4-FFF2-40B4-BE49-F238E27FC236}">
+                <a16:creationId xmlns:a16="http://schemas.microsoft.com/office/drawing/2014/main" id="{D2D29222-440F-FF43-AEE3-A7D169C7E1C7}"/>
+              </a:ext>
+            </a:extLst>
+          </p:cNvPr>
+          <p:cNvSpPr/>
+          <p:nvPr/>
+        </p:nvSpPr>
+        <p:spPr>
+          <a:xfrm>
+            <a:off x="3347864" y="2564904"/>
+            <a:ext cx="288032" cy="288032"/>
+          </a:xfrm>
+          <a:prstGeom prst="rect">
+            <a:avLst/>
+          </a:prstGeom>
+          <a:solidFill>
+            <a:schemeClr val="accent1">
+              <a:lumMod val="20000"/>
+              <a:lumOff val="80000"/>
+            </a:schemeClr>
+          </a:solidFill>
+          <a:ln>
+            <a:solidFill>
+              <a:schemeClr val="tx1"/>
+            </a:solidFill>
+          </a:ln>
+        </p:spPr>
+        <p:style>
+          <a:lnRef idx="2">
+            <a:schemeClr val="accent1">
+              <a:shade val="50000"/>
+            </a:schemeClr>
+          </a:lnRef>
+          <a:fillRef idx="1">
+            <a:schemeClr val="accent1"/>
+          </a:fillRef>
+          <a:effectRef idx="0">
+            <a:schemeClr val="accent1"/>
+          </a:effectRef>
+          <a:fontRef idx="minor">
+            <a:schemeClr val="lt1"/>
+          </a:fontRef>
+        </p:style>
+        <p:txBody>
+          <a:bodyPr rtlCol="0" anchor="ctr"/>
+          <a:lstStyle/>
+          <a:p>
+            <a:pPr algn="ctr"/>
+            <a:endParaRPr kumimoji="1" lang="ja-JP" altLang="en-US"/>
+          </a:p>
+        </p:txBody>
+      </p:sp>
+      <p:sp>
+        <p:nvSpPr>
+          <p:cNvPr id="62" name="正方形/長方形 61">
+            <a:extLst>
+              <a:ext uri="{FF2B5EF4-FFF2-40B4-BE49-F238E27FC236}">
+                <a16:creationId xmlns:a16="http://schemas.microsoft.com/office/drawing/2014/main" id="{0ECBA74B-C4E1-3D4A-82E7-0A19A08AC865}"/>
+              </a:ext>
+            </a:extLst>
+          </p:cNvPr>
+          <p:cNvSpPr/>
+          <p:nvPr/>
+        </p:nvSpPr>
+        <p:spPr>
+          <a:xfrm>
+            <a:off x="3059832" y="2564904"/>
+            <a:ext cx="288032" cy="288032"/>
+          </a:xfrm>
+          <a:prstGeom prst="rect">
+            <a:avLst/>
+          </a:prstGeom>
+          <a:solidFill>
+            <a:schemeClr val="accent1">
+              <a:lumMod val="40000"/>
+              <a:lumOff val="60000"/>
+            </a:schemeClr>
+          </a:solidFill>
+          <a:ln>
+            <a:solidFill>
+              <a:schemeClr val="tx1"/>
+            </a:solidFill>
+          </a:ln>
+        </p:spPr>
+        <p:style>
+          <a:lnRef idx="2">
+            <a:schemeClr val="accent1">
+              <a:shade val="50000"/>
+            </a:schemeClr>
+          </a:lnRef>
+          <a:fillRef idx="1">
+            <a:schemeClr val="accent1"/>
+          </a:fillRef>
+          <a:effectRef idx="0">
+            <a:schemeClr val="accent1"/>
+          </a:effectRef>
+          <a:fontRef idx="minor">
+            <a:schemeClr val="lt1"/>
+          </a:fontRef>
+        </p:style>
+        <p:txBody>
+          <a:bodyPr rtlCol="0" anchor="ctr"/>
+          <a:lstStyle/>
+          <a:p>
+            <a:pPr algn="ctr"/>
+            <a:endParaRPr kumimoji="1" lang="ja-JP" altLang="en-US"/>
+          </a:p>
+        </p:txBody>
+      </p:sp>
+      <p:sp>
+        <p:nvSpPr>
+          <p:cNvPr id="63" name="正方形/長方形 62">
+            <a:extLst>
+              <a:ext uri="{FF2B5EF4-FFF2-40B4-BE49-F238E27FC236}">
+                <a16:creationId xmlns:a16="http://schemas.microsoft.com/office/drawing/2014/main" id="{F4704800-47CD-1F48-AD6C-59CA35DB46DA}"/>
+              </a:ext>
+            </a:extLst>
+          </p:cNvPr>
+          <p:cNvSpPr/>
+          <p:nvPr/>
+        </p:nvSpPr>
+        <p:spPr>
+          <a:xfrm>
+            <a:off x="2771800" y="2564904"/>
+            <a:ext cx="288032" cy="288032"/>
+          </a:xfrm>
+          <a:prstGeom prst="rect">
+            <a:avLst/>
+          </a:prstGeom>
+          <a:solidFill>
+            <a:schemeClr val="accent1">
+              <a:lumMod val="40000"/>
+              <a:lumOff val="60000"/>
+            </a:schemeClr>
+          </a:solidFill>
+          <a:ln>
+            <a:solidFill>
+              <a:schemeClr val="tx1"/>
+            </a:solidFill>
+          </a:ln>
+        </p:spPr>
+        <p:style>
+          <a:lnRef idx="2">
+            <a:schemeClr val="accent1">
+              <a:shade val="50000"/>
+            </a:schemeClr>
+          </a:lnRef>
+          <a:fillRef idx="1">
+            <a:schemeClr val="accent1"/>
+          </a:fillRef>
+          <a:effectRef idx="0">
+            <a:schemeClr val="accent1"/>
+          </a:effectRef>
+          <a:fontRef idx="minor">
+            <a:schemeClr val="lt1"/>
+          </a:fontRef>
+        </p:style>
+        <p:txBody>
+          <a:bodyPr rtlCol="0" anchor="ctr"/>
+          <a:lstStyle/>
+          <a:p>
+            <a:pPr algn="ctr"/>
+            <a:endParaRPr kumimoji="1" lang="ja-JP" altLang="en-US"/>
+          </a:p>
+        </p:txBody>
+      </p:sp>
+      <p:sp>
+        <p:nvSpPr>
+          <p:cNvPr id="64" name="正方形/長方形 63">
+            <a:extLst>
+              <a:ext uri="{FF2B5EF4-FFF2-40B4-BE49-F238E27FC236}">
+                <a16:creationId xmlns:a16="http://schemas.microsoft.com/office/drawing/2014/main" id="{D51670AA-C2BC-AB4B-ACDF-5F789E7ED63B}"/>
+              </a:ext>
+            </a:extLst>
+          </p:cNvPr>
+          <p:cNvSpPr/>
+          <p:nvPr/>
+        </p:nvSpPr>
+        <p:spPr>
+          <a:xfrm>
+            <a:off x="2483768" y="2564904"/>
+            <a:ext cx="288032" cy="288032"/>
+          </a:xfrm>
+          <a:prstGeom prst="rect">
+            <a:avLst/>
+          </a:prstGeom>
+          <a:solidFill>
+            <a:schemeClr val="accent1">
+              <a:lumMod val="40000"/>
+              <a:lumOff val="60000"/>
+            </a:schemeClr>
+          </a:solidFill>
+          <a:ln>
+            <a:solidFill>
+              <a:schemeClr val="tx1"/>
+            </a:solidFill>
+          </a:ln>
+        </p:spPr>
+        <p:style>
+          <a:lnRef idx="2">
+            <a:schemeClr val="accent1">
+              <a:shade val="50000"/>
+            </a:schemeClr>
+          </a:lnRef>
+          <a:fillRef idx="1">
+            <a:schemeClr val="accent1"/>
+          </a:fillRef>
+          <a:effectRef idx="0">
+            <a:schemeClr val="accent1"/>
+          </a:effectRef>
+          <a:fontRef idx="minor">
+            <a:schemeClr val="lt1"/>
+          </a:fontRef>
+        </p:style>
+        <p:txBody>
+          <a:bodyPr rtlCol="0" anchor="ctr"/>
+          <a:lstStyle/>
+          <a:p>
+            <a:pPr algn="ctr"/>
+            <a:endParaRPr kumimoji="1" lang="ja-JP" altLang="en-US"/>
+          </a:p>
+        </p:txBody>
+      </p:sp>
+      <p:sp>
+        <p:nvSpPr>
+          <p:cNvPr id="65" name="正方形/長方形 64">
+            <a:extLst>
+              <a:ext uri="{FF2B5EF4-FFF2-40B4-BE49-F238E27FC236}">
+                <a16:creationId xmlns:a16="http://schemas.microsoft.com/office/drawing/2014/main" id="{CF1DCDAC-60E5-A54B-BC76-33FE9E1641BF}"/>
+              </a:ext>
+            </a:extLst>
+          </p:cNvPr>
+          <p:cNvSpPr/>
+          <p:nvPr/>
+        </p:nvSpPr>
+        <p:spPr>
+          <a:xfrm>
+            <a:off x="2195736" y="2564904"/>
+            <a:ext cx="288032" cy="288032"/>
+          </a:xfrm>
+          <a:prstGeom prst="rect">
+            <a:avLst/>
+          </a:prstGeom>
+          <a:solidFill>
+            <a:schemeClr val="accent1">
+              <a:lumMod val="60000"/>
+              <a:lumOff val="40000"/>
+            </a:schemeClr>
+          </a:solidFill>
+          <a:ln>
+            <a:solidFill>
+              <a:schemeClr val="tx1"/>
+            </a:solidFill>
+          </a:ln>
+        </p:spPr>
+        <p:style>
+          <a:lnRef idx="2">
+            <a:schemeClr val="accent1">
+              <a:shade val="50000"/>
+            </a:schemeClr>
+          </a:lnRef>
+          <a:fillRef idx="1">
+            <a:schemeClr val="accent1"/>
+          </a:fillRef>
+          <a:effectRef idx="0">
+            <a:schemeClr val="accent1"/>
+          </a:effectRef>
+          <a:fontRef idx="minor">
+            <a:schemeClr val="lt1"/>
+          </a:fontRef>
+        </p:style>
+        <p:txBody>
+          <a:bodyPr rtlCol="0" anchor="ctr"/>
+          <a:lstStyle/>
+          <a:p>
+            <a:pPr algn="ctr"/>
+            <a:endParaRPr kumimoji="1" lang="ja-JP" altLang="en-US"/>
+          </a:p>
+        </p:txBody>
+      </p:sp>
+      <p:sp>
+        <p:nvSpPr>
+          <p:cNvPr id="66" name="正方形/長方形 65">
+            <a:extLst>
+              <a:ext uri="{FF2B5EF4-FFF2-40B4-BE49-F238E27FC236}">
+                <a16:creationId xmlns:a16="http://schemas.microsoft.com/office/drawing/2014/main" id="{1E04548C-9D4D-974F-9D80-025976ADF131}"/>
+              </a:ext>
+            </a:extLst>
+          </p:cNvPr>
+          <p:cNvSpPr/>
+          <p:nvPr/>
+        </p:nvSpPr>
+        <p:spPr>
+          <a:xfrm>
+            <a:off x="1907704" y="2564904"/>
+            <a:ext cx="288032" cy="288032"/>
+          </a:xfrm>
+          <a:prstGeom prst="rect">
+            <a:avLst/>
+          </a:prstGeom>
+          <a:solidFill>
+            <a:schemeClr val="accent1">
+              <a:lumMod val="60000"/>
+              <a:lumOff val="40000"/>
+            </a:schemeClr>
+          </a:solidFill>
+          <a:ln>
+            <a:solidFill>
+              <a:schemeClr val="tx1"/>
+            </a:solidFill>
+          </a:ln>
+        </p:spPr>
+        <p:style>
+          <a:lnRef idx="2">
+            <a:schemeClr val="accent1">
+              <a:shade val="50000"/>
+            </a:schemeClr>
+          </a:lnRef>
+          <a:fillRef idx="1">
+            <a:schemeClr val="accent1"/>
+          </a:fillRef>
+          <a:effectRef idx="0">
+            <a:schemeClr val="accent1"/>
+          </a:effectRef>
+          <a:fontRef idx="minor">
+            <a:schemeClr val="lt1"/>
+          </a:fontRef>
+        </p:style>
+        <p:txBody>
+          <a:bodyPr rtlCol="0" anchor="ctr"/>
+          <a:lstStyle/>
+          <a:p>
+            <a:pPr algn="ctr"/>
+            <a:endParaRPr kumimoji="1" lang="ja-JP" altLang="en-US"/>
+          </a:p>
+        </p:txBody>
+      </p:sp>
+      <p:sp>
+        <p:nvSpPr>
+          <p:cNvPr id="67" name="正方形/長方形 66">
+            <a:extLst>
+              <a:ext uri="{FF2B5EF4-FFF2-40B4-BE49-F238E27FC236}">
+                <a16:creationId xmlns:a16="http://schemas.microsoft.com/office/drawing/2014/main" id="{318C5E02-2D94-2D4E-8941-7B65A02676C8}"/>
+              </a:ext>
+            </a:extLst>
+          </p:cNvPr>
+          <p:cNvSpPr/>
+          <p:nvPr/>
+        </p:nvSpPr>
+        <p:spPr>
+          <a:xfrm>
+            <a:off x="1619672" y="2564904"/>
+            <a:ext cx="288032" cy="288032"/>
+          </a:xfrm>
+          <a:prstGeom prst="rect">
+            <a:avLst/>
+          </a:prstGeom>
+          <a:solidFill>
+            <a:schemeClr val="accent1">
+              <a:lumMod val="60000"/>
+              <a:lumOff val="40000"/>
+            </a:schemeClr>
+          </a:solidFill>
+          <a:ln>
+            <a:solidFill>
+              <a:schemeClr val="tx1"/>
+            </a:solidFill>
+          </a:ln>
+        </p:spPr>
+        <p:style>
+          <a:lnRef idx="2">
+            <a:schemeClr val="accent1">
+              <a:shade val="50000"/>
+            </a:schemeClr>
+          </a:lnRef>
+          <a:fillRef idx="1">
+            <a:schemeClr val="accent1"/>
+          </a:fillRef>
+          <a:effectRef idx="0">
+            <a:schemeClr val="accent1"/>
+          </a:effectRef>
+          <a:fontRef idx="minor">
+            <a:schemeClr val="lt1"/>
+          </a:fontRef>
+        </p:style>
+        <p:txBody>
+          <a:bodyPr rtlCol="0" anchor="ctr"/>
+          <a:lstStyle/>
+          <a:p>
+            <a:pPr algn="ctr"/>
+            <a:endParaRPr kumimoji="1" lang="ja-JP" altLang="en-US"/>
+          </a:p>
+        </p:txBody>
+      </p:sp>
+      <p:cxnSp>
+        <p:nvCxnSpPr>
+          <p:cNvPr id="68" name="直線コネクタ 67">
+            <a:extLst>
+              <a:ext uri="{FF2B5EF4-FFF2-40B4-BE49-F238E27FC236}">
+                <a16:creationId xmlns:a16="http://schemas.microsoft.com/office/drawing/2014/main" id="{A1C7DA71-1D95-0144-9423-6B430B00F820}"/>
+              </a:ext>
+            </a:extLst>
+          </p:cNvPr>
+          <p:cNvCxnSpPr/>
+          <p:nvPr/>
+        </p:nvCxnSpPr>
+        <p:spPr>
+          <a:xfrm>
+            <a:off x="1331640" y="1412776"/>
+            <a:ext cx="2304256" cy="0"/>
+          </a:xfrm>
+          <a:prstGeom prst="line">
+            <a:avLst/>
+          </a:prstGeom>
+          <a:ln>
+            <a:solidFill>
+              <a:schemeClr val="tx1"/>
+            </a:solidFill>
+          </a:ln>
+        </p:spPr>
+        <p:style>
+          <a:lnRef idx="1">
+            <a:schemeClr val="accent1"/>
+          </a:lnRef>
+          <a:fillRef idx="0">
+            <a:schemeClr val="accent1"/>
+          </a:fillRef>
+          <a:effectRef idx="0">
+            <a:schemeClr val="accent1"/>
+          </a:effectRef>
+          <a:fontRef idx="minor">
+            <a:schemeClr val="tx1"/>
+          </a:fontRef>
+        </p:style>
+      </p:cxnSp>
+      <p:cxnSp>
+        <p:nvCxnSpPr>
+          <p:cNvPr id="69" name="直線コネクタ 68">
+            <a:extLst>
+              <a:ext uri="{FF2B5EF4-FFF2-40B4-BE49-F238E27FC236}">
+                <a16:creationId xmlns:a16="http://schemas.microsoft.com/office/drawing/2014/main" id="{1C66B1D5-F092-EC44-82BA-5960900AC25E}"/>
+              </a:ext>
+            </a:extLst>
+          </p:cNvPr>
+          <p:cNvCxnSpPr/>
+          <p:nvPr/>
+        </p:nvCxnSpPr>
+        <p:spPr>
+          <a:xfrm>
+            <a:off x="1331640" y="1700808"/>
+            <a:ext cx="2304256" cy="0"/>
+          </a:xfrm>
+          <a:prstGeom prst="line">
+            <a:avLst/>
+          </a:prstGeom>
+          <a:ln>
+            <a:solidFill>
+              <a:schemeClr val="tx1"/>
+            </a:solidFill>
+          </a:ln>
+        </p:spPr>
+        <p:style>
+          <a:lnRef idx="1">
+            <a:schemeClr val="accent1"/>
+          </a:lnRef>
+          <a:fillRef idx="0">
+            <a:schemeClr val="accent1"/>
+          </a:fillRef>
+          <a:effectRef idx="0">
+            <a:schemeClr val="accent1"/>
+          </a:effectRef>
+          <a:fontRef idx="minor">
+            <a:schemeClr val="tx1"/>
+          </a:fontRef>
+        </p:style>
+      </p:cxnSp>
+      <p:cxnSp>
+        <p:nvCxnSpPr>
+          <p:cNvPr id="70" name="直線コネクタ 69">
+            <a:extLst>
+              <a:ext uri="{FF2B5EF4-FFF2-40B4-BE49-F238E27FC236}">
+                <a16:creationId xmlns:a16="http://schemas.microsoft.com/office/drawing/2014/main" id="{04771148-2C36-054A-8241-78B3775C9FC6}"/>
+              </a:ext>
+            </a:extLst>
+          </p:cNvPr>
+          <p:cNvCxnSpPr/>
+          <p:nvPr/>
+        </p:nvCxnSpPr>
+        <p:spPr>
+          <a:xfrm>
+            <a:off x="1331640" y="1988840"/>
+            <a:ext cx="2304256" cy="0"/>
+          </a:xfrm>
+          <a:prstGeom prst="line">
+            <a:avLst/>
+          </a:prstGeom>
+          <a:ln>
+            <a:solidFill>
+              <a:schemeClr val="tx1"/>
+            </a:solidFill>
+          </a:ln>
+        </p:spPr>
+        <p:style>
+          <a:lnRef idx="1">
+            <a:schemeClr val="accent1"/>
+          </a:lnRef>
+          <a:fillRef idx="0">
+            <a:schemeClr val="accent1"/>
+          </a:fillRef>
+          <a:effectRef idx="0">
+            <a:schemeClr val="accent1"/>
+          </a:effectRef>
+          <a:fontRef idx="minor">
+            <a:schemeClr val="tx1"/>
+          </a:fontRef>
+        </p:style>
+      </p:cxnSp>
+      <p:cxnSp>
+        <p:nvCxnSpPr>
+          <p:cNvPr id="71" name="直線コネクタ 70">
+            <a:extLst>
+              <a:ext uri="{FF2B5EF4-FFF2-40B4-BE49-F238E27FC236}">
+                <a16:creationId xmlns:a16="http://schemas.microsoft.com/office/drawing/2014/main" id="{79F5394B-8313-C840-BCD0-73CACF03B2B1}"/>
+              </a:ext>
+            </a:extLst>
+          </p:cNvPr>
+          <p:cNvCxnSpPr/>
+          <p:nvPr/>
+        </p:nvCxnSpPr>
+        <p:spPr>
+          <a:xfrm>
+            <a:off x="1331640" y="2276872"/>
+            <a:ext cx="2304256" cy="0"/>
+          </a:xfrm>
+          <a:prstGeom prst="line">
+            <a:avLst/>
+          </a:prstGeom>
+          <a:ln>
+            <a:solidFill>
+              <a:schemeClr val="tx1"/>
+            </a:solidFill>
+          </a:ln>
+        </p:spPr>
+        <p:style>
+          <a:lnRef idx="1">
+            <a:schemeClr val="accent1"/>
+          </a:lnRef>
+          <a:fillRef idx="0">
+            <a:schemeClr val="accent1"/>
+          </a:fillRef>
+          <a:effectRef idx="0">
+            <a:schemeClr val="accent1"/>
+          </a:effectRef>
+          <a:fontRef idx="minor">
+            <a:schemeClr val="tx1"/>
+          </a:fontRef>
+        </p:style>
+      </p:cxnSp>
+      <p:cxnSp>
+        <p:nvCxnSpPr>
+          <p:cNvPr id="72" name="直線コネクタ 71">
+            <a:extLst>
+              <a:ext uri="{FF2B5EF4-FFF2-40B4-BE49-F238E27FC236}">
+                <a16:creationId xmlns:a16="http://schemas.microsoft.com/office/drawing/2014/main" id="{94F25FF8-7CC0-DF48-B93A-D2E85FFE15BB}"/>
+              </a:ext>
+            </a:extLst>
+          </p:cNvPr>
+          <p:cNvCxnSpPr/>
+          <p:nvPr/>
+        </p:nvCxnSpPr>
+        <p:spPr>
+          <a:xfrm>
+            <a:off x="1331640" y="2564904"/>
+            <a:ext cx="2304256" cy="0"/>
+          </a:xfrm>
+          <a:prstGeom prst="line">
+            <a:avLst/>
+          </a:prstGeom>
+          <a:ln>
+            <a:solidFill>
+              <a:schemeClr val="tx1"/>
+            </a:solidFill>
+          </a:ln>
+        </p:spPr>
+        <p:style>
+          <a:lnRef idx="1">
+            <a:schemeClr val="accent1"/>
+          </a:lnRef>
+          <a:fillRef idx="0">
+            <a:schemeClr val="accent1"/>
+          </a:fillRef>
+          <a:effectRef idx="0">
+            <a:schemeClr val="accent1"/>
+          </a:effectRef>
+          <a:fontRef idx="minor">
+            <a:schemeClr val="tx1"/>
+          </a:fontRef>
+        </p:style>
+      </p:cxnSp>
+      <p:sp>
+        <p:nvSpPr>
+          <p:cNvPr id="73" name="正方形/長方形 72">
+            <a:extLst>
+              <a:ext uri="{FF2B5EF4-FFF2-40B4-BE49-F238E27FC236}">
+                <a16:creationId xmlns:a16="http://schemas.microsoft.com/office/drawing/2014/main" id="{83AE6D8E-8B58-474A-B909-2CA93E1F7855}"/>
+              </a:ext>
+            </a:extLst>
+          </p:cNvPr>
+          <p:cNvSpPr/>
+          <p:nvPr/>
+        </p:nvSpPr>
+        <p:spPr>
+          <a:xfrm>
+            <a:off x="1331640" y="2276872"/>
+            <a:ext cx="288032" cy="288032"/>
+          </a:xfrm>
+          <a:prstGeom prst="rect">
+            <a:avLst/>
+          </a:prstGeom>
+          <a:solidFill>
+            <a:schemeClr val="accent1">
+              <a:lumMod val="75000"/>
+            </a:schemeClr>
+          </a:solidFill>
+          <a:ln>
+            <a:solidFill>
+              <a:schemeClr val="tx1"/>
+            </a:solidFill>
+          </a:ln>
+        </p:spPr>
+        <p:style>
+          <a:lnRef idx="2">
+            <a:schemeClr val="accent1">
+              <a:shade val="50000"/>
+            </a:schemeClr>
+          </a:lnRef>
+          <a:fillRef idx="1">
+            <a:schemeClr val="accent1"/>
+          </a:fillRef>
+          <a:effectRef idx="0">
+            <a:schemeClr val="accent1"/>
+          </a:effectRef>
+          <a:fontRef idx="minor">
+            <a:schemeClr val="lt1"/>
+          </a:fontRef>
+        </p:style>
+        <p:txBody>
+          <a:bodyPr rtlCol="0" anchor="ctr"/>
+          <a:lstStyle/>
+          <a:p>
+            <a:pPr algn="ctr"/>
+            <a:endParaRPr kumimoji="1" lang="ja-JP" altLang="en-US"/>
+          </a:p>
+        </p:txBody>
+      </p:sp>
+      <p:sp>
+        <p:nvSpPr>
+          <p:cNvPr id="74" name="正方形/長方形 73">
+            <a:extLst>
+              <a:ext uri="{FF2B5EF4-FFF2-40B4-BE49-F238E27FC236}">
+                <a16:creationId xmlns:a16="http://schemas.microsoft.com/office/drawing/2014/main" id="{DE42F200-D2C4-7746-A673-919B4395411D}"/>
+              </a:ext>
+            </a:extLst>
+          </p:cNvPr>
+          <p:cNvSpPr/>
+          <p:nvPr/>
+        </p:nvSpPr>
+        <p:spPr>
+          <a:xfrm>
+            <a:off x="3347864" y="2276872"/>
+            <a:ext cx="288032" cy="288032"/>
+          </a:xfrm>
+          <a:prstGeom prst="rect">
+            <a:avLst/>
+          </a:prstGeom>
+          <a:solidFill>
+            <a:schemeClr val="accent1">
+              <a:lumMod val="40000"/>
+              <a:lumOff val="60000"/>
+            </a:schemeClr>
+          </a:solidFill>
+          <a:ln>
+            <a:solidFill>
+              <a:schemeClr val="tx1"/>
+            </a:solidFill>
+          </a:ln>
+        </p:spPr>
+        <p:style>
+          <a:lnRef idx="2">
+            <a:schemeClr val="accent1">
+              <a:shade val="50000"/>
+            </a:schemeClr>
+          </a:lnRef>
+          <a:fillRef idx="1">
+            <a:schemeClr val="accent1"/>
+          </a:fillRef>
+          <a:effectRef idx="0">
+            <a:schemeClr val="accent1"/>
+          </a:effectRef>
+          <a:fontRef idx="minor">
+            <a:schemeClr val="lt1"/>
+          </a:fontRef>
+        </p:style>
+        <p:txBody>
+          <a:bodyPr rtlCol="0" anchor="ctr"/>
+          <a:lstStyle/>
+          <a:p>
+            <a:pPr algn="ctr"/>
+            <a:endParaRPr kumimoji="1" lang="ja-JP" altLang="en-US"/>
+          </a:p>
+        </p:txBody>
+      </p:sp>
+      <p:sp>
+        <p:nvSpPr>
+          <p:cNvPr id="75" name="正方形/長方形 74">
+            <a:extLst>
+              <a:ext uri="{FF2B5EF4-FFF2-40B4-BE49-F238E27FC236}">
+                <a16:creationId xmlns:a16="http://schemas.microsoft.com/office/drawing/2014/main" id="{0F29DA4E-7476-C94B-8AEA-004513AC2920}"/>
+              </a:ext>
+            </a:extLst>
+          </p:cNvPr>
+          <p:cNvSpPr/>
+          <p:nvPr/>
+        </p:nvSpPr>
+        <p:spPr>
+          <a:xfrm>
+            <a:off x="3059832" y="2276872"/>
+            <a:ext cx="288032" cy="288032"/>
+          </a:xfrm>
+          <a:prstGeom prst="rect">
+            <a:avLst/>
+          </a:prstGeom>
+          <a:solidFill>
+            <a:schemeClr val="accent1">
+              <a:lumMod val="40000"/>
+              <a:lumOff val="60000"/>
+            </a:schemeClr>
+          </a:solidFill>
+          <a:ln>
+            <a:solidFill>
+              <a:schemeClr val="tx1"/>
+            </a:solidFill>
+          </a:ln>
+        </p:spPr>
+        <p:style>
+          <a:lnRef idx="2">
+            <a:schemeClr val="accent1">
+              <a:shade val="50000"/>
+            </a:schemeClr>
+          </a:lnRef>
+          <a:fillRef idx="1">
+            <a:schemeClr val="accent1"/>
+          </a:fillRef>
+          <a:effectRef idx="0">
+            <a:schemeClr val="accent1"/>
+          </a:effectRef>
+          <a:fontRef idx="minor">
+            <a:schemeClr val="lt1"/>
+          </a:fontRef>
+        </p:style>
+        <p:txBody>
+          <a:bodyPr rtlCol="0" anchor="ctr"/>
+          <a:lstStyle/>
+          <a:p>
+            <a:pPr algn="ctr"/>
+            <a:endParaRPr kumimoji="1" lang="ja-JP" altLang="en-US"/>
+          </a:p>
+        </p:txBody>
+      </p:sp>
+      <p:sp>
+        <p:nvSpPr>
+          <p:cNvPr id="76" name="正方形/長方形 75">
+            <a:extLst>
+              <a:ext uri="{FF2B5EF4-FFF2-40B4-BE49-F238E27FC236}">
+                <a16:creationId xmlns:a16="http://schemas.microsoft.com/office/drawing/2014/main" id="{674E02E2-8C2A-5A4C-882A-0DC6D56C1E91}"/>
+              </a:ext>
+            </a:extLst>
+          </p:cNvPr>
+          <p:cNvSpPr/>
+          <p:nvPr/>
+        </p:nvSpPr>
+        <p:spPr>
+          <a:xfrm>
+            <a:off x="2771800" y="2276872"/>
+            <a:ext cx="288032" cy="288032"/>
+          </a:xfrm>
+          <a:prstGeom prst="rect">
+            <a:avLst/>
+          </a:prstGeom>
+          <a:solidFill>
+            <a:schemeClr val="accent1">
+              <a:lumMod val="40000"/>
+              <a:lumOff val="60000"/>
+            </a:schemeClr>
+          </a:solidFill>
+          <a:ln>
+            <a:solidFill>
+              <a:schemeClr val="tx1"/>
+            </a:solidFill>
+          </a:ln>
+        </p:spPr>
+        <p:style>
+          <a:lnRef idx="2">
+            <a:schemeClr val="accent1">
+              <a:shade val="50000"/>
+            </a:schemeClr>
+          </a:lnRef>
+          <a:fillRef idx="1">
+            <a:schemeClr val="accent1"/>
+          </a:fillRef>
+          <a:effectRef idx="0">
+            <a:schemeClr val="accent1"/>
+          </a:effectRef>
+          <a:fontRef idx="minor">
+            <a:schemeClr val="lt1"/>
+          </a:fontRef>
+        </p:style>
+        <p:txBody>
+          <a:bodyPr rtlCol="0" anchor="ctr"/>
+          <a:lstStyle/>
+          <a:p>
+            <a:pPr algn="ctr"/>
+            <a:endParaRPr kumimoji="1" lang="ja-JP" altLang="en-US"/>
+          </a:p>
+        </p:txBody>
+      </p:sp>
+      <p:sp>
+        <p:nvSpPr>
+          <p:cNvPr id="77" name="正方形/長方形 76">
+            <a:extLst>
+              <a:ext uri="{FF2B5EF4-FFF2-40B4-BE49-F238E27FC236}">
+                <a16:creationId xmlns:a16="http://schemas.microsoft.com/office/drawing/2014/main" id="{0ABAC2D3-9814-EB4D-823C-5E170BCC7945}"/>
+              </a:ext>
+            </a:extLst>
+          </p:cNvPr>
+          <p:cNvSpPr/>
+          <p:nvPr/>
+        </p:nvSpPr>
+        <p:spPr>
+          <a:xfrm>
+            <a:off x="2483768" y="2276872"/>
+            <a:ext cx="288032" cy="288032"/>
+          </a:xfrm>
+          <a:prstGeom prst="rect">
+            <a:avLst/>
+          </a:prstGeom>
+          <a:solidFill>
+            <a:schemeClr val="accent1">
+              <a:lumMod val="60000"/>
+              <a:lumOff val="40000"/>
+            </a:schemeClr>
+          </a:solidFill>
+          <a:ln>
+            <a:solidFill>
+              <a:schemeClr val="tx1"/>
+            </a:solidFill>
+          </a:ln>
+        </p:spPr>
+        <p:style>
+          <a:lnRef idx="2">
+            <a:schemeClr val="accent1">
+              <a:shade val="50000"/>
+            </a:schemeClr>
+          </a:lnRef>
+          <a:fillRef idx="1">
+            <a:schemeClr val="accent1"/>
+          </a:fillRef>
+          <a:effectRef idx="0">
+            <a:schemeClr val="accent1"/>
+          </a:effectRef>
+          <a:fontRef idx="minor">
+            <a:schemeClr val="lt1"/>
+          </a:fontRef>
+        </p:style>
+        <p:txBody>
+          <a:bodyPr rtlCol="0" anchor="ctr"/>
+          <a:lstStyle/>
+          <a:p>
+            <a:pPr algn="ctr"/>
+            <a:endParaRPr kumimoji="1" lang="ja-JP" altLang="en-US"/>
+          </a:p>
+        </p:txBody>
+      </p:sp>
+      <p:sp>
+        <p:nvSpPr>
+          <p:cNvPr id="78" name="正方形/長方形 77">
+            <a:extLst>
+              <a:ext uri="{FF2B5EF4-FFF2-40B4-BE49-F238E27FC236}">
+                <a16:creationId xmlns:a16="http://schemas.microsoft.com/office/drawing/2014/main" id="{8CD2F170-3172-DE45-A2F7-F0587D13A83B}"/>
+              </a:ext>
+            </a:extLst>
+          </p:cNvPr>
+          <p:cNvSpPr/>
+          <p:nvPr/>
+        </p:nvSpPr>
+        <p:spPr>
+          <a:xfrm>
+            <a:off x="2195736" y="2276872"/>
+            <a:ext cx="288032" cy="288032"/>
+          </a:xfrm>
+          <a:prstGeom prst="rect">
+            <a:avLst/>
+          </a:prstGeom>
+          <a:solidFill>
+            <a:schemeClr val="accent1">
+              <a:lumMod val="60000"/>
+              <a:lumOff val="40000"/>
+            </a:schemeClr>
+          </a:solidFill>
+          <a:ln>
+            <a:solidFill>
+              <a:schemeClr val="tx1"/>
+            </a:solidFill>
+          </a:ln>
+        </p:spPr>
+        <p:style>
+          <a:lnRef idx="2">
+            <a:schemeClr val="accent1">
+              <a:shade val="50000"/>
+            </a:schemeClr>
+          </a:lnRef>
+          <a:fillRef idx="1">
+            <a:schemeClr val="accent1"/>
+          </a:fillRef>
+          <a:effectRef idx="0">
+            <a:schemeClr val="accent1"/>
+          </a:effectRef>
+          <a:fontRef idx="minor">
+            <a:schemeClr val="lt1"/>
+          </a:fontRef>
+        </p:style>
+        <p:txBody>
+          <a:bodyPr rtlCol="0" anchor="ctr"/>
+          <a:lstStyle/>
+          <a:p>
+            <a:pPr algn="ctr"/>
+            <a:endParaRPr kumimoji="1" lang="ja-JP" altLang="en-US"/>
+          </a:p>
+        </p:txBody>
+      </p:sp>
+      <p:sp>
+        <p:nvSpPr>
+          <p:cNvPr id="79" name="正方形/長方形 78">
+            <a:extLst>
+              <a:ext uri="{FF2B5EF4-FFF2-40B4-BE49-F238E27FC236}">
+                <a16:creationId xmlns:a16="http://schemas.microsoft.com/office/drawing/2014/main" id="{26A9CE48-A641-8D49-804F-63FE8BDE17E6}"/>
+              </a:ext>
+            </a:extLst>
+          </p:cNvPr>
+          <p:cNvSpPr/>
+          <p:nvPr/>
+        </p:nvSpPr>
+        <p:spPr>
+          <a:xfrm>
+            <a:off x="1907704" y="2276872"/>
+            <a:ext cx="288032" cy="288032"/>
+          </a:xfrm>
+          <a:prstGeom prst="rect">
+            <a:avLst/>
+          </a:prstGeom>
+          <a:solidFill>
+            <a:schemeClr val="accent1">
+              <a:lumMod val="60000"/>
+              <a:lumOff val="40000"/>
+            </a:schemeClr>
+          </a:solidFill>
+          <a:ln>
+            <a:solidFill>
+              <a:schemeClr val="tx1"/>
+            </a:solidFill>
+          </a:ln>
+        </p:spPr>
+        <p:style>
+          <a:lnRef idx="2">
+            <a:schemeClr val="accent1">
+              <a:shade val="50000"/>
+            </a:schemeClr>
+          </a:lnRef>
+          <a:fillRef idx="1">
+            <a:schemeClr val="accent1"/>
+          </a:fillRef>
+          <a:effectRef idx="0">
+            <a:schemeClr val="accent1"/>
+          </a:effectRef>
+          <a:fontRef idx="minor">
+            <a:schemeClr val="lt1"/>
+          </a:fontRef>
+        </p:style>
+        <p:txBody>
+          <a:bodyPr rtlCol="0" anchor="ctr"/>
+          <a:lstStyle/>
+          <a:p>
+            <a:pPr algn="ctr"/>
+            <a:endParaRPr kumimoji="1" lang="ja-JP" altLang="en-US"/>
+          </a:p>
+        </p:txBody>
+      </p:sp>
+      <p:sp>
+        <p:nvSpPr>
+          <p:cNvPr id="80" name="正方形/長方形 79">
+            <a:extLst>
+              <a:ext uri="{FF2B5EF4-FFF2-40B4-BE49-F238E27FC236}">
+                <a16:creationId xmlns:a16="http://schemas.microsoft.com/office/drawing/2014/main" id="{8661BE64-9B1B-704E-ACB4-200EF7DE5DC9}"/>
+              </a:ext>
+            </a:extLst>
+          </p:cNvPr>
+          <p:cNvSpPr/>
+          <p:nvPr/>
+        </p:nvSpPr>
+        <p:spPr>
+          <a:xfrm>
+            <a:off x="1619672" y="2276872"/>
+            <a:ext cx="288032" cy="288032"/>
+          </a:xfrm>
+          <a:prstGeom prst="rect">
+            <a:avLst/>
+          </a:prstGeom>
+          <a:solidFill>
+            <a:schemeClr val="accent1">
+              <a:lumMod val="60000"/>
+              <a:lumOff val="40000"/>
+            </a:schemeClr>
+          </a:solidFill>
+          <a:ln>
+            <a:solidFill>
+              <a:schemeClr val="tx1"/>
+            </a:solidFill>
+          </a:ln>
+        </p:spPr>
+        <p:style>
+          <a:lnRef idx="2">
+            <a:schemeClr val="accent1">
+              <a:shade val="50000"/>
+            </a:schemeClr>
+          </a:lnRef>
+          <a:fillRef idx="1">
+            <a:schemeClr val="accent1"/>
+          </a:fillRef>
+          <a:effectRef idx="0">
+            <a:schemeClr val="accent1"/>
+          </a:effectRef>
+          <a:fontRef idx="minor">
+            <a:schemeClr val="lt1"/>
+          </a:fontRef>
+        </p:style>
+        <p:txBody>
+          <a:bodyPr rtlCol="0" anchor="ctr"/>
+          <a:lstStyle/>
+          <a:p>
+            <a:pPr algn="ctr"/>
+            <a:endParaRPr kumimoji="1" lang="ja-JP" altLang="en-US"/>
+          </a:p>
+        </p:txBody>
+      </p:sp>
+      <p:sp>
+        <p:nvSpPr>
+          <p:cNvPr id="81" name="正方形/長方形 80">
+            <a:extLst>
+              <a:ext uri="{FF2B5EF4-FFF2-40B4-BE49-F238E27FC236}">
+                <a16:creationId xmlns:a16="http://schemas.microsoft.com/office/drawing/2014/main" id="{09BD2242-FDD9-2A4C-8218-D4B6C5A3E27E}"/>
+              </a:ext>
+            </a:extLst>
+          </p:cNvPr>
+          <p:cNvSpPr/>
+          <p:nvPr/>
+        </p:nvSpPr>
+        <p:spPr>
+          <a:xfrm>
+            <a:off x="1331640" y="1988840"/>
+            <a:ext cx="288032" cy="288032"/>
+          </a:xfrm>
+          <a:prstGeom prst="rect">
+            <a:avLst/>
+          </a:prstGeom>
+          <a:solidFill>
+            <a:schemeClr val="accent1">
+              <a:lumMod val="75000"/>
+            </a:schemeClr>
+          </a:solidFill>
+          <a:ln>
+            <a:solidFill>
+              <a:schemeClr val="tx1"/>
+            </a:solidFill>
+          </a:ln>
+        </p:spPr>
+        <p:style>
+          <a:lnRef idx="2">
+            <a:schemeClr val="accent1">
+              <a:shade val="50000"/>
+            </a:schemeClr>
+          </a:lnRef>
+          <a:fillRef idx="1">
+            <a:schemeClr val="accent1"/>
+          </a:fillRef>
+          <a:effectRef idx="0">
+            <a:schemeClr val="accent1"/>
+          </a:effectRef>
+          <a:fontRef idx="minor">
+            <a:schemeClr val="lt1"/>
+          </a:fontRef>
+        </p:style>
+        <p:txBody>
+          <a:bodyPr rtlCol="0" anchor="ctr"/>
+          <a:lstStyle/>
+          <a:p>
+            <a:pPr algn="ctr"/>
+            <a:endParaRPr kumimoji="1" lang="ja-JP" altLang="en-US"/>
+          </a:p>
+        </p:txBody>
+      </p:sp>
+      <p:sp>
+        <p:nvSpPr>
+          <p:cNvPr id="82" name="正方形/長方形 81">
+            <a:extLst>
+              <a:ext uri="{FF2B5EF4-FFF2-40B4-BE49-F238E27FC236}">
+                <a16:creationId xmlns:a16="http://schemas.microsoft.com/office/drawing/2014/main" id="{CE2529A7-C8D5-BE4C-BA51-8BF014C8C461}"/>
+              </a:ext>
+            </a:extLst>
+          </p:cNvPr>
+          <p:cNvSpPr/>
+          <p:nvPr/>
+        </p:nvSpPr>
+        <p:spPr>
+          <a:xfrm>
+            <a:off x="3347864" y="1988840"/>
+            <a:ext cx="288032" cy="288032"/>
+          </a:xfrm>
+          <a:prstGeom prst="rect">
+            <a:avLst/>
+          </a:prstGeom>
+          <a:solidFill>
+            <a:schemeClr val="accent1">
+              <a:lumMod val="40000"/>
+              <a:lumOff val="60000"/>
+            </a:schemeClr>
+          </a:solidFill>
+          <a:ln>
+            <a:solidFill>
+              <a:schemeClr val="tx1"/>
+            </a:solidFill>
+          </a:ln>
+        </p:spPr>
+        <p:style>
+          <a:lnRef idx="2">
+            <a:schemeClr val="accent1">
+              <a:shade val="50000"/>
+            </a:schemeClr>
+          </a:lnRef>
+          <a:fillRef idx="1">
+            <a:schemeClr val="accent1"/>
+          </a:fillRef>
+          <a:effectRef idx="0">
+            <a:schemeClr val="accent1"/>
+          </a:effectRef>
+          <a:fontRef idx="minor">
+            <a:schemeClr val="lt1"/>
+          </a:fontRef>
+        </p:style>
+        <p:txBody>
+          <a:bodyPr rtlCol="0" anchor="ctr"/>
+          <a:lstStyle/>
+          <a:p>
+            <a:pPr algn="ctr"/>
+            <a:endParaRPr kumimoji="1" lang="ja-JP" altLang="en-US"/>
+          </a:p>
+        </p:txBody>
+      </p:sp>
+      <p:sp>
+        <p:nvSpPr>
+          <p:cNvPr id="83" name="正方形/長方形 82">
+            <a:extLst>
+              <a:ext uri="{FF2B5EF4-FFF2-40B4-BE49-F238E27FC236}">
+                <a16:creationId xmlns:a16="http://schemas.microsoft.com/office/drawing/2014/main" id="{BCBE57EF-E044-2C4F-9657-767CE734910E}"/>
+              </a:ext>
+            </a:extLst>
+          </p:cNvPr>
+          <p:cNvSpPr/>
+          <p:nvPr/>
+        </p:nvSpPr>
+        <p:spPr>
+          <a:xfrm>
+            <a:off x="3059832" y="1988840"/>
+            <a:ext cx="288032" cy="288032"/>
+          </a:xfrm>
+          <a:prstGeom prst="rect">
+            <a:avLst/>
+          </a:prstGeom>
+          <a:solidFill>
+            <a:schemeClr val="accent1">
+              <a:lumMod val="40000"/>
+              <a:lumOff val="60000"/>
+            </a:schemeClr>
+          </a:solidFill>
+          <a:ln>
+            <a:solidFill>
+              <a:schemeClr val="tx1"/>
+            </a:solidFill>
+          </a:ln>
+        </p:spPr>
+        <p:style>
+          <a:lnRef idx="2">
+            <a:schemeClr val="accent1">
+              <a:shade val="50000"/>
+            </a:schemeClr>
+          </a:lnRef>
+          <a:fillRef idx="1">
+            <a:schemeClr val="accent1"/>
+          </a:fillRef>
+          <a:effectRef idx="0">
+            <a:schemeClr val="accent1"/>
+          </a:effectRef>
+          <a:fontRef idx="minor">
+            <a:schemeClr val="lt1"/>
+          </a:fontRef>
+        </p:style>
+        <p:txBody>
+          <a:bodyPr rtlCol="0" anchor="ctr"/>
+          <a:lstStyle/>
+          <a:p>
+            <a:pPr algn="ctr"/>
+            <a:endParaRPr kumimoji="1" lang="ja-JP" altLang="en-US"/>
+          </a:p>
+        </p:txBody>
+      </p:sp>
+      <p:sp>
+        <p:nvSpPr>
+          <p:cNvPr id="84" name="正方形/長方形 83">
+            <a:extLst>
+              <a:ext uri="{FF2B5EF4-FFF2-40B4-BE49-F238E27FC236}">
+                <a16:creationId xmlns:a16="http://schemas.microsoft.com/office/drawing/2014/main" id="{F754BA18-3563-6240-892B-792E7A53FD65}"/>
+              </a:ext>
+            </a:extLst>
+          </p:cNvPr>
+          <p:cNvSpPr/>
+          <p:nvPr/>
+        </p:nvSpPr>
+        <p:spPr>
+          <a:xfrm>
+            <a:off x="2771800" y="1988840"/>
+            <a:ext cx="288032" cy="288032"/>
+          </a:xfrm>
+          <a:prstGeom prst="rect">
+            <a:avLst/>
+          </a:prstGeom>
+          <a:solidFill>
+            <a:schemeClr val="accent1">
+              <a:lumMod val="60000"/>
+              <a:lumOff val="40000"/>
+            </a:schemeClr>
+          </a:solidFill>
+          <a:ln>
+            <a:solidFill>
+              <a:schemeClr val="tx1"/>
+            </a:solidFill>
+          </a:ln>
+        </p:spPr>
+        <p:style>
+          <a:lnRef idx="2">
+            <a:schemeClr val="accent1">
+              <a:shade val="50000"/>
+            </a:schemeClr>
+          </a:lnRef>
+          <a:fillRef idx="1">
+            <a:schemeClr val="accent1"/>
+          </a:fillRef>
+          <a:effectRef idx="0">
+            <a:schemeClr val="accent1"/>
+          </a:effectRef>
+          <a:fontRef idx="minor">
+            <a:schemeClr val="lt1"/>
+          </a:fontRef>
+        </p:style>
+        <p:txBody>
+          <a:bodyPr rtlCol="0" anchor="ctr"/>
+          <a:lstStyle/>
+          <a:p>
+            <a:pPr algn="ctr"/>
+            <a:endParaRPr kumimoji="1" lang="ja-JP" altLang="en-US"/>
+          </a:p>
+        </p:txBody>
+      </p:sp>
+      <p:sp>
+        <p:nvSpPr>
+          <p:cNvPr id="85" name="正方形/長方形 84">
+            <a:extLst>
+              <a:ext uri="{FF2B5EF4-FFF2-40B4-BE49-F238E27FC236}">
+                <a16:creationId xmlns:a16="http://schemas.microsoft.com/office/drawing/2014/main" id="{FA47B836-1AA9-9B41-A798-2BA67508B0E5}"/>
+              </a:ext>
+            </a:extLst>
+          </p:cNvPr>
+          <p:cNvSpPr/>
+          <p:nvPr/>
+        </p:nvSpPr>
+        <p:spPr>
+          <a:xfrm>
+            <a:off x="2483768" y="1988840"/>
+            <a:ext cx="288032" cy="288032"/>
+          </a:xfrm>
+          <a:prstGeom prst="rect">
+            <a:avLst/>
+          </a:prstGeom>
+          <a:solidFill>
+            <a:schemeClr val="accent1">
+              <a:lumMod val="60000"/>
+              <a:lumOff val="40000"/>
+            </a:schemeClr>
+          </a:solidFill>
+          <a:ln>
+            <a:solidFill>
+              <a:schemeClr val="tx1"/>
+            </a:solidFill>
+          </a:ln>
+        </p:spPr>
+        <p:style>
+          <a:lnRef idx="2">
+            <a:schemeClr val="accent1">
+              <a:shade val="50000"/>
+            </a:schemeClr>
+          </a:lnRef>
+          <a:fillRef idx="1">
+            <a:schemeClr val="accent1"/>
+          </a:fillRef>
+          <a:effectRef idx="0">
+            <a:schemeClr val="accent1"/>
+          </a:effectRef>
+          <a:fontRef idx="minor">
+            <a:schemeClr val="lt1"/>
+          </a:fontRef>
+        </p:style>
+        <p:txBody>
+          <a:bodyPr rtlCol="0" anchor="ctr"/>
+          <a:lstStyle/>
+          <a:p>
+            <a:pPr algn="ctr"/>
+            <a:endParaRPr kumimoji="1" lang="ja-JP" altLang="en-US"/>
+          </a:p>
+        </p:txBody>
+      </p:sp>
+      <p:sp>
+        <p:nvSpPr>
+          <p:cNvPr id="86" name="正方形/長方形 85">
+            <a:extLst>
+              <a:ext uri="{FF2B5EF4-FFF2-40B4-BE49-F238E27FC236}">
+                <a16:creationId xmlns:a16="http://schemas.microsoft.com/office/drawing/2014/main" id="{971FF6C8-E7CA-DC4B-B914-D68CFD8B1C98}"/>
+              </a:ext>
+            </a:extLst>
+          </p:cNvPr>
+          <p:cNvSpPr/>
+          <p:nvPr/>
+        </p:nvSpPr>
+        <p:spPr>
+          <a:xfrm>
+            <a:off x="2195736" y="1988840"/>
+            <a:ext cx="288032" cy="288032"/>
+          </a:xfrm>
+          <a:prstGeom prst="rect">
+            <a:avLst/>
+          </a:prstGeom>
+          <a:solidFill>
+            <a:schemeClr val="accent1">
+              <a:lumMod val="60000"/>
+              <a:lumOff val="40000"/>
+            </a:schemeClr>
+          </a:solidFill>
+          <a:ln>
+            <a:solidFill>
+              <a:schemeClr val="tx1"/>
+            </a:solidFill>
+          </a:ln>
+        </p:spPr>
+        <p:style>
+          <a:lnRef idx="2">
+            <a:schemeClr val="accent1">
+              <a:shade val="50000"/>
+            </a:schemeClr>
+          </a:lnRef>
+          <a:fillRef idx="1">
+            <a:schemeClr val="accent1"/>
+          </a:fillRef>
+          <a:effectRef idx="0">
+            <a:schemeClr val="accent1"/>
+          </a:effectRef>
+          <a:fontRef idx="minor">
+            <a:schemeClr val="lt1"/>
+          </a:fontRef>
+        </p:style>
+        <p:txBody>
+          <a:bodyPr rtlCol="0" anchor="ctr"/>
+          <a:lstStyle/>
+          <a:p>
+            <a:pPr algn="ctr"/>
+            <a:endParaRPr kumimoji="1" lang="ja-JP" altLang="en-US"/>
+          </a:p>
+        </p:txBody>
+      </p:sp>
+      <p:sp>
+        <p:nvSpPr>
+          <p:cNvPr id="87" name="正方形/長方形 86">
+            <a:extLst>
+              <a:ext uri="{FF2B5EF4-FFF2-40B4-BE49-F238E27FC236}">
+                <a16:creationId xmlns:a16="http://schemas.microsoft.com/office/drawing/2014/main" id="{92DBFFAB-7744-2F40-AB9E-8AFD6BA0C82D}"/>
+              </a:ext>
+            </a:extLst>
+          </p:cNvPr>
+          <p:cNvSpPr/>
+          <p:nvPr/>
+        </p:nvSpPr>
+        <p:spPr>
+          <a:xfrm>
+            <a:off x="1907704" y="1988840"/>
+            <a:ext cx="288032" cy="288032"/>
+          </a:xfrm>
+          <a:prstGeom prst="rect">
+            <a:avLst/>
+          </a:prstGeom>
+          <a:solidFill>
+            <a:schemeClr val="accent1">
+              <a:lumMod val="60000"/>
+              <a:lumOff val="40000"/>
+            </a:schemeClr>
+          </a:solidFill>
+          <a:ln>
+            <a:solidFill>
+              <a:schemeClr val="tx1"/>
+            </a:solidFill>
+          </a:ln>
+        </p:spPr>
+        <p:style>
+          <a:lnRef idx="2">
+            <a:schemeClr val="accent1">
+              <a:shade val="50000"/>
+            </a:schemeClr>
+          </a:lnRef>
+          <a:fillRef idx="1">
+            <a:schemeClr val="accent1"/>
+          </a:fillRef>
+          <a:effectRef idx="0">
+            <a:schemeClr val="accent1"/>
+          </a:effectRef>
+          <a:fontRef idx="minor">
+            <a:schemeClr val="lt1"/>
+          </a:fontRef>
+        </p:style>
+        <p:txBody>
+          <a:bodyPr rtlCol="0" anchor="ctr"/>
+          <a:lstStyle/>
+          <a:p>
+            <a:pPr algn="ctr"/>
+            <a:endParaRPr kumimoji="1" lang="ja-JP" altLang="en-US"/>
+          </a:p>
+        </p:txBody>
+      </p:sp>
+      <p:sp>
+        <p:nvSpPr>
+          <p:cNvPr id="88" name="正方形/長方形 87">
+            <a:extLst>
+              <a:ext uri="{FF2B5EF4-FFF2-40B4-BE49-F238E27FC236}">
+                <a16:creationId xmlns:a16="http://schemas.microsoft.com/office/drawing/2014/main" id="{716CCB82-C85D-CB4A-8B4C-C1AC72066ED3}"/>
+              </a:ext>
+            </a:extLst>
+          </p:cNvPr>
+          <p:cNvSpPr/>
+          <p:nvPr/>
+        </p:nvSpPr>
+        <p:spPr>
+          <a:xfrm>
+            <a:off x="1619672" y="1988840"/>
+            <a:ext cx="288032" cy="288032"/>
+          </a:xfrm>
+          <a:prstGeom prst="rect">
+            <a:avLst/>
+          </a:prstGeom>
+          <a:solidFill>
+            <a:schemeClr val="accent1">
+              <a:lumMod val="75000"/>
+            </a:schemeClr>
+          </a:solidFill>
+          <a:ln>
+            <a:solidFill>
+              <a:schemeClr val="tx1"/>
+            </a:solidFill>
+          </a:ln>
+        </p:spPr>
+        <p:style>
+          <a:lnRef idx="2">
+            <a:schemeClr val="accent1">
+              <a:shade val="50000"/>
+            </a:schemeClr>
+          </a:lnRef>
+          <a:fillRef idx="1">
+            <a:schemeClr val="accent1"/>
+          </a:fillRef>
+          <a:effectRef idx="0">
+            <a:schemeClr val="accent1"/>
+          </a:effectRef>
+          <a:fontRef idx="minor">
+            <a:schemeClr val="lt1"/>
+          </a:fontRef>
+        </p:style>
+        <p:txBody>
+          <a:bodyPr rtlCol="0" anchor="ctr"/>
+          <a:lstStyle/>
+          <a:p>
+            <a:pPr algn="ctr"/>
+            <a:endParaRPr kumimoji="1" lang="ja-JP" altLang="en-US"/>
+          </a:p>
+        </p:txBody>
+      </p:sp>
+      <p:cxnSp>
+        <p:nvCxnSpPr>
+          <p:cNvPr id="89" name="直線コネクタ 88">
+            <a:extLst>
+              <a:ext uri="{FF2B5EF4-FFF2-40B4-BE49-F238E27FC236}">
+                <a16:creationId xmlns:a16="http://schemas.microsoft.com/office/drawing/2014/main" id="{1C56C090-44DF-A54E-A1CA-927CCB614169}"/>
+              </a:ext>
+            </a:extLst>
+          </p:cNvPr>
+          <p:cNvCxnSpPr/>
+          <p:nvPr/>
+        </p:nvCxnSpPr>
+        <p:spPr>
+          <a:xfrm>
+            <a:off x="1331640" y="1412776"/>
+            <a:ext cx="2304256" cy="0"/>
+          </a:xfrm>
+          <a:prstGeom prst="line">
+            <a:avLst/>
+          </a:prstGeom>
+          <a:ln>
+            <a:solidFill>
+              <a:schemeClr val="tx1"/>
+            </a:solidFill>
+          </a:ln>
+        </p:spPr>
+        <p:style>
+          <a:lnRef idx="1">
+            <a:schemeClr val="accent1"/>
+          </a:lnRef>
+          <a:fillRef idx="0">
+            <a:schemeClr val="accent1"/>
+          </a:fillRef>
+          <a:effectRef idx="0">
+            <a:schemeClr val="accent1"/>
+          </a:effectRef>
+          <a:fontRef idx="minor">
+            <a:schemeClr val="tx1"/>
+          </a:fontRef>
+        </p:style>
+      </p:cxnSp>
+      <p:cxnSp>
+        <p:nvCxnSpPr>
+          <p:cNvPr id="90" name="直線コネクタ 89">
+            <a:extLst>
+              <a:ext uri="{FF2B5EF4-FFF2-40B4-BE49-F238E27FC236}">
+                <a16:creationId xmlns:a16="http://schemas.microsoft.com/office/drawing/2014/main" id="{9CC98BBB-71A6-EB45-8645-EA2211947601}"/>
+              </a:ext>
+            </a:extLst>
+          </p:cNvPr>
+          <p:cNvCxnSpPr/>
+          <p:nvPr/>
+        </p:nvCxnSpPr>
+        <p:spPr>
+          <a:xfrm>
+            <a:off x="1331640" y="1700808"/>
+            <a:ext cx="2304256" cy="0"/>
+          </a:xfrm>
+          <a:prstGeom prst="line">
+            <a:avLst/>
+          </a:prstGeom>
+          <a:ln>
+            <a:solidFill>
+              <a:schemeClr val="tx1"/>
+            </a:solidFill>
+          </a:ln>
+        </p:spPr>
+        <p:style>
+          <a:lnRef idx="1">
+            <a:schemeClr val="accent1"/>
+          </a:lnRef>
+          <a:fillRef idx="0">
+            <a:schemeClr val="accent1"/>
+          </a:fillRef>
+          <a:effectRef idx="0">
+            <a:schemeClr val="accent1"/>
+          </a:effectRef>
+          <a:fontRef idx="minor">
+            <a:schemeClr val="tx1"/>
+          </a:fontRef>
+        </p:style>
+      </p:cxnSp>
+      <p:cxnSp>
+        <p:nvCxnSpPr>
+          <p:cNvPr id="91" name="直線コネクタ 90">
+            <a:extLst>
+              <a:ext uri="{FF2B5EF4-FFF2-40B4-BE49-F238E27FC236}">
+                <a16:creationId xmlns:a16="http://schemas.microsoft.com/office/drawing/2014/main" id="{44366508-466F-9F46-AC65-4087CB725E40}"/>
+              </a:ext>
+            </a:extLst>
+          </p:cNvPr>
+          <p:cNvCxnSpPr/>
+          <p:nvPr/>
+        </p:nvCxnSpPr>
+        <p:spPr>
+          <a:xfrm>
+            <a:off x="1331640" y="1988840"/>
+            <a:ext cx="2304256" cy="0"/>
+          </a:xfrm>
+          <a:prstGeom prst="line">
+            <a:avLst/>
+          </a:prstGeom>
+          <a:ln>
+            <a:solidFill>
+              <a:schemeClr val="tx1"/>
+            </a:solidFill>
+          </a:ln>
+        </p:spPr>
+        <p:style>
+          <a:lnRef idx="1">
+            <a:schemeClr val="accent1"/>
+          </a:lnRef>
+          <a:fillRef idx="0">
+            <a:schemeClr val="accent1"/>
+          </a:fillRef>
+          <a:effectRef idx="0">
+            <a:schemeClr val="accent1"/>
+          </a:effectRef>
+          <a:fontRef idx="minor">
+            <a:schemeClr val="tx1"/>
+          </a:fontRef>
+        </p:style>
+      </p:cxnSp>
+      <p:sp>
+        <p:nvSpPr>
+          <p:cNvPr id="92" name="正方形/長方形 91">
+            <a:extLst>
+              <a:ext uri="{FF2B5EF4-FFF2-40B4-BE49-F238E27FC236}">
+                <a16:creationId xmlns:a16="http://schemas.microsoft.com/office/drawing/2014/main" id="{9AE054C3-B277-B540-BD39-4FB039412365}"/>
+              </a:ext>
+            </a:extLst>
+          </p:cNvPr>
+          <p:cNvSpPr/>
+          <p:nvPr/>
+        </p:nvSpPr>
+        <p:spPr>
+          <a:xfrm>
+            <a:off x="1331640" y="1700808"/>
+            <a:ext cx="288032" cy="288032"/>
+          </a:xfrm>
+          <a:prstGeom prst="rect">
+            <a:avLst/>
+          </a:prstGeom>
+          <a:solidFill>
+            <a:schemeClr val="accent1">
+              <a:lumMod val="75000"/>
+            </a:schemeClr>
+          </a:solidFill>
+          <a:ln>
+            <a:solidFill>
+              <a:schemeClr val="tx1"/>
+            </a:solidFill>
+          </a:ln>
+        </p:spPr>
+        <p:style>
+          <a:lnRef idx="2">
+            <a:schemeClr val="accent1">
+              <a:shade val="50000"/>
+            </a:schemeClr>
+          </a:lnRef>
+          <a:fillRef idx="1">
+            <a:schemeClr val="accent1"/>
+          </a:fillRef>
+          <a:effectRef idx="0">
+            <a:schemeClr val="accent1"/>
+          </a:effectRef>
+          <a:fontRef idx="minor">
+            <a:schemeClr val="lt1"/>
+          </a:fontRef>
+        </p:style>
+        <p:txBody>
+          <a:bodyPr rtlCol="0" anchor="ctr"/>
+          <a:lstStyle/>
+          <a:p>
+            <a:pPr algn="ctr"/>
+            <a:endParaRPr kumimoji="1" lang="ja-JP" altLang="en-US"/>
+          </a:p>
+        </p:txBody>
+      </p:sp>
+      <p:sp>
+        <p:nvSpPr>
+          <p:cNvPr id="93" name="正方形/長方形 92">
+            <a:extLst>
+              <a:ext uri="{FF2B5EF4-FFF2-40B4-BE49-F238E27FC236}">
+                <a16:creationId xmlns:a16="http://schemas.microsoft.com/office/drawing/2014/main" id="{FDCB23D3-F4F9-B246-BB30-BD590DB5B114}"/>
+              </a:ext>
+            </a:extLst>
+          </p:cNvPr>
+          <p:cNvSpPr/>
+          <p:nvPr/>
+        </p:nvSpPr>
+        <p:spPr>
+          <a:xfrm>
+            <a:off x="3347864" y="1700808"/>
+            <a:ext cx="288032" cy="288032"/>
+          </a:xfrm>
+          <a:prstGeom prst="rect">
+            <a:avLst/>
+          </a:prstGeom>
+          <a:solidFill>
+            <a:schemeClr val="accent1">
+              <a:lumMod val="40000"/>
+              <a:lumOff val="60000"/>
+            </a:schemeClr>
+          </a:solidFill>
+          <a:ln>
+            <a:solidFill>
+              <a:schemeClr val="tx1"/>
+            </a:solidFill>
+          </a:ln>
+        </p:spPr>
+        <p:style>
+          <a:lnRef idx="2">
+            <a:schemeClr val="accent1">
+              <a:shade val="50000"/>
+            </a:schemeClr>
+          </a:lnRef>
+          <a:fillRef idx="1">
+            <a:schemeClr val="accent1"/>
+          </a:fillRef>
+          <a:effectRef idx="0">
+            <a:schemeClr val="accent1"/>
+          </a:effectRef>
+          <a:fontRef idx="minor">
+            <a:schemeClr val="lt1"/>
+          </a:fontRef>
+        </p:style>
+        <p:txBody>
+          <a:bodyPr rtlCol="0" anchor="ctr"/>
+          <a:lstStyle/>
+          <a:p>
+            <a:pPr algn="ctr"/>
+            <a:endParaRPr kumimoji="1" lang="ja-JP" altLang="en-US"/>
+          </a:p>
+        </p:txBody>
+      </p:sp>
+      <p:sp>
+        <p:nvSpPr>
+          <p:cNvPr id="94" name="正方形/長方形 93">
+            <a:extLst>
+              <a:ext uri="{FF2B5EF4-FFF2-40B4-BE49-F238E27FC236}">
+                <a16:creationId xmlns:a16="http://schemas.microsoft.com/office/drawing/2014/main" id="{4A0FD21F-A0D2-514A-83B0-2CA5A04A166F}"/>
+              </a:ext>
+            </a:extLst>
+          </p:cNvPr>
+          <p:cNvSpPr/>
+          <p:nvPr/>
+        </p:nvSpPr>
+        <p:spPr>
+          <a:xfrm>
+            <a:off x="3059832" y="1700808"/>
+            <a:ext cx="288032" cy="288032"/>
+          </a:xfrm>
+          <a:prstGeom prst="rect">
+            <a:avLst/>
+          </a:prstGeom>
+          <a:solidFill>
+            <a:schemeClr val="accent1">
+              <a:lumMod val="60000"/>
+              <a:lumOff val="40000"/>
+            </a:schemeClr>
+          </a:solidFill>
+          <a:ln>
+            <a:solidFill>
+              <a:schemeClr val="tx1"/>
+            </a:solidFill>
+          </a:ln>
+        </p:spPr>
+        <p:style>
+          <a:lnRef idx="2">
+            <a:schemeClr val="accent1">
+              <a:shade val="50000"/>
+            </a:schemeClr>
+          </a:lnRef>
+          <a:fillRef idx="1">
+            <a:schemeClr val="accent1"/>
+          </a:fillRef>
+          <a:effectRef idx="0">
+            <a:schemeClr val="accent1"/>
+          </a:effectRef>
+          <a:fontRef idx="minor">
+            <a:schemeClr val="lt1"/>
+          </a:fontRef>
+        </p:style>
+        <p:txBody>
+          <a:bodyPr rtlCol="0" anchor="ctr"/>
+          <a:lstStyle/>
+          <a:p>
+            <a:pPr algn="ctr"/>
+            <a:endParaRPr kumimoji="1" lang="ja-JP" altLang="en-US"/>
+          </a:p>
+        </p:txBody>
+      </p:sp>
+      <p:sp>
+        <p:nvSpPr>
+          <p:cNvPr id="95" name="正方形/長方形 94">
+            <a:extLst>
+              <a:ext uri="{FF2B5EF4-FFF2-40B4-BE49-F238E27FC236}">
+                <a16:creationId xmlns:a16="http://schemas.microsoft.com/office/drawing/2014/main" id="{66CD5EE3-F2B6-A04F-A6A6-93712DD78FD2}"/>
+              </a:ext>
+            </a:extLst>
+          </p:cNvPr>
+          <p:cNvSpPr/>
+          <p:nvPr/>
+        </p:nvSpPr>
+        <p:spPr>
+          <a:xfrm>
+            <a:off x="2771800" y="1700808"/>
+            <a:ext cx="288032" cy="288032"/>
+          </a:xfrm>
+          <a:prstGeom prst="rect">
+            <a:avLst/>
+          </a:prstGeom>
+          <a:solidFill>
+            <a:schemeClr val="accent1">
+              <a:lumMod val="60000"/>
+              <a:lumOff val="40000"/>
+            </a:schemeClr>
+          </a:solidFill>
+          <a:ln>
+            <a:solidFill>
+              <a:schemeClr val="tx1"/>
+            </a:solidFill>
+          </a:ln>
+        </p:spPr>
+        <p:style>
+          <a:lnRef idx="2">
+            <a:schemeClr val="accent1">
+              <a:shade val="50000"/>
+            </a:schemeClr>
+          </a:lnRef>
+          <a:fillRef idx="1">
+            <a:schemeClr val="accent1"/>
+          </a:fillRef>
+          <a:effectRef idx="0">
+            <a:schemeClr val="accent1"/>
+          </a:effectRef>
+          <a:fontRef idx="minor">
+            <a:schemeClr val="lt1"/>
+          </a:fontRef>
+        </p:style>
+        <p:txBody>
+          <a:bodyPr rtlCol="0" anchor="ctr"/>
+          <a:lstStyle/>
+          <a:p>
+            <a:pPr algn="ctr"/>
+            <a:endParaRPr kumimoji="1" lang="ja-JP" altLang="en-US"/>
+          </a:p>
+        </p:txBody>
+      </p:sp>
+      <p:sp>
+        <p:nvSpPr>
+          <p:cNvPr id="96" name="正方形/長方形 95">
+            <a:extLst>
+              <a:ext uri="{FF2B5EF4-FFF2-40B4-BE49-F238E27FC236}">
+                <a16:creationId xmlns:a16="http://schemas.microsoft.com/office/drawing/2014/main" id="{146F6056-90E0-E64E-B8F5-39A7F56A3536}"/>
+              </a:ext>
+            </a:extLst>
+          </p:cNvPr>
+          <p:cNvSpPr/>
+          <p:nvPr/>
+        </p:nvSpPr>
+        <p:spPr>
+          <a:xfrm>
+            <a:off x="2483768" y="1700808"/>
+            <a:ext cx="288032" cy="288032"/>
+          </a:xfrm>
+          <a:prstGeom prst="rect">
+            <a:avLst/>
+          </a:prstGeom>
+          <a:solidFill>
+            <a:schemeClr val="accent1">
+              <a:lumMod val="60000"/>
+              <a:lumOff val="40000"/>
+            </a:schemeClr>
+          </a:solidFill>
+          <a:ln>
+            <a:solidFill>
+              <a:schemeClr val="tx1"/>
+            </a:solidFill>
+          </a:ln>
+        </p:spPr>
+        <p:style>
+          <a:lnRef idx="2">
+            <a:schemeClr val="accent1">
+              <a:shade val="50000"/>
+            </a:schemeClr>
+          </a:lnRef>
+          <a:fillRef idx="1">
+            <a:schemeClr val="accent1"/>
+          </a:fillRef>
+          <a:effectRef idx="0">
+            <a:schemeClr val="accent1"/>
+          </a:effectRef>
+          <a:fontRef idx="minor">
+            <a:schemeClr val="lt1"/>
+          </a:fontRef>
+        </p:style>
+        <p:txBody>
+          <a:bodyPr rtlCol="0" anchor="ctr"/>
+          <a:lstStyle/>
+          <a:p>
+            <a:pPr algn="ctr"/>
+            <a:endParaRPr kumimoji="1" lang="ja-JP" altLang="en-US"/>
+          </a:p>
+        </p:txBody>
+      </p:sp>
+      <p:sp>
+        <p:nvSpPr>
+          <p:cNvPr id="97" name="正方形/長方形 96">
+            <a:extLst>
+              <a:ext uri="{FF2B5EF4-FFF2-40B4-BE49-F238E27FC236}">
+                <a16:creationId xmlns:a16="http://schemas.microsoft.com/office/drawing/2014/main" id="{95013CAF-B6EE-1D46-953C-20675E71334D}"/>
+              </a:ext>
+            </a:extLst>
+          </p:cNvPr>
+          <p:cNvSpPr/>
+          <p:nvPr/>
+        </p:nvSpPr>
+        <p:spPr>
+          <a:xfrm>
+            <a:off x="2195736" y="1700808"/>
+            <a:ext cx="288032" cy="288032"/>
+          </a:xfrm>
+          <a:prstGeom prst="rect">
+            <a:avLst/>
+          </a:prstGeom>
+          <a:solidFill>
+            <a:schemeClr val="accent1">
+              <a:lumMod val="60000"/>
+              <a:lumOff val="40000"/>
+            </a:schemeClr>
+          </a:solidFill>
+          <a:ln>
+            <a:solidFill>
+              <a:schemeClr val="tx1"/>
+            </a:solidFill>
+          </a:ln>
+        </p:spPr>
+        <p:style>
+          <a:lnRef idx="2">
+            <a:schemeClr val="accent1">
+              <a:shade val="50000"/>
+            </a:schemeClr>
+          </a:lnRef>
+          <a:fillRef idx="1">
+            <a:schemeClr val="accent1"/>
+          </a:fillRef>
+          <a:effectRef idx="0">
+            <a:schemeClr val="accent1"/>
+          </a:effectRef>
+          <a:fontRef idx="minor">
+            <a:schemeClr val="lt1"/>
+          </a:fontRef>
+        </p:style>
+        <p:txBody>
+          <a:bodyPr rtlCol="0" anchor="ctr"/>
+          <a:lstStyle/>
+          <a:p>
+            <a:pPr algn="ctr"/>
+            <a:endParaRPr kumimoji="1" lang="ja-JP" altLang="en-US"/>
+          </a:p>
+        </p:txBody>
+      </p:sp>
+      <p:sp>
+        <p:nvSpPr>
+          <p:cNvPr id="98" name="正方形/長方形 97">
+            <a:extLst>
+              <a:ext uri="{FF2B5EF4-FFF2-40B4-BE49-F238E27FC236}">
+                <a16:creationId xmlns:a16="http://schemas.microsoft.com/office/drawing/2014/main" id="{5F541A4C-A874-3544-926E-E351AD9AF6AB}"/>
+              </a:ext>
+            </a:extLst>
+          </p:cNvPr>
+          <p:cNvSpPr/>
+          <p:nvPr/>
+        </p:nvSpPr>
+        <p:spPr>
+          <a:xfrm>
+            <a:off x="1907704" y="1700808"/>
+            <a:ext cx="288032" cy="288032"/>
+          </a:xfrm>
+          <a:prstGeom prst="rect">
+            <a:avLst/>
+          </a:prstGeom>
+          <a:solidFill>
+            <a:schemeClr val="accent1">
+              <a:lumMod val="75000"/>
+            </a:schemeClr>
+          </a:solidFill>
+          <a:ln>
+            <a:solidFill>
+              <a:schemeClr val="tx1"/>
+            </a:solidFill>
+          </a:ln>
+        </p:spPr>
+        <p:style>
+          <a:lnRef idx="2">
+            <a:schemeClr val="accent1">
+              <a:shade val="50000"/>
+            </a:schemeClr>
+          </a:lnRef>
+          <a:fillRef idx="1">
+            <a:schemeClr val="accent1"/>
+          </a:fillRef>
+          <a:effectRef idx="0">
+            <a:schemeClr val="accent1"/>
+          </a:effectRef>
+          <a:fontRef idx="minor">
+            <a:schemeClr val="lt1"/>
+          </a:fontRef>
+        </p:style>
+        <p:txBody>
+          <a:bodyPr rtlCol="0" anchor="ctr"/>
+          <a:lstStyle/>
+          <a:p>
+            <a:pPr algn="ctr"/>
+            <a:endParaRPr kumimoji="1" lang="ja-JP" altLang="en-US"/>
+          </a:p>
+        </p:txBody>
+      </p:sp>
+      <p:sp>
+        <p:nvSpPr>
+          <p:cNvPr id="99" name="正方形/長方形 98">
+            <a:extLst>
+              <a:ext uri="{FF2B5EF4-FFF2-40B4-BE49-F238E27FC236}">
+                <a16:creationId xmlns:a16="http://schemas.microsoft.com/office/drawing/2014/main" id="{DC99A0BB-24A1-D043-846C-FD9C25432B75}"/>
+              </a:ext>
+            </a:extLst>
+          </p:cNvPr>
+          <p:cNvSpPr/>
+          <p:nvPr/>
+        </p:nvSpPr>
+        <p:spPr>
+          <a:xfrm>
+            <a:off x="1619672" y="1700808"/>
+            <a:ext cx="288032" cy="288032"/>
+          </a:xfrm>
+          <a:prstGeom prst="rect">
+            <a:avLst/>
+          </a:prstGeom>
+          <a:solidFill>
+            <a:schemeClr val="accent1">
+              <a:lumMod val="75000"/>
+            </a:schemeClr>
+          </a:solidFill>
+          <a:ln>
+            <a:solidFill>
+              <a:schemeClr val="tx1"/>
+            </a:solidFill>
+          </a:ln>
+        </p:spPr>
+        <p:style>
+          <a:lnRef idx="2">
+            <a:schemeClr val="accent1">
+              <a:shade val="50000"/>
+            </a:schemeClr>
+          </a:lnRef>
+          <a:fillRef idx="1">
+            <a:schemeClr val="accent1"/>
+          </a:fillRef>
+          <a:effectRef idx="0">
+            <a:schemeClr val="accent1"/>
+          </a:effectRef>
+          <a:fontRef idx="minor">
+            <a:schemeClr val="lt1"/>
+          </a:fontRef>
+        </p:style>
+        <p:txBody>
+          <a:bodyPr rtlCol="0" anchor="ctr"/>
+          <a:lstStyle/>
+          <a:p>
+            <a:pPr algn="ctr"/>
+            <a:endParaRPr kumimoji="1" lang="ja-JP" altLang="en-US"/>
+          </a:p>
+        </p:txBody>
+      </p:sp>
+      <p:sp>
+        <p:nvSpPr>
+          <p:cNvPr id="100" name="正方形/長方形 99">
+            <a:extLst>
+              <a:ext uri="{FF2B5EF4-FFF2-40B4-BE49-F238E27FC236}">
+                <a16:creationId xmlns:a16="http://schemas.microsoft.com/office/drawing/2014/main" id="{3CBC1112-0381-184B-A5F5-7A8F6DFB38E0}"/>
+              </a:ext>
+            </a:extLst>
+          </p:cNvPr>
+          <p:cNvSpPr/>
+          <p:nvPr/>
+        </p:nvSpPr>
+        <p:spPr>
+          <a:xfrm>
+            <a:off x="1331640" y="1412776"/>
+            <a:ext cx="288032" cy="288032"/>
+          </a:xfrm>
+          <a:prstGeom prst="rect">
+            <a:avLst/>
+          </a:prstGeom>
+          <a:solidFill>
+            <a:schemeClr val="accent1">
+              <a:lumMod val="75000"/>
+            </a:schemeClr>
+          </a:solidFill>
+          <a:ln>
+            <a:solidFill>
+              <a:schemeClr val="tx1"/>
+            </a:solidFill>
+          </a:ln>
+        </p:spPr>
+        <p:style>
+          <a:lnRef idx="2">
+            <a:schemeClr val="accent1">
+              <a:shade val="50000"/>
+            </a:schemeClr>
+          </a:lnRef>
+          <a:fillRef idx="1">
+            <a:schemeClr val="accent1"/>
+          </a:fillRef>
+          <a:effectRef idx="0">
+            <a:schemeClr val="accent1"/>
+          </a:effectRef>
+          <a:fontRef idx="minor">
+            <a:schemeClr val="lt1"/>
+          </a:fontRef>
+        </p:style>
+        <p:txBody>
+          <a:bodyPr rtlCol="0" anchor="ctr"/>
+          <a:lstStyle/>
+          <a:p>
+            <a:pPr algn="ctr"/>
+            <a:endParaRPr kumimoji="1" lang="ja-JP" altLang="en-US"/>
+          </a:p>
+        </p:txBody>
+      </p:sp>
+      <p:sp>
+        <p:nvSpPr>
+          <p:cNvPr id="101" name="正方形/長方形 100">
+            <a:extLst>
+              <a:ext uri="{FF2B5EF4-FFF2-40B4-BE49-F238E27FC236}">
+                <a16:creationId xmlns:a16="http://schemas.microsoft.com/office/drawing/2014/main" id="{335D782C-3136-D84B-9CAB-D96CB3BADA4E}"/>
+              </a:ext>
+            </a:extLst>
+          </p:cNvPr>
+          <p:cNvSpPr/>
+          <p:nvPr/>
+        </p:nvSpPr>
+        <p:spPr>
+          <a:xfrm>
+            <a:off x="3347864" y="1412776"/>
+            <a:ext cx="288032" cy="288032"/>
+          </a:xfrm>
+          <a:prstGeom prst="rect">
+            <a:avLst/>
+          </a:prstGeom>
+          <a:solidFill>
+            <a:schemeClr val="accent1">
+              <a:lumMod val="60000"/>
+              <a:lumOff val="40000"/>
+            </a:schemeClr>
+          </a:solidFill>
+          <a:ln>
+            <a:solidFill>
+              <a:schemeClr val="tx1"/>
+            </a:solidFill>
+          </a:ln>
+        </p:spPr>
+        <p:style>
+          <a:lnRef idx="2">
+            <a:schemeClr val="accent1">
+              <a:shade val="50000"/>
+            </a:schemeClr>
+          </a:lnRef>
+          <a:fillRef idx="1">
+            <a:schemeClr val="accent1"/>
+          </a:fillRef>
+          <a:effectRef idx="0">
+            <a:schemeClr val="accent1"/>
+          </a:effectRef>
+          <a:fontRef idx="minor">
+            <a:schemeClr val="lt1"/>
+          </a:fontRef>
+        </p:style>
+        <p:txBody>
+          <a:bodyPr rtlCol="0" anchor="ctr"/>
+          <a:lstStyle/>
+          <a:p>
+            <a:pPr algn="ctr"/>
+            <a:endParaRPr kumimoji="1" lang="ja-JP" altLang="en-US"/>
+          </a:p>
+        </p:txBody>
+      </p:sp>
+      <p:sp>
+        <p:nvSpPr>
+          <p:cNvPr id="102" name="正方形/長方形 101">
+            <a:extLst>
+              <a:ext uri="{FF2B5EF4-FFF2-40B4-BE49-F238E27FC236}">
+                <a16:creationId xmlns:a16="http://schemas.microsoft.com/office/drawing/2014/main" id="{3246D987-FE16-484A-B56C-65D431FE0D9F}"/>
+              </a:ext>
+            </a:extLst>
+          </p:cNvPr>
+          <p:cNvSpPr/>
+          <p:nvPr/>
+        </p:nvSpPr>
+        <p:spPr>
+          <a:xfrm>
+            <a:off x="3059832" y="1412776"/>
+            <a:ext cx="288032" cy="288032"/>
+          </a:xfrm>
+          <a:prstGeom prst="rect">
+            <a:avLst/>
+          </a:prstGeom>
+          <a:solidFill>
+            <a:schemeClr val="accent1">
+              <a:lumMod val="60000"/>
+              <a:lumOff val="40000"/>
+            </a:schemeClr>
+          </a:solidFill>
+          <a:ln>
+            <a:solidFill>
+              <a:schemeClr val="tx1"/>
+            </a:solidFill>
+          </a:ln>
+        </p:spPr>
+        <p:style>
+          <a:lnRef idx="2">
+            <a:schemeClr val="accent1">
+              <a:shade val="50000"/>
+            </a:schemeClr>
+          </a:lnRef>
+          <a:fillRef idx="1">
+            <a:schemeClr val="accent1"/>
+          </a:fillRef>
+          <a:effectRef idx="0">
+            <a:schemeClr val="accent1"/>
+          </a:effectRef>
+          <a:fontRef idx="minor">
+            <a:schemeClr val="lt1"/>
+          </a:fontRef>
+        </p:style>
+        <p:txBody>
+          <a:bodyPr rtlCol="0" anchor="ctr"/>
+          <a:lstStyle/>
+          <a:p>
+            <a:pPr algn="ctr"/>
+            <a:endParaRPr kumimoji="1" lang="ja-JP" altLang="en-US"/>
+          </a:p>
+        </p:txBody>
+      </p:sp>
+      <p:sp>
+        <p:nvSpPr>
+          <p:cNvPr id="103" name="正方形/長方形 102">
+            <a:extLst>
+              <a:ext uri="{FF2B5EF4-FFF2-40B4-BE49-F238E27FC236}">
+                <a16:creationId xmlns:a16="http://schemas.microsoft.com/office/drawing/2014/main" id="{7CBB66BA-55EE-714B-8238-3FA957C4ABDE}"/>
+              </a:ext>
+            </a:extLst>
+          </p:cNvPr>
+          <p:cNvSpPr/>
+          <p:nvPr/>
+        </p:nvSpPr>
+        <p:spPr>
+          <a:xfrm>
+            <a:off x="2771800" y="1412776"/>
+            <a:ext cx="288032" cy="288032"/>
+          </a:xfrm>
+          <a:prstGeom prst="rect">
+            <a:avLst/>
+          </a:prstGeom>
+          <a:solidFill>
+            <a:schemeClr val="accent1">
+              <a:lumMod val="60000"/>
+              <a:lumOff val="40000"/>
+            </a:schemeClr>
+          </a:solidFill>
+          <a:ln>
+            <a:solidFill>
+              <a:schemeClr val="tx1"/>
+            </a:solidFill>
+          </a:ln>
+        </p:spPr>
+        <p:style>
+          <a:lnRef idx="2">
+            <a:schemeClr val="accent1">
+              <a:shade val="50000"/>
+            </a:schemeClr>
+          </a:lnRef>
+          <a:fillRef idx="1">
+            <a:schemeClr val="accent1"/>
+          </a:fillRef>
+          <a:effectRef idx="0">
+            <a:schemeClr val="accent1"/>
+          </a:effectRef>
+          <a:fontRef idx="minor">
+            <a:schemeClr val="lt1"/>
+          </a:fontRef>
+        </p:style>
+        <p:txBody>
+          <a:bodyPr rtlCol="0" anchor="ctr"/>
+          <a:lstStyle/>
+          <a:p>
+            <a:pPr algn="ctr"/>
+            <a:endParaRPr kumimoji="1" lang="ja-JP" altLang="en-US"/>
+          </a:p>
+        </p:txBody>
+      </p:sp>
+      <p:sp>
+        <p:nvSpPr>
+          <p:cNvPr id="104" name="正方形/長方形 103">
+            <a:extLst>
+              <a:ext uri="{FF2B5EF4-FFF2-40B4-BE49-F238E27FC236}">
+                <a16:creationId xmlns:a16="http://schemas.microsoft.com/office/drawing/2014/main" id="{07928169-C2DF-344C-BC74-AA34715C17B5}"/>
+              </a:ext>
+            </a:extLst>
+          </p:cNvPr>
+          <p:cNvSpPr/>
+          <p:nvPr/>
+        </p:nvSpPr>
+        <p:spPr>
+          <a:xfrm>
+            <a:off x="2483768" y="1412776"/>
+            <a:ext cx="288032" cy="288032"/>
+          </a:xfrm>
+          <a:prstGeom prst="rect">
+            <a:avLst/>
+          </a:prstGeom>
+          <a:solidFill>
+            <a:schemeClr val="accent1">
+              <a:lumMod val="60000"/>
+              <a:lumOff val="40000"/>
+            </a:schemeClr>
+          </a:solidFill>
+          <a:ln>
+            <a:solidFill>
+              <a:schemeClr val="tx1"/>
+            </a:solidFill>
+          </a:ln>
+        </p:spPr>
+        <p:style>
+          <a:lnRef idx="2">
+            <a:schemeClr val="accent1">
+              <a:shade val="50000"/>
+            </a:schemeClr>
+          </a:lnRef>
+          <a:fillRef idx="1">
+            <a:schemeClr val="accent1"/>
+          </a:fillRef>
+          <a:effectRef idx="0">
+            <a:schemeClr val="accent1"/>
+          </a:effectRef>
+          <a:fontRef idx="minor">
+            <a:schemeClr val="lt1"/>
+          </a:fontRef>
+        </p:style>
+        <p:txBody>
+          <a:bodyPr rtlCol="0" anchor="ctr"/>
+          <a:lstStyle/>
+          <a:p>
+            <a:pPr algn="ctr"/>
+            <a:endParaRPr kumimoji="1" lang="ja-JP" altLang="en-US"/>
+          </a:p>
+        </p:txBody>
+      </p:sp>
+      <p:sp>
+        <p:nvSpPr>
+          <p:cNvPr id="105" name="正方形/長方形 104">
+            <a:extLst>
+              <a:ext uri="{FF2B5EF4-FFF2-40B4-BE49-F238E27FC236}">
+                <a16:creationId xmlns:a16="http://schemas.microsoft.com/office/drawing/2014/main" id="{54AF0108-9E91-2548-A963-7023907D51F3}"/>
+              </a:ext>
+            </a:extLst>
+          </p:cNvPr>
+          <p:cNvSpPr/>
+          <p:nvPr/>
+        </p:nvSpPr>
+        <p:spPr>
+          <a:xfrm>
+            <a:off x="2195736" y="1412776"/>
+            <a:ext cx="288032" cy="288032"/>
+          </a:xfrm>
+          <a:prstGeom prst="rect">
+            <a:avLst/>
+          </a:prstGeom>
+          <a:solidFill>
+            <a:schemeClr val="accent1">
+              <a:lumMod val="75000"/>
+            </a:schemeClr>
+          </a:solidFill>
+          <a:ln>
+            <a:solidFill>
+              <a:schemeClr val="tx1"/>
+            </a:solidFill>
+          </a:ln>
+        </p:spPr>
+        <p:style>
+          <a:lnRef idx="2">
+            <a:schemeClr val="accent1">
+              <a:shade val="50000"/>
+            </a:schemeClr>
+          </a:lnRef>
+          <a:fillRef idx="1">
+            <a:schemeClr val="accent1"/>
+          </a:fillRef>
+          <a:effectRef idx="0">
+            <a:schemeClr val="accent1"/>
+          </a:effectRef>
+          <a:fontRef idx="minor">
+            <a:schemeClr val="lt1"/>
+          </a:fontRef>
+        </p:style>
+        <p:txBody>
+          <a:bodyPr rtlCol="0" anchor="ctr"/>
+          <a:lstStyle/>
+          <a:p>
+            <a:pPr algn="ctr"/>
+            <a:endParaRPr kumimoji="1" lang="ja-JP" altLang="en-US"/>
+          </a:p>
+        </p:txBody>
+      </p:sp>
+      <p:sp>
+        <p:nvSpPr>
+          <p:cNvPr id="106" name="正方形/長方形 105">
+            <a:extLst>
+              <a:ext uri="{FF2B5EF4-FFF2-40B4-BE49-F238E27FC236}">
+                <a16:creationId xmlns:a16="http://schemas.microsoft.com/office/drawing/2014/main" id="{A226CA78-5F96-7845-B828-987F7D94C6AD}"/>
+              </a:ext>
+            </a:extLst>
+          </p:cNvPr>
+          <p:cNvSpPr/>
+          <p:nvPr/>
+        </p:nvSpPr>
+        <p:spPr>
+          <a:xfrm>
+            <a:off x="1907704" y="1412776"/>
+            <a:ext cx="288032" cy="288032"/>
+          </a:xfrm>
+          <a:prstGeom prst="rect">
+            <a:avLst/>
+          </a:prstGeom>
+          <a:solidFill>
+            <a:schemeClr val="accent1">
+              <a:lumMod val="75000"/>
+            </a:schemeClr>
+          </a:solidFill>
+          <a:ln>
+            <a:solidFill>
+              <a:schemeClr val="tx1"/>
+            </a:solidFill>
+          </a:ln>
+        </p:spPr>
+        <p:style>
+          <a:lnRef idx="2">
+            <a:schemeClr val="accent1">
+              <a:shade val="50000"/>
+            </a:schemeClr>
+          </a:lnRef>
+          <a:fillRef idx="1">
+            <a:schemeClr val="accent1"/>
+          </a:fillRef>
+          <a:effectRef idx="0">
+            <a:schemeClr val="accent1"/>
+          </a:effectRef>
+          <a:fontRef idx="minor">
+            <a:schemeClr val="lt1"/>
+          </a:fontRef>
+        </p:style>
+        <p:txBody>
+          <a:bodyPr rtlCol="0" anchor="ctr"/>
+          <a:lstStyle/>
+          <a:p>
+            <a:pPr algn="ctr"/>
+            <a:endParaRPr kumimoji="1" lang="ja-JP" altLang="en-US"/>
+          </a:p>
+        </p:txBody>
+      </p:sp>
+      <p:sp>
+        <p:nvSpPr>
+          <p:cNvPr id="107" name="正方形/長方形 106">
+            <a:extLst>
+              <a:ext uri="{FF2B5EF4-FFF2-40B4-BE49-F238E27FC236}">
+                <a16:creationId xmlns:a16="http://schemas.microsoft.com/office/drawing/2014/main" id="{4650C7E6-50A1-DA40-85E6-DD9B981ADBC6}"/>
+              </a:ext>
+            </a:extLst>
+          </p:cNvPr>
+          <p:cNvSpPr/>
+          <p:nvPr/>
+        </p:nvSpPr>
+        <p:spPr>
+          <a:xfrm>
+            <a:off x="1619672" y="1412776"/>
+            <a:ext cx="288032" cy="288032"/>
+          </a:xfrm>
+          <a:prstGeom prst="rect">
+            <a:avLst/>
+          </a:prstGeom>
+          <a:solidFill>
+            <a:schemeClr val="accent1">
+              <a:lumMod val="75000"/>
+            </a:schemeClr>
+          </a:solidFill>
+          <a:ln>
+            <a:solidFill>
+              <a:schemeClr val="tx1"/>
+            </a:solidFill>
+          </a:ln>
+        </p:spPr>
+        <p:style>
+          <a:lnRef idx="2">
+            <a:schemeClr val="accent1">
+              <a:shade val="50000"/>
+            </a:schemeClr>
+          </a:lnRef>
+          <a:fillRef idx="1">
+            <a:schemeClr val="accent1"/>
+          </a:fillRef>
+          <a:effectRef idx="0">
+            <a:schemeClr val="accent1"/>
+          </a:effectRef>
+          <a:fontRef idx="minor">
+            <a:schemeClr val="lt1"/>
+          </a:fontRef>
+        </p:style>
+        <p:txBody>
+          <a:bodyPr rtlCol="0" anchor="ctr"/>
+          <a:lstStyle/>
+          <a:p>
+            <a:pPr algn="ctr"/>
+            <a:endParaRPr kumimoji="1" lang="ja-JP" altLang="en-US"/>
+          </a:p>
+        </p:txBody>
+      </p:sp>
+      <p:sp>
+        <p:nvSpPr>
+          <p:cNvPr id="108" name="テキスト ボックス 107">
+            <a:extLst>
+              <a:ext uri="{FF2B5EF4-FFF2-40B4-BE49-F238E27FC236}">
+                <a16:creationId xmlns:a16="http://schemas.microsoft.com/office/drawing/2014/main" id="{B43F89CF-A22B-0846-91D7-BAD2B720825A}"/>
+              </a:ext>
+            </a:extLst>
+          </p:cNvPr>
+          <p:cNvSpPr txBox="1"/>
+          <p:nvPr/>
+        </p:nvSpPr>
+        <p:spPr>
+          <a:xfrm>
+            <a:off x="3075709" y="249382"/>
+            <a:ext cx="2646878" cy="584775"/>
+          </a:xfrm>
+          <a:prstGeom prst="rect">
+            <a:avLst/>
+          </a:prstGeom>
+          <a:noFill/>
+        </p:spPr>
+        <p:txBody>
+          <a:bodyPr wrap="none" rtlCol="0">
+            <a:spAutoFit/>
+          </a:bodyPr>
+          <a:lstStyle/>
+          <a:p>
+            <a:r>
+              <a:rPr kumimoji="1" lang="ja-JP" altLang="en-US" sz="3200"/>
+              <a:t>空間の離散</a:t>
+            </a:r>
+            <a:r>
+              <a:rPr lang="ja-JP" altLang="en-US" sz="3200"/>
+              <a:t>化</a:t>
+            </a:r>
+            <a:endParaRPr kumimoji="1" lang="ja-JP" altLang="en-US" sz="3200"/>
+          </a:p>
+        </p:txBody>
+      </p:sp>
+    </p:spTree>
+    <p:extLst>
+      <p:ext uri="{BB962C8B-B14F-4D97-AF65-F5344CB8AC3E}">
+        <p14:creationId xmlns:p14="http://schemas.microsoft.com/office/powerpoint/2010/main" val="2451404604"/>
+      </p:ext>
+    </p:extLst>
+  </p:cSld>
+  <p:clrMapOvr>
+    <a:masterClrMapping/>
+  </p:clrMapOvr>
+</p:sld>
+</file>
+
+<file path=ppt/slides/slide4.xml><?xml version="1.0" encoding="utf-8"?>
 <p:sld xmlns:a="http://schemas.openxmlformats.org/drawingml/2006/main" xmlns:r="http://schemas.openxmlformats.org/officeDocument/2006/relationships" xmlns:p="http://schemas.openxmlformats.org/presentationml/2006/main">
   <p:cSld>
     <p:spTree>
@@ -2878,8 +9858,8 @@
           <a:lstStyle/>
           <a:p>
             <a:r>
-              <a:rPr kumimoji="1" lang="en-US" altLang="ja-JP" dirty="0"/>
-              <a:t>U</a:t>
+              <a:rPr lang="en-US" altLang="ja-JP" dirty="0"/>
+              <a:t>u</a:t>
             </a:r>
             <a:r>
               <a:rPr kumimoji="1" lang="ja-JP" altLang="en-US" dirty="0"/>
@@ -3916,15 +10896,7 @@
           <a:lstStyle/>
           <a:p>
             <a:pPr algn="ctr"/>
-            <a:r>
-              <a:rPr kumimoji="1" lang="en-US" altLang="ja-JP" sz="3200" dirty="0">
-                <a:solidFill>
-                  <a:schemeClr val="tx1"/>
-                </a:solidFill>
-              </a:rPr>
-              <a:t>-</a:t>
-            </a:r>
-            <a:endParaRPr kumimoji="1" lang="ja-JP" altLang="en-US" sz="3200" dirty="0">
+            <a:endParaRPr kumimoji="1" lang="ja-JP" altLang="en-US" dirty="0">
               <a:solidFill>
                 <a:schemeClr val="tx1"/>
               </a:solidFill>
@@ -4450,6 +11422,46 @@
               <a:t>が計算できるので、次のステップの値も計算できる</a:t>
             </a:r>
             <a:endParaRPr kumimoji="1" lang="ja-JP" altLang="en-US" dirty="0"/>
+          </a:p>
+        </p:txBody>
+      </p:sp>
+      <p:sp>
+        <p:nvSpPr>
+          <p:cNvPr id="2" name="テキスト ボックス 1">
+            <a:extLst>
+              <a:ext uri="{FF2B5EF4-FFF2-40B4-BE49-F238E27FC236}">
+                <a16:creationId xmlns:a16="http://schemas.microsoft.com/office/drawing/2014/main" id="{61207697-A974-A541-8C68-DAD8F84774B5}"/>
+              </a:ext>
+            </a:extLst>
+          </p:cNvPr>
+          <p:cNvSpPr txBox="1"/>
+          <p:nvPr/>
+        </p:nvSpPr>
+        <p:spPr>
+          <a:xfrm>
+            <a:off x="6359236" y="4821380"/>
+            <a:ext cx="492443" cy="584775"/>
+          </a:xfrm>
+          <a:prstGeom prst="rect">
+            <a:avLst/>
+          </a:prstGeom>
+          <a:noFill/>
+        </p:spPr>
+        <p:txBody>
+          <a:bodyPr wrap="none" rtlCol="0">
+            <a:spAutoFit/>
+          </a:bodyPr>
+          <a:lstStyle/>
+          <a:p>
+            <a:r>
+              <a:rPr kumimoji="1" lang="en-US" altLang="ja-JP" sz="3200"/>
+              <a:t>-</a:t>
+            </a:r>
+            <a:r>
+              <a:rPr kumimoji="1" lang="en-US" altLang="ja-JP" sz="2800"/>
+              <a:t>4</a:t>
+            </a:r>
+            <a:endParaRPr kumimoji="1" lang="ja-JP" altLang="en-US" sz="3200"/>
           </a:p>
         </p:txBody>
       </p:sp>

--- a/simulation/fig/fig.pptx
+++ b/simulation/fig/fig.pptx
@@ -5,10 +5,12 @@
     <p:sldMasterId id="2147483660" r:id="rId1"/>
   </p:sldMasterIdLst>
   <p:sldIdLst>
-    <p:sldId id="257" r:id="rId2"/>
-    <p:sldId id="258" r:id="rId3"/>
-    <p:sldId id="259" r:id="rId4"/>
-    <p:sldId id="256" r:id="rId5"/>
+    <p:sldId id="260" r:id="rId2"/>
+    <p:sldId id="257" r:id="rId3"/>
+    <p:sldId id="261" r:id="rId4"/>
+    <p:sldId id="258" r:id="rId5"/>
+    <p:sldId id="259" r:id="rId6"/>
+    <p:sldId id="256" r:id="rId7"/>
   </p:sldIdLst>
   <p:sldSz cx="9144000" cy="6858000" type="screen4x3"/>
   <p:notesSz cx="6858000" cy="9144000"/>
@@ -489,6 +491,2360 @@
           <a:chExt cx="0" cy="0"/>
         </a:xfrm>
       </p:grpSpPr>
+      <p:sp>
+        <p:nvSpPr>
+          <p:cNvPr id="2" name="円/楕円 1">
+            <a:extLst>
+              <a:ext uri="{FF2B5EF4-FFF2-40B4-BE49-F238E27FC236}">
+                <a16:creationId xmlns:a16="http://schemas.microsoft.com/office/drawing/2014/main" id="{30CC138C-E4C9-ED45-8046-30DE8905E3ED}"/>
+              </a:ext>
+            </a:extLst>
+          </p:cNvPr>
+          <p:cNvSpPr/>
+          <p:nvPr/>
+        </p:nvSpPr>
+        <p:spPr>
+          <a:xfrm>
+            <a:off x="1908551" y="2413356"/>
+            <a:ext cx="432048" cy="432048"/>
+          </a:xfrm>
+          <a:prstGeom prst="ellipse">
+            <a:avLst/>
+          </a:prstGeom>
+          <a:noFill/>
+          <a:ln>
+            <a:solidFill>
+              <a:schemeClr val="tx1"/>
+            </a:solidFill>
+          </a:ln>
+        </p:spPr>
+        <p:style>
+          <a:lnRef idx="2">
+            <a:schemeClr val="accent1">
+              <a:shade val="50000"/>
+            </a:schemeClr>
+          </a:lnRef>
+          <a:fillRef idx="1">
+            <a:schemeClr val="accent1"/>
+          </a:fillRef>
+          <a:effectRef idx="0">
+            <a:schemeClr val="accent1"/>
+          </a:effectRef>
+          <a:fontRef idx="minor">
+            <a:schemeClr val="lt1"/>
+          </a:fontRef>
+        </p:style>
+        <p:txBody>
+          <a:bodyPr rtlCol="0" anchor="ctr"/>
+          <a:lstStyle/>
+          <a:p>
+            <a:pPr algn="ctr"/>
+            <a:endParaRPr kumimoji="1" lang="ja-JP" altLang="en-US"/>
+          </a:p>
+        </p:txBody>
+      </p:sp>
+      <p:cxnSp>
+        <p:nvCxnSpPr>
+          <p:cNvPr id="3" name="直線矢印コネクタ 2">
+            <a:extLst>
+              <a:ext uri="{FF2B5EF4-FFF2-40B4-BE49-F238E27FC236}">
+                <a16:creationId xmlns:a16="http://schemas.microsoft.com/office/drawing/2014/main" id="{4A3479B5-266F-0843-80DD-A56ED875077A}"/>
+              </a:ext>
+            </a:extLst>
+          </p:cNvPr>
+          <p:cNvCxnSpPr>
+            <a:cxnSpLocks/>
+          </p:cNvCxnSpPr>
+          <p:nvPr/>
+        </p:nvCxnSpPr>
+        <p:spPr>
+          <a:xfrm flipV="1">
+            <a:off x="2124575" y="685164"/>
+            <a:ext cx="1728192" cy="1944216"/>
+          </a:xfrm>
+          <a:prstGeom prst="straightConnector1">
+            <a:avLst/>
+          </a:prstGeom>
+          <a:ln w="25400">
+            <a:solidFill>
+              <a:schemeClr val="tx1"/>
+            </a:solidFill>
+            <a:tailEnd type="triangle"/>
+          </a:ln>
+        </p:spPr>
+        <p:style>
+          <a:lnRef idx="1">
+            <a:schemeClr val="accent1"/>
+          </a:lnRef>
+          <a:fillRef idx="0">
+            <a:schemeClr val="accent1"/>
+          </a:fillRef>
+          <a:effectRef idx="0">
+            <a:schemeClr val="accent1"/>
+          </a:effectRef>
+          <a:fontRef idx="minor">
+            <a:schemeClr val="tx1"/>
+          </a:fontRef>
+        </p:style>
+      </p:cxnSp>
+      <p:cxnSp>
+        <p:nvCxnSpPr>
+          <p:cNvPr id="4" name="直線矢印コネクタ 3">
+            <a:extLst>
+              <a:ext uri="{FF2B5EF4-FFF2-40B4-BE49-F238E27FC236}">
+                <a16:creationId xmlns:a16="http://schemas.microsoft.com/office/drawing/2014/main" id="{B1220B92-35F9-2945-BAD7-F312036F4128}"/>
+              </a:ext>
+            </a:extLst>
+          </p:cNvPr>
+          <p:cNvCxnSpPr>
+            <a:cxnSpLocks/>
+          </p:cNvCxnSpPr>
+          <p:nvPr/>
+        </p:nvCxnSpPr>
+        <p:spPr>
+          <a:xfrm flipH="1">
+            <a:off x="1260479" y="2629380"/>
+            <a:ext cx="864096" cy="936104"/>
+          </a:xfrm>
+          <a:prstGeom prst="straightConnector1">
+            <a:avLst/>
+          </a:prstGeom>
+          <a:ln w="25400">
+            <a:solidFill>
+              <a:srgbClr val="FF0000"/>
+            </a:solidFill>
+            <a:tailEnd type="triangle"/>
+          </a:ln>
+        </p:spPr>
+        <p:style>
+          <a:lnRef idx="1">
+            <a:schemeClr val="accent1"/>
+          </a:lnRef>
+          <a:fillRef idx="0">
+            <a:schemeClr val="accent1"/>
+          </a:fillRef>
+          <a:effectRef idx="0">
+            <a:schemeClr val="accent1"/>
+          </a:effectRef>
+          <a:fontRef idx="minor">
+            <a:schemeClr val="tx1"/>
+          </a:fontRef>
+        </p:style>
+      </p:cxnSp>
+      <p:sp>
+        <p:nvSpPr>
+          <p:cNvPr id="5" name="テキスト ボックス 4">
+            <a:extLst>
+              <a:ext uri="{FF2B5EF4-FFF2-40B4-BE49-F238E27FC236}">
+                <a16:creationId xmlns:a16="http://schemas.microsoft.com/office/drawing/2014/main" id="{2CC69952-4092-B64E-A1B2-4D1343309FB5}"/>
+              </a:ext>
+            </a:extLst>
+          </p:cNvPr>
+          <p:cNvSpPr txBox="1"/>
+          <p:nvPr/>
+        </p:nvSpPr>
+        <p:spPr>
+          <a:xfrm>
+            <a:off x="891310" y="161635"/>
+            <a:ext cx="2339102" cy="461665"/>
+          </a:xfrm>
+          <a:prstGeom prst="rect">
+            <a:avLst/>
+          </a:prstGeom>
+          <a:noFill/>
+        </p:spPr>
+        <p:txBody>
+          <a:bodyPr wrap="none" rtlCol="0">
+            <a:spAutoFit/>
+          </a:bodyPr>
+          <a:lstStyle/>
+          <a:p>
+            <a:r>
+              <a:rPr kumimoji="1" lang="ja-JP" altLang="en-US" sz="2400"/>
+              <a:t>物体にかかる力</a:t>
+            </a:r>
+          </a:p>
+        </p:txBody>
+      </p:sp>
+      <p:sp>
+        <p:nvSpPr>
+          <p:cNvPr id="6" name="テキスト ボックス 5">
+            <a:extLst>
+              <a:ext uri="{FF2B5EF4-FFF2-40B4-BE49-F238E27FC236}">
+                <a16:creationId xmlns:a16="http://schemas.microsoft.com/office/drawing/2014/main" id="{79D81FE5-06E4-9149-923F-7651911125EF}"/>
+              </a:ext>
+            </a:extLst>
+          </p:cNvPr>
+          <p:cNvSpPr txBox="1"/>
+          <p:nvPr/>
+        </p:nvSpPr>
+        <p:spPr>
+          <a:xfrm>
+            <a:off x="2269975" y="1242684"/>
+            <a:ext cx="646331" cy="369332"/>
+          </a:xfrm>
+          <a:prstGeom prst="rect">
+            <a:avLst/>
+          </a:prstGeom>
+          <a:noFill/>
+        </p:spPr>
+        <p:txBody>
+          <a:bodyPr wrap="none" rtlCol="0">
+            <a:spAutoFit/>
+          </a:bodyPr>
+          <a:lstStyle/>
+          <a:p>
+            <a:r>
+              <a:rPr kumimoji="1" lang="ja-JP" altLang="en-US"/>
+              <a:t>速度</a:t>
+            </a:r>
+          </a:p>
+        </p:txBody>
+      </p:sp>
+      <mc:AlternateContent xmlns:mc="http://schemas.openxmlformats.org/markup-compatibility/2006">
+        <mc:Choice xmlns:a14="http://schemas.microsoft.com/office/drawing/2010/main" Requires="a14">
+          <p:sp>
+            <p:nvSpPr>
+              <p:cNvPr id="7" name="テキスト ボックス 6">
+                <a:extLst>
+                  <a:ext uri="{FF2B5EF4-FFF2-40B4-BE49-F238E27FC236}">
+                    <a16:creationId xmlns:a16="http://schemas.microsoft.com/office/drawing/2014/main" id="{D45FB8CE-C4FA-E446-914E-0CFD30EC7218}"/>
+                  </a:ext>
+                </a:extLst>
+              </p:cNvPr>
+              <p:cNvSpPr txBox="1"/>
+              <p:nvPr/>
+            </p:nvSpPr>
+            <p:spPr>
+              <a:xfrm>
+                <a:off x="2846039" y="1253717"/>
+                <a:ext cx="204671" cy="307777"/>
+              </a:xfrm>
+              <a:prstGeom prst="rect">
+                <a:avLst/>
+              </a:prstGeom>
+              <a:noFill/>
+            </p:spPr>
+            <p:txBody>
+              <a:bodyPr wrap="none" lIns="0" tIns="0" rIns="0" bIns="0" rtlCol="0">
+                <a:spAutoFit/>
+              </a:bodyPr>
+              <a:lstStyle/>
+              <a:p>
+                <a:pPr/>
+                <a14:m>
+                  <m:oMathPara xmlns:m="http://schemas.openxmlformats.org/officeDocument/2006/math">
+                    <m:oMathParaPr>
+                      <m:jc m:val="centerGroup"/>
+                    </m:oMathParaPr>
+                    <m:oMath xmlns:m="http://schemas.openxmlformats.org/officeDocument/2006/math">
+                      <m:r>
+                        <a:rPr kumimoji="1" lang="en-US" altLang="ja-JP" sz="2000" b="0" i="1">
+                          <a:latin typeface="Cambria Math" panose="02040503050406030204" pitchFamily="18" charset="0"/>
+                        </a:rPr>
+                        <m:t>𝑣</m:t>
+                      </m:r>
+                    </m:oMath>
+                  </m:oMathPara>
+                </a14:m>
+                <a:endParaRPr kumimoji="1" lang="ja-JP" altLang="en-US" sz="2000"/>
+              </a:p>
+            </p:txBody>
+          </p:sp>
+        </mc:Choice>
+        <mc:Fallback>
+          <p:sp>
+            <p:nvSpPr>
+              <p:cNvPr id="7" name="テキスト ボックス 6">
+                <a:extLst>
+                  <a:ext uri="{FF2B5EF4-FFF2-40B4-BE49-F238E27FC236}">
+                    <a16:creationId xmlns:a16="http://schemas.microsoft.com/office/drawing/2014/main" id="{D45FB8CE-C4FA-E446-914E-0CFD30EC7218}"/>
+                  </a:ext>
+                </a:extLst>
+              </p:cNvPr>
+              <p:cNvSpPr txBox="1">
+                <a:spLocks noRot="1" noChangeAspect="1" noMove="1" noResize="1" noEditPoints="1" noAdjustHandles="1" noChangeArrowheads="1" noChangeShapeType="1" noTextEdit="1"/>
+              </p:cNvSpPr>
+              <p:nvPr/>
+            </p:nvSpPr>
+            <p:spPr>
+              <a:xfrm>
+                <a:off x="2846039" y="1253717"/>
+                <a:ext cx="204671" cy="307777"/>
+              </a:xfrm>
+              <a:prstGeom prst="rect">
+                <a:avLst/>
+              </a:prstGeom>
+              <a:blipFill>
+                <a:blip r:embed="rId2"/>
+                <a:stretch>
+                  <a:fillRect l="-11765" r="-11765"/>
+                </a:stretch>
+              </a:blipFill>
+            </p:spPr>
+            <p:txBody>
+              <a:bodyPr/>
+              <a:lstStyle/>
+              <a:p>
+                <a:r>
+                  <a:rPr lang="ja-JP" altLang="en-US">
+                    <a:noFill/>
+                  </a:rPr>
+                  <a:t> </a:t>
+                </a:r>
+              </a:p>
+            </p:txBody>
+          </p:sp>
+        </mc:Fallback>
+      </mc:AlternateContent>
+      <p:sp>
+        <p:nvSpPr>
+          <p:cNvPr id="8" name="テキスト ボックス 7">
+            <a:extLst>
+              <a:ext uri="{FF2B5EF4-FFF2-40B4-BE49-F238E27FC236}">
+                <a16:creationId xmlns:a16="http://schemas.microsoft.com/office/drawing/2014/main" id="{373361F3-D8F2-DA44-A50D-368070C4B4EE}"/>
+              </a:ext>
+            </a:extLst>
+          </p:cNvPr>
+          <p:cNvSpPr txBox="1"/>
+          <p:nvPr/>
+        </p:nvSpPr>
+        <p:spPr>
+          <a:xfrm>
+            <a:off x="391299" y="2886757"/>
+            <a:ext cx="877163" cy="369332"/>
+          </a:xfrm>
+          <a:prstGeom prst="rect">
+            <a:avLst/>
+          </a:prstGeom>
+          <a:noFill/>
+        </p:spPr>
+        <p:txBody>
+          <a:bodyPr wrap="none" rtlCol="0">
+            <a:spAutoFit/>
+          </a:bodyPr>
+          <a:lstStyle/>
+          <a:p>
+            <a:r>
+              <a:rPr kumimoji="1" lang="ja-JP" altLang="en-US">
+                <a:solidFill>
+                  <a:srgbClr val="FF0000"/>
+                </a:solidFill>
+              </a:rPr>
+              <a:t>抵抗力</a:t>
+            </a:r>
+          </a:p>
+        </p:txBody>
+      </p:sp>
+      <mc:AlternateContent xmlns:mc="http://schemas.openxmlformats.org/markup-compatibility/2006">
+        <mc:Choice xmlns:a14="http://schemas.microsoft.com/office/drawing/2010/main" Requires="a14">
+          <p:sp>
+            <p:nvSpPr>
+              <p:cNvPr id="9" name="テキスト ボックス 8">
+                <a:extLst>
+                  <a:ext uri="{FF2B5EF4-FFF2-40B4-BE49-F238E27FC236}">
+                    <a16:creationId xmlns:a16="http://schemas.microsoft.com/office/drawing/2014/main" id="{2CEA3B29-8DEC-2240-B78E-DF565C2BBF97}"/>
+                  </a:ext>
+                </a:extLst>
+              </p:cNvPr>
+              <p:cNvSpPr txBox="1"/>
+              <p:nvPr/>
+            </p:nvSpPr>
+            <p:spPr>
+              <a:xfrm>
+                <a:off x="1190883" y="2877470"/>
+                <a:ext cx="339324" cy="307777"/>
+              </a:xfrm>
+              <a:prstGeom prst="rect">
+                <a:avLst/>
+              </a:prstGeom>
+              <a:noFill/>
+            </p:spPr>
+            <p:txBody>
+              <a:bodyPr wrap="none" lIns="0" tIns="0" rIns="0" bIns="0" rtlCol="0">
+                <a:spAutoFit/>
+              </a:bodyPr>
+              <a:lstStyle/>
+              <a:p>
+                <a:pPr/>
+                <a14:m>
+                  <m:oMathPara xmlns:m="http://schemas.openxmlformats.org/officeDocument/2006/math">
+                    <m:oMathParaPr>
+                      <m:jc m:val="centerGroup"/>
+                    </m:oMathParaPr>
+                    <m:oMath xmlns:m="http://schemas.openxmlformats.org/officeDocument/2006/math">
+                      <m:r>
+                        <a:rPr kumimoji="1" lang="en-US" altLang="ja-JP" sz="2000" b="0" i="1">
+                          <a:solidFill>
+                            <a:srgbClr val="FF0000"/>
+                          </a:solidFill>
+                          <a:latin typeface="Cambria Math" panose="02040503050406030204" pitchFamily="18" charset="0"/>
+                          <a:ea typeface="Cambria Math" panose="02040503050406030204" pitchFamily="18" charset="0"/>
+                        </a:rPr>
+                        <m:t>𝛾</m:t>
+                      </m:r>
+                      <m:r>
+                        <a:rPr kumimoji="1" lang="en-US" altLang="ja-JP" sz="2000" b="0" i="1">
+                          <a:solidFill>
+                            <a:srgbClr val="FF0000"/>
+                          </a:solidFill>
+                          <a:latin typeface="Cambria Math" panose="02040503050406030204" pitchFamily="18" charset="0"/>
+                        </a:rPr>
+                        <m:t>𝑣</m:t>
+                      </m:r>
+                    </m:oMath>
+                  </m:oMathPara>
+                </a14:m>
+                <a:endParaRPr kumimoji="1" lang="ja-JP" altLang="en-US" sz="2000">
+                  <a:solidFill>
+                    <a:srgbClr val="FF0000"/>
+                  </a:solidFill>
+                </a:endParaRPr>
+              </a:p>
+            </p:txBody>
+          </p:sp>
+        </mc:Choice>
+        <mc:Fallback>
+          <p:sp>
+            <p:nvSpPr>
+              <p:cNvPr id="9" name="テキスト ボックス 8">
+                <a:extLst>
+                  <a:ext uri="{FF2B5EF4-FFF2-40B4-BE49-F238E27FC236}">
+                    <a16:creationId xmlns:a16="http://schemas.microsoft.com/office/drawing/2014/main" id="{2CEA3B29-8DEC-2240-B78E-DF565C2BBF97}"/>
+                  </a:ext>
+                </a:extLst>
+              </p:cNvPr>
+              <p:cNvSpPr txBox="1">
+                <a:spLocks noRot="1" noChangeAspect="1" noMove="1" noResize="1" noEditPoints="1" noAdjustHandles="1" noChangeArrowheads="1" noChangeShapeType="1" noTextEdit="1"/>
+              </p:cNvSpPr>
+              <p:nvPr/>
+            </p:nvSpPr>
+            <p:spPr>
+              <a:xfrm>
+                <a:off x="1190883" y="2877470"/>
+                <a:ext cx="339324" cy="307777"/>
+              </a:xfrm>
+              <a:prstGeom prst="rect">
+                <a:avLst/>
+              </a:prstGeom>
+              <a:blipFill>
+                <a:blip r:embed="rId3"/>
+                <a:stretch>
+                  <a:fillRect l="-14815" r="-7407" b="-20000"/>
+                </a:stretch>
+              </a:blipFill>
+            </p:spPr>
+            <p:txBody>
+              <a:bodyPr/>
+              <a:lstStyle/>
+              <a:p>
+                <a:r>
+                  <a:rPr lang="ja-JP" altLang="en-US">
+                    <a:noFill/>
+                  </a:rPr>
+                  <a:t> </a:t>
+                </a:r>
+              </a:p>
+            </p:txBody>
+          </p:sp>
+        </mc:Fallback>
+      </mc:AlternateContent>
+      <p:sp>
+        <p:nvSpPr>
+          <p:cNvPr id="10" name="円/楕円 9">
+            <a:extLst>
+              <a:ext uri="{FF2B5EF4-FFF2-40B4-BE49-F238E27FC236}">
+                <a16:creationId xmlns:a16="http://schemas.microsoft.com/office/drawing/2014/main" id="{2D38DD19-8F75-B14F-9B8F-264E93E9F460}"/>
+              </a:ext>
+            </a:extLst>
+          </p:cNvPr>
+          <p:cNvSpPr/>
+          <p:nvPr/>
+        </p:nvSpPr>
+        <p:spPr>
+          <a:xfrm>
+            <a:off x="6601547" y="2548207"/>
+            <a:ext cx="432048" cy="432048"/>
+          </a:xfrm>
+          <a:prstGeom prst="ellipse">
+            <a:avLst/>
+          </a:prstGeom>
+          <a:noFill/>
+          <a:ln>
+            <a:solidFill>
+              <a:schemeClr val="tx1"/>
+            </a:solidFill>
+          </a:ln>
+        </p:spPr>
+        <p:style>
+          <a:lnRef idx="2">
+            <a:schemeClr val="accent1">
+              <a:shade val="50000"/>
+            </a:schemeClr>
+          </a:lnRef>
+          <a:fillRef idx="1">
+            <a:schemeClr val="accent1"/>
+          </a:fillRef>
+          <a:effectRef idx="0">
+            <a:schemeClr val="accent1"/>
+          </a:effectRef>
+          <a:fontRef idx="minor">
+            <a:schemeClr val="lt1"/>
+          </a:fontRef>
+        </p:style>
+        <p:txBody>
+          <a:bodyPr rtlCol="0" anchor="ctr"/>
+          <a:lstStyle/>
+          <a:p>
+            <a:pPr algn="ctr"/>
+            <a:endParaRPr kumimoji="1" lang="ja-JP" altLang="en-US"/>
+          </a:p>
+        </p:txBody>
+      </p:sp>
+      <p:cxnSp>
+        <p:nvCxnSpPr>
+          <p:cNvPr id="11" name="直線コネクタ 10">
+            <a:extLst>
+              <a:ext uri="{FF2B5EF4-FFF2-40B4-BE49-F238E27FC236}">
+                <a16:creationId xmlns:a16="http://schemas.microsoft.com/office/drawing/2014/main" id="{C75C6E76-0874-2F4A-AE3C-7B2D288EFEAC}"/>
+              </a:ext>
+            </a:extLst>
+          </p:cNvPr>
+          <p:cNvCxnSpPr>
+            <a:cxnSpLocks/>
+          </p:cNvCxnSpPr>
+          <p:nvPr/>
+        </p:nvCxnSpPr>
+        <p:spPr>
+          <a:xfrm>
+            <a:off x="6817571" y="2764231"/>
+            <a:ext cx="1728192" cy="0"/>
+          </a:xfrm>
+          <a:prstGeom prst="line">
+            <a:avLst/>
+          </a:prstGeom>
+          <a:ln w="25400">
+            <a:solidFill>
+              <a:schemeClr val="tx1"/>
+            </a:solidFill>
+            <a:tailEnd type="triangle"/>
+          </a:ln>
+        </p:spPr>
+        <p:style>
+          <a:lnRef idx="1">
+            <a:schemeClr val="accent1"/>
+          </a:lnRef>
+          <a:fillRef idx="0">
+            <a:schemeClr val="accent1"/>
+          </a:fillRef>
+          <a:effectRef idx="0">
+            <a:schemeClr val="accent1"/>
+          </a:effectRef>
+          <a:fontRef idx="minor">
+            <a:schemeClr val="tx1"/>
+          </a:fontRef>
+        </p:style>
+      </p:cxnSp>
+      <p:cxnSp>
+        <p:nvCxnSpPr>
+          <p:cNvPr id="12" name="直線矢印コネクタ 11">
+            <a:extLst>
+              <a:ext uri="{FF2B5EF4-FFF2-40B4-BE49-F238E27FC236}">
+                <a16:creationId xmlns:a16="http://schemas.microsoft.com/office/drawing/2014/main" id="{B68BE147-DAC2-8F4F-BF3A-B6BB9F2663FD}"/>
+              </a:ext>
+            </a:extLst>
+          </p:cNvPr>
+          <p:cNvCxnSpPr>
+            <a:cxnSpLocks/>
+          </p:cNvCxnSpPr>
+          <p:nvPr/>
+        </p:nvCxnSpPr>
+        <p:spPr>
+          <a:xfrm flipV="1">
+            <a:off x="6817571" y="820015"/>
+            <a:ext cx="0" cy="1944216"/>
+          </a:xfrm>
+          <a:prstGeom prst="straightConnector1">
+            <a:avLst/>
+          </a:prstGeom>
+          <a:ln w="25400">
+            <a:solidFill>
+              <a:schemeClr val="tx1"/>
+            </a:solidFill>
+            <a:tailEnd type="triangle"/>
+          </a:ln>
+        </p:spPr>
+        <p:style>
+          <a:lnRef idx="1">
+            <a:schemeClr val="accent1"/>
+          </a:lnRef>
+          <a:fillRef idx="0">
+            <a:schemeClr val="accent1"/>
+          </a:fillRef>
+          <a:effectRef idx="0">
+            <a:schemeClr val="accent1"/>
+          </a:effectRef>
+          <a:fontRef idx="minor">
+            <a:schemeClr val="tx1"/>
+          </a:fontRef>
+        </p:style>
+      </p:cxnSp>
+      <p:cxnSp>
+        <p:nvCxnSpPr>
+          <p:cNvPr id="13" name="直線矢印コネクタ 12">
+            <a:extLst>
+              <a:ext uri="{FF2B5EF4-FFF2-40B4-BE49-F238E27FC236}">
+                <a16:creationId xmlns:a16="http://schemas.microsoft.com/office/drawing/2014/main" id="{CBC436C6-F533-6C4A-A336-8B48BC823420}"/>
+              </a:ext>
+            </a:extLst>
+          </p:cNvPr>
+          <p:cNvCxnSpPr>
+            <a:cxnSpLocks/>
+          </p:cNvCxnSpPr>
+          <p:nvPr/>
+        </p:nvCxnSpPr>
+        <p:spPr>
+          <a:xfrm flipV="1">
+            <a:off x="6817571" y="820015"/>
+            <a:ext cx="1728192" cy="1944216"/>
+          </a:xfrm>
+          <a:prstGeom prst="straightConnector1">
+            <a:avLst/>
+          </a:prstGeom>
+          <a:ln w="25400">
+            <a:solidFill>
+              <a:schemeClr val="tx1"/>
+            </a:solidFill>
+            <a:tailEnd type="triangle"/>
+          </a:ln>
+        </p:spPr>
+        <p:style>
+          <a:lnRef idx="1">
+            <a:schemeClr val="accent1"/>
+          </a:lnRef>
+          <a:fillRef idx="0">
+            <a:schemeClr val="accent1"/>
+          </a:fillRef>
+          <a:effectRef idx="0">
+            <a:schemeClr val="accent1"/>
+          </a:effectRef>
+          <a:fontRef idx="minor">
+            <a:schemeClr val="tx1"/>
+          </a:fontRef>
+        </p:style>
+      </p:cxnSp>
+      <p:cxnSp>
+        <p:nvCxnSpPr>
+          <p:cNvPr id="14" name="直線矢印コネクタ 13">
+            <a:extLst>
+              <a:ext uri="{FF2B5EF4-FFF2-40B4-BE49-F238E27FC236}">
+                <a16:creationId xmlns:a16="http://schemas.microsoft.com/office/drawing/2014/main" id="{08CC4CB2-53BD-BD4E-9CDC-51B9C9CBAA94}"/>
+              </a:ext>
+            </a:extLst>
+          </p:cNvPr>
+          <p:cNvCxnSpPr>
+            <a:cxnSpLocks/>
+          </p:cNvCxnSpPr>
+          <p:nvPr/>
+        </p:nvCxnSpPr>
+        <p:spPr>
+          <a:xfrm>
+            <a:off x="6817571" y="2764231"/>
+            <a:ext cx="0" cy="1008112"/>
+          </a:xfrm>
+          <a:prstGeom prst="straightConnector1">
+            <a:avLst/>
+          </a:prstGeom>
+          <a:ln w="25400">
+            <a:solidFill>
+              <a:srgbClr val="FF0000"/>
+            </a:solidFill>
+            <a:tailEnd type="triangle"/>
+          </a:ln>
+        </p:spPr>
+        <p:style>
+          <a:lnRef idx="1">
+            <a:schemeClr val="accent1"/>
+          </a:lnRef>
+          <a:fillRef idx="0">
+            <a:schemeClr val="accent1"/>
+          </a:fillRef>
+          <a:effectRef idx="0">
+            <a:schemeClr val="accent1"/>
+          </a:effectRef>
+          <a:fontRef idx="minor">
+            <a:schemeClr val="tx1"/>
+          </a:fontRef>
+        </p:style>
+      </p:cxnSp>
+      <p:cxnSp>
+        <p:nvCxnSpPr>
+          <p:cNvPr id="15" name="直線コネクタ 14">
+            <a:extLst>
+              <a:ext uri="{FF2B5EF4-FFF2-40B4-BE49-F238E27FC236}">
+                <a16:creationId xmlns:a16="http://schemas.microsoft.com/office/drawing/2014/main" id="{04F291A0-0A50-7749-B79A-1B2A1AD97DB7}"/>
+              </a:ext>
+            </a:extLst>
+          </p:cNvPr>
+          <p:cNvCxnSpPr>
+            <a:cxnSpLocks/>
+          </p:cNvCxnSpPr>
+          <p:nvPr/>
+        </p:nvCxnSpPr>
+        <p:spPr>
+          <a:xfrm flipH="1">
+            <a:off x="5953475" y="2764231"/>
+            <a:ext cx="872480" cy="0"/>
+          </a:xfrm>
+          <a:prstGeom prst="line">
+            <a:avLst/>
+          </a:prstGeom>
+          <a:ln w="25400">
+            <a:solidFill>
+              <a:srgbClr val="FF0000"/>
+            </a:solidFill>
+            <a:tailEnd type="triangle"/>
+          </a:ln>
+        </p:spPr>
+        <p:style>
+          <a:lnRef idx="1">
+            <a:schemeClr val="accent1"/>
+          </a:lnRef>
+          <a:fillRef idx="0">
+            <a:schemeClr val="accent1"/>
+          </a:fillRef>
+          <a:effectRef idx="0">
+            <a:schemeClr val="accent1"/>
+          </a:effectRef>
+          <a:fontRef idx="minor">
+            <a:schemeClr val="tx1"/>
+          </a:fontRef>
+        </p:style>
+      </p:cxnSp>
+      <p:cxnSp>
+        <p:nvCxnSpPr>
+          <p:cNvPr id="16" name="直線矢印コネクタ 15">
+            <a:extLst>
+              <a:ext uri="{FF2B5EF4-FFF2-40B4-BE49-F238E27FC236}">
+                <a16:creationId xmlns:a16="http://schemas.microsoft.com/office/drawing/2014/main" id="{C003031D-D1F1-D749-AC39-15322F11DEEA}"/>
+              </a:ext>
+            </a:extLst>
+          </p:cNvPr>
+          <p:cNvCxnSpPr>
+            <a:cxnSpLocks/>
+          </p:cNvCxnSpPr>
+          <p:nvPr/>
+        </p:nvCxnSpPr>
+        <p:spPr>
+          <a:xfrm flipH="1">
+            <a:off x="5953475" y="2764231"/>
+            <a:ext cx="864096" cy="936104"/>
+          </a:xfrm>
+          <a:prstGeom prst="straightConnector1">
+            <a:avLst/>
+          </a:prstGeom>
+          <a:ln w="25400">
+            <a:solidFill>
+              <a:srgbClr val="FF0000"/>
+            </a:solidFill>
+            <a:tailEnd type="triangle"/>
+          </a:ln>
+        </p:spPr>
+        <p:style>
+          <a:lnRef idx="1">
+            <a:schemeClr val="accent1"/>
+          </a:lnRef>
+          <a:fillRef idx="0">
+            <a:schemeClr val="accent1"/>
+          </a:fillRef>
+          <a:effectRef idx="0">
+            <a:schemeClr val="accent1"/>
+          </a:effectRef>
+          <a:fontRef idx="minor">
+            <a:schemeClr val="tx1"/>
+          </a:fontRef>
+        </p:style>
+      </p:cxnSp>
+      <p:sp>
+        <p:nvSpPr>
+          <p:cNvPr id="17" name="テキスト ボックス 16">
+            <a:extLst>
+              <a:ext uri="{FF2B5EF4-FFF2-40B4-BE49-F238E27FC236}">
+                <a16:creationId xmlns:a16="http://schemas.microsoft.com/office/drawing/2014/main" id="{FFC3A649-23EC-574E-B1E8-D9BE628B2BE6}"/>
+              </a:ext>
+            </a:extLst>
+          </p:cNvPr>
+          <p:cNvSpPr txBox="1"/>
+          <p:nvPr/>
+        </p:nvSpPr>
+        <p:spPr>
+          <a:xfrm>
+            <a:off x="7897691" y="1540095"/>
+            <a:ext cx="646331" cy="369332"/>
+          </a:xfrm>
+          <a:prstGeom prst="rect">
+            <a:avLst/>
+          </a:prstGeom>
+          <a:noFill/>
+        </p:spPr>
+        <p:txBody>
+          <a:bodyPr wrap="none" rtlCol="0">
+            <a:spAutoFit/>
+          </a:bodyPr>
+          <a:lstStyle/>
+          <a:p>
+            <a:r>
+              <a:rPr kumimoji="1" lang="ja-JP" altLang="en-US"/>
+              <a:t>速度</a:t>
+            </a:r>
+          </a:p>
+        </p:txBody>
+      </p:sp>
+      <mc:AlternateContent xmlns:mc="http://schemas.openxmlformats.org/markup-compatibility/2006">
+        <mc:Choice xmlns:a14="http://schemas.microsoft.com/office/drawing/2010/main" Requires="a14">
+          <p:sp>
+            <p:nvSpPr>
+              <p:cNvPr id="18" name="テキスト ボックス 17">
+                <a:extLst>
+                  <a:ext uri="{FF2B5EF4-FFF2-40B4-BE49-F238E27FC236}">
+                    <a16:creationId xmlns:a16="http://schemas.microsoft.com/office/drawing/2014/main" id="{544D43D4-81D8-1446-B5D3-7958C2311418}"/>
+                  </a:ext>
+                </a:extLst>
+              </p:cNvPr>
+              <p:cNvSpPr txBox="1"/>
+              <p:nvPr/>
+            </p:nvSpPr>
+            <p:spPr>
+              <a:xfrm>
+                <a:off x="8473755" y="1551128"/>
+                <a:ext cx="204671" cy="307777"/>
+              </a:xfrm>
+              <a:prstGeom prst="rect">
+                <a:avLst/>
+              </a:prstGeom>
+              <a:noFill/>
+            </p:spPr>
+            <p:txBody>
+              <a:bodyPr wrap="none" lIns="0" tIns="0" rIns="0" bIns="0" rtlCol="0">
+                <a:spAutoFit/>
+              </a:bodyPr>
+              <a:lstStyle/>
+              <a:p>
+                <a:pPr/>
+                <a14:m>
+                  <m:oMathPara xmlns:m="http://schemas.openxmlformats.org/officeDocument/2006/math">
+                    <m:oMathParaPr>
+                      <m:jc m:val="centerGroup"/>
+                    </m:oMathParaPr>
+                    <m:oMath xmlns:m="http://schemas.openxmlformats.org/officeDocument/2006/math">
+                      <m:r>
+                        <a:rPr kumimoji="1" lang="en-US" altLang="ja-JP" sz="2000" b="0" i="1">
+                          <a:latin typeface="Cambria Math" panose="02040503050406030204" pitchFamily="18" charset="0"/>
+                        </a:rPr>
+                        <m:t>𝑣</m:t>
+                      </m:r>
+                    </m:oMath>
+                  </m:oMathPara>
+                </a14:m>
+                <a:endParaRPr kumimoji="1" lang="ja-JP" altLang="en-US" sz="2000"/>
+              </a:p>
+            </p:txBody>
+          </p:sp>
+        </mc:Choice>
+        <mc:Fallback>
+          <p:sp>
+            <p:nvSpPr>
+              <p:cNvPr id="18" name="テキスト ボックス 17">
+                <a:extLst>
+                  <a:ext uri="{FF2B5EF4-FFF2-40B4-BE49-F238E27FC236}">
+                    <a16:creationId xmlns:a16="http://schemas.microsoft.com/office/drawing/2014/main" id="{544D43D4-81D8-1446-B5D3-7958C2311418}"/>
+                  </a:ext>
+                </a:extLst>
+              </p:cNvPr>
+              <p:cNvSpPr txBox="1">
+                <a:spLocks noRot="1" noChangeAspect="1" noMove="1" noResize="1" noEditPoints="1" noAdjustHandles="1" noChangeArrowheads="1" noChangeShapeType="1" noTextEdit="1"/>
+              </p:cNvSpPr>
+              <p:nvPr/>
+            </p:nvSpPr>
+            <p:spPr>
+              <a:xfrm>
+                <a:off x="8473755" y="1551128"/>
+                <a:ext cx="204671" cy="307777"/>
+              </a:xfrm>
+              <a:prstGeom prst="rect">
+                <a:avLst/>
+              </a:prstGeom>
+              <a:blipFill>
+                <a:blip r:embed="rId4"/>
+                <a:stretch>
+                  <a:fillRect l="-11765" r="-11765"/>
+                </a:stretch>
+              </a:blipFill>
+            </p:spPr>
+            <p:txBody>
+              <a:bodyPr/>
+              <a:lstStyle/>
+              <a:p>
+                <a:r>
+                  <a:rPr lang="ja-JP" altLang="en-US">
+                    <a:noFill/>
+                  </a:rPr>
+                  <a:t> </a:t>
+                </a:r>
+              </a:p>
+            </p:txBody>
+          </p:sp>
+        </mc:Fallback>
+      </mc:AlternateContent>
+      <mc:AlternateContent xmlns:mc="http://schemas.openxmlformats.org/markup-compatibility/2006">
+        <mc:Choice xmlns:a14="http://schemas.microsoft.com/office/drawing/2010/main" Requires="a14">
+          <p:sp>
+            <p:nvSpPr>
+              <p:cNvPr id="19" name="テキスト ボックス 18">
+                <a:extLst>
+                  <a:ext uri="{FF2B5EF4-FFF2-40B4-BE49-F238E27FC236}">
+                    <a16:creationId xmlns:a16="http://schemas.microsoft.com/office/drawing/2014/main" id="{866F7EC8-41A5-C24D-B3FA-1FA0A4D70F34}"/>
+                  </a:ext>
+                </a:extLst>
+              </p:cNvPr>
+              <p:cNvSpPr txBox="1"/>
+              <p:nvPr/>
+            </p:nvSpPr>
+            <p:spPr>
+              <a:xfrm>
+                <a:off x="7105603" y="2404191"/>
+                <a:ext cx="237950" cy="307777"/>
+              </a:xfrm>
+              <a:prstGeom prst="rect">
+                <a:avLst/>
+              </a:prstGeom>
+              <a:noFill/>
+            </p:spPr>
+            <p:txBody>
+              <a:bodyPr wrap="none" lIns="0" tIns="0" rIns="0" bIns="0" rtlCol="0">
+                <a:spAutoFit/>
+              </a:bodyPr>
+              <a:lstStyle/>
+              <a:p>
+                <a:pPr/>
+                <a14:m>
+                  <m:oMathPara xmlns:m="http://schemas.openxmlformats.org/officeDocument/2006/math">
+                    <m:oMathParaPr>
+                      <m:jc m:val="centerGroup"/>
+                    </m:oMathParaPr>
+                    <m:oMath xmlns:m="http://schemas.openxmlformats.org/officeDocument/2006/math">
+                      <m:r>
+                        <a:rPr kumimoji="1" lang="ja-JP" altLang="en-US" sz="2000" i="1">
+                          <a:latin typeface="Cambria Math" panose="02040503050406030204" pitchFamily="18" charset="0"/>
+                        </a:rPr>
+                        <m:t>𝜙</m:t>
+                      </m:r>
+                    </m:oMath>
+                  </m:oMathPara>
+                </a14:m>
+                <a:endParaRPr kumimoji="1" lang="ja-JP" altLang="en-US" sz="2000"/>
+              </a:p>
+            </p:txBody>
+          </p:sp>
+        </mc:Choice>
+        <mc:Fallback>
+          <p:sp>
+            <p:nvSpPr>
+              <p:cNvPr id="19" name="テキスト ボックス 18">
+                <a:extLst>
+                  <a:ext uri="{FF2B5EF4-FFF2-40B4-BE49-F238E27FC236}">
+                    <a16:creationId xmlns:a16="http://schemas.microsoft.com/office/drawing/2014/main" id="{866F7EC8-41A5-C24D-B3FA-1FA0A4D70F34}"/>
+                  </a:ext>
+                </a:extLst>
+              </p:cNvPr>
+              <p:cNvSpPr txBox="1">
+                <a:spLocks noRot="1" noChangeAspect="1" noMove="1" noResize="1" noEditPoints="1" noAdjustHandles="1" noChangeArrowheads="1" noChangeShapeType="1" noTextEdit="1"/>
+              </p:cNvSpPr>
+              <p:nvPr/>
+            </p:nvSpPr>
+            <p:spPr>
+              <a:xfrm>
+                <a:off x="7105603" y="2404191"/>
+                <a:ext cx="237950" cy="307777"/>
+              </a:xfrm>
+              <a:prstGeom prst="rect">
+                <a:avLst/>
+              </a:prstGeom>
+              <a:blipFill>
+                <a:blip r:embed="rId5"/>
+                <a:stretch>
+                  <a:fillRect l="-30000" r="-30000" b="-26923"/>
+                </a:stretch>
+              </a:blipFill>
+            </p:spPr>
+            <p:txBody>
+              <a:bodyPr/>
+              <a:lstStyle/>
+              <a:p>
+                <a:r>
+                  <a:rPr lang="ja-JP" altLang="en-US">
+                    <a:noFill/>
+                  </a:rPr>
+                  <a:t> </a:t>
+                </a:r>
+              </a:p>
+            </p:txBody>
+          </p:sp>
+        </mc:Fallback>
+      </mc:AlternateContent>
+      <mc:AlternateContent xmlns:mc="http://schemas.openxmlformats.org/markup-compatibility/2006">
+        <mc:Choice xmlns:a14="http://schemas.microsoft.com/office/drawing/2010/main" Requires="a14">
+          <p:sp>
+            <p:nvSpPr>
+              <p:cNvPr id="20" name="テキスト ボックス 19">
+                <a:extLst>
+                  <a:ext uri="{FF2B5EF4-FFF2-40B4-BE49-F238E27FC236}">
+                    <a16:creationId xmlns:a16="http://schemas.microsoft.com/office/drawing/2014/main" id="{0C164BE8-CAB7-C542-98C9-BDFFE292ECB6}"/>
+                  </a:ext>
+                </a:extLst>
+              </p:cNvPr>
+              <p:cNvSpPr txBox="1"/>
+              <p:nvPr/>
+            </p:nvSpPr>
+            <p:spPr>
+              <a:xfrm>
+                <a:off x="7465643" y="2836239"/>
+                <a:ext cx="1272143" cy="276999"/>
+              </a:xfrm>
+              <a:prstGeom prst="rect">
+                <a:avLst/>
+              </a:prstGeom>
+              <a:noFill/>
+            </p:spPr>
+            <p:txBody>
+              <a:bodyPr wrap="none" lIns="0" tIns="0" rIns="0" bIns="0" rtlCol="0">
+                <a:spAutoFit/>
+              </a:bodyPr>
+              <a:lstStyle/>
+              <a:p>
+                <a:pPr/>
+                <a14:m>
+                  <m:oMathPara xmlns:m="http://schemas.openxmlformats.org/officeDocument/2006/math">
+                    <m:oMathParaPr>
+                      <m:jc m:val="centerGroup"/>
+                    </m:oMathParaPr>
+                    <m:oMath xmlns:m="http://schemas.openxmlformats.org/officeDocument/2006/math">
+                      <m:sSub>
+                        <m:sSubPr>
+                          <m:ctrlPr>
+                            <a:rPr lang="en-US" altLang="ja-JP" i="1">
+                              <a:latin typeface="Cambria Math" panose="02040503050406030204" pitchFamily="18" charset="0"/>
+                              <a:ea typeface="Cambria Math" panose="02040503050406030204" pitchFamily="18" charset="0"/>
+                            </a:rPr>
+                          </m:ctrlPr>
+                        </m:sSubPr>
+                        <m:e>
+                          <m:r>
+                            <a:rPr lang="en-US" altLang="ja-JP" b="0" i="1">
+                              <a:latin typeface="Cambria Math" panose="02040503050406030204" pitchFamily="18" charset="0"/>
+                              <a:ea typeface="Cambria Math" panose="02040503050406030204" pitchFamily="18" charset="0"/>
+                            </a:rPr>
+                            <m:t>𝑣</m:t>
+                          </m:r>
+                        </m:e>
+                        <m:sub>
+                          <m:r>
+                            <a:rPr lang="en-US" altLang="ja-JP" b="0" i="1">
+                              <a:latin typeface="Cambria Math" panose="02040503050406030204" pitchFamily="18" charset="0"/>
+                              <a:ea typeface="Cambria Math" panose="02040503050406030204" pitchFamily="18" charset="0"/>
+                            </a:rPr>
+                            <m:t>𝑥</m:t>
+                          </m:r>
+                        </m:sub>
+                      </m:sSub>
+                      <m:r>
+                        <a:rPr lang="en-US" altLang="ja-JP" b="0" i="1">
+                          <a:latin typeface="Cambria Math" panose="02040503050406030204" pitchFamily="18" charset="0"/>
+                          <a:ea typeface="Cambria Math" panose="02040503050406030204" pitchFamily="18" charset="0"/>
+                        </a:rPr>
+                        <m:t>=</m:t>
+                      </m:r>
+                      <m:r>
+                        <a:rPr lang="en-US" altLang="ja-JP" i="1">
+                          <a:latin typeface="Cambria Math" panose="02040503050406030204" pitchFamily="18" charset="0"/>
+                          <a:ea typeface="Cambria Math" panose="02040503050406030204" pitchFamily="18" charset="0"/>
+                        </a:rPr>
+                        <m:t>𝑣</m:t>
+                      </m:r>
+                      <m:func>
+                        <m:funcPr>
+                          <m:ctrlPr>
+                            <a:rPr kumimoji="1" lang="en" altLang="ja-JP" i="1">
+                              <a:latin typeface="Cambria Math" panose="02040503050406030204" pitchFamily="18" charset="0"/>
+                            </a:rPr>
+                          </m:ctrlPr>
+                        </m:funcPr>
+                        <m:fName>
+                          <m:r>
+                            <m:rPr>
+                              <m:sty m:val="p"/>
+                            </m:rPr>
+                            <a:rPr kumimoji="1" lang="en" altLang="ja-JP" i="0">
+                              <a:latin typeface="Cambria Math" panose="02040503050406030204" pitchFamily="18" charset="0"/>
+                            </a:rPr>
+                            <m:t>cos</m:t>
+                          </m:r>
+                        </m:fName>
+                        <m:e>
+                          <m:r>
+                            <a:rPr kumimoji="1" lang="en" altLang="ja-JP" i="1">
+                              <a:latin typeface="Cambria Math" panose="02040503050406030204" pitchFamily="18" charset="0"/>
+                              <a:ea typeface="Cambria Math" panose="02040503050406030204" pitchFamily="18" charset="0"/>
+                            </a:rPr>
+                            <m:t>𝜙</m:t>
+                          </m:r>
+                        </m:e>
+                      </m:func>
+                    </m:oMath>
+                  </m:oMathPara>
+                </a14:m>
+                <a:endParaRPr kumimoji="1" lang="ja-JP" altLang="en-US"/>
+              </a:p>
+            </p:txBody>
+          </p:sp>
+        </mc:Choice>
+        <mc:Fallback>
+          <p:sp>
+            <p:nvSpPr>
+              <p:cNvPr id="20" name="テキスト ボックス 19">
+                <a:extLst>
+                  <a:ext uri="{FF2B5EF4-FFF2-40B4-BE49-F238E27FC236}">
+                    <a16:creationId xmlns:a16="http://schemas.microsoft.com/office/drawing/2014/main" id="{0C164BE8-CAB7-C542-98C9-BDFFE292ECB6}"/>
+                  </a:ext>
+                </a:extLst>
+              </p:cNvPr>
+              <p:cNvSpPr txBox="1">
+                <a:spLocks noRot="1" noChangeAspect="1" noMove="1" noResize="1" noEditPoints="1" noAdjustHandles="1" noChangeArrowheads="1" noChangeShapeType="1" noTextEdit="1"/>
+              </p:cNvSpPr>
+              <p:nvPr/>
+            </p:nvSpPr>
+            <p:spPr>
+              <a:xfrm>
+                <a:off x="7465643" y="2836239"/>
+                <a:ext cx="1272143" cy="276999"/>
+              </a:xfrm>
+              <a:prstGeom prst="rect">
+                <a:avLst/>
+              </a:prstGeom>
+              <a:blipFill>
+                <a:blip r:embed="rId6"/>
+                <a:stretch>
+                  <a:fillRect l="-3000" r="-5000" b="-30435"/>
+                </a:stretch>
+              </a:blipFill>
+            </p:spPr>
+            <p:txBody>
+              <a:bodyPr/>
+              <a:lstStyle/>
+              <a:p>
+                <a:r>
+                  <a:rPr lang="ja-JP" altLang="en-US">
+                    <a:noFill/>
+                  </a:rPr>
+                  <a:t> </a:t>
+                </a:r>
+              </a:p>
+            </p:txBody>
+          </p:sp>
+        </mc:Fallback>
+      </mc:AlternateContent>
+      <mc:AlternateContent xmlns:mc="http://schemas.openxmlformats.org/markup-compatibility/2006">
+        <mc:Choice xmlns:a14="http://schemas.microsoft.com/office/drawing/2010/main" Requires="a14">
+          <p:sp>
+            <p:nvSpPr>
+              <p:cNvPr id="21" name="テキスト ボックス 20">
+                <a:extLst>
+                  <a:ext uri="{FF2B5EF4-FFF2-40B4-BE49-F238E27FC236}">
+                    <a16:creationId xmlns:a16="http://schemas.microsoft.com/office/drawing/2014/main" id="{11F5EBBE-9BA2-DA48-B28A-47DE942E5FEF}"/>
+                  </a:ext>
+                </a:extLst>
+              </p:cNvPr>
+              <p:cNvSpPr txBox="1"/>
+              <p:nvPr/>
+            </p:nvSpPr>
+            <p:spPr>
+              <a:xfrm>
+                <a:off x="5449419" y="2404191"/>
+                <a:ext cx="1040798" cy="276999"/>
+              </a:xfrm>
+              <a:prstGeom prst="rect">
+                <a:avLst/>
+              </a:prstGeom>
+              <a:noFill/>
+            </p:spPr>
+            <p:txBody>
+              <a:bodyPr wrap="none" lIns="0" tIns="0" rIns="0" bIns="0" rtlCol="0">
+                <a:spAutoFit/>
+              </a:bodyPr>
+              <a:lstStyle/>
+              <a:p>
+                <a:pPr/>
+                <a14:m>
+                  <m:oMathPara xmlns:m="http://schemas.openxmlformats.org/officeDocument/2006/math">
+                    <m:oMathParaPr>
+                      <m:jc m:val="centerGroup"/>
+                    </m:oMathParaPr>
+                    <m:oMath xmlns:m="http://schemas.openxmlformats.org/officeDocument/2006/math">
+                      <m:r>
+                        <a:rPr lang="en-US" altLang="ja-JP" b="0" i="1">
+                          <a:solidFill>
+                            <a:srgbClr val="FF0000"/>
+                          </a:solidFill>
+                          <a:latin typeface="Cambria Math" panose="02040503050406030204" pitchFamily="18" charset="0"/>
+                          <a:ea typeface="Cambria Math" panose="02040503050406030204" pitchFamily="18" charset="0"/>
+                        </a:rPr>
+                        <m:t>−</m:t>
+                      </m:r>
+                      <m:r>
+                        <a:rPr lang="en" altLang="ja-JP" i="1">
+                          <a:solidFill>
+                            <a:srgbClr val="FF0000"/>
+                          </a:solidFill>
+                          <a:latin typeface="Cambria Math" panose="02040503050406030204" pitchFamily="18" charset="0"/>
+                          <a:ea typeface="Cambria Math" panose="02040503050406030204" pitchFamily="18" charset="0"/>
+                        </a:rPr>
+                        <m:t>𝛾</m:t>
+                      </m:r>
+                      <m:r>
+                        <a:rPr lang="en-US" altLang="ja-JP" i="1">
+                          <a:solidFill>
+                            <a:srgbClr val="FF0000"/>
+                          </a:solidFill>
+                          <a:latin typeface="Cambria Math" panose="02040503050406030204" pitchFamily="18" charset="0"/>
+                          <a:ea typeface="Cambria Math" panose="02040503050406030204" pitchFamily="18" charset="0"/>
+                        </a:rPr>
+                        <m:t>𝑣</m:t>
+                      </m:r>
+                      <m:func>
+                        <m:funcPr>
+                          <m:ctrlPr>
+                            <a:rPr kumimoji="1" lang="en" altLang="ja-JP" i="1">
+                              <a:solidFill>
+                                <a:srgbClr val="FF0000"/>
+                              </a:solidFill>
+                              <a:latin typeface="Cambria Math" panose="02040503050406030204" pitchFamily="18" charset="0"/>
+                            </a:rPr>
+                          </m:ctrlPr>
+                        </m:funcPr>
+                        <m:fName>
+                          <m:r>
+                            <m:rPr>
+                              <m:sty m:val="p"/>
+                            </m:rPr>
+                            <a:rPr kumimoji="1" lang="en" altLang="ja-JP" i="0">
+                              <a:solidFill>
+                                <a:srgbClr val="FF0000"/>
+                              </a:solidFill>
+                              <a:latin typeface="Cambria Math" panose="02040503050406030204" pitchFamily="18" charset="0"/>
+                            </a:rPr>
+                            <m:t>cos</m:t>
+                          </m:r>
+                        </m:fName>
+                        <m:e>
+                          <m:r>
+                            <a:rPr kumimoji="1" lang="en" altLang="ja-JP" i="1">
+                              <a:solidFill>
+                                <a:srgbClr val="FF0000"/>
+                              </a:solidFill>
+                              <a:latin typeface="Cambria Math" panose="02040503050406030204" pitchFamily="18" charset="0"/>
+                              <a:ea typeface="Cambria Math" panose="02040503050406030204" pitchFamily="18" charset="0"/>
+                            </a:rPr>
+                            <m:t>𝜙</m:t>
+                          </m:r>
+                        </m:e>
+                      </m:func>
+                    </m:oMath>
+                  </m:oMathPara>
+                </a14:m>
+                <a:endParaRPr kumimoji="1" lang="ja-JP" altLang="en-US">
+                  <a:solidFill>
+                    <a:srgbClr val="FF0000"/>
+                  </a:solidFill>
+                </a:endParaRPr>
+              </a:p>
+            </p:txBody>
+          </p:sp>
+        </mc:Choice>
+        <mc:Fallback>
+          <p:sp>
+            <p:nvSpPr>
+              <p:cNvPr id="21" name="テキスト ボックス 20">
+                <a:extLst>
+                  <a:ext uri="{FF2B5EF4-FFF2-40B4-BE49-F238E27FC236}">
+                    <a16:creationId xmlns:a16="http://schemas.microsoft.com/office/drawing/2014/main" id="{11F5EBBE-9BA2-DA48-B28A-47DE942E5FEF}"/>
+                  </a:ext>
+                </a:extLst>
+              </p:cNvPr>
+              <p:cNvSpPr txBox="1">
+                <a:spLocks noRot="1" noChangeAspect="1" noMove="1" noResize="1" noEditPoints="1" noAdjustHandles="1" noChangeArrowheads="1" noChangeShapeType="1" noTextEdit="1"/>
+              </p:cNvSpPr>
+              <p:nvPr/>
+            </p:nvSpPr>
+            <p:spPr>
+              <a:xfrm>
+                <a:off x="5449419" y="2404191"/>
+                <a:ext cx="1040798" cy="276999"/>
+              </a:xfrm>
+              <a:prstGeom prst="rect">
+                <a:avLst/>
+              </a:prstGeom>
+              <a:blipFill>
+                <a:blip r:embed="rId7"/>
+                <a:stretch>
+                  <a:fillRect r="-6024" b="-30435"/>
+                </a:stretch>
+              </a:blipFill>
+            </p:spPr>
+            <p:txBody>
+              <a:bodyPr/>
+              <a:lstStyle/>
+              <a:p>
+                <a:r>
+                  <a:rPr lang="ja-JP" altLang="en-US">
+                    <a:noFill/>
+                  </a:rPr>
+                  <a:t> </a:t>
+                </a:r>
+              </a:p>
+            </p:txBody>
+          </p:sp>
+        </mc:Fallback>
+      </mc:AlternateContent>
+      <mc:AlternateContent xmlns:mc="http://schemas.openxmlformats.org/markup-compatibility/2006">
+        <mc:Choice xmlns:a14="http://schemas.microsoft.com/office/drawing/2010/main" Requires="a14">
+          <p:sp>
+            <p:nvSpPr>
+              <p:cNvPr id="22" name="テキスト ボックス 21">
+                <a:extLst>
+                  <a:ext uri="{FF2B5EF4-FFF2-40B4-BE49-F238E27FC236}">
+                    <a16:creationId xmlns:a16="http://schemas.microsoft.com/office/drawing/2014/main" id="{34155A8D-F775-404B-897C-4610D6B069D6}"/>
+                  </a:ext>
+                </a:extLst>
+              </p:cNvPr>
+              <p:cNvSpPr txBox="1"/>
+              <p:nvPr/>
+            </p:nvSpPr>
+            <p:spPr>
+              <a:xfrm>
+                <a:off x="5474037" y="1462617"/>
+                <a:ext cx="1249316" cy="298928"/>
+              </a:xfrm>
+              <a:prstGeom prst="rect">
+                <a:avLst/>
+              </a:prstGeom>
+              <a:noFill/>
+            </p:spPr>
+            <p:txBody>
+              <a:bodyPr wrap="none" lIns="0" tIns="0" rIns="0" bIns="0" rtlCol="0">
+                <a:spAutoFit/>
+              </a:bodyPr>
+              <a:lstStyle/>
+              <a:p>
+                <a:pPr/>
+                <a14:m>
+                  <m:oMathPara xmlns:m="http://schemas.openxmlformats.org/officeDocument/2006/math">
+                    <m:oMathParaPr>
+                      <m:jc m:val="centerGroup"/>
+                    </m:oMathParaPr>
+                    <m:oMath xmlns:m="http://schemas.openxmlformats.org/officeDocument/2006/math">
+                      <m:sSub>
+                        <m:sSubPr>
+                          <m:ctrlPr>
+                            <a:rPr lang="en-US" altLang="ja-JP" i="1">
+                              <a:latin typeface="Cambria Math" panose="02040503050406030204" pitchFamily="18" charset="0"/>
+                              <a:ea typeface="Cambria Math" panose="02040503050406030204" pitchFamily="18" charset="0"/>
+                            </a:rPr>
+                          </m:ctrlPr>
+                        </m:sSubPr>
+                        <m:e>
+                          <m:r>
+                            <a:rPr lang="en-US" altLang="ja-JP" b="0" i="1">
+                              <a:latin typeface="Cambria Math" panose="02040503050406030204" pitchFamily="18" charset="0"/>
+                              <a:ea typeface="Cambria Math" panose="02040503050406030204" pitchFamily="18" charset="0"/>
+                            </a:rPr>
+                            <m:t>𝑣</m:t>
+                          </m:r>
+                        </m:e>
+                        <m:sub>
+                          <m:r>
+                            <a:rPr lang="en-US" altLang="ja-JP" b="0" i="1">
+                              <a:latin typeface="Cambria Math" panose="02040503050406030204" pitchFamily="18" charset="0"/>
+                              <a:ea typeface="Cambria Math" panose="02040503050406030204" pitchFamily="18" charset="0"/>
+                            </a:rPr>
+                            <m:t>𝑦</m:t>
+                          </m:r>
+                        </m:sub>
+                      </m:sSub>
+                      <m:r>
+                        <a:rPr lang="en-US" altLang="ja-JP" b="0" i="1">
+                          <a:latin typeface="Cambria Math" panose="02040503050406030204" pitchFamily="18" charset="0"/>
+                          <a:ea typeface="Cambria Math" panose="02040503050406030204" pitchFamily="18" charset="0"/>
+                        </a:rPr>
+                        <m:t>=</m:t>
+                      </m:r>
+                      <m:r>
+                        <a:rPr lang="en-US" altLang="ja-JP" i="1">
+                          <a:latin typeface="Cambria Math" panose="02040503050406030204" pitchFamily="18" charset="0"/>
+                          <a:ea typeface="Cambria Math" panose="02040503050406030204" pitchFamily="18" charset="0"/>
+                        </a:rPr>
+                        <m:t>𝑣</m:t>
+                      </m:r>
+                      <m:func>
+                        <m:funcPr>
+                          <m:ctrlPr>
+                            <a:rPr kumimoji="1" lang="en" altLang="ja-JP" i="1">
+                              <a:latin typeface="Cambria Math" panose="02040503050406030204" pitchFamily="18" charset="0"/>
+                            </a:rPr>
+                          </m:ctrlPr>
+                        </m:funcPr>
+                        <m:fName>
+                          <m:r>
+                            <m:rPr>
+                              <m:sty m:val="p"/>
+                            </m:rPr>
+                            <a:rPr kumimoji="1" lang="en-US" altLang="ja-JP" b="0" i="0">
+                              <a:latin typeface="Cambria Math" panose="02040503050406030204" pitchFamily="18" charset="0"/>
+                            </a:rPr>
+                            <m:t>sin</m:t>
+                          </m:r>
+                        </m:fName>
+                        <m:e>
+                          <m:r>
+                            <a:rPr kumimoji="1" lang="en" altLang="ja-JP" i="1">
+                              <a:latin typeface="Cambria Math" panose="02040503050406030204" pitchFamily="18" charset="0"/>
+                              <a:ea typeface="Cambria Math" panose="02040503050406030204" pitchFamily="18" charset="0"/>
+                            </a:rPr>
+                            <m:t>𝜙</m:t>
+                          </m:r>
+                        </m:e>
+                      </m:func>
+                    </m:oMath>
+                  </m:oMathPara>
+                </a14:m>
+                <a:endParaRPr kumimoji="1" lang="ja-JP" altLang="en-US"/>
+              </a:p>
+            </p:txBody>
+          </p:sp>
+        </mc:Choice>
+        <mc:Fallback>
+          <p:sp>
+            <p:nvSpPr>
+              <p:cNvPr id="22" name="テキスト ボックス 21">
+                <a:extLst>
+                  <a:ext uri="{FF2B5EF4-FFF2-40B4-BE49-F238E27FC236}">
+                    <a16:creationId xmlns:a16="http://schemas.microsoft.com/office/drawing/2014/main" id="{34155A8D-F775-404B-897C-4610D6B069D6}"/>
+                  </a:ext>
+                </a:extLst>
+              </p:cNvPr>
+              <p:cNvSpPr txBox="1">
+                <a:spLocks noRot="1" noChangeAspect="1" noMove="1" noResize="1" noEditPoints="1" noAdjustHandles="1" noChangeArrowheads="1" noChangeShapeType="1" noTextEdit="1"/>
+              </p:cNvSpPr>
+              <p:nvPr/>
+            </p:nvSpPr>
+            <p:spPr>
+              <a:xfrm>
+                <a:off x="5474037" y="1462617"/>
+                <a:ext cx="1249316" cy="298928"/>
+              </a:xfrm>
+              <a:prstGeom prst="rect">
+                <a:avLst/>
+              </a:prstGeom>
+              <a:blipFill>
+                <a:blip r:embed="rId8"/>
+                <a:stretch>
+                  <a:fillRect l="-2020" r="-5051" b="-20000"/>
+                </a:stretch>
+              </a:blipFill>
+            </p:spPr>
+            <p:txBody>
+              <a:bodyPr/>
+              <a:lstStyle/>
+              <a:p>
+                <a:r>
+                  <a:rPr lang="ja-JP" altLang="en-US">
+                    <a:noFill/>
+                  </a:rPr>
+                  <a:t> </a:t>
+                </a:r>
+              </a:p>
+            </p:txBody>
+          </p:sp>
+        </mc:Fallback>
+      </mc:AlternateContent>
+      <mc:AlternateContent xmlns:mc="http://schemas.openxmlformats.org/markup-compatibility/2006">
+        <mc:Choice xmlns:a14="http://schemas.microsoft.com/office/drawing/2010/main" Requires="a14">
+          <p:sp>
+            <p:nvSpPr>
+              <p:cNvPr id="23" name="テキスト ボックス 22">
+                <a:extLst>
+                  <a:ext uri="{FF2B5EF4-FFF2-40B4-BE49-F238E27FC236}">
+                    <a16:creationId xmlns:a16="http://schemas.microsoft.com/office/drawing/2014/main" id="{23F9F619-35AE-E247-AE42-7EB6F3A0D987}"/>
+                  </a:ext>
+                </a:extLst>
+              </p:cNvPr>
+              <p:cNvSpPr txBox="1"/>
+              <p:nvPr/>
+            </p:nvSpPr>
+            <p:spPr>
+              <a:xfrm>
+                <a:off x="6889579" y="3268287"/>
+                <a:ext cx="1010341" cy="276999"/>
+              </a:xfrm>
+              <a:prstGeom prst="rect">
+                <a:avLst/>
+              </a:prstGeom>
+              <a:noFill/>
+            </p:spPr>
+            <p:txBody>
+              <a:bodyPr wrap="none" lIns="0" tIns="0" rIns="0" bIns="0" rtlCol="0">
+                <a:spAutoFit/>
+              </a:bodyPr>
+              <a:lstStyle/>
+              <a:p>
+                <a:pPr/>
+                <a14:m>
+                  <m:oMathPara xmlns:m="http://schemas.openxmlformats.org/officeDocument/2006/math">
+                    <m:oMathParaPr>
+                      <m:jc m:val="centerGroup"/>
+                    </m:oMathParaPr>
+                    <m:oMath xmlns:m="http://schemas.openxmlformats.org/officeDocument/2006/math">
+                      <m:r>
+                        <a:rPr lang="en-US" altLang="ja-JP" b="0" i="1">
+                          <a:solidFill>
+                            <a:srgbClr val="FF0000"/>
+                          </a:solidFill>
+                          <a:latin typeface="Cambria Math" panose="02040503050406030204" pitchFamily="18" charset="0"/>
+                          <a:ea typeface="Cambria Math" panose="02040503050406030204" pitchFamily="18" charset="0"/>
+                        </a:rPr>
+                        <m:t>−</m:t>
+                      </m:r>
+                      <m:r>
+                        <a:rPr lang="en" altLang="ja-JP" i="1">
+                          <a:solidFill>
+                            <a:srgbClr val="FF0000"/>
+                          </a:solidFill>
+                          <a:latin typeface="Cambria Math" panose="02040503050406030204" pitchFamily="18" charset="0"/>
+                          <a:ea typeface="Cambria Math" panose="02040503050406030204" pitchFamily="18" charset="0"/>
+                        </a:rPr>
+                        <m:t>𝛾</m:t>
+                      </m:r>
+                      <m:r>
+                        <a:rPr lang="en-US" altLang="ja-JP" i="1">
+                          <a:solidFill>
+                            <a:srgbClr val="FF0000"/>
+                          </a:solidFill>
+                          <a:latin typeface="Cambria Math" panose="02040503050406030204" pitchFamily="18" charset="0"/>
+                          <a:ea typeface="Cambria Math" panose="02040503050406030204" pitchFamily="18" charset="0"/>
+                        </a:rPr>
+                        <m:t>𝑣</m:t>
+                      </m:r>
+                      <m:func>
+                        <m:funcPr>
+                          <m:ctrlPr>
+                            <a:rPr kumimoji="1" lang="en" altLang="ja-JP" i="1">
+                              <a:solidFill>
+                                <a:srgbClr val="FF0000"/>
+                              </a:solidFill>
+                              <a:latin typeface="Cambria Math" panose="02040503050406030204" pitchFamily="18" charset="0"/>
+                            </a:rPr>
+                          </m:ctrlPr>
+                        </m:funcPr>
+                        <m:fName>
+                          <m:r>
+                            <m:rPr>
+                              <m:sty m:val="p"/>
+                            </m:rPr>
+                            <a:rPr kumimoji="1" lang="en-US" altLang="ja-JP" b="0" i="0">
+                              <a:solidFill>
+                                <a:srgbClr val="FF0000"/>
+                              </a:solidFill>
+                              <a:latin typeface="Cambria Math" panose="02040503050406030204" pitchFamily="18" charset="0"/>
+                            </a:rPr>
+                            <m:t>sin</m:t>
+                          </m:r>
+                        </m:fName>
+                        <m:e>
+                          <m:r>
+                            <a:rPr kumimoji="1" lang="en" altLang="ja-JP" i="1">
+                              <a:solidFill>
+                                <a:srgbClr val="FF0000"/>
+                              </a:solidFill>
+                              <a:latin typeface="Cambria Math" panose="02040503050406030204" pitchFamily="18" charset="0"/>
+                              <a:ea typeface="Cambria Math" panose="02040503050406030204" pitchFamily="18" charset="0"/>
+                            </a:rPr>
+                            <m:t>𝜙</m:t>
+                          </m:r>
+                        </m:e>
+                      </m:func>
+                    </m:oMath>
+                  </m:oMathPara>
+                </a14:m>
+                <a:endParaRPr kumimoji="1" lang="ja-JP" altLang="en-US">
+                  <a:solidFill>
+                    <a:srgbClr val="FF0000"/>
+                  </a:solidFill>
+                </a:endParaRPr>
+              </a:p>
+            </p:txBody>
+          </p:sp>
+        </mc:Choice>
+        <mc:Fallback>
+          <p:sp>
+            <p:nvSpPr>
+              <p:cNvPr id="23" name="テキスト ボックス 22">
+                <a:extLst>
+                  <a:ext uri="{FF2B5EF4-FFF2-40B4-BE49-F238E27FC236}">
+                    <a16:creationId xmlns:a16="http://schemas.microsoft.com/office/drawing/2014/main" id="{23F9F619-35AE-E247-AE42-7EB6F3A0D987}"/>
+                  </a:ext>
+                </a:extLst>
+              </p:cNvPr>
+              <p:cNvSpPr txBox="1">
+                <a:spLocks noRot="1" noChangeAspect="1" noMove="1" noResize="1" noEditPoints="1" noAdjustHandles="1" noChangeArrowheads="1" noChangeShapeType="1" noTextEdit="1"/>
+              </p:cNvSpPr>
+              <p:nvPr/>
+            </p:nvSpPr>
+            <p:spPr>
+              <a:xfrm>
+                <a:off x="6889579" y="3268287"/>
+                <a:ext cx="1010341" cy="276999"/>
+              </a:xfrm>
+              <a:prstGeom prst="rect">
+                <a:avLst/>
+              </a:prstGeom>
+              <a:blipFill>
+                <a:blip r:embed="rId9"/>
+                <a:stretch>
+                  <a:fillRect r="-6173" b="-30435"/>
+                </a:stretch>
+              </a:blipFill>
+            </p:spPr>
+            <p:txBody>
+              <a:bodyPr/>
+              <a:lstStyle/>
+              <a:p>
+                <a:r>
+                  <a:rPr lang="ja-JP" altLang="en-US">
+                    <a:noFill/>
+                  </a:rPr>
+                  <a:t> </a:t>
+                </a:r>
+              </a:p>
+            </p:txBody>
+          </p:sp>
+        </mc:Fallback>
+      </mc:AlternateContent>
+      <p:cxnSp>
+        <p:nvCxnSpPr>
+          <p:cNvPr id="24" name="直線矢印コネクタ 23">
+            <a:extLst>
+              <a:ext uri="{FF2B5EF4-FFF2-40B4-BE49-F238E27FC236}">
+                <a16:creationId xmlns:a16="http://schemas.microsoft.com/office/drawing/2014/main" id="{147DE1AF-30E4-834C-88D4-8C8489B98207}"/>
+              </a:ext>
+            </a:extLst>
+          </p:cNvPr>
+          <p:cNvCxnSpPr>
+            <a:cxnSpLocks/>
+          </p:cNvCxnSpPr>
+          <p:nvPr/>
+        </p:nvCxnSpPr>
+        <p:spPr>
+          <a:xfrm>
+            <a:off x="6817571" y="3772343"/>
+            <a:ext cx="0" cy="576064"/>
+          </a:xfrm>
+          <a:prstGeom prst="straightConnector1">
+            <a:avLst/>
+          </a:prstGeom>
+          <a:ln w="25400">
+            <a:solidFill>
+              <a:srgbClr val="0070C0"/>
+            </a:solidFill>
+            <a:tailEnd type="triangle"/>
+          </a:ln>
+        </p:spPr>
+        <p:style>
+          <a:lnRef idx="1">
+            <a:schemeClr val="accent1"/>
+          </a:lnRef>
+          <a:fillRef idx="0">
+            <a:schemeClr val="accent1"/>
+          </a:fillRef>
+          <a:effectRef idx="0">
+            <a:schemeClr val="accent1"/>
+          </a:effectRef>
+          <a:fontRef idx="minor">
+            <a:schemeClr val="tx1"/>
+          </a:fontRef>
+        </p:style>
+      </p:cxnSp>
+      <mc:AlternateContent xmlns:mc="http://schemas.openxmlformats.org/markup-compatibility/2006">
+        <mc:Choice xmlns:a14="http://schemas.microsoft.com/office/drawing/2010/main" Requires="a14">
+          <p:sp>
+            <p:nvSpPr>
+              <p:cNvPr id="25" name="テキスト ボックス 24">
+                <a:extLst>
+                  <a:ext uri="{FF2B5EF4-FFF2-40B4-BE49-F238E27FC236}">
+                    <a16:creationId xmlns:a16="http://schemas.microsoft.com/office/drawing/2014/main" id="{B801B3AC-4D3E-4A4D-B147-3ABE21871A97}"/>
+                  </a:ext>
+                </a:extLst>
+              </p:cNvPr>
+              <p:cNvSpPr txBox="1"/>
+              <p:nvPr/>
+            </p:nvSpPr>
+            <p:spPr>
+              <a:xfrm>
+                <a:off x="6952811" y="3877887"/>
+                <a:ext cx="274883" cy="276999"/>
+              </a:xfrm>
+              <a:prstGeom prst="rect">
+                <a:avLst/>
+              </a:prstGeom>
+              <a:noFill/>
+            </p:spPr>
+            <p:txBody>
+              <a:bodyPr wrap="none" lIns="0" tIns="0" rIns="0" bIns="0" rtlCol="0">
+                <a:spAutoFit/>
+              </a:bodyPr>
+              <a:lstStyle/>
+              <a:p>
+                <a:pPr/>
+                <a14:m>
+                  <m:oMathPara xmlns:m="http://schemas.openxmlformats.org/officeDocument/2006/math">
+                    <m:oMathParaPr>
+                      <m:jc m:val="centerGroup"/>
+                    </m:oMathParaPr>
+                    <m:oMath xmlns:m="http://schemas.openxmlformats.org/officeDocument/2006/math">
+                      <m:r>
+                        <a:rPr lang="en-US" altLang="ja-JP" i="1">
+                          <a:solidFill>
+                            <a:srgbClr val="0070C0"/>
+                          </a:solidFill>
+                          <a:latin typeface="Cambria Math" panose="02040503050406030204" pitchFamily="18" charset="0"/>
+                        </a:rPr>
+                        <m:t>-</m:t>
+                      </m:r>
+                      <m:r>
+                        <a:rPr kumimoji="1" lang="en-US" altLang="ja-JP" b="0" i="1">
+                          <a:solidFill>
+                            <a:srgbClr val="0070C0"/>
+                          </a:solidFill>
+                          <a:latin typeface="Cambria Math" panose="02040503050406030204" pitchFamily="18" charset="0"/>
+                        </a:rPr>
+                        <m:t>𝑔</m:t>
+                      </m:r>
+                    </m:oMath>
+                  </m:oMathPara>
+                </a14:m>
+                <a:endParaRPr kumimoji="1" lang="ja-JP" altLang="en-US">
+                  <a:solidFill>
+                    <a:srgbClr val="0070C0"/>
+                  </a:solidFill>
+                </a:endParaRPr>
+              </a:p>
+            </p:txBody>
+          </p:sp>
+        </mc:Choice>
+        <mc:Fallback>
+          <p:sp>
+            <p:nvSpPr>
+              <p:cNvPr id="25" name="テキスト ボックス 24">
+                <a:extLst>
+                  <a:ext uri="{FF2B5EF4-FFF2-40B4-BE49-F238E27FC236}">
+                    <a16:creationId xmlns:a16="http://schemas.microsoft.com/office/drawing/2014/main" id="{B801B3AC-4D3E-4A4D-B147-3ABE21871A97}"/>
+                  </a:ext>
+                </a:extLst>
+              </p:cNvPr>
+              <p:cNvSpPr txBox="1">
+                <a:spLocks noRot="1" noChangeAspect="1" noMove="1" noResize="1" noEditPoints="1" noAdjustHandles="1" noChangeArrowheads="1" noChangeShapeType="1" noTextEdit="1"/>
+              </p:cNvSpPr>
+              <p:nvPr/>
+            </p:nvSpPr>
+            <p:spPr>
+              <a:xfrm>
+                <a:off x="6952811" y="3877887"/>
+                <a:ext cx="274883" cy="276999"/>
+              </a:xfrm>
+              <a:prstGeom prst="rect">
+                <a:avLst/>
+              </a:prstGeom>
+              <a:blipFill>
+                <a:blip r:embed="rId10"/>
+                <a:stretch>
+                  <a:fillRect r="-17391" b="-26087"/>
+                </a:stretch>
+              </a:blipFill>
+            </p:spPr>
+            <p:txBody>
+              <a:bodyPr/>
+              <a:lstStyle/>
+              <a:p>
+                <a:r>
+                  <a:rPr lang="ja-JP" altLang="en-US">
+                    <a:noFill/>
+                  </a:rPr>
+                  <a:t> </a:t>
+                </a:r>
+              </a:p>
+            </p:txBody>
+          </p:sp>
+        </mc:Fallback>
+      </mc:AlternateContent>
+      <p:cxnSp>
+        <p:nvCxnSpPr>
+          <p:cNvPr id="26" name="直線矢印コネクタ 25">
+            <a:extLst>
+              <a:ext uri="{FF2B5EF4-FFF2-40B4-BE49-F238E27FC236}">
+                <a16:creationId xmlns:a16="http://schemas.microsoft.com/office/drawing/2014/main" id="{7944AB53-7157-CE44-AC2D-8871B0FE2FBB}"/>
+              </a:ext>
+            </a:extLst>
+          </p:cNvPr>
+          <p:cNvCxnSpPr>
+            <a:cxnSpLocks/>
+          </p:cNvCxnSpPr>
+          <p:nvPr/>
+        </p:nvCxnSpPr>
+        <p:spPr>
+          <a:xfrm>
+            <a:off x="2134734" y="2650124"/>
+            <a:ext cx="0" cy="576064"/>
+          </a:xfrm>
+          <a:prstGeom prst="straightConnector1">
+            <a:avLst/>
+          </a:prstGeom>
+          <a:ln w="25400">
+            <a:solidFill>
+              <a:srgbClr val="0070C0"/>
+            </a:solidFill>
+            <a:tailEnd type="triangle"/>
+          </a:ln>
+        </p:spPr>
+        <p:style>
+          <a:lnRef idx="1">
+            <a:schemeClr val="accent1"/>
+          </a:lnRef>
+          <a:fillRef idx="0">
+            <a:schemeClr val="accent1"/>
+          </a:fillRef>
+          <a:effectRef idx="0">
+            <a:schemeClr val="accent1"/>
+          </a:effectRef>
+          <a:fontRef idx="minor">
+            <a:schemeClr val="tx1"/>
+          </a:fontRef>
+        </p:style>
+      </p:cxnSp>
+      <p:sp>
+        <p:nvSpPr>
+          <p:cNvPr id="27" name="テキスト ボックス 26">
+            <a:extLst>
+              <a:ext uri="{FF2B5EF4-FFF2-40B4-BE49-F238E27FC236}">
+                <a16:creationId xmlns:a16="http://schemas.microsoft.com/office/drawing/2014/main" id="{5681F203-C2E6-DB4D-9E74-19605BB9CCC7}"/>
+              </a:ext>
+            </a:extLst>
+          </p:cNvPr>
+          <p:cNvSpPr txBox="1"/>
+          <p:nvPr/>
+        </p:nvSpPr>
+        <p:spPr>
+          <a:xfrm>
+            <a:off x="2311538" y="2949632"/>
+            <a:ext cx="461665" cy="276999"/>
+          </a:xfrm>
+          <a:prstGeom prst="rect">
+            <a:avLst/>
+          </a:prstGeom>
+          <a:noFill/>
+        </p:spPr>
+        <p:txBody>
+          <a:bodyPr wrap="none" lIns="0" tIns="0" rIns="0" bIns="0" rtlCol="0">
+            <a:spAutoFit/>
+          </a:bodyPr>
+          <a:lstStyle/>
+          <a:p>
+            <a:pPr/>
+            <a:r>
+              <a:rPr kumimoji="1" lang="ja-JP" altLang="en-US">
+                <a:solidFill>
+                  <a:srgbClr val="0070C0"/>
+                </a:solidFill>
+              </a:rPr>
+              <a:t>重力</a:t>
+            </a:r>
+          </a:p>
+        </p:txBody>
+      </p:sp>
+      <mc:AlternateContent xmlns:mc="http://schemas.openxmlformats.org/markup-compatibility/2006">
+        <mc:Choice xmlns:a14="http://schemas.microsoft.com/office/drawing/2010/main" Requires="a14">
+          <p:sp>
+            <p:nvSpPr>
+              <p:cNvPr id="28" name="テキスト ボックス 27">
+                <a:extLst>
+                  <a:ext uri="{FF2B5EF4-FFF2-40B4-BE49-F238E27FC236}">
+                    <a16:creationId xmlns:a16="http://schemas.microsoft.com/office/drawing/2014/main" id="{BC54E757-3AE5-BB46-9319-9E22994B05A2}"/>
+                  </a:ext>
+                </a:extLst>
+              </p:cNvPr>
+              <p:cNvSpPr txBox="1"/>
+              <p:nvPr/>
+            </p:nvSpPr>
+            <p:spPr>
+              <a:xfrm>
+                <a:off x="5498298" y="4775876"/>
+                <a:ext cx="1101904" cy="474938"/>
+              </a:xfrm>
+              <a:prstGeom prst="rect">
+                <a:avLst/>
+              </a:prstGeom>
+              <a:noFill/>
+            </p:spPr>
+            <p:txBody>
+              <a:bodyPr wrap="none" lIns="0" tIns="0" rIns="0" bIns="0" rtlCol="0">
+                <a:spAutoFit/>
+              </a:bodyPr>
+              <a:lstStyle/>
+              <a:p>
+                <a:pPr/>
+                <a14:m>
+                  <m:oMathPara xmlns:m="http://schemas.openxmlformats.org/officeDocument/2006/math">
+                    <m:oMathParaPr>
+                      <m:jc m:val="centerGroup"/>
+                    </m:oMathParaPr>
+                    <m:oMath xmlns:m="http://schemas.openxmlformats.org/officeDocument/2006/math">
+                      <m:func>
+                        <m:funcPr>
+                          <m:ctrlPr>
+                            <a:rPr kumimoji="1" lang="en" altLang="ja-JP" i="1">
+                              <a:latin typeface="Cambria Math" panose="02040503050406030204" pitchFamily="18" charset="0"/>
+                            </a:rPr>
+                          </m:ctrlPr>
+                        </m:funcPr>
+                        <m:fName>
+                          <m:r>
+                            <m:rPr>
+                              <m:sty m:val="p"/>
+                            </m:rPr>
+                            <a:rPr kumimoji="1" lang="en" altLang="ja-JP" i="0">
+                              <a:latin typeface="Cambria Math" panose="02040503050406030204" pitchFamily="18" charset="0"/>
+                            </a:rPr>
+                            <m:t>cos</m:t>
+                          </m:r>
+                        </m:fName>
+                        <m:e>
+                          <m:r>
+                            <a:rPr kumimoji="1" lang="en" altLang="ja-JP" i="1">
+                              <a:latin typeface="Cambria Math" panose="02040503050406030204" pitchFamily="18" charset="0"/>
+                              <a:ea typeface="Cambria Math" panose="02040503050406030204" pitchFamily="18" charset="0"/>
+                            </a:rPr>
+                            <m:t>𝜙</m:t>
+                          </m:r>
+                          <m:r>
+                            <a:rPr kumimoji="1" lang="en-US" altLang="ja-JP" b="0" i="1">
+                              <a:latin typeface="Cambria Math" panose="02040503050406030204" pitchFamily="18" charset="0"/>
+                              <a:ea typeface="Cambria Math" panose="02040503050406030204" pitchFamily="18" charset="0"/>
+                            </a:rPr>
+                            <m:t>=</m:t>
+                          </m:r>
+                          <m:f>
+                            <m:fPr>
+                              <m:ctrlPr>
+                                <a:rPr kumimoji="1" lang="en-US" altLang="ja-JP" b="0" i="1">
+                                  <a:latin typeface="Cambria Math" panose="02040503050406030204" pitchFamily="18" charset="0"/>
+                                  <a:ea typeface="Cambria Math" panose="02040503050406030204" pitchFamily="18" charset="0"/>
+                                </a:rPr>
+                              </m:ctrlPr>
+                            </m:fPr>
+                            <m:num>
+                              <m:sSub>
+                                <m:sSubPr>
+                                  <m:ctrlPr>
+                                    <a:rPr kumimoji="1" lang="en-US" altLang="ja-JP" b="0" i="1">
+                                      <a:latin typeface="Cambria Math" panose="02040503050406030204" pitchFamily="18" charset="0"/>
+                                      <a:ea typeface="Cambria Math" panose="02040503050406030204" pitchFamily="18" charset="0"/>
+                                    </a:rPr>
+                                  </m:ctrlPr>
+                                </m:sSubPr>
+                                <m:e>
+                                  <m:r>
+                                    <a:rPr kumimoji="1" lang="en-US" altLang="ja-JP" b="0" i="1">
+                                      <a:latin typeface="Cambria Math" panose="02040503050406030204" pitchFamily="18" charset="0"/>
+                                      <a:ea typeface="Cambria Math" panose="02040503050406030204" pitchFamily="18" charset="0"/>
+                                    </a:rPr>
+                                    <m:t>𝑣</m:t>
+                                  </m:r>
+                                </m:e>
+                                <m:sub>
+                                  <m:r>
+                                    <a:rPr kumimoji="1" lang="en-US" altLang="ja-JP" b="0" i="1">
+                                      <a:latin typeface="Cambria Math" panose="02040503050406030204" pitchFamily="18" charset="0"/>
+                                      <a:ea typeface="Cambria Math" panose="02040503050406030204" pitchFamily="18" charset="0"/>
+                                    </a:rPr>
+                                    <m:t>𝑥</m:t>
+                                  </m:r>
+                                </m:sub>
+                              </m:sSub>
+                            </m:num>
+                            <m:den>
+                              <m:r>
+                                <a:rPr kumimoji="1" lang="en-US" altLang="ja-JP" b="0" i="1">
+                                  <a:latin typeface="Cambria Math" panose="02040503050406030204" pitchFamily="18" charset="0"/>
+                                  <a:ea typeface="Cambria Math" panose="02040503050406030204" pitchFamily="18" charset="0"/>
+                                </a:rPr>
+                                <m:t>𝑣</m:t>
+                              </m:r>
+                            </m:den>
+                          </m:f>
+                        </m:e>
+                      </m:func>
+                    </m:oMath>
+                  </m:oMathPara>
+                </a14:m>
+                <a:endParaRPr kumimoji="1" lang="ja-JP" altLang="en-US"/>
+              </a:p>
+            </p:txBody>
+          </p:sp>
+        </mc:Choice>
+        <mc:Fallback>
+          <p:sp>
+            <p:nvSpPr>
+              <p:cNvPr id="28" name="テキスト ボックス 27">
+                <a:extLst>
+                  <a:ext uri="{FF2B5EF4-FFF2-40B4-BE49-F238E27FC236}">
+                    <a16:creationId xmlns:a16="http://schemas.microsoft.com/office/drawing/2014/main" id="{BC54E757-3AE5-BB46-9319-9E22994B05A2}"/>
+                  </a:ext>
+                </a:extLst>
+              </p:cNvPr>
+              <p:cNvSpPr txBox="1">
+                <a:spLocks noRot="1" noChangeAspect="1" noMove="1" noResize="1" noEditPoints="1" noAdjustHandles="1" noChangeArrowheads="1" noChangeShapeType="1" noTextEdit="1"/>
+              </p:cNvSpPr>
+              <p:nvPr/>
+            </p:nvSpPr>
+            <p:spPr>
+              <a:xfrm>
+                <a:off x="5498298" y="4775876"/>
+                <a:ext cx="1101904" cy="474938"/>
+              </a:xfrm>
+              <a:prstGeom prst="rect">
+                <a:avLst/>
+              </a:prstGeom>
+              <a:blipFill>
+                <a:blip r:embed="rId11"/>
+                <a:stretch>
+                  <a:fillRect l="-2273" b="-10526"/>
+                </a:stretch>
+              </a:blipFill>
+            </p:spPr>
+            <p:txBody>
+              <a:bodyPr/>
+              <a:lstStyle/>
+              <a:p>
+                <a:r>
+                  <a:rPr lang="ja-JP" altLang="en-US">
+                    <a:noFill/>
+                  </a:rPr>
+                  <a:t> </a:t>
+                </a:r>
+              </a:p>
+            </p:txBody>
+          </p:sp>
+        </mc:Fallback>
+      </mc:AlternateContent>
+      <mc:AlternateContent xmlns:mc="http://schemas.openxmlformats.org/markup-compatibility/2006">
+        <mc:Choice xmlns:a14="http://schemas.microsoft.com/office/drawing/2010/main" Requires="a14">
+          <p:sp>
+            <p:nvSpPr>
+              <p:cNvPr id="29" name="テキスト ボックス 28">
+                <a:extLst>
+                  <a:ext uri="{FF2B5EF4-FFF2-40B4-BE49-F238E27FC236}">
+                    <a16:creationId xmlns:a16="http://schemas.microsoft.com/office/drawing/2014/main" id="{DE7D2A82-4680-2145-BBDC-866C886FB1CD}"/>
+                  </a:ext>
+                </a:extLst>
+              </p:cNvPr>
+              <p:cNvSpPr txBox="1"/>
+              <p:nvPr/>
+            </p:nvSpPr>
+            <p:spPr>
+              <a:xfrm>
+                <a:off x="6883754" y="4775877"/>
+                <a:ext cx="1079077" cy="482504"/>
+              </a:xfrm>
+              <a:prstGeom prst="rect">
+                <a:avLst/>
+              </a:prstGeom>
+              <a:noFill/>
+            </p:spPr>
+            <p:txBody>
+              <a:bodyPr wrap="none" lIns="0" tIns="0" rIns="0" bIns="0" rtlCol="0">
+                <a:spAutoFit/>
+              </a:bodyPr>
+              <a:lstStyle/>
+              <a:p>
+                <a:pPr/>
+                <a14:m>
+                  <m:oMathPara xmlns:m="http://schemas.openxmlformats.org/officeDocument/2006/math">
+                    <m:oMathParaPr>
+                      <m:jc m:val="centerGroup"/>
+                    </m:oMathParaPr>
+                    <m:oMath xmlns:m="http://schemas.openxmlformats.org/officeDocument/2006/math">
+                      <m:func>
+                        <m:funcPr>
+                          <m:ctrlPr>
+                            <a:rPr kumimoji="1" lang="en" altLang="ja-JP" i="1">
+                              <a:latin typeface="Cambria Math" panose="02040503050406030204" pitchFamily="18" charset="0"/>
+                            </a:rPr>
+                          </m:ctrlPr>
+                        </m:funcPr>
+                        <m:fName>
+                          <m:r>
+                            <m:rPr>
+                              <m:sty m:val="p"/>
+                            </m:rPr>
+                            <a:rPr kumimoji="1" lang="en-US" altLang="ja-JP" b="0" i="0">
+                              <a:latin typeface="Cambria Math" panose="02040503050406030204" pitchFamily="18" charset="0"/>
+                            </a:rPr>
+                            <m:t>sin</m:t>
+                          </m:r>
+                        </m:fName>
+                        <m:e>
+                          <m:r>
+                            <a:rPr kumimoji="1" lang="en" altLang="ja-JP" i="1">
+                              <a:latin typeface="Cambria Math" panose="02040503050406030204" pitchFamily="18" charset="0"/>
+                              <a:ea typeface="Cambria Math" panose="02040503050406030204" pitchFamily="18" charset="0"/>
+                            </a:rPr>
+                            <m:t>𝜙</m:t>
+                          </m:r>
+                          <m:r>
+                            <a:rPr kumimoji="1" lang="en-US" altLang="ja-JP" b="0" i="1">
+                              <a:latin typeface="Cambria Math" panose="02040503050406030204" pitchFamily="18" charset="0"/>
+                              <a:ea typeface="Cambria Math" panose="02040503050406030204" pitchFamily="18" charset="0"/>
+                            </a:rPr>
+                            <m:t>=</m:t>
+                          </m:r>
+                          <m:f>
+                            <m:fPr>
+                              <m:ctrlPr>
+                                <a:rPr kumimoji="1" lang="en-US" altLang="ja-JP" b="0" i="1">
+                                  <a:latin typeface="Cambria Math" panose="02040503050406030204" pitchFamily="18" charset="0"/>
+                                  <a:ea typeface="Cambria Math" panose="02040503050406030204" pitchFamily="18" charset="0"/>
+                                </a:rPr>
+                              </m:ctrlPr>
+                            </m:fPr>
+                            <m:num>
+                              <m:sSub>
+                                <m:sSubPr>
+                                  <m:ctrlPr>
+                                    <a:rPr kumimoji="1" lang="en-US" altLang="ja-JP" b="0" i="1">
+                                      <a:latin typeface="Cambria Math" panose="02040503050406030204" pitchFamily="18" charset="0"/>
+                                      <a:ea typeface="Cambria Math" panose="02040503050406030204" pitchFamily="18" charset="0"/>
+                                    </a:rPr>
+                                  </m:ctrlPr>
+                                </m:sSubPr>
+                                <m:e>
+                                  <m:r>
+                                    <a:rPr kumimoji="1" lang="en-US" altLang="ja-JP" b="0" i="1">
+                                      <a:latin typeface="Cambria Math" panose="02040503050406030204" pitchFamily="18" charset="0"/>
+                                      <a:ea typeface="Cambria Math" panose="02040503050406030204" pitchFamily="18" charset="0"/>
+                                    </a:rPr>
+                                    <m:t>𝑣</m:t>
+                                  </m:r>
+                                </m:e>
+                                <m:sub>
+                                  <m:r>
+                                    <a:rPr kumimoji="1" lang="en-US" altLang="ja-JP" b="0" i="1">
+                                      <a:latin typeface="Cambria Math" panose="02040503050406030204" pitchFamily="18" charset="0"/>
+                                      <a:ea typeface="Cambria Math" panose="02040503050406030204" pitchFamily="18" charset="0"/>
+                                    </a:rPr>
+                                    <m:t>𝑦</m:t>
+                                  </m:r>
+                                </m:sub>
+                              </m:sSub>
+                            </m:num>
+                            <m:den>
+                              <m:r>
+                                <a:rPr kumimoji="1" lang="en-US" altLang="ja-JP" b="0" i="1">
+                                  <a:latin typeface="Cambria Math" panose="02040503050406030204" pitchFamily="18" charset="0"/>
+                                  <a:ea typeface="Cambria Math" panose="02040503050406030204" pitchFamily="18" charset="0"/>
+                                </a:rPr>
+                                <m:t>𝑣</m:t>
+                              </m:r>
+                            </m:den>
+                          </m:f>
+                        </m:e>
+                      </m:func>
+                    </m:oMath>
+                  </m:oMathPara>
+                </a14:m>
+                <a:endParaRPr kumimoji="1" lang="ja-JP" altLang="en-US"/>
+              </a:p>
+            </p:txBody>
+          </p:sp>
+        </mc:Choice>
+        <mc:Fallback>
+          <p:sp>
+            <p:nvSpPr>
+              <p:cNvPr id="29" name="テキスト ボックス 28">
+                <a:extLst>
+                  <a:ext uri="{FF2B5EF4-FFF2-40B4-BE49-F238E27FC236}">
+                    <a16:creationId xmlns:a16="http://schemas.microsoft.com/office/drawing/2014/main" id="{DE7D2A82-4680-2145-BBDC-866C886FB1CD}"/>
+                  </a:ext>
+                </a:extLst>
+              </p:cNvPr>
+              <p:cNvSpPr txBox="1">
+                <a:spLocks noRot="1" noChangeAspect="1" noMove="1" noResize="1" noEditPoints="1" noAdjustHandles="1" noChangeArrowheads="1" noChangeShapeType="1" noTextEdit="1"/>
+              </p:cNvSpPr>
+              <p:nvPr/>
+            </p:nvSpPr>
+            <p:spPr>
+              <a:xfrm>
+                <a:off x="6883754" y="4775877"/>
+                <a:ext cx="1079077" cy="482504"/>
+              </a:xfrm>
+              <a:prstGeom prst="rect">
+                <a:avLst/>
+              </a:prstGeom>
+              <a:blipFill>
+                <a:blip r:embed="rId12"/>
+                <a:stretch>
+                  <a:fillRect l="-3488" r="-1163" b="-7692"/>
+                </a:stretch>
+              </a:blipFill>
+            </p:spPr>
+            <p:txBody>
+              <a:bodyPr/>
+              <a:lstStyle/>
+              <a:p>
+                <a:r>
+                  <a:rPr lang="ja-JP" altLang="en-US">
+                    <a:noFill/>
+                  </a:rPr>
+                  <a:t> </a:t>
+                </a:r>
+              </a:p>
+            </p:txBody>
+          </p:sp>
+        </mc:Fallback>
+      </mc:AlternateContent>
+      <p:sp>
+        <p:nvSpPr>
+          <p:cNvPr id="30" name="正方形/長方形 29">
+            <a:extLst>
+              <a:ext uri="{FF2B5EF4-FFF2-40B4-BE49-F238E27FC236}">
+                <a16:creationId xmlns:a16="http://schemas.microsoft.com/office/drawing/2014/main" id="{D12F1554-38EF-CD4C-9C67-161DB9EC0B9C}"/>
+              </a:ext>
+            </a:extLst>
+          </p:cNvPr>
+          <p:cNvSpPr/>
+          <p:nvPr/>
+        </p:nvSpPr>
+        <p:spPr>
+          <a:xfrm>
+            <a:off x="5320145" y="4613564"/>
+            <a:ext cx="2854037" cy="803563"/>
+          </a:xfrm>
+          <a:prstGeom prst="rect">
+            <a:avLst/>
+          </a:prstGeom>
+          <a:noFill/>
+          <a:ln>
+            <a:solidFill>
+              <a:schemeClr val="tx1"/>
+            </a:solidFill>
+          </a:ln>
+        </p:spPr>
+        <p:style>
+          <a:lnRef idx="2">
+            <a:schemeClr val="accent1">
+              <a:shade val="50000"/>
+            </a:schemeClr>
+          </a:lnRef>
+          <a:fillRef idx="1">
+            <a:schemeClr val="accent1"/>
+          </a:fillRef>
+          <a:effectRef idx="0">
+            <a:schemeClr val="accent1"/>
+          </a:effectRef>
+          <a:fontRef idx="minor">
+            <a:schemeClr val="lt1"/>
+          </a:fontRef>
+        </p:style>
+        <p:txBody>
+          <a:bodyPr rtlCol="0" anchor="ctr"/>
+          <a:lstStyle/>
+          <a:p>
+            <a:pPr algn="ctr"/>
+            <a:endParaRPr kumimoji="1" lang="ja-JP" altLang="en-US"/>
+          </a:p>
+        </p:txBody>
+      </p:sp>
+      <p:sp>
+        <p:nvSpPr>
+          <p:cNvPr id="31" name="テキスト ボックス 30">
+            <a:extLst>
+              <a:ext uri="{FF2B5EF4-FFF2-40B4-BE49-F238E27FC236}">
+                <a16:creationId xmlns:a16="http://schemas.microsoft.com/office/drawing/2014/main" id="{4ABF0F75-9FDA-0442-A7F5-8A992593C7A5}"/>
+              </a:ext>
+            </a:extLst>
+          </p:cNvPr>
+          <p:cNvSpPr txBox="1"/>
+          <p:nvPr/>
+        </p:nvSpPr>
+        <p:spPr>
+          <a:xfrm>
+            <a:off x="5560292" y="133925"/>
+            <a:ext cx="2954655" cy="461665"/>
+          </a:xfrm>
+          <a:prstGeom prst="rect">
+            <a:avLst/>
+          </a:prstGeom>
+          <a:noFill/>
+        </p:spPr>
+        <p:txBody>
+          <a:bodyPr wrap="none" rtlCol="0">
+            <a:spAutoFit/>
+          </a:bodyPr>
+          <a:lstStyle/>
+          <a:p>
+            <a:r>
+              <a:rPr kumimoji="1" lang="ja-JP" altLang="en-US" sz="2400"/>
+              <a:t>速度や力の成分表示</a:t>
+            </a:r>
+          </a:p>
+        </p:txBody>
+      </p:sp>
+    </p:spTree>
+    <p:extLst>
+      <p:ext uri="{BB962C8B-B14F-4D97-AF65-F5344CB8AC3E}">
+        <p14:creationId xmlns:p14="http://schemas.microsoft.com/office/powerpoint/2010/main" val="2802936660"/>
+      </p:ext>
+    </p:extLst>
+  </p:cSld>
+  <p:clrMapOvr>
+    <a:masterClrMapping/>
+  </p:clrMapOvr>
+</p:sld>
+</file>
+
+<file path=ppt/slides/slide2.xml><?xml version="1.0" encoding="utf-8"?>
+<p:sld xmlns:a="http://schemas.openxmlformats.org/drawingml/2006/main" xmlns:r="http://schemas.openxmlformats.org/officeDocument/2006/relationships" xmlns:p="http://schemas.openxmlformats.org/presentationml/2006/main">
+  <p:cSld>
+    <p:spTree>
+      <p:nvGrpSpPr>
+        <p:cNvPr id="1" name=""/>
+        <p:cNvGrpSpPr/>
+        <p:nvPr/>
+      </p:nvGrpSpPr>
+      <p:grpSpPr>
+        <a:xfrm>
+          <a:off x="0" y="0"/>
+          <a:ext cx="0" cy="0"/>
+          <a:chOff x="0" y="0"/>
+          <a:chExt cx="0" cy="0"/>
+        </a:xfrm>
+      </p:grpSpPr>
       <p:cxnSp>
         <p:nvCxnSpPr>
           <p:cNvPr id="4" name="直線コネクタ 3">
@@ -1440,8 +3796,8 @@
         </p:nvCxnSpPr>
         <p:spPr>
           <a:xfrm flipH="1">
-            <a:off x="5148064" y="2924944"/>
-            <a:ext cx="872480" cy="0"/>
+            <a:off x="5112327" y="2924944"/>
+            <a:ext cx="908217" cy="0"/>
           </a:xfrm>
           <a:prstGeom prst="line">
             <a:avLst/>
@@ -1484,8 +3840,8 @@
         </p:nvCxnSpPr>
         <p:spPr>
           <a:xfrm flipH="1">
-            <a:off x="5148064" y="2924944"/>
-            <a:ext cx="864096" cy="936104"/>
+            <a:off x="5112327" y="2924944"/>
+            <a:ext cx="899834" cy="995892"/>
           </a:xfrm>
           <a:prstGeom prst="straightConnector1">
             <a:avLst/>
@@ -1526,7 +3882,7 @@
         </p:nvSpPr>
         <p:spPr>
           <a:xfrm>
-            <a:off x="7092280" y="1700808"/>
+            <a:off x="6815189" y="1908626"/>
             <a:ext cx="646331" cy="369332"/>
           </a:xfrm>
           <a:prstGeom prst="rect">
@@ -1547,8 +3903,8 @@
           </a:p>
         </p:txBody>
       </p:sp>
-      <mc:AlternateContent xmlns:mc="http://schemas.openxmlformats.org/markup-compatibility/2006" xmlns:a14="http://schemas.microsoft.com/office/drawing/2010/main">
-        <mc:Choice Requires="a14">
+      <mc:AlternateContent xmlns:mc="http://schemas.openxmlformats.org/markup-compatibility/2006">
+        <mc:Choice xmlns:a14="http://schemas.microsoft.com/office/drawing/2010/main" Requires="a14">
           <p:sp>
             <p:nvSpPr>
               <p:cNvPr id="69" name="テキスト ボックス 68">
@@ -1563,7 +3919,7 @@
             </p:nvSpPr>
             <p:spPr>
               <a:xfrm>
-                <a:off x="7668344" y="1711841"/>
+                <a:off x="7391253" y="1919659"/>
                 <a:ext cx="204671" cy="307777"/>
               </a:xfrm>
               <a:prstGeom prst="rect">
@@ -1598,7 +3954,7 @@
             </p:txBody>
           </p:sp>
         </mc:Choice>
-        <mc:Fallback xmlns="">
+        <mc:Fallback>
           <p:sp>
             <p:nvSpPr>
               <p:cNvPr id="69" name="テキスト ボックス 68">
@@ -1615,7 +3971,7 @@
             </p:nvSpPr>
             <p:spPr>
               <a:xfrm>
-                <a:off x="7668344" y="1711841"/>
+                <a:off x="7391253" y="1919659"/>
                 <a:ext cx="204671" cy="307777"/>
               </a:xfrm>
               <a:prstGeom prst="rect">
@@ -2507,6 +4863,182 @@
           </p:sp>
         </mc:Fallback>
       </mc:AlternateContent>
+      <p:cxnSp>
+        <p:nvCxnSpPr>
+          <p:cNvPr id="3" name="直線コネクタ 2">
+            <a:extLst>
+              <a:ext uri="{FF2B5EF4-FFF2-40B4-BE49-F238E27FC236}">
+                <a16:creationId xmlns:a16="http://schemas.microsoft.com/office/drawing/2014/main" id="{40F4F02A-3BA7-3949-8E34-FBE2E2C69294}"/>
+              </a:ext>
+            </a:extLst>
+          </p:cNvPr>
+          <p:cNvCxnSpPr>
+            <a:cxnSpLocks/>
+          </p:cNvCxnSpPr>
+          <p:nvPr/>
+        </p:nvCxnSpPr>
+        <p:spPr>
+          <a:xfrm flipH="1">
+            <a:off x="6012874" y="983674"/>
+            <a:ext cx="1704108" cy="0"/>
+          </a:xfrm>
+          <a:prstGeom prst="line">
+            <a:avLst/>
+          </a:prstGeom>
+          <a:ln w="12700">
+            <a:solidFill>
+              <a:schemeClr val="tx1"/>
+            </a:solidFill>
+            <a:prstDash val="dash"/>
+          </a:ln>
+        </p:spPr>
+        <p:style>
+          <a:lnRef idx="1">
+            <a:schemeClr val="accent1"/>
+          </a:lnRef>
+          <a:fillRef idx="0">
+            <a:schemeClr val="accent1"/>
+          </a:fillRef>
+          <a:effectRef idx="0">
+            <a:schemeClr val="accent1"/>
+          </a:effectRef>
+          <a:fontRef idx="minor">
+            <a:schemeClr val="tx1"/>
+          </a:fontRef>
+        </p:style>
+      </p:cxnSp>
+      <p:cxnSp>
+        <p:nvCxnSpPr>
+          <p:cNvPr id="40" name="直線コネクタ 39">
+            <a:extLst>
+              <a:ext uri="{FF2B5EF4-FFF2-40B4-BE49-F238E27FC236}">
+                <a16:creationId xmlns:a16="http://schemas.microsoft.com/office/drawing/2014/main" id="{DD88DEEF-0CD0-3A46-AF9F-9FC6ACA78894}"/>
+              </a:ext>
+            </a:extLst>
+          </p:cNvPr>
+          <p:cNvCxnSpPr>
+            <a:cxnSpLocks/>
+          </p:cNvCxnSpPr>
+          <p:nvPr/>
+        </p:nvCxnSpPr>
+        <p:spPr>
+          <a:xfrm flipH="1">
+            <a:off x="7758545" y="1011382"/>
+            <a:ext cx="1" cy="1884218"/>
+          </a:xfrm>
+          <a:prstGeom prst="line">
+            <a:avLst/>
+          </a:prstGeom>
+          <a:ln w="12700">
+            <a:solidFill>
+              <a:schemeClr val="tx1"/>
+            </a:solidFill>
+            <a:prstDash val="dash"/>
+          </a:ln>
+        </p:spPr>
+        <p:style>
+          <a:lnRef idx="1">
+            <a:schemeClr val="accent1"/>
+          </a:lnRef>
+          <a:fillRef idx="0">
+            <a:schemeClr val="accent1"/>
+          </a:fillRef>
+          <a:effectRef idx="0">
+            <a:schemeClr val="accent1"/>
+          </a:effectRef>
+          <a:fontRef idx="minor">
+            <a:schemeClr val="tx1"/>
+          </a:fontRef>
+        </p:style>
+      </p:cxnSp>
+      <p:cxnSp>
+        <p:nvCxnSpPr>
+          <p:cNvPr id="41" name="直線コネクタ 40">
+            <a:extLst>
+              <a:ext uri="{FF2B5EF4-FFF2-40B4-BE49-F238E27FC236}">
+                <a16:creationId xmlns:a16="http://schemas.microsoft.com/office/drawing/2014/main" id="{D84E4038-7B9F-3645-A14F-E1F4ED64F807}"/>
+              </a:ext>
+            </a:extLst>
+          </p:cNvPr>
+          <p:cNvCxnSpPr>
+            <a:cxnSpLocks/>
+          </p:cNvCxnSpPr>
+          <p:nvPr/>
+        </p:nvCxnSpPr>
+        <p:spPr>
+          <a:xfrm flipH="1">
+            <a:off x="5098475" y="2895599"/>
+            <a:ext cx="1" cy="1025236"/>
+          </a:xfrm>
+          <a:prstGeom prst="line">
+            <a:avLst/>
+          </a:prstGeom>
+          <a:ln w="12700">
+            <a:solidFill>
+              <a:srgbClr val="FF0000"/>
+            </a:solidFill>
+            <a:prstDash val="dash"/>
+          </a:ln>
+        </p:spPr>
+        <p:style>
+          <a:lnRef idx="1">
+            <a:schemeClr val="accent1"/>
+          </a:lnRef>
+          <a:fillRef idx="0">
+            <a:schemeClr val="accent1"/>
+          </a:fillRef>
+          <a:effectRef idx="0">
+            <a:schemeClr val="accent1"/>
+          </a:effectRef>
+          <a:fontRef idx="minor">
+            <a:schemeClr val="tx1"/>
+          </a:fontRef>
+        </p:style>
+      </p:cxnSp>
+      <p:cxnSp>
+        <p:nvCxnSpPr>
+          <p:cNvPr id="42" name="直線コネクタ 41">
+            <a:extLst>
+              <a:ext uri="{FF2B5EF4-FFF2-40B4-BE49-F238E27FC236}">
+                <a16:creationId xmlns:a16="http://schemas.microsoft.com/office/drawing/2014/main" id="{87DB97C2-A17F-BD43-88BF-5A28B78C87D5}"/>
+              </a:ext>
+            </a:extLst>
+          </p:cNvPr>
+          <p:cNvCxnSpPr>
+            <a:cxnSpLocks/>
+          </p:cNvCxnSpPr>
+          <p:nvPr/>
+        </p:nvCxnSpPr>
+        <p:spPr>
+          <a:xfrm flipH="1">
+            <a:off x="5112328" y="3920837"/>
+            <a:ext cx="928255" cy="0"/>
+          </a:xfrm>
+          <a:prstGeom prst="line">
+            <a:avLst/>
+          </a:prstGeom>
+          <a:ln w="12700">
+            <a:solidFill>
+              <a:srgbClr val="FF0000"/>
+            </a:solidFill>
+            <a:prstDash val="dash"/>
+          </a:ln>
+        </p:spPr>
+        <p:style>
+          <a:lnRef idx="1">
+            <a:schemeClr val="accent1"/>
+          </a:lnRef>
+          <a:fillRef idx="0">
+            <a:schemeClr val="accent1"/>
+          </a:fillRef>
+          <a:effectRef idx="0">
+            <a:schemeClr val="accent1"/>
+          </a:effectRef>
+          <a:fontRef idx="minor">
+            <a:schemeClr val="tx1"/>
+          </a:fontRef>
+        </p:style>
+      </p:cxnSp>
     </p:spTree>
     <p:extLst>
       <p:ext uri="{BB962C8B-B14F-4D97-AF65-F5344CB8AC3E}">
@@ -2520,7 +5052,1472 @@
 </p:sld>
 </file>
 
-<file path=ppt/slides/slide2.xml><?xml version="1.0" encoding="utf-8"?>
+<file path=ppt/slides/slide3.xml><?xml version="1.0" encoding="utf-8"?>
+<p:sld xmlns:a="http://schemas.openxmlformats.org/drawingml/2006/main" xmlns:r="http://schemas.openxmlformats.org/officeDocument/2006/relationships" xmlns:p="http://schemas.openxmlformats.org/presentationml/2006/main">
+  <p:cSld>
+    <p:spTree>
+      <p:nvGrpSpPr>
+        <p:cNvPr id="1" name=""/>
+        <p:cNvGrpSpPr/>
+        <p:nvPr/>
+      </p:nvGrpSpPr>
+      <p:grpSpPr>
+        <a:xfrm>
+          <a:off x="0" y="0"/>
+          <a:ext cx="0" cy="0"/>
+          <a:chOff x="0" y="0"/>
+          <a:chExt cx="0" cy="0"/>
+        </a:xfrm>
+      </p:grpSpPr>
+      <p:sp>
+        <p:nvSpPr>
+          <p:cNvPr id="2" name="テキスト ボックス 1">
+            <a:extLst>
+              <a:ext uri="{FF2B5EF4-FFF2-40B4-BE49-F238E27FC236}">
+                <a16:creationId xmlns:a16="http://schemas.microsoft.com/office/drawing/2014/main" id="{8C3C32F1-AD99-5C4B-A5FD-8175604ABB21}"/>
+              </a:ext>
+            </a:extLst>
+          </p:cNvPr>
+          <p:cNvSpPr txBox="1"/>
+          <p:nvPr/>
+        </p:nvSpPr>
+        <p:spPr>
+          <a:xfrm>
+            <a:off x="857989" y="978772"/>
+            <a:ext cx="2646878" cy="584775"/>
+          </a:xfrm>
+          <a:prstGeom prst="rect">
+            <a:avLst/>
+          </a:prstGeom>
+          <a:noFill/>
+        </p:spPr>
+        <p:txBody>
+          <a:bodyPr wrap="none" rtlCol="0">
+            <a:spAutoFit/>
+          </a:bodyPr>
+          <a:lstStyle/>
+          <a:p>
+            <a:r>
+              <a:rPr kumimoji="1" lang="ja-JP" altLang="en-US" sz="3200"/>
+              <a:t>空間の離散化</a:t>
+            </a:r>
+          </a:p>
+        </p:txBody>
+      </p:sp>
+      <p:sp>
+        <p:nvSpPr>
+          <p:cNvPr id="3" name="テキスト ボックス 2">
+            <a:extLst>
+              <a:ext uri="{FF2B5EF4-FFF2-40B4-BE49-F238E27FC236}">
+                <a16:creationId xmlns:a16="http://schemas.microsoft.com/office/drawing/2014/main" id="{40A153F3-0833-BA4B-BCB2-BC18EA91D47B}"/>
+              </a:ext>
+            </a:extLst>
+          </p:cNvPr>
+          <p:cNvSpPr txBox="1"/>
+          <p:nvPr/>
+        </p:nvSpPr>
+        <p:spPr>
+          <a:xfrm>
+            <a:off x="5610517" y="978772"/>
+            <a:ext cx="2646878" cy="584775"/>
+          </a:xfrm>
+          <a:prstGeom prst="rect">
+            <a:avLst/>
+          </a:prstGeom>
+          <a:noFill/>
+        </p:spPr>
+        <p:txBody>
+          <a:bodyPr wrap="none" rtlCol="0">
+            <a:spAutoFit/>
+          </a:bodyPr>
+          <a:lstStyle/>
+          <a:p>
+            <a:r>
+              <a:rPr kumimoji="1" lang="ja-JP" altLang="en-US" sz="3200"/>
+              <a:t>時間の離散化</a:t>
+            </a:r>
+          </a:p>
+        </p:txBody>
+      </p:sp>
+      <p:pic>
+        <p:nvPicPr>
+          <p:cNvPr id="4" name="図 3">
+            <a:extLst>
+              <a:ext uri="{FF2B5EF4-FFF2-40B4-BE49-F238E27FC236}">
+                <a16:creationId xmlns:a16="http://schemas.microsoft.com/office/drawing/2014/main" id="{7003BC49-C70E-F743-8489-27EFF2CF1445}"/>
+              </a:ext>
+            </a:extLst>
+          </p:cNvPr>
+          <p:cNvPicPr>
+            <a:picLocks noChangeAspect="1"/>
+          </p:cNvPicPr>
+          <p:nvPr/>
+        </p:nvPicPr>
+        <p:blipFill>
+          <a:blip r:embed="rId2"/>
+          <a:stretch>
+            <a:fillRect/>
+          </a:stretch>
+        </p:blipFill>
+        <p:spPr>
+          <a:xfrm>
+            <a:off x="1290037" y="1986884"/>
+            <a:ext cx="1917700" cy="1333500"/>
+          </a:xfrm>
+          <a:prstGeom prst="rect">
+            <a:avLst/>
+          </a:prstGeom>
+        </p:spPr>
+      </p:pic>
+      <p:pic>
+        <p:nvPicPr>
+          <p:cNvPr id="5" name="図 4">
+            <a:extLst>
+              <a:ext uri="{FF2B5EF4-FFF2-40B4-BE49-F238E27FC236}">
+                <a16:creationId xmlns:a16="http://schemas.microsoft.com/office/drawing/2014/main" id="{9612D1C4-9023-B146-87AB-F0AA765CE612}"/>
+              </a:ext>
+            </a:extLst>
+          </p:cNvPr>
+          <p:cNvPicPr>
+            <a:picLocks noChangeAspect="1"/>
+          </p:cNvPicPr>
+          <p:nvPr/>
+        </p:nvPicPr>
+        <p:blipFill>
+          <a:blip r:embed="rId3"/>
+          <a:stretch>
+            <a:fillRect/>
+          </a:stretch>
+        </p:blipFill>
+        <p:spPr>
+          <a:xfrm>
+            <a:off x="1381588" y="3653230"/>
+            <a:ext cx="1584176" cy="1589915"/>
+          </a:xfrm>
+          <a:prstGeom prst="rect">
+            <a:avLst/>
+          </a:prstGeom>
+        </p:spPr>
+      </p:pic>
+      <p:sp>
+        <p:nvSpPr>
+          <p:cNvPr id="6" name="正方形/長方形 5">
+            <a:extLst>
+              <a:ext uri="{FF2B5EF4-FFF2-40B4-BE49-F238E27FC236}">
+                <a16:creationId xmlns:a16="http://schemas.microsoft.com/office/drawing/2014/main" id="{1324100E-F13C-E64E-B338-80D0D73A77A2}"/>
+              </a:ext>
+            </a:extLst>
+          </p:cNvPr>
+          <p:cNvSpPr/>
+          <p:nvPr/>
+        </p:nvSpPr>
+        <p:spPr>
+          <a:xfrm>
+            <a:off x="2082125" y="2778972"/>
+            <a:ext cx="72008" cy="72008"/>
+          </a:xfrm>
+          <a:prstGeom prst="rect">
+            <a:avLst/>
+          </a:prstGeom>
+          <a:noFill/>
+          <a:ln>
+            <a:solidFill>
+              <a:schemeClr val="tx1"/>
+            </a:solidFill>
+          </a:ln>
+        </p:spPr>
+        <p:style>
+          <a:lnRef idx="2">
+            <a:schemeClr val="accent1">
+              <a:shade val="50000"/>
+            </a:schemeClr>
+          </a:lnRef>
+          <a:fillRef idx="1">
+            <a:schemeClr val="accent1"/>
+          </a:fillRef>
+          <a:effectRef idx="0">
+            <a:schemeClr val="accent1"/>
+          </a:effectRef>
+          <a:fontRef idx="minor">
+            <a:schemeClr val="lt1"/>
+          </a:fontRef>
+        </p:style>
+        <p:txBody>
+          <a:bodyPr rtlCol="0" anchor="ctr"/>
+          <a:lstStyle/>
+          <a:p>
+            <a:pPr algn="ctr"/>
+            <a:endParaRPr kumimoji="1" lang="ja-JP" altLang="en-US"/>
+          </a:p>
+        </p:txBody>
+      </p:sp>
+      <p:cxnSp>
+        <p:nvCxnSpPr>
+          <p:cNvPr id="7" name="直線コネクタ 6">
+            <a:extLst>
+              <a:ext uri="{FF2B5EF4-FFF2-40B4-BE49-F238E27FC236}">
+                <a16:creationId xmlns:a16="http://schemas.microsoft.com/office/drawing/2014/main" id="{766AA249-F0B3-1043-ADEC-2CB6BF923EEF}"/>
+              </a:ext>
+            </a:extLst>
+          </p:cNvPr>
+          <p:cNvCxnSpPr>
+            <a:cxnSpLocks/>
+          </p:cNvCxnSpPr>
+          <p:nvPr/>
+        </p:nvCxnSpPr>
+        <p:spPr>
+          <a:xfrm flipH="1">
+            <a:off x="1381588" y="2855172"/>
+            <a:ext cx="693642" cy="798058"/>
+          </a:xfrm>
+          <a:prstGeom prst="line">
+            <a:avLst/>
+          </a:prstGeom>
+          <a:ln>
+            <a:solidFill>
+              <a:schemeClr val="tx1"/>
+            </a:solidFill>
+          </a:ln>
+        </p:spPr>
+        <p:style>
+          <a:lnRef idx="1">
+            <a:schemeClr val="accent1"/>
+          </a:lnRef>
+          <a:fillRef idx="0">
+            <a:schemeClr val="accent1"/>
+          </a:fillRef>
+          <a:effectRef idx="0">
+            <a:schemeClr val="accent1"/>
+          </a:effectRef>
+          <a:fontRef idx="minor">
+            <a:schemeClr val="tx1"/>
+          </a:fontRef>
+        </p:style>
+      </p:cxnSp>
+      <p:cxnSp>
+        <p:nvCxnSpPr>
+          <p:cNvPr id="8" name="直線コネクタ 7">
+            <a:extLst>
+              <a:ext uri="{FF2B5EF4-FFF2-40B4-BE49-F238E27FC236}">
+                <a16:creationId xmlns:a16="http://schemas.microsoft.com/office/drawing/2014/main" id="{2F25EB7D-C074-1C41-B889-A1B6BDED8BF0}"/>
+              </a:ext>
+            </a:extLst>
+          </p:cNvPr>
+          <p:cNvCxnSpPr>
+            <a:cxnSpLocks/>
+          </p:cNvCxnSpPr>
+          <p:nvPr/>
+        </p:nvCxnSpPr>
+        <p:spPr>
+          <a:xfrm>
+            <a:off x="2160954" y="2851997"/>
+            <a:ext cx="804810" cy="801233"/>
+          </a:xfrm>
+          <a:prstGeom prst="line">
+            <a:avLst/>
+          </a:prstGeom>
+          <a:ln>
+            <a:solidFill>
+              <a:schemeClr val="tx1"/>
+            </a:solidFill>
+          </a:ln>
+        </p:spPr>
+        <p:style>
+          <a:lnRef idx="1">
+            <a:schemeClr val="accent1"/>
+          </a:lnRef>
+          <a:fillRef idx="0">
+            <a:schemeClr val="accent1"/>
+          </a:fillRef>
+          <a:effectRef idx="0">
+            <a:schemeClr val="accent1"/>
+          </a:effectRef>
+          <a:fontRef idx="minor">
+            <a:schemeClr val="tx1"/>
+          </a:fontRef>
+        </p:style>
+      </p:cxnSp>
+      <p:pic>
+        <p:nvPicPr>
+          <p:cNvPr id="9" name="図 8">
+            <a:extLst>
+              <a:ext uri="{FF2B5EF4-FFF2-40B4-BE49-F238E27FC236}">
+                <a16:creationId xmlns:a16="http://schemas.microsoft.com/office/drawing/2014/main" id="{DCF6F789-DABA-CE49-AAC7-353B8C95E9C3}"/>
+              </a:ext>
+            </a:extLst>
+          </p:cNvPr>
+          <p:cNvPicPr>
+            <a:picLocks noChangeAspect="1"/>
+          </p:cNvPicPr>
+          <p:nvPr/>
+        </p:nvPicPr>
+        <p:blipFill>
+          <a:blip r:embed="rId4"/>
+          <a:stretch>
+            <a:fillRect/>
+          </a:stretch>
+        </p:blipFill>
+        <p:spPr>
+          <a:xfrm>
+            <a:off x="6074272" y="1965755"/>
+            <a:ext cx="1507344" cy="1356610"/>
+          </a:xfrm>
+          <a:prstGeom prst="rect">
+            <a:avLst/>
+          </a:prstGeom>
+        </p:spPr>
+      </p:pic>
+      <p:pic>
+        <p:nvPicPr>
+          <p:cNvPr id="10" name="図 9">
+            <a:extLst>
+              <a:ext uri="{FF2B5EF4-FFF2-40B4-BE49-F238E27FC236}">
+                <a16:creationId xmlns:a16="http://schemas.microsoft.com/office/drawing/2014/main" id="{3D2CF6E7-FEC6-C54C-905A-86F1F97FDBD2}"/>
+              </a:ext>
+            </a:extLst>
+          </p:cNvPr>
+          <p:cNvPicPr>
+            <a:picLocks noChangeAspect="1"/>
+          </p:cNvPicPr>
+          <p:nvPr/>
+        </p:nvPicPr>
+        <p:blipFill>
+          <a:blip r:embed="rId5"/>
+          <a:stretch>
+            <a:fillRect/>
+          </a:stretch>
+        </p:blipFill>
+        <p:spPr>
+          <a:xfrm>
+            <a:off x="5867190" y="4202787"/>
+            <a:ext cx="1009371" cy="1009371"/>
+          </a:xfrm>
+          <a:prstGeom prst="rect">
+            <a:avLst/>
+          </a:prstGeom>
+        </p:spPr>
+      </p:pic>
+      <p:pic>
+        <p:nvPicPr>
+          <p:cNvPr id="11" name="図 10">
+            <a:extLst>
+              <a:ext uri="{FF2B5EF4-FFF2-40B4-BE49-F238E27FC236}">
+                <a16:creationId xmlns:a16="http://schemas.microsoft.com/office/drawing/2014/main" id="{008BF88B-70A9-0647-A179-7B3ED7B4F717}"/>
+              </a:ext>
+            </a:extLst>
+          </p:cNvPr>
+          <p:cNvPicPr>
+            <a:picLocks noChangeAspect="1"/>
+          </p:cNvPicPr>
+          <p:nvPr/>
+        </p:nvPicPr>
+        <p:blipFill>
+          <a:blip r:embed="rId5"/>
+          <a:stretch>
+            <a:fillRect/>
+          </a:stretch>
+        </p:blipFill>
+        <p:spPr>
+          <a:xfrm>
+            <a:off x="6361758" y="2115621"/>
+            <a:ext cx="907564" cy="907564"/>
+          </a:xfrm>
+          <a:prstGeom prst="rect">
+            <a:avLst/>
+          </a:prstGeom>
+        </p:spPr>
+      </p:pic>
+      <p:grpSp>
+        <p:nvGrpSpPr>
+          <p:cNvPr id="12" name="グループ化 11">
+            <a:extLst>
+              <a:ext uri="{FF2B5EF4-FFF2-40B4-BE49-F238E27FC236}">
+                <a16:creationId xmlns:a16="http://schemas.microsoft.com/office/drawing/2014/main" id="{6E4DFFC5-0A8A-0A4C-BB44-8D111C8316E2}"/>
+              </a:ext>
+            </a:extLst>
+          </p:cNvPr>
+          <p:cNvGrpSpPr/>
+          <p:nvPr/>
+        </p:nvGrpSpPr>
+        <p:grpSpPr>
+          <a:xfrm rot="2638418">
+            <a:off x="6468785" y="2192781"/>
+            <a:ext cx="123517" cy="183472"/>
+            <a:chOff x="4956750" y="4079822"/>
+            <a:chExt cx="237342" cy="259830"/>
+          </a:xfrm>
+        </p:grpSpPr>
+        <p:sp>
+          <p:nvSpPr>
+            <p:cNvPr id="13" name="フリーフォーム 12">
+              <a:extLst>
+                <a:ext uri="{FF2B5EF4-FFF2-40B4-BE49-F238E27FC236}">
+                  <a16:creationId xmlns:a16="http://schemas.microsoft.com/office/drawing/2014/main" id="{056C1021-4FAB-0945-A774-04BBF33DC37E}"/>
+                </a:ext>
+              </a:extLst>
+            </p:cNvPr>
+            <p:cNvSpPr/>
+            <p:nvPr/>
+          </p:nvSpPr>
+          <p:spPr>
+            <a:xfrm>
+              <a:off x="5111648" y="4084819"/>
+              <a:ext cx="82444" cy="254833"/>
+            </a:xfrm>
+            <a:custGeom>
+              <a:avLst/>
+              <a:gdLst>
+                <a:gd name="connsiteX0" fmla="*/ 284813 w 284813"/>
+                <a:gd name="connsiteY0" fmla="*/ 0 h 1274164"/>
+                <a:gd name="connsiteX1" fmla="*/ 0 w 284813"/>
+                <a:gd name="connsiteY1" fmla="*/ 682052 h 1274164"/>
+                <a:gd name="connsiteX2" fmla="*/ 284813 w 284813"/>
+                <a:gd name="connsiteY2" fmla="*/ 1274164 h 1274164"/>
+              </a:gdLst>
+              <a:ahLst/>
+              <a:cxnLst>
+                <a:cxn ang="0">
+                  <a:pos x="connsiteX0" y="connsiteY0"/>
+                </a:cxn>
+                <a:cxn ang="0">
+                  <a:pos x="connsiteX1" y="connsiteY1"/>
+                </a:cxn>
+                <a:cxn ang="0">
+                  <a:pos x="connsiteX2" y="connsiteY2"/>
+                </a:cxn>
+              </a:cxnLst>
+              <a:rect l="l" t="t" r="r" b="b"/>
+              <a:pathLst>
+                <a:path w="284813" h="1274164">
+                  <a:moveTo>
+                    <a:pt x="284813" y="0"/>
+                  </a:moveTo>
+                  <a:cubicBezTo>
+                    <a:pt x="142406" y="234845"/>
+                    <a:pt x="0" y="469691"/>
+                    <a:pt x="0" y="682052"/>
+                  </a:cubicBezTo>
+                  <a:cubicBezTo>
+                    <a:pt x="0" y="894413"/>
+                    <a:pt x="142406" y="1084288"/>
+                    <a:pt x="284813" y="1274164"/>
+                  </a:cubicBezTo>
+                </a:path>
+              </a:pathLst>
+            </a:custGeom>
+            <a:noFill/>
+            <a:ln>
+              <a:solidFill>
+                <a:schemeClr val="tx1"/>
+              </a:solidFill>
+            </a:ln>
+          </p:spPr>
+          <p:style>
+            <a:lnRef idx="2">
+              <a:schemeClr val="accent1">
+                <a:shade val="50000"/>
+              </a:schemeClr>
+            </a:lnRef>
+            <a:fillRef idx="1">
+              <a:schemeClr val="accent1"/>
+            </a:fillRef>
+            <a:effectRef idx="0">
+              <a:schemeClr val="accent1"/>
+            </a:effectRef>
+            <a:fontRef idx="minor">
+              <a:schemeClr val="lt1"/>
+            </a:fontRef>
+          </p:style>
+          <p:txBody>
+            <a:bodyPr rtlCol="0" anchor="ctr"/>
+            <a:lstStyle/>
+            <a:p>
+              <a:pPr algn="ctr"/>
+              <a:endParaRPr kumimoji="1" lang="ja-JP" altLang="en-US"/>
+            </a:p>
+          </p:txBody>
+        </p:sp>
+        <p:sp>
+          <p:nvSpPr>
+            <p:cNvPr id="14" name="フリーフォーム 13">
+              <a:extLst>
+                <a:ext uri="{FF2B5EF4-FFF2-40B4-BE49-F238E27FC236}">
+                  <a16:creationId xmlns:a16="http://schemas.microsoft.com/office/drawing/2014/main" id="{C90816B8-FD60-7B45-A263-8391A21C5C0A}"/>
+                </a:ext>
+              </a:extLst>
+            </p:cNvPr>
+            <p:cNvSpPr/>
+            <p:nvPr/>
+          </p:nvSpPr>
+          <p:spPr>
+            <a:xfrm>
+              <a:off x="5039195" y="4079822"/>
+              <a:ext cx="82444" cy="254833"/>
+            </a:xfrm>
+            <a:custGeom>
+              <a:avLst/>
+              <a:gdLst>
+                <a:gd name="connsiteX0" fmla="*/ 284813 w 284813"/>
+                <a:gd name="connsiteY0" fmla="*/ 0 h 1274164"/>
+                <a:gd name="connsiteX1" fmla="*/ 0 w 284813"/>
+                <a:gd name="connsiteY1" fmla="*/ 682052 h 1274164"/>
+                <a:gd name="connsiteX2" fmla="*/ 284813 w 284813"/>
+                <a:gd name="connsiteY2" fmla="*/ 1274164 h 1274164"/>
+              </a:gdLst>
+              <a:ahLst/>
+              <a:cxnLst>
+                <a:cxn ang="0">
+                  <a:pos x="connsiteX0" y="connsiteY0"/>
+                </a:cxn>
+                <a:cxn ang="0">
+                  <a:pos x="connsiteX1" y="connsiteY1"/>
+                </a:cxn>
+                <a:cxn ang="0">
+                  <a:pos x="connsiteX2" y="connsiteY2"/>
+                </a:cxn>
+              </a:cxnLst>
+              <a:rect l="l" t="t" r="r" b="b"/>
+              <a:pathLst>
+                <a:path w="284813" h="1274164">
+                  <a:moveTo>
+                    <a:pt x="284813" y="0"/>
+                  </a:moveTo>
+                  <a:cubicBezTo>
+                    <a:pt x="142406" y="234845"/>
+                    <a:pt x="0" y="469691"/>
+                    <a:pt x="0" y="682052"/>
+                  </a:cubicBezTo>
+                  <a:cubicBezTo>
+                    <a:pt x="0" y="894413"/>
+                    <a:pt x="142406" y="1084288"/>
+                    <a:pt x="284813" y="1274164"/>
+                  </a:cubicBezTo>
+                </a:path>
+              </a:pathLst>
+            </a:custGeom>
+            <a:noFill/>
+            <a:ln>
+              <a:solidFill>
+                <a:schemeClr val="tx1"/>
+              </a:solidFill>
+            </a:ln>
+          </p:spPr>
+          <p:style>
+            <a:lnRef idx="2">
+              <a:schemeClr val="accent1">
+                <a:shade val="50000"/>
+              </a:schemeClr>
+            </a:lnRef>
+            <a:fillRef idx="1">
+              <a:schemeClr val="accent1"/>
+            </a:fillRef>
+            <a:effectRef idx="0">
+              <a:schemeClr val="accent1"/>
+            </a:effectRef>
+            <a:fontRef idx="minor">
+              <a:schemeClr val="lt1"/>
+            </a:fontRef>
+          </p:style>
+          <p:txBody>
+            <a:bodyPr rtlCol="0" anchor="ctr"/>
+            <a:lstStyle/>
+            <a:p>
+              <a:pPr algn="ctr"/>
+              <a:endParaRPr kumimoji="1" lang="ja-JP" altLang="en-US"/>
+            </a:p>
+          </p:txBody>
+        </p:sp>
+        <p:sp>
+          <p:nvSpPr>
+            <p:cNvPr id="15" name="フリーフォーム 14">
+              <a:extLst>
+                <a:ext uri="{FF2B5EF4-FFF2-40B4-BE49-F238E27FC236}">
+                  <a16:creationId xmlns:a16="http://schemas.microsoft.com/office/drawing/2014/main" id="{BBD3AA0F-6511-3544-8628-5609D02F83C4}"/>
+                </a:ext>
+              </a:extLst>
+            </p:cNvPr>
+            <p:cNvSpPr/>
+            <p:nvPr/>
+          </p:nvSpPr>
+          <p:spPr>
+            <a:xfrm>
+              <a:off x="4956750" y="4079822"/>
+              <a:ext cx="82444" cy="254833"/>
+            </a:xfrm>
+            <a:custGeom>
+              <a:avLst/>
+              <a:gdLst>
+                <a:gd name="connsiteX0" fmla="*/ 284813 w 284813"/>
+                <a:gd name="connsiteY0" fmla="*/ 0 h 1274164"/>
+                <a:gd name="connsiteX1" fmla="*/ 0 w 284813"/>
+                <a:gd name="connsiteY1" fmla="*/ 682052 h 1274164"/>
+                <a:gd name="connsiteX2" fmla="*/ 284813 w 284813"/>
+                <a:gd name="connsiteY2" fmla="*/ 1274164 h 1274164"/>
+              </a:gdLst>
+              <a:ahLst/>
+              <a:cxnLst>
+                <a:cxn ang="0">
+                  <a:pos x="connsiteX0" y="connsiteY0"/>
+                </a:cxn>
+                <a:cxn ang="0">
+                  <a:pos x="connsiteX1" y="connsiteY1"/>
+                </a:cxn>
+                <a:cxn ang="0">
+                  <a:pos x="connsiteX2" y="connsiteY2"/>
+                </a:cxn>
+              </a:cxnLst>
+              <a:rect l="l" t="t" r="r" b="b"/>
+              <a:pathLst>
+                <a:path w="284813" h="1274164">
+                  <a:moveTo>
+                    <a:pt x="284813" y="0"/>
+                  </a:moveTo>
+                  <a:cubicBezTo>
+                    <a:pt x="142406" y="234845"/>
+                    <a:pt x="0" y="469691"/>
+                    <a:pt x="0" y="682052"/>
+                  </a:cubicBezTo>
+                  <a:cubicBezTo>
+                    <a:pt x="0" y="894413"/>
+                    <a:pt x="142406" y="1084288"/>
+                    <a:pt x="284813" y="1274164"/>
+                  </a:cubicBezTo>
+                </a:path>
+              </a:pathLst>
+            </a:custGeom>
+            <a:noFill/>
+            <a:ln>
+              <a:solidFill>
+                <a:schemeClr val="tx1"/>
+              </a:solidFill>
+            </a:ln>
+          </p:spPr>
+          <p:style>
+            <a:lnRef idx="2">
+              <a:schemeClr val="accent1">
+                <a:shade val="50000"/>
+              </a:schemeClr>
+            </a:lnRef>
+            <a:fillRef idx="1">
+              <a:schemeClr val="accent1"/>
+            </a:fillRef>
+            <a:effectRef idx="0">
+              <a:schemeClr val="accent1"/>
+            </a:effectRef>
+            <a:fontRef idx="minor">
+              <a:schemeClr val="lt1"/>
+            </a:fontRef>
+          </p:style>
+          <p:txBody>
+            <a:bodyPr rtlCol="0" anchor="ctr"/>
+            <a:lstStyle/>
+            <a:p>
+              <a:pPr algn="ctr"/>
+              <a:endParaRPr kumimoji="1" lang="ja-JP" altLang="en-US"/>
+            </a:p>
+          </p:txBody>
+        </p:sp>
+      </p:grpSp>
+      <p:sp>
+        <p:nvSpPr>
+          <p:cNvPr id="16" name="フリーフォーム 15">
+            <a:extLst>
+              <a:ext uri="{FF2B5EF4-FFF2-40B4-BE49-F238E27FC236}">
+                <a16:creationId xmlns:a16="http://schemas.microsoft.com/office/drawing/2014/main" id="{49257F18-EF35-C149-97EC-BFB851A97E68}"/>
+              </a:ext>
+            </a:extLst>
+          </p:cNvPr>
+          <p:cNvSpPr/>
+          <p:nvPr/>
+        </p:nvSpPr>
+        <p:spPr>
+          <a:xfrm>
+            <a:off x="6372411" y="2620325"/>
+            <a:ext cx="82444" cy="254833"/>
+          </a:xfrm>
+          <a:custGeom>
+            <a:avLst/>
+            <a:gdLst>
+              <a:gd name="connsiteX0" fmla="*/ 284813 w 284813"/>
+              <a:gd name="connsiteY0" fmla="*/ 0 h 1274164"/>
+              <a:gd name="connsiteX1" fmla="*/ 0 w 284813"/>
+              <a:gd name="connsiteY1" fmla="*/ 682052 h 1274164"/>
+              <a:gd name="connsiteX2" fmla="*/ 284813 w 284813"/>
+              <a:gd name="connsiteY2" fmla="*/ 1274164 h 1274164"/>
+            </a:gdLst>
+            <a:ahLst/>
+            <a:cxnLst>
+              <a:cxn ang="0">
+                <a:pos x="connsiteX0" y="connsiteY0"/>
+              </a:cxn>
+              <a:cxn ang="0">
+                <a:pos x="connsiteX1" y="connsiteY1"/>
+              </a:cxn>
+              <a:cxn ang="0">
+                <a:pos x="connsiteX2" y="connsiteY2"/>
+              </a:cxn>
+            </a:cxnLst>
+            <a:rect l="l" t="t" r="r" b="b"/>
+            <a:pathLst>
+              <a:path w="284813" h="1274164">
+                <a:moveTo>
+                  <a:pt x="284813" y="0"/>
+                </a:moveTo>
+                <a:cubicBezTo>
+                  <a:pt x="142406" y="234845"/>
+                  <a:pt x="0" y="469691"/>
+                  <a:pt x="0" y="682052"/>
+                </a:cubicBezTo>
+                <a:cubicBezTo>
+                  <a:pt x="0" y="894413"/>
+                  <a:pt x="142406" y="1084288"/>
+                  <a:pt x="284813" y="1274164"/>
+                </a:cubicBezTo>
+              </a:path>
+            </a:pathLst>
+          </a:custGeom>
+          <a:noFill/>
+          <a:ln>
+            <a:solidFill>
+              <a:schemeClr val="tx1"/>
+            </a:solidFill>
+          </a:ln>
+        </p:spPr>
+        <p:style>
+          <a:lnRef idx="2">
+            <a:schemeClr val="accent1">
+              <a:shade val="50000"/>
+            </a:schemeClr>
+          </a:lnRef>
+          <a:fillRef idx="1">
+            <a:schemeClr val="accent1"/>
+          </a:fillRef>
+          <a:effectRef idx="0">
+            <a:schemeClr val="accent1"/>
+          </a:effectRef>
+          <a:fontRef idx="minor">
+            <a:schemeClr val="lt1"/>
+          </a:fontRef>
+        </p:style>
+        <p:txBody>
+          <a:bodyPr rtlCol="0" anchor="ctr"/>
+          <a:lstStyle/>
+          <a:p>
+            <a:pPr algn="ctr"/>
+            <a:endParaRPr kumimoji="1" lang="ja-JP" altLang="en-US"/>
+          </a:p>
+        </p:txBody>
+      </p:sp>
+      <p:sp>
+        <p:nvSpPr>
+          <p:cNvPr id="17" name="フリーフォーム 16">
+            <a:extLst>
+              <a:ext uri="{FF2B5EF4-FFF2-40B4-BE49-F238E27FC236}">
+                <a16:creationId xmlns:a16="http://schemas.microsoft.com/office/drawing/2014/main" id="{D96FA7F6-EE45-4A48-AE33-CF6347C46AA1}"/>
+              </a:ext>
+            </a:extLst>
+          </p:cNvPr>
+          <p:cNvSpPr/>
+          <p:nvPr/>
+        </p:nvSpPr>
+        <p:spPr>
+          <a:xfrm>
+            <a:off x="6299958" y="2615328"/>
+            <a:ext cx="82444" cy="254833"/>
+          </a:xfrm>
+          <a:custGeom>
+            <a:avLst/>
+            <a:gdLst>
+              <a:gd name="connsiteX0" fmla="*/ 284813 w 284813"/>
+              <a:gd name="connsiteY0" fmla="*/ 0 h 1274164"/>
+              <a:gd name="connsiteX1" fmla="*/ 0 w 284813"/>
+              <a:gd name="connsiteY1" fmla="*/ 682052 h 1274164"/>
+              <a:gd name="connsiteX2" fmla="*/ 284813 w 284813"/>
+              <a:gd name="connsiteY2" fmla="*/ 1274164 h 1274164"/>
+            </a:gdLst>
+            <a:ahLst/>
+            <a:cxnLst>
+              <a:cxn ang="0">
+                <a:pos x="connsiteX0" y="connsiteY0"/>
+              </a:cxn>
+              <a:cxn ang="0">
+                <a:pos x="connsiteX1" y="connsiteY1"/>
+              </a:cxn>
+              <a:cxn ang="0">
+                <a:pos x="connsiteX2" y="connsiteY2"/>
+              </a:cxn>
+            </a:cxnLst>
+            <a:rect l="l" t="t" r="r" b="b"/>
+            <a:pathLst>
+              <a:path w="284813" h="1274164">
+                <a:moveTo>
+                  <a:pt x="284813" y="0"/>
+                </a:moveTo>
+                <a:cubicBezTo>
+                  <a:pt x="142406" y="234845"/>
+                  <a:pt x="0" y="469691"/>
+                  <a:pt x="0" y="682052"/>
+                </a:cubicBezTo>
+                <a:cubicBezTo>
+                  <a:pt x="0" y="894413"/>
+                  <a:pt x="142406" y="1084288"/>
+                  <a:pt x="284813" y="1274164"/>
+                </a:cubicBezTo>
+              </a:path>
+            </a:pathLst>
+          </a:custGeom>
+          <a:noFill/>
+          <a:ln>
+            <a:solidFill>
+              <a:schemeClr val="tx1"/>
+            </a:solidFill>
+          </a:ln>
+        </p:spPr>
+        <p:style>
+          <a:lnRef idx="2">
+            <a:schemeClr val="accent1">
+              <a:shade val="50000"/>
+            </a:schemeClr>
+          </a:lnRef>
+          <a:fillRef idx="1">
+            <a:schemeClr val="accent1"/>
+          </a:fillRef>
+          <a:effectRef idx="0">
+            <a:schemeClr val="accent1"/>
+          </a:effectRef>
+          <a:fontRef idx="minor">
+            <a:schemeClr val="lt1"/>
+          </a:fontRef>
+        </p:style>
+        <p:txBody>
+          <a:bodyPr rtlCol="0" anchor="ctr"/>
+          <a:lstStyle/>
+          <a:p>
+            <a:pPr algn="ctr"/>
+            <a:endParaRPr kumimoji="1" lang="ja-JP" altLang="en-US"/>
+          </a:p>
+        </p:txBody>
+      </p:sp>
+      <p:sp>
+        <p:nvSpPr>
+          <p:cNvPr id="18" name="フリーフォーム 17">
+            <a:extLst>
+              <a:ext uri="{FF2B5EF4-FFF2-40B4-BE49-F238E27FC236}">
+                <a16:creationId xmlns:a16="http://schemas.microsoft.com/office/drawing/2014/main" id="{BAC7B4ED-19CE-5D4D-BF25-7F3B3DB551C8}"/>
+              </a:ext>
+            </a:extLst>
+          </p:cNvPr>
+          <p:cNvSpPr/>
+          <p:nvPr/>
+        </p:nvSpPr>
+        <p:spPr>
+          <a:xfrm>
+            <a:off x="6217513" y="2615328"/>
+            <a:ext cx="82444" cy="254833"/>
+          </a:xfrm>
+          <a:custGeom>
+            <a:avLst/>
+            <a:gdLst>
+              <a:gd name="connsiteX0" fmla="*/ 284813 w 284813"/>
+              <a:gd name="connsiteY0" fmla="*/ 0 h 1274164"/>
+              <a:gd name="connsiteX1" fmla="*/ 0 w 284813"/>
+              <a:gd name="connsiteY1" fmla="*/ 682052 h 1274164"/>
+              <a:gd name="connsiteX2" fmla="*/ 284813 w 284813"/>
+              <a:gd name="connsiteY2" fmla="*/ 1274164 h 1274164"/>
+            </a:gdLst>
+            <a:ahLst/>
+            <a:cxnLst>
+              <a:cxn ang="0">
+                <a:pos x="connsiteX0" y="connsiteY0"/>
+              </a:cxn>
+              <a:cxn ang="0">
+                <a:pos x="connsiteX1" y="connsiteY1"/>
+              </a:cxn>
+              <a:cxn ang="0">
+                <a:pos x="connsiteX2" y="connsiteY2"/>
+              </a:cxn>
+            </a:cxnLst>
+            <a:rect l="l" t="t" r="r" b="b"/>
+            <a:pathLst>
+              <a:path w="284813" h="1274164">
+                <a:moveTo>
+                  <a:pt x="284813" y="0"/>
+                </a:moveTo>
+                <a:cubicBezTo>
+                  <a:pt x="142406" y="234845"/>
+                  <a:pt x="0" y="469691"/>
+                  <a:pt x="0" y="682052"/>
+                </a:cubicBezTo>
+                <a:cubicBezTo>
+                  <a:pt x="0" y="894413"/>
+                  <a:pt x="142406" y="1084288"/>
+                  <a:pt x="284813" y="1274164"/>
+                </a:cubicBezTo>
+              </a:path>
+            </a:pathLst>
+          </a:custGeom>
+          <a:noFill/>
+          <a:ln>
+            <a:solidFill>
+              <a:schemeClr val="tx1"/>
+            </a:solidFill>
+          </a:ln>
+        </p:spPr>
+        <p:style>
+          <a:lnRef idx="2">
+            <a:schemeClr val="accent1">
+              <a:shade val="50000"/>
+            </a:schemeClr>
+          </a:lnRef>
+          <a:fillRef idx="1">
+            <a:schemeClr val="accent1"/>
+          </a:fillRef>
+          <a:effectRef idx="0">
+            <a:schemeClr val="accent1"/>
+          </a:effectRef>
+          <a:fontRef idx="minor">
+            <a:schemeClr val="lt1"/>
+          </a:fontRef>
+        </p:style>
+        <p:txBody>
+          <a:bodyPr rtlCol="0" anchor="ctr"/>
+          <a:lstStyle/>
+          <a:p>
+            <a:pPr algn="ctr"/>
+            <a:endParaRPr kumimoji="1" lang="ja-JP" altLang="en-US"/>
+          </a:p>
+        </p:txBody>
+      </p:sp>
+      <p:grpSp>
+        <p:nvGrpSpPr>
+          <p:cNvPr id="19" name="グループ化 18">
+            <a:extLst>
+              <a:ext uri="{FF2B5EF4-FFF2-40B4-BE49-F238E27FC236}">
+                <a16:creationId xmlns:a16="http://schemas.microsoft.com/office/drawing/2014/main" id="{6880CAB1-2F76-6D40-9B66-A252C1CF0288}"/>
+              </a:ext>
+            </a:extLst>
+          </p:cNvPr>
+          <p:cNvGrpSpPr/>
+          <p:nvPr/>
+        </p:nvGrpSpPr>
+        <p:grpSpPr>
+          <a:xfrm rot="16200000">
+            <a:off x="6995941" y="2592519"/>
+            <a:ext cx="123517" cy="183472"/>
+            <a:chOff x="4956750" y="4079822"/>
+            <a:chExt cx="237342" cy="259830"/>
+          </a:xfrm>
+        </p:grpSpPr>
+        <p:sp>
+          <p:nvSpPr>
+            <p:cNvPr id="20" name="フリーフォーム 19">
+              <a:extLst>
+                <a:ext uri="{FF2B5EF4-FFF2-40B4-BE49-F238E27FC236}">
+                  <a16:creationId xmlns:a16="http://schemas.microsoft.com/office/drawing/2014/main" id="{DC8A3EC8-ED0D-6949-9404-09CA854B5086}"/>
+                </a:ext>
+              </a:extLst>
+            </p:cNvPr>
+            <p:cNvSpPr/>
+            <p:nvPr/>
+          </p:nvSpPr>
+          <p:spPr>
+            <a:xfrm>
+              <a:off x="5111648" y="4084819"/>
+              <a:ext cx="82444" cy="254833"/>
+            </a:xfrm>
+            <a:custGeom>
+              <a:avLst/>
+              <a:gdLst>
+                <a:gd name="connsiteX0" fmla="*/ 284813 w 284813"/>
+                <a:gd name="connsiteY0" fmla="*/ 0 h 1274164"/>
+                <a:gd name="connsiteX1" fmla="*/ 0 w 284813"/>
+                <a:gd name="connsiteY1" fmla="*/ 682052 h 1274164"/>
+                <a:gd name="connsiteX2" fmla="*/ 284813 w 284813"/>
+                <a:gd name="connsiteY2" fmla="*/ 1274164 h 1274164"/>
+              </a:gdLst>
+              <a:ahLst/>
+              <a:cxnLst>
+                <a:cxn ang="0">
+                  <a:pos x="connsiteX0" y="connsiteY0"/>
+                </a:cxn>
+                <a:cxn ang="0">
+                  <a:pos x="connsiteX1" y="connsiteY1"/>
+                </a:cxn>
+                <a:cxn ang="0">
+                  <a:pos x="connsiteX2" y="connsiteY2"/>
+                </a:cxn>
+              </a:cxnLst>
+              <a:rect l="l" t="t" r="r" b="b"/>
+              <a:pathLst>
+                <a:path w="284813" h="1274164">
+                  <a:moveTo>
+                    <a:pt x="284813" y="0"/>
+                  </a:moveTo>
+                  <a:cubicBezTo>
+                    <a:pt x="142406" y="234845"/>
+                    <a:pt x="0" y="469691"/>
+                    <a:pt x="0" y="682052"/>
+                  </a:cubicBezTo>
+                  <a:cubicBezTo>
+                    <a:pt x="0" y="894413"/>
+                    <a:pt x="142406" y="1084288"/>
+                    <a:pt x="284813" y="1274164"/>
+                  </a:cubicBezTo>
+                </a:path>
+              </a:pathLst>
+            </a:custGeom>
+            <a:noFill/>
+            <a:ln>
+              <a:solidFill>
+                <a:schemeClr val="tx1"/>
+              </a:solidFill>
+            </a:ln>
+          </p:spPr>
+          <p:style>
+            <a:lnRef idx="2">
+              <a:schemeClr val="accent1">
+                <a:shade val="50000"/>
+              </a:schemeClr>
+            </a:lnRef>
+            <a:fillRef idx="1">
+              <a:schemeClr val="accent1"/>
+            </a:fillRef>
+            <a:effectRef idx="0">
+              <a:schemeClr val="accent1"/>
+            </a:effectRef>
+            <a:fontRef idx="minor">
+              <a:schemeClr val="lt1"/>
+            </a:fontRef>
+          </p:style>
+          <p:txBody>
+            <a:bodyPr rtlCol="0" anchor="ctr"/>
+            <a:lstStyle/>
+            <a:p>
+              <a:pPr algn="ctr"/>
+              <a:endParaRPr kumimoji="1" lang="ja-JP" altLang="en-US"/>
+            </a:p>
+          </p:txBody>
+        </p:sp>
+        <p:sp>
+          <p:nvSpPr>
+            <p:cNvPr id="21" name="フリーフォーム 20">
+              <a:extLst>
+                <a:ext uri="{FF2B5EF4-FFF2-40B4-BE49-F238E27FC236}">
+                  <a16:creationId xmlns:a16="http://schemas.microsoft.com/office/drawing/2014/main" id="{CEBB5B75-F286-6444-852C-3DB2F5CE1464}"/>
+                </a:ext>
+              </a:extLst>
+            </p:cNvPr>
+            <p:cNvSpPr/>
+            <p:nvPr/>
+          </p:nvSpPr>
+          <p:spPr>
+            <a:xfrm>
+              <a:off x="5039195" y="4079822"/>
+              <a:ext cx="82444" cy="254833"/>
+            </a:xfrm>
+            <a:custGeom>
+              <a:avLst/>
+              <a:gdLst>
+                <a:gd name="connsiteX0" fmla="*/ 284813 w 284813"/>
+                <a:gd name="connsiteY0" fmla="*/ 0 h 1274164"/>
+                <a:gd name="connsiteX1" fmla="*/ 0 w 284813"/>
+                <a:gd name="connsiteY1" fmla="*/ 682052 h 1274164"/>
+                <a:gd name="connsiteX2" fmla="*/ 284813 w 284813"/>
+                <a:gd name="connsiteY2" fmla="*/ 1274164 h 1274164"/>
+              </a:gdLst>
+              <a:ahLst/>
+              <a:cxnLst>
+                <a:cxn ang="0">
+                  <a:pos x="connsiteX0" y="connsiteY0"/>
+                </a:cxn>
+                <a:cxn ang="0">
+                  <a:pos x="connsiteX1" y="connsiteY1"/>
+                </a:cxn>
+                <a:cxn ang="0">
+                  <a:pos x="connsiteX2" y="connsiteY2"/>
+                </a:cxn>
+              </a:cxnLst>
+              <a:rect l="l" t="t" r="r" b="b"/>
+              <a:pathLst>
+                <a:path w="284813" h="1274164">
+                  <a:moveTo>
+                    <a:pt x="284813" y="0"/>
+                  </a:moveTo>
+                  <a:cubicBezTo>
+                    <a:pt x="142406" y="234845"/>
+                    <a:pt x="0" y="469691"/>
+                    <a:pt x="0" y="682052"/>
+                  </a:cubicBezTo>
+                  <a:cubicBezTo>
+                    <a:pt x="0" y="894413"/>
+                    <a:pt x="142406" y="1084288"/>
+                    <a:pt x="284813" y="1274164"/>
+                  </a:cubicBezTo>
+                </a:path>
+              </a:pathLst>
+            </a:custGeom>
+            <a:noFill/>
+            <a:ln>
+              <a:solidFill>
+                <a:schemeClr val="tx1"/>
+              </a:solidFill>
+            </a:ln>
+          </p:spPr>
+          <p:style>
+            <a:lnRef idx="2">
+              <a:schemeClr val="accent1">
+                <a:shade val="50000"/>
+              </a:schemeClr>
+            </a:lnRef>
+            <a:fillRef idx="1">
+              <a:schemeClr val="accent1"/>
+            </a:fillRef>
+            <a:effectRef idx="0">
+              <a:schemeClr val="accent1"/>
+            </a:effectRef>
+            <a:fontRef idx="minor">
+              <a:schemeClr val="lt1"/>
+            </a:fontRef>
+          </p:style>
+          <p:txBody>
+            <a:bodyPr rtlCol="0" anchor="ctr"/>
+            <a:lstStyle/>
+            <a:p>
+              <a:pPr algn="ctr"/>
+              <a:endParaRPr kumimoji="1" lang="ja-JP" altLang="en-US"/>
+            </a:p>
+          </p:txBody>
+        </p:sp>
+        <p:sp>
+          <p:nvSpPr>
+            <p:cNvPr id="22" name="フリーフォーム 21">
+              <a:extLst>
+                <a:ext uri="{FF2B5EF4-FFF2-40B4-BE49-F238E27FC236}">
+                  <a16:creationId xmlns:a16="http://schemas.microsoft.com/office/drawing/2014/main" id="{59AF11D2-594C-E742-8B81-084373ACBFF6}"/>
+                </a:ext>
+              </a:extLst>
+            </p:cNvPr>
+            <p:cNvSpPr/>
+            <p:nvPr/>
+          </p:nvSpPr>
+          <p:spPr>
+            <a:xfrm>
+              <a:off x="4956750" y="4079822"/>
+              <a:ext cx="82444" cy="254833"/>
+            </a:xfrm>
+            <a:custGeom>
+              <a:avLst/>
+              <a:gdLst>
+                <a:gd name="connsiteX0" fmla="*/ 284813 w 284813"/>
+                <a:gd name="connsiteY0" fmla="*/ 0 h 1274164"/>
+                <a:gd name="connsiteX1" fmla="*/ 0 w 284813"/>
+                <a:gd name="connsiteY1" fmla="*/ 682052 h 1274164"/>
+                <a:gd name="connsiteX2" fmla="*/ 284813 w 284813"/>
+                <a:gd name="connsiteY2" fmla="*/ 1274164 h 1274164"/>
+              </a:gdLst>
+              <a:ahLst/>
+              <a:cxnLst>
+                <a:cxn ang="0">
+                  <a:pos x="connsiteX0" y="connsiteY0"/>
+                </a:cxn>
+                <a:cxn ang="0">
+                  <a:pos x="connsiteX1" y="connsiteY1"/>
+                </a:cxn>
+                <a:cxn ang="0">
+                  <a:pos x="connsiteX2" y="connsiteY2"/>
+                </a:cxn>
+              </a:cxnLst>
+              <a:rect l="l" t="t" r="r" b="b"/>
+              <a:pathLst>
+                <a:path w="284813" h="1274164">
+                  <a:moveTo>
+                    <a:pt x="284813" y="0"/>
+                  </a:moveTo>
+                  <a:cubicBezTo>
+                    <a:pt x="142406" y="234845"/>
+                    <a:pt x="0" y="469691"/>
+                    <a:pt x="0" y="682052"/>
+                  </a:cubicBezTo>
+                  <a:cubicBezTo>
+                    <a:pt x="0" y="894413"/>
+                    <a:pt x="142406" y="1084288"/>
+                    <a:pt x="284813" y="1274164"/>
+                  </a:cubicBezTo>
+                </a:path>
+              </a:pathLst>
+            </a:custGeom>
+            <a:noFill/>
+            <a:ln>
+              <a:solidFill>
+                <a:schemeClr val="tx1"/>
+              </a:solidFill>
+            </a:ln>
+          </p:spPr>
+          <p:style>
+            <a:lnRef idx="2">
+              <a:schemeClr val="accent1">
+                <a:shade val="50000"/>
+              </a:schemeClr>
+            </a:lnRef>
+            <a:fillRef idx="1">
+              <a:schemeClr val="accent1"/>
+            </a:fillRef>
+            <a:effectRef idx="0">
+              <a:schemeClr val="accent1"/>
+            </a:effectRef>
+            <a:fontRef idx="minor">
+              <a:schemeClr val="lt1"/>
+            </a:fontRef>
+          </p:style>
+          <p:txBody>
+            <a:bodyPr rtlCol="0" anchor="ctr"/>
+            <a:lstStyle/>
+            <a:p>
+              <a:pPr algn="ctr"/>
+              <a:endParaRPr kumimoji="1" lang="ja-JP" altLang="en-US"/>
+            </a:p>
+          </p:txBody>
+        </p:sp>
+      </p:grpSp>
+      <p:pic>
+        <p:nvPicPr>
+          <p:cNvPr id="23" name="図 22">
+            <a:extLst>
+              <a:ext uri="{FF2B5EF4-FFF2-40B4-BE49-F238E27FC236}">
+                <a16:creationId xmlns:a16="http://schemas.microsoft.com/office/drawing/2014/main" id="{DB5EB962-93A5-804B-90B2-2390BBD4E075}"/>
+              </a:ext>
+            </a:extLst>
+          </p:cNvPr>
+          <p:cNvPicPr>
+            <a:picLocks noChangeAspect="1"/>
+          </p:cNvPicPr>
+          <p:nvPr/>
+        </p:nvPicPr>
+        <p:blipFill>
+          <a:blip r:embed="rId5"/>
+          <a:stretch>
+            <a:fillRect/>
+          </a:stretch>
+        </p:blipFill>
+        <p:spPr>
+          <a:xfrm>
+            <a:off x="6019590" y="4202787"/>
+            <a:ext cx="1009371" cy="1009371"/>
+          </a:xfrm>
+          <a:prstGeom prst="rect">
+            <a:avLst/>
+          </a:prstGeom>
+        </p:spPr>
+      </p:pic>
+      <p:pic>
+        <p:nvPicPr>
+          <p:cNvPr id="24" name="図 23">
+            <a:extLst>
+              <a:ext uri="{FF2B5EF4-FFF2-40B4-BE49-F238E27FC236}">
+                <a16:creationId xmlns:a16="http://schemas.microsoft.com/office/drawing/2014/main" id="{870093DA-86FF-B940-A52F-D7CD8D3D6BF9}"/>
+              </a:ext>
+            </a:extLst>
+          </p:cNvPr>
+          <p:cNvPicPr>
+            <a:picLocks noChangeAspect="1"/>
+          </p:cNvPicPr>
+          <p:nvPr/>
+        </p:nvPicPr>
+        <p:blipFill>
+          <a:blip r:embed="rId5"/>
+          <a:stretch>
+            <a:fillRect/>
+          </a:stretch>
+        </p:blipFill>
+        <p:spPr>
+          <a:xfrm>
+            <a:off x="6171990" y="4202787"/>
+            <a:ext cx="1009371" cy="1009371"/>
+          </a:xfrm>
+          <a:prstGeom prst="rect">
+            <a:avLst/>
+          </a:prstGeom>
+        </p:spPr>
+      </p:pic>
+      <p:pic>
+        <p:nvPicPr>
+          <p:cNvPr id="25" name="図 24">
+            <a:extLst>
+              <a:ext uri="{FF2B5EF4-FFF2-40B4-BE49-F238E27FC236}">
+                <a16:creationId xmlns:a16="http://schemas.microsoft.com/office/drawing/2014/main" id="{D4A9AD5E-5B4B-B045-A6E4-A2922284D75C}"/>
+              </a:ext>
+            </a:extLst>
+          </p:cNvPr>
+          <p:cNvPicPr>
+            <a:picLocks noChangeAspect="1"/>
+          </p:cNvPicPr>
+          <p:nvPr/>
+        </p:nvPicPr>
+        <p:blipFill>
+          <a:blip r:embed="rId5"/>
+          <a:stretch>
+            <a:fillRect/>
+          </a:stretch>
+        </p:blipFill>
+        <p:spPr>
+          <a:xfrm>
+            <a:off x="6324390" y="4202787"/>
+            <a:ext cx="1009371" cy="1009371"/>
+          </a:xfrm>
+          <a:prstGeom prst="rect">
+            <a:avLst/>
+          </a:prstGeom>
+        </p:spPr>
+      </p:pic>
+      <p:pic>
+        <p:nvPicPr>
+          <p:cNvPr id="26" name="図 25">
+            <a:extLst>
+              <a:ext uri="{FF2B5EF4-FFF2-40B4-BE49-F238E27FC236}">
+                <a16:creationId xmlns:a16="http://schemas.microsoft.com/office/drawing/2014/main" id="{5F6D6AA9-FCD1-AF48-81DB-5B435926ADF3}"/>
+              </a:ext>
+            </a:extLst>
+          </p:cNvPr>
+          <p:cNvPicPr>
+            <a:picLocks noChangeAspect="1"/>
+          </p:cNvPicPr>
+          <p:nvPr/>
+        </p:nvPicPr>
+        <p:blipFill>
+          <a:blip r:embed="rId5"/>
+          <a:stretch>
+            <a:fillRect/>
+          </a:stretch>
+        </p:blipFill>
+        <p:spPr>
+          <a:xfrm>
+            <a:off x="6476791" y="4202787"/>
+            <a:ext cx="1009371" cy="1009371"/>
+          </a:xfrm>
+          <a:prstGeom prst="rect">
+            <a:avLst/>
+          </a:prstGeom>
+        </p:spPr>
+      </p:pic>
+      <p:sp>
+        <p:nvSpPr>
+          <p:cNvPr id="27" name="テキスト ボックス 26">
+            <a:extLst>
+              <a:ext uri="{FF2B5EF4-FFF2-40B4-BE49-F238E27FC236}">
+                <a16:creationId xmlns:a16="http://schemas.microsoft.com/office/drawing/2014/main" id="{41C9B76C-9A85-C34F-BEFE-E18E4FB9C90E}"/>
+              </a:ext>
+            </a:extLst>
+          </p:cNvPr>
+          <p:cNvSpPr txBox="1"/>
+          <p:nvPr/>
+        </p:nvSpPr>
+        <p:spPr>
+          <a:xfrm>
+            <a:off x="949540" y="5453430"/>
+            <a:ext cx="2492990" cy="369332"/>
+          </a:xfrm>
+          <a:prstGeom prst="rect">
+            <a:avLst/>
+          </a:prstGeom>
+          <a:noFill/>
+        </p:spPr>
+        <p:txBody>
+          <a:bodyPr wrap="none" rtlCol="0">
+            <a:spAutoFit/>
+          </a:bodyPr>
+          <a:lstStyle/>
+          <a:p>
+            <a:r>
+              <a:rPr kumimoji="1" lang="ja-JP" altLang="en-US"/>
+              <a:t>拡大するとピクセルに</a:t>
+            </a:r>
+          </a:p>
+        </p:txBody>
+      </p:sp>
+      <p:sp>
+        <p:nvSpPr>
+          <p:cNvPr id="28" name="テキスト ボックス 27">
+            <a:extLst>
+              <a:ext uri="{FF2B5EF4-FFF2-40B4-BE49-F238E27FC236}">
+                <a16:creationId xmlns:a16="http://schemas.microsoft.com/office/drawing/2014/main" id="{D17AD880-BF7A-AC45-AD5E-C93FE7CC8317}"/>
+              </a:ext>
+            </a:extLst>
+          </p:cNvPr>
+          <p:cNvSpPr txBox="1"/>
+          <p:nvPr/>
+        </p:nvSpPr>
+        <p:spPr>
+          <a:xfrm>
+            <a:off x="5558052" y="5381422"/>
+            <a:ext cx="2723823" cy="369332"/>
+          </a:xfrm>
+          <a:prstGeom prst="rect">
+            <a:avLst/>
+          </a:prstGeom>
+          <a:noFill/>
+        </p:spPr>
+        <p:txBody>
+          <a:bodyPr wrap="none" rtlCol="0">
+            <a:spAutoFit/>
+          </a:bodyPr>
+          <a:lstStyle/>
+          <a:p>
+            <a:r>
+              <a:rPr kumimoji="1" lang="ja-JP" altLang="en-US"/>
+              <a:t>静止画像を高速コマ送り</a:t>
+            </a:r>
+          </a:p>
+        </p:txBody>
+      </p:sp>
+      <p:sp>
+        <p:nvSpPr>
+          <p:cNvPr id="29" name="テキスト ボックス 28">
+            <a:extLst>
+              <a:ext uri="{FF2B5EF4-FFF2-40B4-BE49-F238E27FC236}">
+                <a16:creationId xmlns:a16="http://schemas.microsoft.com/office/drawing/2014/main" id="{34660BD2-51CE-604E-AF18-0576319E394E}"/>
+              </a:ext>
+            </a:extLst>
+          </p:cNvPr>
+          <p:cNvSpPr txBox="1"/>
+          <p:nvPr/>
+        </p:nvSpPr>
+        <p:spPr>
+          <a:xfrm>
+            <a:off x="1525604" y="6029494"/>
+            <a:ext cx="6596678" cy="400110"/>
+          </a:xfrm>
+          <a:prstGeom prst="rect">
+            <a:avLst/>
+          </a:prstGeom>
+          <a:noFill/>
+        </p:spPr>
+        <p:txBody>
+          <a:bodyPr wrap="none" rtlCol="0">
+            <a:spAutoFit/>
+          </a:bodyPr>
+          <a:lstStyle/>
+          <a:p>
+            <a:r>
+              <a:rPr kumimoji="1" lang="ja-JP" altLang="en-US" sz="2000"/>
+              <a:t>我々が計算機を通して目にするものは離散化されている</a:t>
+            </a:r>
+          </a:p>
+        </p:txBody>
+      </p:sp>
+    </p:spTree>
+    <p:extLst>
+      <p:ext uri="{BB962C8B-B14F-4D97-AF65-F5344CB8AC3E}">
+        <p14:creationId xmlns:p14="http://schemas.microsoft.com/office/powerpoint/2010/main" val="3440117011"/>
+      </p:ext>
+    </p:extLst>
+  </p:cSld>
+  <p:clrMapOvr>
+    <a:masterClrMapping/>
+  </p:clrMapOvr>
+</p:sld>
+</file>
+
+<file path=ppt/slides/slide4.xml><?xml version="1.0" encoding="utf-8"?>
 <p:sld xmlns:a="http://schemas.openxmlformats.org/drawingml/2006/main" xmlns:r="http://schemas.openxmlformats.org/officeDocument/2006/relationships" xmlns:p="http://schemas.openxmlformats.org/presentationml/2006/main">
   <p:cSld>
     <p:spTree>
@@ -2909,8 +6906,8 @@
           </a:p>
         </p:txBody>
       </p:sp>
-      <mc:AlternateContent xmlns:mc="http://schemas.openxmlformats.org/markup-compatibility/2006">
-        <mc:Choice xmlns:a14="http://schemas.microsoft.com/office/drawing/2010/main" Requires="a14">
+      <mc:AlternateContent xmlns:mc="http://schemas.openxmlformats.org/markup-compatibility/2006" xmlns:a14="http://schemas.microsoft.com/office/drawing/2010/main">
+        <mc:Choice Requires="a14">
           <p:sp>
             <p:nvSpPr>
               <p:cNvPr id="10" name="テキスト ボックス 9">
@@ -2978,7 +6975,7 @@
             </p:txBody>
           </p:sp>
         </mc:Choice>
-        <mc:Fallback>
+        <mc:Fallback xmlns="">
           <p:sp>
             <p:nvSpPr>
               <p:cNvPr id="10" name="テキスト ボックス 9">
@@ -3023,8 +7020,8 @@
           </p:sp>
         </mc:Fallback>
       </mc:AlternateContent>
-      <mc:AlternateContent xmlns:mc="http://schemas.openxmlformats.org/markup-compatibility/2006">
-        <mc:Choice xmlns:a14="http://schemas.microsoft.com/office/drawing/2010/main" Requires="a14">
+      <mc:AlternateContent xmlns:mc="http://schemas.openxmlformats.org/markup-compatibility/2006" xmlns:a14="http://schemas.microsoft.com/office/drawing/2010/main">
+        <mc:Choice Requires="a14">
           <p:sp>
             <p:nvSpPr>
               <p:cNvPr id="11" name="テキスト ボックス 10">
@@ -3200,7 +7197,7 @@
             </p:txBody>
           </p:sp>
         </mc:Choice>
-        <mc:Fallback>
+        <mc:Fallback xmlns="">
           <p:sp>
             <p:nvSpPr>
               <p:cNvPr id="11" name="テキスト ボックス 10">
@@ -3432,8 +7429,8 @@
           </a:p>
         </p:txBody>
       </p:sp>
-      <mc:AlternateContent xmlns:mc="http://schemas.openxmlformats.org/markup-compatibility/2006">
-        <mc:Choice xmlns:a14="http://schemas.microsoft.com/office/drawing/2010/main" Requires="a14">
+      <mc:AlternateContent xmlns:mc="http://schemas.openxmlformats.org/markup-compatibility/2006" xmlns:a14="http://schemas.microsoft.com/office/drawing/2010/main">
+        <mc:Choice Requires="a14">
           <p:sp>
             <p:nvSpPr>
               <p:cNvPr id="17" name="テキスト ボックス 16">
@@ -3462,6 +7459,7 @@
               </a:bodyPr>
               <a:lstStyle/>
               <a:p>
+                <a:pPr/>
                 <a14:m>
                   <m:oMathPara xmlns:m="http://schemas.openxmlformats.org/officeDocument/2006/math">
                     <m:oMathParaPr>
@@ -3598,7 +7596,7 @@
             </p:txBody>
           </p:sp>
         </mc:Choice>
-        <mc:Fallback>
+        <mc:Fallback xmlns="">
           <p:sp>
             <p:nvSpPr>
               <p:cNvPr id="17" name="テキスト ボックス 16">
@@ -4025,7 +8023,7 @@
 </p:sld>
 </file>
 
-<file path=ppt/slides/slide3.xml><?xml version="1.0" encoding="utf-8"?>
+<file path=ppt/slides/slide5.xml><?xml version="1.0" encoding="utf-8"?>
 <p:sld xmlns:a="http://schemas.openxmlformats.org/drawingml/2006/main" xmlns:r="http://schemas.openxmlformats.org/officeDocument/2006/relationships" xmlns:p="http://schemas.openxmlformats.org/presentationml/2006/main">
   <p:cSld>
     <p:spTree>
@@ -9489,7 +13487,7 @@
 </p:sld>
 </file>
 
-<file path=ppt/slides/slide4.xml><?xml version="1.0" encoding="utf-8"?>
+<file path=ppt/slides/slide6.xml><?xml version="1.0" encoding="utf-8"?>
 <p:sld xmlns:a="http://schemas.openxmlformats.org/drawingml/2006/main" xmlns:r="http://schemas.openxmlformats.org/officeDocument/2006/relationships" xmlns:p="http://schemas.openxmlformats.org/presentationml/2006/main">
   <p:cSld>
     <p:spTree>

--- a/simulation/fig/fig.pptx
+++ b/simulation/fig/fig.pptx
@@ -9,8 +9,10 @@
     <p:sldId id="257" r:id="rId3"/>
     <p:sldId id="261" r:id="rId4"/>
     <p:sldId id="258" r:id="rId5"/>
-    <p:sldId id="259" r:id="rId6"/>
-    <p:sldId id="256" r:id="rId7"/>
+    <p:sldId id="262" r:id="rId6"/>
+    <p:sldId id="263" r:id="rId7"/>
+    <p:sldId id="259" r:id="rId8"/>
+    <p:sldId id="256" r:id="rId9"/>
   </p:sldIdLst>
   <p:sldSz cx="9144000" cy="6858000" type="screen4x3"/>
   <p:notesSz cx="6858000" cy="9144000"/>
@@ -8040,6 +8042,1690 @@
           <a:chExt cx="0" cy="0"/>
         </a:xfrm>
       </p:grpSpPr>
+      <p:pic>
+        <p:nvPicPr>
+          <p:cNvPr id="2" name="図 1">
+            <a:extLst>
+              <a:ext uri="{FF2B5EF4-FFF2-40B4-BE49-F238E27FC236}">
+                <a16:creationId xmlns:a16="http://schemas.microsoft.com/office/drawing/2014/main" id="{31B46ADF-1964-634E-9803-D33F4E1CEA81}"/>
+              </a:ext>
+            </a:extLst>
+          </p:cNvPr>
+          <p:cNvPicPr>
+            <a:picLocks noChangeAspect="1"/>
+          </p:cNvPicPr>
+          <p:nvPr/>
+        </p:nvPicPr>
+        <p:blipFill>
+          <a:blip r:embed="rId2"/>
+          <a:stretch>
+            <a:fillRect/>
+          </a:stretch>
+        </p:blipFill>
+        <p:spPr>
+          <a:xfrm>
+            <a:off x="2785655" y="2702915"/>
+            <a:ext cx="1066800" cy="1270000"/>
+          </a:xfrm>
+          <a:prstGeom prst="rect">
+            <a:avLst/>
+          </a:prstGeom>
+        </p:spPr>
+      </p:pic>
+      <p:pic>
+        <p:nvPicPr>
+          <p:cNvPr id="3" name="図 2">
+            <a:extLst>
+              <a:ext uri="{FF2B5EF4-FFF2-40B4-BE49-F238E27FC236}">
+                <a16:creationId xmlns:a16="http://schemas.microsoft.com/office/drawing/2014/main" id="{4F5D5C9A-F93E-D848-BD67-78908AC876F9}"/>
+              </a:ext>
+            </a:extLst>
+          </p:cNvPr>
+          <p:cNvPicPr>
+            <a:picLocks noChangeAspect="1"/>
+          </p:cNvPicPr>
+          <p:nvPr/>
+        </p:nvPicPr>
+        <p:blipFill>
+          <a:blip r:embed="rId3"/>
+          <a:stretch>
+            <a:fillRect/>
+          </a:stretch>
+        </p:blipFill>
+        <p:spPr>
+          <a:xfrm>
+            <a:off x="4465842" y="2702915"/>
+            <a:ext cx="1066800" cy="1270000"/>
+          </a:xfrm>
+          <a:prstGeom prst="rect">
+            <a:avLst/>
+          </a:prstGeom>
+        </p:spPr>
+      </p:pic>
+      <p:pic>
+        <p:nvPicPr>
+          <p:cNvPr id="4" name="図 3">
+            <a:extLst>
+              <a:ext uri="{FF2B5EF4-FFF2-40B4-BE49-F238E27FC236}">
+                <a16:creationId xmlns:a16="http://schemas.microsoft.com/office/drawing/2014/main" id="{72BFFB59-7218-DF46-9396-F47953C173B9}"/>
+              </a:ext>
+            </a:extLst>
+          </p:cNvPr>
+          <p:cNvPicPr>
+            <a:picLocks noChangeAspect="1"/>
+          </p:cNvPicPr>
+          <p:nvPr/>
+        </p:nvPicPr>
+        <p:blipFill>
+          <a:blip r:embed="rId4"/>
+          <a:stretch>
+            <a:fillRect/>
+          </a:stretch>
+        </p:blipFill>
+        <p:spPr>
+          <a:xfrm>
+            <a:off x="697423" y="2702915"/>
+            <a:ext cx="1066800" cy="1270000"/>
+          </a:xfrm>
+          <a:prstGeom prst="rect">
+            <a:avLst/>
+          </a:prstGeom>
+        </p:spPr>
+      </p:pic>
+      <p:pic>
+        <p:nvPicPr>
+          <p:cNvPr id="5" name="図 4">
+            <a:extLst>
+              <a:ext uri="{FF2B5EF4-FFF2-40B4-BE49-F238E27FC236}">
+                <a16:creationId xmlns:a16="http://schemas.microsoft.com/office/drawing/2014/main" id="{F93AB4C3-0673-534C-B341-AE8CFCB47FF7}"/>
+              </a:ext>
+            </a:extLst>
+          </p:cNvPr>
+          <p:cNvPicPr>
+            <a:picLocks noChangeAspect="1"/>
+          </p:cNvPicPr>
+          <p:nvPr/>
+        </p:nvPicPr>
+        <p:blipFill>
+          <a:blip r:embed="rId5"/>
+          <a:stretch>
+            <a:fillRect/>
+          </a:stretch>
+        </p:blipFill>
+        <p:spPr>
+          <a:xfrm rot="16200000">
+            <a:off x="1417503" y="1910827"/>
+            <a:ext cx="621928" cy="621928"/>
+          </a:xfrm>
+          <a:prstGeom prst="rect">
+            <a:avLst/>
+          </a:prstGeom>
+        </p:spPr>
+      </p:pic>
+      <p:pic>
+        <p:nvPicPr>
+          <p:cNvPr id="6" name="図 5">
+            <a:extLst>
+              <a:ext uri="{FF2B5EF4-FFF2-40B4-BE49-F238E27FC236}">
+                <a16:creationId xmlns:a16="http://schemas.microsoft.com/office/drawing/2014/main" id="{4B7DF2A9-2EDA-C447-AC56-4525B9B845C6}"/>
+              </a:ext>
+            </a:extLst>
+          </p:cNvPr>
+          <p:cNvPicPr>
+            <a:picLocks noChangeAspect="1"/>
+          </p:cNvPicPr>
+          <p:nvPr/>
+        </p:nvPicPr>
+        <p:blipFill>
+          <a:blip r:embed="rId5"/>
+          <a:stretch>
+            <a:fillRect/>
+          </a:stretch>
+        </p:blipFill>
+        <p:spPr>
+          <a:xfrm rot="10800000">
+            <a:off x="481399" y="1910827"/>
+            <a:ext cx="621928" cy="621928"/>
+          </a:xfrm>
+          <a:prstGeom prst="rect">
+            <a:avLst/>
+          </a:prstGeom>
+        </p:spPr>
+      </p:pic>
+      <p:sp>
+        <p:nvSpPr>
+          <p:cNvPr id="7" name="テキスト ボックス 6">
+            <a:extLst>
+              <a:ext uri="{FF2B5EF4-FFF2-40B4-BE49-F238E27FC236}">
+                <a16:creationId xmlns:a16="http://schemas.microsoft.com/office/drawing/2014/main" id="{D3E2DAD4-07AE-4E40-8E11-F06C95C40705}"/>
+              </a:ext>
+            </a:extLst>
+          </p:cNvPr>
+          <p:cNvSpPr txBox="1"/>
+          <p:nvPr/>
+        </p:nvSpPr>
+        <p:spPr>
+          <a:xfrm>
+            <a:off x="1658500" y="254643"/>
+            <a:ext cx="5678927" cy="584775"/>
+          </a:xfrm>
+          <a:prstGeom prst="rect">
+            <a:avLst/>
+          </a:prstGeom>
+          <a:noFill/>
+        </p:spPr>
+        <p:txBody>
+          <a:bodyPr wrap="none" rtlCol="0">
+            <a:spAutoFit/>
+          </a:bodyPr>
+          <a:lstStyle/>
+          <a:p>
+            <a:r>
+              <a:rPr lang="en" altLang="ja-JP" sz="3200"/>
+              <a:t>Belousov-Zhabotinsky (BZ) </a:t>
+            </a:r>
+            <a:r>
+              <a:rPr lang="ja-JP" altLang="en-US" sz="3200"/>
+              <a:t>反応</a:t>
+            </a:r>
+            <a:endParaRPr kumimoji="1" lang="ja-JP" altLang="en-US" sz="3200"/>
+          </a:p>
+        </p:txBody>
+      </p:sp>
+      <p:pic>
+        <p:nvPicPr>
+          <p:cNvPr id="8" name="図 7">
+            <a:extLst>
+              <a:ext uri="{FF2B5EF4-FFF2-40B4-BE49-F238E27FC236}">
+                <a16:creationId xmlns:a16="http://schemas.microsoft.com/office/drawing/2014/main" id="{5BA93679-679B-AE43-B04D-FF0463835EF6}"/>
+              </a:ext>
+            </a:extLst>
+          </p:cNvPr>
+          <p:cNvPicPr>
+            <a:picLocks noChangeAspect="1"/>
+          </p:cNvPicPr>
+          <p:nvPr/>
+        </p:nvPicPr>
+        <p:blipFill>
+          <a:blip r:embed="rId2"/>
+          <a:stretch>
+            <a:fillRect/>
+          </a:stretch>
+        </p:blipFill>
+        <p:spPr>
+          <a:xfrm>
+            <a:off x="6146029" y="2702915"/>
+            <a:ext cx="1066800" cy="1270000"/>
+          </a:xfrm>
+          <a:prstGeom prst="rect">
+            <a:avLst/>
+          </a:prstGeom>
+        </p:spPr>
+      </p:pic>
+      <p:pic>
+        <p:nvPicPr>
+          <p:cNvPr id="9" name="図 8">
+            <a:extLst>
+              <a:ext uri="{FF2B5EF4-FFF2-40B4-BE49-F238E27FC236}">
+                <a16:creationId xmlns:a16="http://schemas.microsoft.com/office/drawing/2014/main" id="{6D0DA4FD-ED0A-BD4E-A852-76E1B6E11FA7}"/>
+              </a:ext>
+            </a:extLst>
+          </p:cNvPr>
+          <p:cNvPicPr>
+            <a:picLocks noChangeAspect="1"/>
+          </p:cNvPicPr>
+          <p:nvPr/>
+        </p:nvPicPr>
+        <p:blipFill>
+          <a:blip r:embed="rId3"/>
+          <a:stretch>
+            <a:fillRect/>
+          </a:stretch>
+        </p:blipFill>
+        <p:spPr>
+          <a:xfrm>
+            <a:off x="7826215" y="2702915"/>
+            <a:ext cx="1066800" cy="1270000"/>
+          </a:xfrm>
+          <a:prstGeom prst="rect">
+            <a:avLst/>
+          </a:prstGeom>
+        </p:spPr>
+      </p:pic>
+      <p:sp>
+        <p:nvSpPr>
+          <p:cNvPr id="10" name="右矢印 9">
+            <a:extLst>
+              <a:ext uri="{FF2B5EF4-FFF2-40B4-BE49-F238E27FC236}">
+                <a16:creationId xmlns:a16="http://schemas.microsoft.com/office/drawing/2014/main" id="{FB7D8F1E-2A9B-7A47-9CC7-E31EB7BB9E5F}"/>
+              </a:ext>
+            </a:extLst>
+          </p:cNvPr>
+          <p:cNvSpPr/>
+          <p:nvPr/>
+        </p:nvSpPr>
+        <p:spPr>
+          <a:xfrm>
+            <a:off x="2065575" y="3134963"/>
+            <a:ext cx="432048" cy="447059"/>
+          </a:xfrm>
+          <a:prstGeom prst="rightArrow">
+            <a:avLst/>
+          </a:prstGeom>
+          <a:solidFill>
+            <a:srgbClr val="FF0000"/>
+          </a:solidFill>
+          <a:ln>
+            <a:solidFill>
+              <a:schemeClr val="tx1"/>
+            </a:solidFill>
+          </a:ln>
+        </p:spPr>
+        <p:style>
+          <a:lnRef idx="2">
+            <a:schemeClr val="accent1">
+              <a:shade val="50000"/>
+            </a:schemeClr>
+          </a:lnRef>
+          <a:fillRef idx="1">
+            <a:schemeClr val="accent1"/>
+          </a:fillRef>
+          <a:effectRef idx="0">
+            <a:schemeClr val="accent1"/>
+          </a:effectRef>
+          <a:fontRef idx="minor">
+            <a:schemeClr val="lt1"/>
+          </a:fontRef>
+        </p:style>
+        <p:txBody>
+          <a:bodyPr rtlCol="0" anchor="ctr"/>
+          <a:lstStyle/>
+          <a:p>
+            <a:pPr algn="ctr"/>
+            <a:endParaRPr kumimoji="1" lang="ja-JP" altLang="en-US"/>
+          </a:p>
+        </p:txBody>
+      </p:sp>
+      <p:sp>
+        <p:nvSpPr>
+          <p:cNvPr id="11" name="右矢印 10">
+            <a:extLst>
+              <a:ext uri="{FF2B5EF4-FFF2-40B4-BE49-F238E27FC236}">
+                <a16:creationId xmlns:a16="http://schemas.microsoft.com/office/drawing/2014/main" id="{4F490CB4-060D-524C-896E-5FBCDEAC5BA2}"/>
+              </a:ext>
+            </a:extLst>
+          </p:cNvPr>
+          <p:cNvSpPr/>
+          <p:nvPr/>
+        </p:nvSpPr>
+        <p:spPr>
+          <a:xfrm>
+            <a:off x="3937783" y="3134963"/>
+            <a:ext cx="432048" cy="447059"/>
+          </a:xfrm>
+          <a:prstGeom prst="rightArrow">
+            <a:avLst/>
+          </a:prstGeom>
+          <a:solidFill>
+            <a:srgbClr val="FF0000"/>
+          </a:solidFill>
+          <a:ln>
+            <a:solidFill>
+              <a:schemeClr val="tx1"/>
+            </a:solidFill>
+          </a:ln>
+        </p:spPr>
+        <p:style>
+          <a:lnRef idx="2">
+            <a:schemeClr val="accent1">
+              <a:shade val="50000"/>
+            </a:schemeClr>
+          </a:lnRef>
+          <a:fillRef idx="1">
+            <a:schemeClr val="accent1"/>
+          </a:fillRef>
+          <a:effectRef idx="0">
+            <a:schemeClr val="accent1"/>
+          </a:effectRef>
+          <a:fontRef idx="minor">
+            <a:schemeClr val="lt1"/>
+          </a:fontRef>
+        </p:style>
+        <p:txBody>
+          <a:bodyPr rtlCol="0" anchor="ctr"/>
+          <a:lstStyle/>
+          <a:p>
+            <a:pPr algn="ctr"/>
+            <a:endParaRPr kumimoji="1" lang="ja-JP" altLang="en-US"/>
+          </a:p>
+        </p:txBody>
+      </p:sp>
+      <p:sp>
+        <p:nvSpPr>
+          <p:cNvPr id="12" name="右矢印 11">
+            <a:extLst>
+              <a:ext uri="{FF2B5EF4-FFF2-40B4-BE49-F238E27FC236}">
+                <a16:creationId xmlns:a16="http://schemas.microsoft.com/office/drawing/2014/main" id="{015CD778-F42B-254F-81AE-B127FE7D79B4}"/>
+              </a:ext>
+            </a:extLst>
+          </p:cNvPr>
+          <p:cNvSpPr/>
+          <p:nvPr/>
+        </p:nvSpPr>
+        <p:spPr>
+          <a:xfrm>
+            <a:off x="5665975" y="3134963"/>
+            <a:ext cx="432048" cy="447059"/>
+          </a:xfrm>
+          <a:prstGeom prst="rightArrow">
+            <a:avLst/>
+          </a:prstGeom>
+          <a:solidFill>
+            <a:srgbClr val="FF0000"/>
+          </a:solidFill>
+          <a:ln>
+            <a:solidFill>
+              <a:schemeClr val="tx1"/>
+            </a:solidFill>
+          </a:ln>
+        </p:spPr>
+        <p:style>
+          <a:lnRef idx="2">
+            <a:schemeClr val="accent1">
+              <a:shade val="50000"/>
+            </a:schemeClr>
+          </a:lnRef>
+          <a:fillRef idx="1">
+            <a:schemeClr val="accent1"/>
+          </a:fillRef>
+          <a:effectRef idx="0">
+            <a:schemeClr val="accent1"/>
+          </a:effectRef>
+          <a:fontRef idx="minor">
+            <a:schemeClr val="lt1"/>
+          </a:fontRef>
+        </p:style>
+        <p:txBody>
+          <a:bodyPr rtlCol="0" anchor="ctr"/>
+          <a:lstStyle/>
+          <a:p>
+            <a:pPr algn="ctr"/>
+            <a:endParaRPr kumimoji="1" lang="ja-JP" altLang="en-US"/>
+          </a:p>
+        </p:txBody>
+      </p:sp>
+      <p:sp>
+        <p:nvSpPr>
+          <p:cNvPr id="13" name="右矢印 12">
+            <a:extLst>
+              <a:ext uri="{FF2B5EF4-FFF2-40B4-BE49-F238E27FC236}">
+                <a16:creationId xmlns:a16="http://schemas.microsoft.com/office/drawing/2014/main" id="{93AE3D95-88DC-624E-B6DD-40AE53869568}"/>
+              </a:ext>
+            </a:extLst>
+          </p:cNvPr>
+          <p:cNvSpPr/>
+          <p:nvPr/>
+        </p:nvSpPr>
+        <p:spPr>
+          <a:xfrm>
+            <a:off x="7322159" y="3134963"/>
+            <a:ext cx="432048" cy="447059"/>
+          </a:xfrm>
+          <a:prstGeom prst="rightArrow">
+            <a:avLst/>
+          </a:prstGeom>
+          <a:solidFill>
+            <a:srgbClr val="FF0000"/>
+          </a:solidFill>
+          <a:ln>
+            <a:solidFill>
+              <a:schemeClr val="tx1"/>
+            </a:solidFill>
+          </a:ln>
+        </p:spPr>
+        <p:style>
+          <a:lnRef idx="2">
+            <a:schemeClr val="accent1">
+              <a:shade val="50000"/>
+            </a:schemeClr>
+          </a:lnRef>
+          <a:fillRef idx="1">
+            <a:schemeClr val="accent1"/>
+          </a:fillRef>
+          <a:effectRef idx="0">
+            <a:schemeClr val="accent1"/>
+          </a:effectRef>
+          <a:fontRef idx="minor">
+            <a:schemeClr val="lt1"/>
+          </a:fontRef>
+        </p:style>
+        <p:txBody>
+          <a:bodyPr rtlCol="0" anchor="ctr"/>
+          <a:lstStyle/>
+          <a:p>
+            <a:pPr algn="ctr"/>
+            <a:endParaRPr kumimoji="1" lang="ja-JP" altLang="en-US"/>
+          </a:p>
+        </p:txBody>
+      </p:sp>
+      <p:sp>
+        <p:nvSpPr>
+          <p:cNvPr id="14" name="テキスト ボックス 13">
+            <a:extLst>
+              <a:ext uri="{FF2B5EF4-FFF2-40B4-BE49-F238E27FC236}">
+                <a16:creationId xmlns:a16="http://schemas.microsoft.com/office/drawing/2014/main" id="{DEE1D633-9361-A348-946F-B6CB21A8D5F9}"/>
+              </a:ext>
+            </a:extLst>
+          </p:cNvPr>
+          <p:cNvSpPr txBox="1"/>
+          <p:nvPr/>
+        </p:nvSpPr>
+        <p:spPr>
+          <a:xfrm>
+            <a:off x="121359" y="1478779"/>
+            <a:ext cx="2736304" cy="369332"/>
+          </a:xfrm>
+          <a:prstGeom prst="rect">
+            <a:avLst/>
+          </a:prstGeom>
+          <a:noFill/>
+        </p:spPr>
+        <p:txBody>
+          <a:bodyPr wrap="square" rtlCol="0">
+            <a:spAutoFit/>
+          </a:bodyPr>
+          <a:lstStyle/>
+          <a:p>
+            <a:r>
+              <a:rPr kumimoji="1" lang="ja-JP" altLang="en-US"/>
+              <a:t>いくつかの溶液を</a:t>
+            </a:r>
+            <a:r>
+              <a:rPr lang="ja-JP" altLang="en-US"/>
+              <a:t>混ぜる</a:t>
+            </a:r>
+            <a:endParaRPr kumimoji="1" lang="ja-JP" altLang="en-US"/>
+          </a:p>
+        </p:txBody>
+      </p:sp>
+      <p:sp>
+        <p:nvSpPr>
+          <p:cNvPr id="15" name="テキスト ボックス 14">
+            <a:extLst>
+              <a:ext uri="{FF2B5EF4-FFF2-40B4-BE49-F238E27FC236}">
+                <a16:creationId xmlns:a16="http://schemas.microsoft.com/office/drawing/2014/main" id="{8028AF31-4B6F-2D4A-868D-8DC4A26FEC62}"/>
+              </a:ext>
+            </a:extLst>
+          </p:cNvPr>
+          <p:cNvSpPr txBox="1"/>
+          <p:nvPr/>
+        </p:nvSpPr>
+        <p:spPr>
+          <a:xfrm>
+            <a:off x="4674631" y="1924681"/>
+            <a:ext cx="2502024" cy="369332"/>
+          </a:xfrm>
+          <a:prstGeom prst="rect">
+            <a:avLst/>
+          </a:prstGeom>
+          <a:noFill/>
+        </p:spPr>
+        <p:txBody>
+          <a:bodyPr wrap="square" rtlCol="0">
+            <a:spAutoFit/>
+          </a:bodyPr>
+          <a:lstStyle/>
+          <a:p>
+            <a:r>
+              <a:rPr kumimoji="1" lang="ja-JP" altLang="en-US"/>
+              <a:t>色が周期的に変わる</a:t>
+            </a:r>
+          </a:p>
+        </p:txBody>
+      </p:sp>
+    </p:spTree>
+    <p:extLst>
+      <p:ext uri="{BB962C8B-B14F-4D97-AF65-F5344CB8AC3E}">
+        <p14:creationId xmlns:p14="http://schemas.microsoft.com/office/powerpoint/2010/main" val="2849889594"/>
+      </p:ext>
+    </p:extLst>
+  </p:cSld>
+  <p:clrMapOvr>
+    <a:masterClrMapping/>
+  </p:clrMapOvr>
+</p:sld>
+</file>
+
+<file path=ppt/slides/slide6.xml><?xml version="1.0" encoding="utf-8"?>
+<p:sld xmlns:a="http://schemas.openxmlformats.org/drawingml/2006/main" xmlns:r="http://schemas.openxmlformats.org/officeDocument/2006/relationships" xmlns:p="http://schemas.openxmlformats.org/presentationml/2006/main">
+  <p:cSld>
+    <p:spTree>
+      <p:nvGrpSpPr>
+        <p:cNvPr id="1" name=""/>
+        <p:cNvGrpSpPr/>
+        <p:nvPr/>
+      </p:nvGrpSpPr>
+      <p:grpSpPr>
+        <a:xfrm>
+          <a:off x="0" y="0"/>
+          <a:ext cx="0" cy="0"/>
+          <a:chOff x="0" y="0"/>
+          <a:chExt cx="0" cy="0"/>
+        </a:xfrm>
+      </p:grpSpPr>
+      <p:sp>
+        <p:nvSpPr>
+          <p:cNvPr id="2" name="テキスト ボックス 1">
+            <a:extLst>
+              <a:ext uri="{FF2B5EF4-FFF2-40B4-BE49-F238E27FC236}">
+                <a16:creationId xmlns:a16="http://schemas.microsoft.com/office/drawing/2014/main" id="{663570D6-4620-F344-8E4D-D45694620A5B}"/>
+              </a:ext>
+            </a:extLst>
+          </p:cNvPr>
+          <p:cNvSpPr txBox="1"/>
+          <p:nvPr/>
+        </p:nvSpPr>
+        <p:spPr>
+          <a:xfrm>
+            <a:off x="2822282" y="240788"/>
+            <a:ext cx="3057247" cy="584775"/>
+          </a:xfrm>
+          <a:prstGeom prst="rect">
+            <a:avLst/>
+          </a:prstGeom>
+          <a:noFill/>
+        </p:spPr>
+        <p:txBody>
+          <a:bodyPr wrap="none" rtlCol="0">
+            <a:spAutoFit/>
+          </a:bodyPr>
+          <a:lstStyle/>
+          <a:p>
+            <a:r>
+              <a:rPr lang="ja-JP" altLang="en-US" sz="3200"/>
+              <a:t>反応拡散方程式</a:t>
+            </a:r>
+            <a:endParaRPr kumimoji="1" lang="ja-JP" altLang="en-US" sz="3200"/>
+          </a:p>
+        </p:txBody>
+      </p:sp>
+      <p:sp>
+        <p:nvSpPr>
+          <p:cNvPr id="3" name="テキスト ボックス 2">
+            <a:extLst>
+              <a:ext uri="{FF2B5EF4-FFF2-40B4-BE49-F238E27FC236}">
+                <a16:creationId xmlns:a16="http://schemas.microsoft.com/office/drawing/2014/main" id="{77053B0E-4B90-E941-A5A8-9A96B2467556}"/>
+              </a:ext>
+            </a:extLst>
+          </p:cNvPr>
+          <p:cNvSpPr txBox="1"/>
+          <p:nvPr/>
+        </p:nvSpPr>
+        <p:spPr>
+          <a:xfrm>
+            <a:off x="569996" y="1587414"/>
+            <a:ext cx="8167621" cy="461665"/>
+          </a:xfrm>
+          <a:prstGeom prst="rect">
+            <a:avLst/>
+          </a:prstGeom>
+          <a:noFill/>
+        </p:spPr>
+        <p:txBody>
+          <a:bodyPr wrap="none" rtlCol="0">
+            <a:spAutoFit/>
+          </a:bodyPr>
+          <a:lstStyle/>
+          <a:p>
+            <a:r>
+              <a:rPr kumimoji="1" lang="ja-JP" altLang="en-US" sz="2400"/>
+              <a:t>二種類の化学物質</a:t>
+            </a:r>
+            <a:r>
+              <a:rPr kumimoji="1" lang="en-US" altLang="ja-JP" sz="2400"/>
+              <a:t>u</a:t>
+            </a:r>
+            <a:r>
+              <a:rPr kumimoji="1" lang="ja-JP" altLang="en-US" sz="2400"/>
+              <a:t>と</a:t>
+            </a:r>
+            <a:r>
+              <a:rPr kumimoji="1" lang="en-US" altLang="ja-JP" sz="2400"/>
+              <a:t>v</a:t>
+            </a:r>
+            <a:r>
+              <a:rPr lang="ja-JP" altLang="en-US" sz="2400"/>
+              <a:t>がお互いに</a:t>
+            </a:r>
+            <a:r>
+              <a:rPr lang="ja-JP" altLang="en-US" sz="2400" b="1">
+                <a:solidFill>
+                  <a:srgbClr val="011893"/>
+                </a:solidFill>
+              </a:rPr>
+              <a:t>反応</a:t>
+            </a:r>
+            <a:r>
+              <a:rPr lang="ja-JP" altLang="en-US" sz="2400"/>
+              <a:t>しながら</a:t>
+            </a:r>
+            <a:r>
+              <a:rPr lang="ja-JP" altLang="en-US" sz="2400" b="1">
+                <a:solidFill>
+                  <a:srgbClr val="FFC000"/>
+                </a:solidFill>
+              </a:rPr>
+              <a:t>拡散</a:t>
+            </a:r>
+            <a:r>
+              <a:rPr lang="ja-JP" altLang="en-US" sz="2400"/>
+              <a:t>する式</a:t>
+            </a:r>
+            <a:endParaRPr kumimoji="1" lang="ja-JP" altLang="en-US" sz="2400"/>
+          </a:p>
+        </p:txBody>
+      </p:sp>
+      <mc:AlternateContent xmlns:mc="http://schemas.openxmlformats.org/markup-compatibility/2006">
+        <mc:Choice xmlns:a14="http://schemas.microsoft.com/office/drawing/2010/main" Requires="a14">
+          <p:sp>
+            <p:nvSpPr>
+              <p:cNvPr id="4" name="テキスト ボックス 3">
+                <a:extLst>
+                  <a:ext uri="{FF2B5EF4-FFF2-40B4-BE49-F238E27FC236}">
+                    <a16:creationId xmlns:a16="http://schemas.microsoft.com/office/drawing/2014/main" id="{5BC73BDF-FB25-2144-8ED7-C9194D5F688A}"/>
+                  </a:ext>
+                </a:extLst>
+              </p:cNvPr>
+              <p:cNvSpPr txBox="1"/>
+              <p:nvPr/>
+            </p:nvSpPr>
+            <p:spPr>
+              <a:xfrm>
+                <a:off x="1792777" y="2307494"/>
+                <a:ext cx="5328592" cy="819263"/>
+              </a:xfrm>
+              <a:prstGeom prst="rect">
+                <a:avLst/>
+              </a:prstGeom>
+              <a:noFill/>
+            </p:spPr>
+            <p:txBody>
+              <a:bodyPr wrap="square" lIns="0" tIns="0" rIns="0" bIns="0" rtlCol="0">
+                <a:spAutoFit/>
+              </a:bodyPr>
+              <a:lstStyle/>
+              <a:p>
+                <a:pPr/>
+                <a14:m>
+                  <m:oMathPara xmlns:m="http://schemas.openxmlformats.org/officeDocument/2006/math">
+                    <m:oMathParaPr>
+                      <m:jc m:val="centerGroup"/>
+                    </m:oMathParaPr>
+                    <m:oMath xmlns:m="http://schemas.openxmlformats.org/officeDocument/2006/math">
+                      <m:f>
+                        <m:fPr>
+                          <m:ctrlPr>
+                            <a:rPr kumimoji="1" lang="en" altLang="ja-JP" sz="2800" i="1">
+                              <a:latin typeface="Cambria Math" panose="02040503050406030204" pitchFamily="18" charset="0"/>
+                            </a:rPr>
+                          </m:ctrlPr>
+                        </m:fPr>
+                        <m:num>
+                          <m:r>
+                            <a:rPr kumimoji="1" lang="en" altLang="ja-JP" sz="2800" i="1">
+                              <a:latin typeface="Cambria Math" panose="02040503050406030204" pitchFamily="18" charset="0"/>
+                              <a:ea typeface="Cambria Math" panose="02040503050406030204" pitchFamily="18" charset="0"/>
+                            </a:rPr>
+                            <m:t>𝜕</m:t>
+                          </m:r>
+                          <m:r>
+                            <a:rPr kumimoji="1" lang="en-US" altLang="ja-JP" sz="2800" b="0" i="1">
+                              <a:latin typeface="Cambria Math" panose="02040503050406030204" pitchFamily="18" charset="0"/>
+                              <a:ea typeface="Cambria Math" panose="02040503050406030204" pitchFamily="18" charset="0"/>
+                            </a:rPr>
+                            <m:t>𝑢</m:t>
+                          </m:r>
+                        </m:num>
+                        <m:den>
+                          <m:r>
+                            <a:rPr kumimoji="1" lang="en" altLang="ja-JP" sz="2800" i="1">
+                              <a:latin typeface="Cambria Math" panose="02040503050406030204" pitchFamily="18" charset="0"/>
+                              <a:ea typeface="Cambria Math" panose="02040503050406030204" pitchFamily="18" charset="0"/>
+                            </a:rPr>
+                            <m:t>𝜕</m:t>
+                          </m:r>
+                          <m:r>
+                            <a:rPr kumimoji="1" lang="en-US" altLang="ja-JP" sz="2800" b="0" i="1">
+                              <a:latin typeface="Cambria Math" panose="02040503050406030204" pitchFamily="18" charset="0"/>
+                              <a:ea typeface="Cambria Math" panose="02040503050406030204" pitchFamily="18" charset="0"/>
+                            </a:rPr>
+                            <m:t>𝑡</m:t>
+                          </m:r>
+                        </m:den>
+                      </m:f>
+                      <m:r>
+                        <a:rPr kumimoji="1" lang="en" altLang="ja-JP" sz="2800" i="1">
+                          <a:latin typeface="Cambria Math" panose="02040503050406030204" pitchFamily="18" charset="0"/>
+                        </a:rPr>
+                        <m:t>=</m:t>
+                      </m:r>
+                      <m:sSub>
+                        <m:sSubPr>
+                          <m:ctrlPr>
+                            <a:rPr kumimoji="1" lang="en-US" altLang="ja-JP" sz="2800" b="0" i="1">
+                              <a:latin typeface="Cambria Math" panose="02040503050406030204" pitchFamily="18" charset="0"/>
+                            </a:rPr>
+                          </m:ctrlPr>
+                        </m:sSubPr>
+                        <m:e>
+                          <m:r>
+                            <a:rPr kumimoji="1" lang="en-US" altLang="ja-JP" sz="2800" b="0" i="1">
+                              <a:latin typeface="Cambria Math" panose="02040503050406030204" pitchFamily="18" charset="0"/>
+                            </a:rPr>
+                            <m:t>𝐷</m:t>
+                          </m:r>
+                        </m:e>
+                        <m:sub>
+                          <m:r>
+                            <a:rPr kumimoji="1" lang="en-US" altLang="ja-JP" sz="2800" b="0" i="1">
+                              <a:latin typeface="Cambria Math" panose="02040503050406030204" pitchFamily="18" charset="0"/>
+                            </a:rPr>
+                            <m:t>𝑢</m:t>
+                          </m:r>
+                        </m:sub>
+                      </m:sSub>
+                      <m:r>
+                        <a:rPr kumimoji="1" lang="en-US" altLang="ja-JP" sz="2800" b="0" i="1">
+                          <a:latin typeface="Cambria Math" panose="02040503050406030204" pitchFamily="18" charset="0"/>
+                          <a:ea typeface="Cambria Math" panose="02040503050406030204" pitchFamily="18" charset="0"/>
+                        </a:rPr>
+                        <m:t>∆</m:t>
+                      </m:r>
+                      <m:r>
+                        <a:rPr kumimoji="1" lang="en-US" altLang="ja-JP" sz="2800" b="0" i="1">
+                          <a:latin typeface="Cambria Math" panose="02040503050406030204" pitchFamily="18" charset="0"/>
+                        </a:rPr>
+                        <m:t>𝑢</m:t>
+                      </m:r>
+                      <m:r>
+                        <a:rPr kumimoji="1" lang="en-US" altLang="ja-JP" sz="2800" b="0" i="1">
+                          <a:latin typeface="Cambria Math" panose="02040503050406030204" pitchFamily="18" charset="0"/>
+                        </a:rPr>
+                        <m:t>−</m:t>
+                      </m:r>
+                      <m:r>
+                        <a:rPr kumimoji="1" lang="en-US" altLang="ja-JP" sz="2800" b="0" i="1">
+                          <a:latin typeface="Cambria Math" panose="02040503050406030204" pitchFamily="18" charset="0"/>
+                        </a:rPr>
+                        <m:t>𝑢</m:t>
+                      </m:r>
+                      <m:sSup>
+                        <m:sSupPr>
+                          <m:ctrlPr>
+                            <a:rPr kumimoji="1" lang="en-US" altLang="ja-JP" sz="2800" b="0" i="1">
+                              <a:latin typeface="Cambria Math" panose="02040503050406030204" pitchFamily="18" charset="0"/>
+                            </a:rPr>
+                          </m:ctrlPr>
+                        </m:sSupPr>
+                        <m:e>
+                          <m:r>
+                            <a:rPr kumimoji="1" lang="en-US" altLang="ja-JP" sz="2800" b="0" i="1">
+                              <a:latin typeface="Cambria Math" panose="02040503050406030204" pitchFamily="18" charset="0"/>
+                            </a:rPr>
+                            <m:t>𝑣</m:t>
+                          </m:r>
+                        </m:e>
+                        <m:sup>
+                          <m:r>
+                            <a:rPr kumimoji="1" lang="en-US" altLang="ja-JP" sz="2800" b="0" i="1">
+                              <a:latin typeface="Cambria Math" panose="02040503050406030204" pitchFamily="18" charset="0"/>
+                            </a:rPr>
+                            <m:t>2</m:t>
+                          </m:r>
+                        </m:sup>
+                      </m:sSup>
+                      <m:r>
+                        <a:rPr kumimoji="1" lang="en-US" altLang="ja-JP" sz="2800" b="0" i="1">
+                          <a:latin typeface="Cambria Math" panose="02040503050406030204" pitchFamily="18" charset="0"/>
+                        </a:rPr>
+                        <m:t>+</m:t>
+                      </m:r>
+                      <m:r>
+                        <a:rPr kumimoji="1" lang="en-US" altLang="ja-JP" sz="2800" b="0" i="1">
+                          <a:latin typeface="Cambria Math" panose="02040503050406030204" pitchFamily="18" charset="0"/>
+                        </a:rPr>
+                        <m:t>𝐹</m:t>
+                      </m:r>
+                      <m:r>
+                        <a:rPr kumimoji="1" lang="en-US" altLang="ja-JP" sz="2800" b="0" i="1">
+                          <a:latin typeface="Cambria Math" panose="02040503050406030204" pitchFamily="18" charset="0"/>
+                        </a:rPr>
+                        <m:t>(1−</m:t>
+                      </m:r>
+                      <m:r>
+                        <a:rPr kumimoji="1" lang="en-US" altLang="ja-JP" sz="2800" b="0" i="1">
+                          <a:latin typeface="Cambria Math" panose="02040503050406030204" pitchFamily="18" charset="0"/>
+                        </a:rPr>
+                        <m:t>𝑢</m:t>
+                      </m:r>
+                      <m:r>
+                        <a:rPr kumimoji="1" lang="en-US" altLang="ja-JP" sz="2800" b="0" i="1">
+                          <a:latin typeface="Cambria Math" panose="02040503050406030204" pitchFamily="18" charset="0"/>
+                        </a:rPr>
+                        <m:t>)</m:t>
+                      </m:r>
+                    </m:oMath>
+                  </m:oMathPara>
+                </a14:m>
+                <a:endParaRPr kumimoji="1" lang="ja-JP" altLang="en-US" sz="2800"/>
+              </a:p>
+            </p:txBody>
+          </p:sp>
+        </mc:Choice>
+        <mc:Fallback>
+          <p:sp>
+            <p:nvSpPr>
+              <p:cNvPr id="4" name="テキスト ボックス 3">
+                <a:extLst>
+                  <a:ext uri="{FF2B5EF4-FFF2-40B4-BE49-F238E27FC236}">
+                    <a16:creationId xmlns:a16="http://schemas.microsoft.com/office/drawing/2014/main" id="{5BC73BDF-FB25-2144-8ED7-C9194D5F688A}"/>
+                  </a:ext>
+                </a:extLst>
+              </p:cNvPr>
+              <p:cNvSpPr txBox="1">
+                <a:spLocks noRot="1" noChangeAspect="1" noMove="1" noResize="1" noEditPoints="1" noAdjustHandles="1" noChangeArrowheads="1" noChangeShapeType="1" noTextEdit="1"/>
+              </p:cNvSpPr>
+              <p:nvPr/>
+            </p:nvSpPr>
+            <p:spPr>
+              <a:xfrm>
+                <a:off x="1792777" y="2307494"/>
+                <a:ext cx="5328592" cy="819263"/>
+              </a:xfrm>
+              <a:prstGeom prst="rect">
+                <a:avLst/>
+              </a:prstGeom>
+              <a:blipFill>
+                <a:blip r:embed="rId2"/>
+                <a:stretch>
+                  <a:fillRect b="-13846"/>
+                </a:stretch>
+              </a:blipFill>
+            </p:spPr>
+            <p:txBody>
+              <a:bodyPr/>
+              <a:lstStyle/>
+              <a:p>
+                <a:r>
+                  <a:rPr lang="ja-JP" altLang="en-US">
+                    <a:noFill/>
+                  </a:rPr>
+                  <a:t> </a:t>
+                </a:r>
+              </a:p>
+            </p:txBody>
+          </p:sp>
+        </mc:Fallback>
+      </mc:AlternateContent>
+      <mc:AlternateContent xmlns:mc="http://schemas.openxmlformats.org/markup-compatibility/2006">
+        <mc:Choice xmlns:a14="http://schemas.microsoft.com/office/drawing/2010/main" Requires="a14">
+          <p:sp>
+            <p:nvSpPr>
+              <p:cNvPr id="5" name="テキスト ボックス 4">
+                <a:extLst>
+                  <a:ext uri="{FF2B5EF4-FFF2-40B4-BE49-F238E27FC236}">
+                    <a16:creationId xmlns:a16="http://schemas.microsoft.com/office/drawing/2014/main" id="{85AC839A-6098-A044-B478-C99DCFA0DDC8}"/>
+                  </a:ext>
+                </a:extLst>
+              </p:cNvPr>
+              <p:cNvSpPr txBox="1"/>
+              <p:nvPr/>
+            </p:nvSpPr>
+            <p:spPr>
+              <a:xfrm>
+                <a:off x="1792777" y="3315606"/>
+                <a:ext cx="5328592" cy="819263"/>
+              </a:xfrm>
+              <a:prstGeom prst="rect">
+                <a:avLst/>
+              </a:prstGeom>
+              <a:noFill/>
+            </p:spPr>
+            <p:txBody>
+              <a:bodyPr wrap="square" lIns="0" tIns="0" rIns="0" bIns="0" rtlCol="0">
+                <a:spAutoFit/>
+              </a:bodyPr>
+              <a:lstStyle/>
+              <a:p>
+                <a:pPr/>
+                <a14:m>
+                  <m:oMathPara xmlns:m="http://schemas.openxmlformats.org/officeDocument/2006/math">
+                    <m:oMathParaPr>
+                      <m:jc m:val="centerGroup"/>
+                    </m:oMathParaPr>
+                    <m:oMath xmlns:m="http://schemas.openxmlformats.org/officeDocument/2006/math">
+                      <m:f>
+                        <m:fPr>
+                          <m:ctrlPr>
+                            <a:rPr kumimoji="1" lang="en" altLang="ja-JP" sz="2800" i="1">
+                              <a:latin typeface="Cambria Math" panose="02040503050406030204" pitchFamily="18" charset="0"/>
+                            </a:rPr>
+                          </m:ctrlPr>
+                        </m:fPr>
+                        <m:num>
+                          <m:r>
+                            <a:rPr kumimoji="1" lang="en" altLang="ja-JP" sz="2800" i="1">
+                              <a:latin typeface="Cambria Math" panose="02040503050406030204" pitchFamily="18" charset="0"/>
+                              <a:ea typeface="Cambria Math" panose="02040503050406030204" pitchFamily="18" charset="0"/>
+                            </a:rPr>
+                            <m:t>𝜕</m:t>
+                          </m:r>
+                          <m:r>
+                            <a:rPr kumimoji="1" lang="en-US" altLang="ja-JP" sz="2800" b="0" i="1">
+                              <a:latin typeface="Cambria Math" panose="02040503050406030204" pitchFamily="18" charset="0"/>
+                              <a:ea typeface="Cambria Math" panose="02040503050406030204" pitchFamily="18" charset="0"/>
+                            </a:rPr>
+                            <m:t>𝑣</m:t>
+                          </m:r>
+                        </m:num>
+                        <m:den>
+                          <m:r>
+                            <a:rPr kumimoji="1" lang="en" altLang="ja-JP" sz="2800" i="1">
+                              <a:latin typeface="Cambria Math" panose="02040503050406030204" pitchFamily="18" charset="0"/>
+                              <a:ea typeface="Cambria Math" panose="02040503050406030204" pitchFamily="18" charset="0"/>
+                            </a:rPr>
+                            <m:t>𝜕</m:t>
+                          </m:r>
+                          <m:r>
+                            <a:rPr kumimoji="1" lang="en-US" altLang="ja-JP" sz="2800" b="0" i="1">
+                              <a:latin typeface="Cambria Math" panose="02040503050406030204" pitchFamily="18" charset="0"/>
+                              <a:ea typeface="Cambria Math" panose="02040503050406030204" pitchFamily="18" charset="0"/>
+                            </a:rPr>
+                            <m:t>𝑡</m:t>
+                          </m:r>
+                        </m:den>
+                      </m:f>
+                      <m:r>
+                        <a:rPr kumimoji="1" lang="en" altLang="ja-JP" sz="2800" i="1">
+                          <a:latin typeface="Cambria Math" panose="02040503050406030204" pitchFamily="18" charset="0"/>
+                        </a:rPr>
+                        <m:t>=</m:t>
+                      </m:r>
+                      <m:sSub>
+                        <m:sSubPr>
+                          <m:ctrlPr>
+                            <a:rPr kumimoji="1" lang="en-US" altLang="ja-JP" sz="2800" b="0" i="1">
+                              <a:latin typeface="Cambria Math" panose="02040503050406030204" pitchFamily="18" charset="0"/>
+                            </a:rPr>
+                          </m:ctrlPr>
+                        </m:sSubPr>
+                        <m:e>
+                          <m:r>
+                            <a:rPr kumimoji="1" lang="en-US" altLang="ja-JP" sz="2800" b="0" i="1">
+                              <a:latin typeface="Cambria Math" panose="02040503050406030204" pitchFamily="18" charset="0"/>
+                            </a:rPr>
+                            <m:t>𝐷</m:t>
+                          </m:r>
+                        </m:e>
+                        <m:sub>
+                          <m:r>
+                            <a:rPr kumimoji="1" lang="en-US" altLang="ja-JP" sz="2800" b="0" i="1">
+                              <a:latin typeface="Cambria Math" panose="02040503050406030204" pitchFamily="18" charset="0"/>
+                            </a:rPr>
+                            <m:t>𝑣</m:t>
+                          </m:r>
+                        </m:sub>
+                      </m:sSub>
+                      <m:r>
+                        <a:rPr kumimoji="1" lang="en-US" altLang="ja-JP" sz="2800" b="0" i="1">
+                          <a:latin typeface="Cambria Math" panose="02040503050406030204" pitchFamily="18" charset="0"/>
+                          <a:ea typeface="Cambria Math" panose="02040503050406030204" pitchFamily="18" charset="0"/>
+                        </a:rPr>
+                        <m:t>∆</m:t>
+                      </m:r>
+                      <m:r>
+                        <a:rPr kumimoji="1" lang="en-US" altLang="ja-JP" sz="2800" b="0" i="1">
+                          <a:latin typeface="Cambria Math" panose="02040503050406030204" pitchFamily="18" charset="0"/>
+                        </a:rPr>
+                        <m:t>𝑣</m:t>
+                      </m:r>
+                      <m:r>
+                        <a:rPr kumimoji="1" lang="en-US" altLang="ja-JP" sz="2800" b="0" i="1">
+                          <a:latin typeface="Cambria Math" panose="02040503050406030204" pitchFamily="18" charset="0"/>
+                        </a:rPr>
+                        <m:t>+</m:t>
+                      </m:r>
+                      <m:r>
+                        <a:rPr kumimoji="1" lang="en-US" altLang="ja-JP" sz="2800" b="0" i="1">
+                          <a:latin typeface="Cambria Math" panose="02040503050406030204" pitchFamily="18" charset="0"/>
+                        </a:rPr>
+                        <m:t>𝑢</m:t>
+                      </m:r>
+                      <m:sSup>
+                        <m:sSupPr>
+                          <m:ctrlPr>
+                            <a:rPr kumimoji="1" lang="en-US" altLang="ja-JP" sz="2800" b="0" i="1">
+                              <a:latin typeface="Cambria Math" panose="02040503050406030204" pitchFamily="18" charset="0"/>
+                            </a:rPr>
+                          </m:ctrlPr>
+                        </m:sSupPr>
+                        <m:e>
+                          <m:r>
+                            <a:rPr kumimoji="1" lang="en-US" altLang="ja-JP" sz="2800" b="0" i="1">
+                              <a:latin typeface="Cambria Math" panose="02040503050406030204" pitchFamily="18" charset="0"/>
+                            </a:rPr>
+                            <m:t>𝑣</m:t>
+                          </m:r>
+                        </m:e>
+                        <m:sup>
+                          <m:r>
+                            <a:rPr kumimoji="1" lang="en-US" altLang="ja-JP" sz="2800" b="0" i="1">
+                              <a:latin typeface="Cambria Math" panose="02040503050406030204" pitchFamily="18" charset="0"/>
+                            </a:rPr>
+                            <m:t>2</m:t>
+                          </m:r>
+                        </m:sup>
+                      </m:sSup>
+                      <m:r>
+                        <a:rPr kumimoji="1" lang="en-US" altLang="ja-JP" sz="2800" b="0" i="1">
+                          <a:latin typeface="Cambria Math" panose="02040503050406030204" pitchFamily="18" charset="0"/>
+                        </a:rPr>
+                        <m:t>−</m:t>
+                      </m:r>
+                      <m:d>
+                        <m:dPr>
+                          <m:ctrlPr>
+                            <a:rPr kumimoji="1" lang="en-US" altLang="ja-JP" sz="2800" b="0" i="1">
+                              <a:latin typeface="Cambria Math" panose="02040503050406030204" pitchFamily="18" charset="0"/>
+                            </a:rPr>
+                          </m:ctrlPr>
+                        </m:dPr>
+                        <m:e>
+                          <m:r>
+                            <a:rPr kumimoji="1" lang="en-US" altLang="ja-JP" sz="2800" b="0" i="1">
+                              <a:latin typeface="Cambria Math" panose="02040503050406030204" pitchFamily="18" charset="0"/>
+                            </a:rPr>
+                            <m:t>𝐹</m:t>
+                          </m:r>
+                          <m:r>
+                            <a:rPr kumimoji="1" lang="en-US" altLang="ja-JP" sz="2800" b="0" i="1">
+                              <a:latin typeface="Cambria Math" panose="02040503050406030204" pitchFamily="18" charset="0"/>
+                            </a:rPr>
+                            <m:t>+</m:t>
+                          </m:r>
+                          <m:r>
+                            <a:rPr kumimoji="1" lang="en-US" altLang="ja-JP" sz="2800" b="0" i="1">
+                              <a:latin typeface="Cambria Math" panose="02040503050406030204" pitchFamily="18" charset="0"/>
+                            </a:rPr>
+                            <m:t>𝑘</m:t>
+                          </m:r>
+                        </m:e>
+                      </m:d>
+                      <m:r>
+                        <a:rPr kumimoji="1" lang="en-US" altLang="ja-JP" sz="2800" b="0" i="1">
+                          <a:latin typeface="Cambria Math" panose="02040503050406030204" pitchFamily="18" charset="0"/>
+                        </a:rPr>
+                        <m:t>𝑣</m:t>
+                      </m:r>
+                    </m:oMath>
+                  </m:oMathPara>
+                </a14:m>
+                <a:endParaRPr kumimoji="1" lang="ja-JP" altLang="en-US" sz="2800"/>
+              </a:p>
+            </p:txBody>
+          </p:sp>
+        </mc:Choice>
+        <mc:Fallback>
+          <p:sp>
+            <p:nvSpPr>
+              <p:cNvPr id="5" name="テキスト ボックス 4">
+                <a:extLst>
+                  <a:ext uri="{FF2B5EF4-FFF2-40B4-BE49-F238E27FC236}">
+                    <a16:creationId xmlns:a16="http://schemas.microsoft.com/office/drawing/2014/main" id="{85AC839A-6098-A044-B478-C99DCFA0DDC8}"/>
+                  </a:ext>
+                </a:extLst>
+              </p:cNvPr>
+              <p:cNvSpPr txBox="1">
+                <a:spLocks noRot="1" noChangeAspect="1" noMove="1" noResize="1" noEditPoints="1" noAdjustHandles="1" noChangeArrowheads="1" noChangeShapeType="1" noTextEdit="1"/>
+              </p:cNvSpPr>
+              <p:nvPr/>
+            </p:nvSpPr>
+            <p:spPr>
+              <a:xfrm>
+                <a:off x="1792777" y="3315606"/>
+                <a:ext cx="5328592" cy="819263"/>
+              </a:xfrm>
+              <a:prstGeom prst="rect">
+                <a:avLst/>
+              </a:prstGeom>
+              <a:blipFill>
+                <a:blip r:embed="rId3"/>
+                <a:stretch>
+                  <a:fillRect b="-12121"/>
+                </a:stretch>
+              </a:blipFill>
+            </p:spPr>
+            <p:txBody>
+              <a:bodyPr/>
+              <a:lstStyle/>
+              <a:p>
+                <a:r>
+                  <a:rPr lang="ja-JP" altLang="en-US">
+                    <a:noFill/>
+                  </a:rPr>
+                  <a:t> </a:t>
+                </a:r>
+              </a:p>
+            </p:txBody>
+          </p:sp>
+        </mc:Fallback>
+      </mc:AlternateContent>
+      <p:sp>
+        <p:nvSpPr>
+          <p:cNvPr id="6" name="正方形/長方形 5">
+            <a:extLst>
+              <a:ext uri="{FF2B5EF4-FFF2-40B4-BE49-F238E27FC236}">
+                <a16:creationId xmlns:a16="http://schemas.microsoft.com/office/drawing/2014/main" id="{6C7D38EC-4E3A-1146-A2F6-5DC14E3A5B7C}"/>
+              </a:ext>
+            </a:extLst>
+          </p:cNvPr>
+          <p:cNvSpPr/>
+          <p:nvPr/>
+        </p:nvSpPr>
+        <p:spPr>
+          <a:xfrm>
+            <a:off x="3016913" y="2451510"/>
+            <a:ext cx="936104" cy="576064"/>
+          </a:xfrm>
+          <a:prstGeom prst="rect">
+            <a:avLst/>
+          </a:prstGeom>
+          <a:noFill/>
+          <a:ln w="38100">
+            <a:solidFill>
+              <a:srgbClr val="FFC000"/>
+            </a:solidFill>
+          </a:ln>
+        </p:spPr>
+        <p:style>
+          <a:lnRef idx="2">
+            <a:schemeClr val="accent1">
+              <a:shade val="50000"/>
+            </a:schemeClr>
+          </a:lnRef>
+          <a:fillRef idx="1">
+            <a:schemeClr val="accent1"/>
+          </a:fillRef>
+          <a:effectRef idx="0">
+            <a:schemeClr val="accent1"/>
+          </a:effectRef>
+          <a:fontRef idx="minor">
+            <a:schemeClr val="lt1"/>
+          </a:fontRef>
+        </p:style>
+        <p:txBody>
+          <a:bodyPr rtlCol="0" anchor="ctr"/>
+          <a:lstStyle/>
+          <a:p>
+            <a:pPr algn="ctr"/>
+            <a:endParaRPr kumimoji="1" lang="ja-JP" altLang="en-US"/>
+          </a:p>
+        </p:txBody>
+      </p:sp>
+      <p:sp>
+        <p:nvSpPr>
+          <p:cNvPr id="7" name="正方形/長方形 6">
+            <a:extLst>
+              <a:ext uri="{FF2B5EF4-FFF2-40B4-BE49-F238E27FC236}">
+                <a16:creationId xmlns:a16="http://schemas.microsoft.com/office/drawing/2014/main" id="{FDC8F18C-9847-2F4D-8A6B-C2541CC7910B}"/>
+              </a:ext>
+            </a:extLst>
+          </p:cNvPr>
+          <p:cNvSpPr/>
+          <p:nvPr/>
+        </p:nvSpPr>
+        <p:spPr>
+          <a:xfrm>
+            <a:off x="3016913" y="3459622"/>
+            <a:ext cx="936104" cy="576064"/>
+          </a:xfrm>
+          <a:prstGeom prst="rect">
+            <a:avLst/>
+          </a:prstGeom>
+          <a:noFill/>
+          <a:ln w="38100">
+            <a:solidFill>
+              <a:srgbClr val="FFC000"/>
+            </a:solidFill>
+          </a:ln>
+        </p:spPr>
+        <p:style>
+          <a:lnRef idx="2">
+            <a:schemeClr val="accent1">
+              <a:shade val="50000"/>
+            </a:schemeClr>
+          </a:lnRef>
+          <a:fillRef idx="1">
+            <a:schemeClr val="accent1"/>
+          </a:fillRef>
+          <a:effectRef idx="0">
+            <a:schemeClr val="accent1"/>
+          </a:effectRef>
+          <a:fontRef idx="minor">
+            <a:schemeClr val="lt1"/>
+          </a:fontRef>
+        </p:style>
+        <p:txBody>
+          <a:bodyPr rtlCol="0" anchor="ctr"/>
+          <a:lstStyle/>
+          <a:p>
+            <a:pPr algn="ctr"/>
+            <a:endParaRPr kumimoji="1" lang="ja-JP" altLang="en-US"/>
+          </a:p>
+        </p:txBody>
+      </p:sp>
+      <p:sp>
+        <p:nvSpPr>
+          <p:cNvPr id="8" name="正方形/長方形 7">
+            <a:extLst>
+              <a:ext uri="{FF2B5EF4-FFF2-40B4-BE49-F238E27FC236}">
+                <a16:creationId xmlns:a16="http://schemas.microsoft.com/office/drawing/2014/main" id="{848505D7-ED64-1646-9396-A6E39878BC11}"/>
+              </a:ext>
+            </a:extLst>
+          </p:cNvPr>
+          <p:cNvSpPr/>
+          <p:nvPr/>
+        </p:nvSpPr>
+        <p:spPr>
+          <a:xfrm>
+            <a:off x="3016913" y="4539742"/>
+            <a:ext cx="936104" cy="576064"/>
+          </a:xfrm>
+          <a:prstGeom prst="rect">
+            <a:avLst/>
+          </a:prstGeom>
+          <a:noFill/>
+          <a:ln w="38100">
+            <a:solidFill>
+              <a:srgbClr val="FFC000"/>
+            </a:solidFill>
+          </a:ln>
+        </p:spPr>
+        <p:style>
+          <a:lnRef idx="2">
+            <a:schemeClr val="accent1">
+              <a:shade val="50000"/>
+            </a:schemeClr>
+          </a:lnRef>
+          <a:fillRef idx="1">
+            <a:schemeClr val="accent1"/>
+          </a:fillRef>
+          <a:effectRef idx="0">
+            <a:schemeClr val="accent1"/>
+          </a:effectRef>
+          <a:fontRef idx="minor">
+            <a:schemeClr val="lt1"/>
+          </a:fontRef>
+        </p:style>
+        <p:txBody>
+          <a:bodyPr rtlCol="0" anchor="ctr"/>
+          <a:lstStyle/>
+          <a:p>
+            <a:pPr algn="ctr"/>
+            <a:endParaRPr kumimoji="1" lang="ja-JP" altLang="en-US"/>
+          </a:p>
+        </p:txBody>
+      </p:sp>
+      <p:sp>
+        <p:nvSpPr>
+          <p:cNvPr id="9" name="テキスト ボックス 8">
+            <a:extLst>
+              <a:ext uri="{FF2B5EF4-FFF2-40B4-BE49-F238E27FC236}">
+                <a16:creationId xmlns:a16="http://schemas.microsoft.com/office/drawing/2014/main" id="{4F029E37-6C2E-5F43-9C79-C3407B3AD9D4}"/>
+              </a:ext>
+            </a:extLst>
+          </p:cNvPr>
+          <p:cNvSpPr txBox="1"/>
+          <p:nvPr/>
+        </p:nvSpPr>
+        <p:spPr>
+          <a:xfrm>
+            <a:off x="3016913" y="4539742"/>
+            <a:ext cx="1005403" cy="584775"/>
+          </a:xfrm>
+          <a:prstGeom prst="rect">
+            <a:avLst/>
+          </a:prstGeom>
+          <a:noFill/>
+        </p:spPr>
+        <p:txBody>
+          <a:bodyPr wrap="none" rtlCol="0">
+            <a:spAutoFit/>
+          </a:bodyPr>
+          <a:lstStyle/>
+          <a:p>
+            <a:r>
+              <a:rPr kumimoji="1" lang="ja-JP" altLang="en-US" sz="3200"/>
+              <a:t>拡散</a:t>
+            </a:r>
+          </a:p>
+        </p:txBody>
+      </p:sp>
+      <p:sp>
+        <p:nvSpPr>
+          <p:cNvPr id="10" name="正方形/長方形 9">
+            <a:extLst>
+              <a:ext uri="{FF2B5EF4-FFF2-40B4-BE49-F238E27FC236}">
+                <a16:creationId xmlns:a16="http://schemas.microsoft.com/office/drawing/2014/main" id="{29B354CC-CE6F-B346-AF09-81226F79C87A}"/>
+              </a:ext>
+            </a:extLst>
+          </p:cNvPr>
+          <p:cNvSpPr/>
+          <p:nvPr/>
+        </p:nvSpPr>
+        <p:spPr>
+          <a:xfrm>
+            <a:off x="4241049" y="2451510"/>
+            <a:ext cx="2520280" cy="576064"/>
+          </a:xfrm>
+          <a:prstGeom prst="rect">
+            <a:avLst/>
+          </a:prstGeom>
+          <a:noFill/>
+          <a:ln w="38100">
+            <a:solidFill>
+              <a:srgbClr val="011893"/>
+            </a:solidFill>
+          </a:ln>
+        </p:spPr>
+        <p:style>
+          <a:lnRef idx="2">
+            <a:schemeClr val="accent1">
+              <a:shade val="50000"/>
+            </a:schemeClr>
+          </a:lnRef>
+          <a:fillRef idx="1">
+            <a:schemeClr val="accent1"/>
+          </a:fillRef>
+          <a:effectRef idx="0">
+            <a:schemeClr val="accent1"/>
+          </a:effectRef>
+          <a:fontRef idx="minor">
+            <a:schemeClr val="lt1"/>
+          </a:fontRef>
+        </p:style>
+        <p:txBody>
+          <a:bodyPr rtlCol="0" anchor="ctr"/>
+          <a:lstStyle/>
+          <a:p>
+            <a:pPr algn="ctr"/>
+            <a:endParaRPr kumimoji="1" lang="ja-JP" altLang="en-US">
+              <a:solidFill>
+                <a:srgbClr val="011893"/>
+              </a:solidFill>
+            </a:endParaRPr>
+          </a:p>
+        </p:txBody>
+      </p:sp>
+      <p:sp>
+        <p:nvSpPr>
+          <p:cNvPr id="11" name="正方形/長方形 10">
+            <a:extLst>
+              <a:ext uri="{FF2B5EF4-FFF2-40B4-BE49-F238E27FC236}">
+                <a16:creationId xmlns:a16="http://schemas.microsoft.com/office/drawing/2014/main" id="{99CEAA87-620F-F242-B525-70313C5BF514}"/>
+              </a:ext>
+            </a:extLst>
+          </p:cNvPr>
+          <p:cNvSpPr/>
+          <p:nvPr/>
+        </p:nvSpPr>
+        <p:spPr>
+          <a:xfrm>
+            <a:off x="4241049" y="3459622"/>
+            <a:ext cx="2520280" cy="576064"/>
+          </a:xfrm>
+          <a:prstGeom prst="rect">
+            <a:avLst/>
+          </a:prstGeom>
+          <a:noFill/>
+          <a:ln w="38100">
+            <a:solidFill>
+              <a:srgbClr val="011893"/>
+            </a:solidFill>
+          </a:ln>
+        </p:spPr>
+        <p:style>
+          <a:lnRef idx="2">
+            <a:schemeClr val="accent1">
+              <a:shade val="50000"/>
+            </a:schemeClr>
+          </a:lnRef>
+          <a:fillRef idx="1">
+            <a:schemeClr val="accent1"/>
+          </a:fillRef>
+          <a:effectRef idx="0">
+            <a:schemeClr val="accent1"/>
+          </a:effectRef>
+          <a:fontRef idx="minor">
+            <a:schemeClr val="lt1"/>
+          </a:fontRef>
+        </p:style>
+        <p:txBody>
+          <a:bodyPr rtlCol="0" anchor="ctr"/>
+          <a:lstStyle/>
+          <a:p>
+            <a:pPr algn="ctr"/>
+            <a:endParaRPr kumimoji="1" lang="ja-JP" altLang="en-US">
+              <a:solidFill>
+                <a:srgbClr val="011893"/>
+              </a:solidFill>
+            </a:endParaRPr>
+          </a:p>
+        </p:txBody>
+      </p:sp>
+      <p:sp>
+        <p:nvSpPr>
+          <p:cNvPr id="12" name="正方形/長方形 11">
+            <a:extLst>
+              <a:ext uri="{FF2B5EF4-FFF2-40B4-BE49-F238E27FC236}">
+                <a16:creationId xmlns:a16="http://schemas.microsoft.com/office/drawing/2014/main" id="{97CF70C1-89A3-0A46-BA7E-90D7B60EB7C3}"/>
+              </a:ext>
+            </a:extLst>
+          </p:cNvPr>
+          <p:cNvSpPr/>
+          <p:nvPr/>
+        </p:nvSpPr>
+        <p:spPr>
+          <a:xfrm>
+            <a:off x="4997133" y="4539742"/>
+            <a:ext cx="936104" cy="576064"/>
+          </a:xfrm>
+          <a:prstGeom prst="rect">
+            <a:avLst/>
+          </a:prstGeom>
+          <a:noFill/>
+          <a:ln w="38100">
+            <a:solidFill>
+              <a:srgbClr val="011893"/>
+            </a:solidFill>
+          </a:ln>
+        </p:spPr>
+        <p:style>
+          <a:lnRef idx="2">
+            <a:schemeClr val="accent1">
+              <a:shade val="50000"/>
+            </a:schemeClr>
+          </a:lnRef>
+          <a:fillRef idx="1">
+            <a:schemeClr val="accent1"/>
+          </a:fillRef>
+          <a:effectRef idx="0">
+            <a:schemeClr val="accent1"/>
+          </a:effectRef>
+          <a:fontRef idx="minor">
+            <a:schemeClr val="lt1"/>
+          </a:fontRef>
+        </p:style>
+        <p:txBody>
+          <a:bodyPr rtlCol="0" anchor="ctr"/>
+          <a:lstStyle/>
+          <a:p>
+            <a:pPr algn="ctr"/>
+            <a:endParaRPr kumimoji="1" lang="ja-JP" altLang="en-US">
+              <a:solidFill>
+                <a:srgbClr val="011893"/>
+              </a:solidFill>
+            </a:endParaRPr>
+          </a:p>
+        </p:txBody>
+      </p:sp>
+      <p:sp>
+        <p:nvSpPr>
+          <p:cNvPr id="13" name="テキスト ボックス 12">
+            <a:extLst>
+              <a:ext uri="{FF2B5EF4-FFF2-40B4-BE49-F238E27FC236}">
+                <a16:creationId xmlns:a16="http://schemas.microsoft.com/office/drawing/2014/main" id="{2EED2D9C-ED2C-F44D-8771-7A32B799BF6F}"/>
+              </a:ext>
+            </a:extLst>
+          </p:cNvPr>
+          <p:cNvSpPr txBox="1"/>
+          <p:nvPr/>
+        </p:nvSpPr>
+        <p:spPr>
+          <a:xfrm>
+            <a:off x="4962484" y="4539742"/>
+            <a:ext cx="1005403" cy="584775"/>
+          </a:xfrm>
+          <a:prstGeom prst="rect">
+            <a:avLst/>
+          </a:prstGeom>
+          <a:noFill/>
+        </p:spPr>
+        <p:txBody>
+          <a:bodyPr wrap="none" rtlCol="0">
+            <a:spAutoFit/>
+          </a:bodyPr>
+          <a:lstStyle/>
+          <a:p>
+            <a:pPr algn="ctr"/>
+            <a:r>
+              <a:rPr kumimoji="1" lang="ja-JP" altLang="en-US" sz="3200"/>
+              <a:t>反応</a:t>
+            </a:r>
+          </a:p>
+        </p:txBody>
+      </p:sp>
+      <p:cxnSp>
+        <p:nvCxnSpPr>
+          <p:cNvPr id="14" name="直線矢印コネクタ 13">
+            <a:extLst>
+              <a:ext uri="{FF2B5EF4-FFF2-40B4-BE49-F238E27FC236}">
+                <a16:creationId xmlns:a16="http://schemas.microsoft.com/office/drawing/2014/main" id="{37F7698B-1321-1444-8983-0F1645F183EE}"/>
+              </a:ext>
+            </a:extLst>
+          </p:cNvPr>
+          <p:cNvCxnSpPr/>
+          <p:nvPr/>
+        </p:nvCxnSpPr>
+        <p:spPr>
+          <a:xfrm flipV="1">
+            <a:off x="3519615" y="4107694"/>
+            <a:ext cx="1354" cy="432048"/>
+          </a:xfrm>
+          <a:prstGeom prst="straightConnector1">
+            <a:avLst/>
+          </a:prstGeom>
+          <a:ln>
+            <a:tailEnd type="triangle"/>
+          </a:ln>
+        </p:spPr>
+        <p:style>
+          <a:lnRef idx="1">
+            <a:schemeClr val="accent1"/>
+          </a:lnRef>
+          <a:fillRef idx="0">
+            <a:schemeClr val="accent1"/>
+          </a:fillRef>
+          <a:effectRef idx="0">
+            <a:schemeClr val="accent1"/>
+          </a:effectRef>
+          <a:fontRef idx="minor">
+            <a:schemeClr val="tx1"/>
+          </a:fontRef>
+        </p:style>
+      </p:cxnSp>
+      <p:cxnSp>
+        <p:nvCxnSpPr>
+          <p:cNvPr id="15" name="直線矢印コネクタ 14">
+            <a:extLst>
+              <a:ext uri="{FF2B5EF4-FFF2-40B4-BE49-F238E27FC236}">
+                <a16:creationId xmlns:a16="http://schemas.microsoft.com/office/drawing/2014/main" id="{333C4255-28F8-7048-9A4B-9A49C4A97229}"/>
+              </a:ext>
+            </a:extLst>
+          </p:cNvPr>
+          <p:cNvCxnSpPr/>
+          <p:nvPr/>
+        </p:nvCxnSpPr>
+        <p:spPr>
+          <a:xfrm flipV="1">
+            <a:off x="5465185" y="4107694"/>
+            <a:ext cx="1354" cy="432048"/>
+          </a:xfrm>
+          <a:prstGeom prst="straightConnector1">
+            <a:avLst/>
+          </a:prstGeom>
+          <a:ln>
+            <a:solidFill>
+              <a:srgbClr val="011893"/>
+            </a:solidFill>
+            <a:tailEnd type="triangle"/>
+          </a:ln>
+        </p:spPr>
+        <p:style>
+          <a:lnRef idx="1">
+            <a:schemeClr val="accent1"/>
+          </a:lnRef>
+          <a:fillRef idx="0">
+            <a:schemeClr val="accent1"/>
+          </a:fillRef>
+          <a:effectRef idx="0">
+            <a:schemeClr val="accent1"/>
+          </a:effectRef>
+          <a:fontRef idx="minor">
+            <a:schemeClr val="tx1"/>
+          </a:fontRef>
+        </p:style>
+      </p:cxnSp>
+    </p:spTree>
+    <p:extLst>
+      <p:ext uri="{BB962C8B-B14F-4D97-AF65-F5344CB8AC3E}">
+        <p14:creationId xmlns:p14="http://schemas.microsoft.com/office/powerpoint/2010/main" val="3298779875"/>
+      </p:ext>
+    </p:extLst>
+  </p:cSld>
+  <p:clrMapOvr>
+    <a:masterClrMapping/>
+  </p:clrMapOvr>
+</p:sld>
+</file>
+
+<file path=ppt/slides/slide7.xml><?xml version="1.0" encoding="utf-8"?>
+<p:sld xmlns:a="http://schemas.openxmlformats.org/drawingml/2006/main" xmlns:r="http://schemas.openxmlformats.org/officeDocument/2006/relationships" xmlns:p="http://schemas.openxmlformats.org/presentationml/2006/main">
+  <p:cSld>
+    <p:spTree>
+      <p:nvGrpSpPr>
+        <p:cNvPr id="1" name=""/>
+        <p:cNvGrpSpPr/>
+        <p:nvPr/>
+      </p:nvGrpSpPr>
+      <p:grpSpPr>
+        <a:xfrm>
+          <a:off x="0" y="0"/>
+          <a:ext cx="0" cy="0"/>
+          <a:chOff x="0" y="0"/>
+          <a:chExt cx="0" cy="0"/>
+        </a:xfrm>
+      </p:grpSpPr>
       <p:sp>
         <p:nvSpPr>
           <p:cNvPr id="2" name="正方形/長方形 1">
@@ -13487,7 +15173,7 @@
 </p:sld>
 </file>
 
-<file path=ppt/slides/slide6.xml><?xml version="1.0" encoding="utf-8"?>
+<file path=ppt/slides/slide8.xml><?xml version="1.0" encoding="utf-8"?>
 <p:sld xmlns:a="http://schemas.openxmlformats.org/drawingml/2006/main" xmlns:r="http://schemas.openxmlformats.org/officeDocument/2006/relationships" xmlns:p="http://schemas.openxmlformats.org/presentationml/2006/main">
   <p:cSld>
     <p:spTree>

--- a/simulation/fig/fig.pptx
+++ b/simulation/fig/fig.pptx
@@ -703,8 +703,8 @@
           </a:p>
         </p:txBody>
       </p:sp>
-      <mc:AlternateContent xmlns:mc="http://schemas.openxmlformats.org/markup-compatibility/2006">
-        <mc:Choice xmlns:a14="http://schemas.microsoft.com/office/drawing/2010/main" Requires="a14">
+      <mc:AlternateContent xmlns:mc="http://schemas.openxmlformats.org/markup-compatibility/2006" xmlns:a14="http://schemas.microsoft.com/office/drawing/2010/main">
+        <mc:Choice Requires="a14">
           <p:sp>
             <p:nvSpPr>
               <p:cNvPr id="7" name="テキスト ボックス 6">
@@ -754,7 +754,7 @@
             </p:txBody>
           </p:sp>
         </mc:Choice>
-        <mc:Fallback>
+        <mc:Fallback xmlns="">
           <p:sp>
             <p:nvSpPr>
               <p:cNvPr id="7" name="テキスト ボックス 6">
@@ -838,8 +838,8 @@
           </a:p>
         </p:txBody>
       </p:sp>
-      <mc:AlternateContent xmlns:mc="http://schemas.openxmlformats.org/markup-compatibility/2006">
-        <mc:Choice xmlns:a14="http://schemas.microsoft.com/office/drawing/2010/main" Requires="a14">
+      <mc:AlternateContent xmlns:mc="http://schemas.openxmlformats.org/markup-compatibility/2006" xmlns:a14="http://schemas.microsoft.com/office/drawing/2010/main">
+        <mc:Choice Requires="a14">
           <p:sp>
             <p:nvSpPr>
               <p:cNvPr id="9" name="テキスト ボックス 8">
@@ -906,7 +906,7 @@
             </p:txBody>
           </p:sp>
         </mc:Choice>
-        <mc:Fallback>
+        <mc:Fallback xmlns="">
           <p:sp>
             <p:nvSpPr>
               <p:cNvPr id="9" name="テキスト ボックス 8">
@@ -1302,8 +1302,8 @@
           </a:p>
         </p:txBody>
       </p:sp>
-      <mc:AlternateContent xmlns:mc="http://schemas.openxmlformats.org/markup-compatibility/2006">
-        <mc:Choice xmlns:a14="http://schemas.microsoft.com/office/drawing/2010/main" Requires="a14">
+      <mc:AlternateContent xmlns:mc="http://schemas.openxmlformats.org/markup-compatibility/2006" xmlns:a14="http://schemas.microsoft.com/office/drawing/2010/main">
+        <mc:Choice Requires="a14">
           <p:sp>
             <p:nvSpPr>
               <p:cNvPr id="18" name="テキスト ボックス 17">
@@ -1353,7 +1353,7 @@
             </p:txBody>
           </p:sp>
         </mc:Choice>
-        <mc:Fallback>
+        <mc:Fallback xmlns="">
           <p:sp>
             <p:nvSpPr>
               <p:cNvPr id="18" name="テキスト ボックス 17">
@@ -1398,8 +1398,8 @@
           </p:sp>
         </mc:Fallback>
       </mc:AlternateContent>
-      <mc:AlternateContent xmlns:mc="http://schemas.openxmlformats.org/markup-compatibility/2006">
-        <mc:Choice xmlns:a14="http://schemas.microsoft.com/office/drawing/2010/main" Requires="a14">
+      <mc:AlternateContent xmlns:mc="http://schemas.openxmlformats.org/markup-compatibility/2006" xmlns:a14="http://schemas.microsoft.com/office/drawing/2010/main">
+        <mc:Choice Requires="a14">
           <p:sp>
             <p:nvSpPr>
               <p:cNvPr id="19" name="テキスト ボックス 18">
@@ -1449,7 +1449,7 @@
             </p:txBody>
           </p:sp>
         </mc:Choice>
-        <mc:Fallback>
+        <mc:Fallback xmlns="">
           <p:sp>
             <p:nvSpPr>
               <p:cNvPr id="19" name="テキスト ボックス 18">
@@ -1494,8 +1494,8 @@
           </p:sp>
         </mc:Fallback>
       </mc:AlternateContent>
-      <mc:AlternateContent xmlns:mc="http://schemas.openxmlformats.org/markup-compatibility/2006">
-        <mc:Choice xmlns:a14="http://schemas.microsoft.com/office/drawing/2010/main" Requires="a14">
+      <mc:AlternateContent xmlns:mc="http://schemas.openxmlformats.org/markup-compatibility/2006" xmlns:a14="http://schemas.microsoft.com/office/drawing/2010/main">
+        <mc:Choice Requires="a14">
           <p:sp>
             <p:nvSpPr>
               <p:cNvPr id="20" name="テキスト ボックス 19">
@@ -1610,7 +1610,7 @@
             </p:txBody>
           </p:sp>
         </mc:Choice>
-        <mc:Fallback>
+        <mc:Fallback xmlns="">
           <p:sp>
             <p:nvSpPr>
               <p:cNvPr id="20" name="テキスト ボックス 19">
@@ -1655,8 +1655,8 @@
           </p:sp>
         </mc:Fallback>
       </mc:AlternateContent>
-      <mc:AlternateContent xmlns:mc="http://schemas.openxmlformats.org/markup-compatibility/2006">
-        <mc:Choice xmlns:a14="http://schemas.microsoft.com/office/drawing/2010/main" Requires="a14">
+      <mc:AlternateContent xmlns:mc="http://schemas.openxmlformats.org/markup-compatibility/2006" xmlns:a14="http://schemas.microsoft.com/office/drawing/2010/main">
+        <mc:Choice Requires="a14">
           <p:sp>
             <p:nvSpPr>
               <p:cNvPr id="21" name="テキスト ボックス 20">
@@ -1772,7 +1772,7 @@
             </p:txBody>
           </p:sp>
         </mc:Choice>
-        <mc:Fallback>
+        <mc:Fallback xmlns="">
           <p:sp>
             <p:nvSpPr>
               <p:cNvPr id="21" name="テキスト ボックス 20">
@@ -1817,8 +1817,8 @@
           </p:sp>
         </mc:Fallback>
       </mc:AlternateContent>
-      <mc:AlternateContent xmlns:mc="http://schemas.openxmlformats.org/markup-compatibility/2006">
-        <mc:Choice xmlns:a14="http://schemas.microsoft.com/office/drawing/2010/main" Requires="a14">
+      <mc:AlternateContent xmlns:mc="http://schemas.openxmlformats.org/markup-compatibility/2006" xmlns:a14="http://schemas.microsoft.com/office/drawing/2010/main">
+        <mc:Choice Requires="a14">
           <p:sp>
             <p:nvSpPr>
               <p:cNvPr id="22" name="テキスト ボックス 21">
@@ -1933,7 +1933,7 @@
             </p:txBody>
           </p:sp>
         </mc:Choice>
-        <mc:Fallback>
+        <mc:Fallback xmlns="">
           <p:sp>
             <p:nvSpPr>
               <p:cNvPr id="22" name="テキスト ボックス 21">
@@ -1978,8 +1978,8 @@
           </p:sp>
         </mc:Fallback>
       </mc:AlternateContent>
-      <mc:AlternateContent xmlns:mc="http://schemas.openxmlformats.org/markup-compatibility/2006">
-        <mc:Choice xmlns:a14="http://schemas.microsoft.com/office/drawing/2010/main" Requires="a14">
+      <mc:AlternateContent xmlns:mc="http://schemas.openxmlformats.org/markup-compatibility/2006" xmlns:a14="http://schemas.microsoft.com/office/drawing/2010/main">
+        <mc:Choice Requires="a14">
           <p:sp>
             <p:nvSpPr>
               <p:cNvPr id="23" name="テキスト ボックス 22">
@@ -2095,7 +2095,7 @@
             </p:txBody>
           </p:sp>
         </mc:Choice>
-        <mc:Fallback>
+        <mc:Fallback xmlns="">
           <p:sp>
             <p:nvSpPr>
               <p:cNvPr id="23" name="テキスト ボックス 22">
@@ -2184,8 +2184,8 @@
           </a:fontRef>
         </p:style>
       </p:cxnSp>
-      <mc:AlternateContent xmlns:mc="http://schemas.openxmlformats.org/markup-compatibility/2006">
-        <mc:Choice xmlns:a14="http://schemas.microsoft.com/office/drawing/2010/main" Requires="a14">
+      <mc:AlternateContent xmlns:mc="http://schemas.openxmlformats.org/markup-compatibility/2006" xmlns:a14="http://schemas.microsoft.com/office/drawing/2010/main">
+        <mc:Choice Requires="a14">
           <p:sp>
             <p:nvSpPr>
               <p:cNvPr id="25" name="テキスト ボックス 24">
@@ -2228,7 +2228,7 @@
                           </a:solidFill>
                           <a:latin typeface="Cambria Math" panose="02040503050406030204" pitchFamily="18" charset="0"/>
                         </a:rPr>
-                        <m:t>-</m:t>
+                        <m:t>−</m:t>
                       </m:r>
                       <m:r>
                         <a:rPr kumimoji="1" lang="en-US" altLang="ja-JP" b="0" i="1">
@@ -2251,7 +2251,7 @@
             </p:txBody>
           </p:sp>
         </mc:Choice>
-        <mc:Fallback>
+        <mc:Fallback xmlns="">
           <p:sp>
             <p:nvSpPr>
               <p:cNvPr id="25" name="テキスト ボックス 24">
@@ -2368,7 +2368,6 @@
           </a:bodyPr>
           <a:lstStyle/>
           <a:p>
-            <a:pPr/>
             <a:r>
               <a:rPr kumimoji="1" lang="ja-JP" altLang="en-US">
                 <a:solidFill>
@@ -2380,8 +2379,8 @@
           </a:p>
         </p:txBody>
       </p:sp>
-      <mc:AlternateContent xmlns:mc="http://schemas.openxmlformats.org/markup-compatibility/2006">
-        <mc:Choice xmlns:a14="http://schemas.microsoft.com/office/drawing/2010/main" Requires="a14">
+      <mc:AlternateContent xmlns:mc="http://schemas.openxmlformats.org/markup-compatibility/2006" xmlns:a14="http://schemas.microsoft.com/office/drawing/2010/main">
+        <mc:Choice Requires="a14">
           <p:sp>
             <p:nvSpPr>
               <p:cNvPr id="28" name="テキスト ボックス 27">
@@ -2510,7 +2509,7 @@
             </p:txBody>
           </p:sp>
         </mc:Choice>
-        <mc:Fallback>
+        <mc:Fallback xmlns="">
           <p:sp>
             <p:nvSpPr>
               <p:cNvPr id="28" name="テキスト ボックス 27">
@@ -2555,8 +2554,8 @@
           </p:sp>
         </mc:Fallback>
       </mc:AlternateContent>
-      <mc:AlternateContent xmlns:mc="http://schemas.openxmlformats.org/markup-compatibility/2006">
-        <mc:Choice xmlns:a14="http://schemas.microsoft.com/office/drawing/2010/main" Requires="a14">
+      <mc:AlternateContent xmlns:mc="http://schemas.openxmlformats.org/markup-compatibility/2006" xmlns:a14="http://schemas.microsoft.com/office/drawing/2010/main">
+        <mc:Choice Requires="a14">
           <p:sp>
             <p:nvSpPr>
               <p:cNvPr id="29" name="テキスト ボックス 28">
@@ -2685,7 +2684,7 @@
             </p:txBody>
           </p:sp>
         </mc:Choice>
-        <mc:Fallback>
+        <mc:Fallback xmlns="">
           <p:sp>
             <p:nvSpPr>
               <p:cNvPr id="29" name="テキスト ボックス 28">
@@ -3905,8 +3904,8 @@
           </a:p>
         </p:txBody>
       </p:sp>
-      <mc:AlternateContent xmlns:mc="http://schemas.openxmlformats.org/markup-compatibility/2006">
-        <mc:Choice xmlns:a14="http://schemas.microsoft.com/office/drawing/2010/main" Requires="a14">
+      <mc:AlternateContent xmlns:mc="http://schemas.openxmlformats.org/markup-compatibility/2006" xmlns:a14="http://schemas.microsoft.com/office/drawing/2010/main">
+        <mc:Choice Requires="a14">
           <p:sp>
             <p:nvSpPr>
               <p:cNvPr id="69" name="テキスト ボックス 68">
@@ -3956,7 +3955,7 @@
             </p:txBody>
           </p:sp>
         </mc:Choice>
-        <mc:Fallback>
+        <mc:Fallback xmlns="">
           <p:sp>
             <p:nvSpPr>
               <p:cNvPr id="69" name="テキスト ボックス 68">
@@ -4753,8 +4752,8 @@
           </a:fontRef>
         </p:style>
       </p:cxnSp>
-      <mc:AlternateContent xmlns:mc="http://schemas.openxmlformats.org/markup-compatibility/2006" xmlns:a14="http://schemas.microsoft.com/office/drawing/2010/main">
-        <mc:Choice Requires="a14">
+      <mc:AlternateContent xmlns:mc="http://schemas.openxmlformats.org/markup-compatibility/2006">
+        <mc:Choice xmlns:a14="http://schemas.microsoft.com/office/drawing/2010/main" Requires="a14">
           <p:sp>
             <p:nvSpPr>
               <p:cNvPr id="80" name="テキスト ボックス 79">
@@ -4791,13 +4790,13 @@
                     </m:oMathParaPr>
                     <m:oMath xmlns:m="http://schemas.openxmlformats.org/officeDocument/2006/math">
                       <m:r>
-                        <a:rPr kumimoji="1" lang="en-US" altLang="ja-JP" i="1">
+                        <a:rPr kumimoji="1" lang="en-US" altLang="ja-JP" b="0" i="1" smtClean="0">
                           <a:solidFill>
                             <a:srgbClr val="0070C0"/>
                           </a:solidFill>
                           <a:latin typeface="Cambria Math" panose="02040503050406030204" pitchFamily="18" charset="0"/>
                         </a:rPr>
-                        <m:t>+</m:t>
+                        <m:t>−</m:t>
                       </m:r>
                       <m:r>
                         <a:rPr kumimoji="1" lang="en-US" altLang="ja-JP" b="0" i="1">
@@ -4820,7 +4819,7 @@
             </p:txBody>
           </p:sp>
         </mc:Choice>
-        <mc:Fallback xmlns="">
+        <mc:Fallback>
           <p:sp>
             <p:nvSpPr>
               <p:cNvPr id="80" name="テキスト ボックス 79">
@@ -4846,7 +4845,7 @@
               <a:blipFill>
                 <a:blip r:embed="rId10"/>
                 <a:stretch>
-                  <a:fillRect l="-9677" r="-9677" b="-21739"/>
+                  <a:fillRect r="-9677" b="-21739"/>
                 </a:stretch>
               </a:blipFill>
             </p:spPr>
@@ -8725,8 +8724,8 @@
           </a:p>
         </p:txBody>
       </p:sp>
-      <mc:AlternateContent xmlns:mc="http://schemas.openxmlformats.org/markup-compatibility/2006">
-        <mc:Choice xmlns:a14="http://schemas.microsoft.com/office/drawing/2010/main" Requires="a14">
+      <mc:AlternateContent xmlns:mc="http://schemas.openxmlformats.org/markup-compatibility/2006" xmlns:a14="http://schemas.microsoft.com/office/drawing/2010/main">
+        <mc:Choice Requires="a14">
           <p:sp>
             <p:nvSpPr>
               <p:cNvPr id="4" name="テキスト ボックス 3">
@@ -8922,7 +8921,7 @@
             </p:txBody>
           </p:sp>
         </mc:Choice>
-        <mc:Fallback>
+        <mc:Fallback xmlns="">
           <p:sp>
             <p:nvSpPr>
               <p:cNvPr id="4" name="テキスト ボックス 3">
@@ -8967,8 +8966,8 @@
           </p:sp>
         </mc:Fallback>
       </mc:AlternateContent>
-      <mc:AlternateContent xmlns:mc="http://schemas.openxmlformats.org/markup-compatibility/2006">
-        <mc:Choice xmlns:a14="http://schemas.microsoft.com/office/drawing/2010/main" Requires="a14">
+      <mc:AlternateContent xmlns:mc="http://schemas.openxmlformats.org/markup-compatibility/2006" xmlns:a14="http://schemas.microsoft.com/office/drawing/2010/main">
+        <mc:Choice Requires="a14">
           <p:sp>
             <p:nvSpPr>
               <p:cNvPr id="5" name="テキスト ボックス 4">
@@ -9175,7 +9174,7 @@
             </p:txBody>
           </p:sp>
         </mc:Choice>
-        <mc:Fallback>
+        <mc:Fallback xmlns="">
           <p:sp>
             <p:nvSpPr>
               <p:cNvPr id="5" name="テキスト ボックス 4">
